--- a/training/day1/1MicroservicesDay1.pptx
+++ b/training/day1/1MicroservicesDay1.pptx
@@ -224,7 +224,7 @@
           <a:p>
             <a:fld id="{F15A6252-5F50-4106-9C23-9E03A675631E}" type="datetimeFigureOut">
               <a:rPr lang="en-IN" smtClean="0"/>
-              <a:t>29-04-2020</a:t>
+              <a:t>02-05-2020</a:t>
             </a:fld>
             <a:endParaRPr lang="en-IN"/>
           </a:p>
@@ -725,7 +725,7 @@
           <a:p>
             <a:fld id="{4086692B-153F-4DFE-BFBD-A2AE2C7443B6}" type="datetimeFigureOut">
               <a:rPr lang="en-IN" smtClean="0"/>
-              <a:t>29-04-2020</a:t>
+              <a:t>02-05-2020</a:t>
             </a:fld>
             <a:endParaRPr lang="en-IN"/>
           </a:p>
@@ -925,7 +925,7 @@
           <a:p>
             <a:fld id="{4086692B-153F-4DFE-BFBD-A2AE2C7443B6}" type="datetimeFigureOut">
               <a:rPr lang="en-IN" smtClean="0"/>
-              <a:t>29-04-2020</a:t>
+              <a:t>02-05-2020</a:t>
             </a:fld>
             <a:endParaRPr lang="en-IN"/>
           </a:p>
@@ -1135,7 +1135,7 @@
           <a:p>
             <a:fld id="{4086692B-153F-4DFE-BFBD-A2AE2C7443B6}" type="datetimeFigureOut">
               <a:rPr lang="en-IN" smtClean="0"/>
-              <a:t>29-04-2020</a:t>
+              <a:t>02-05-2020</a:t>
             </a:fld>
             <a:endParaRPr lang="en-IN"/>
           </a:p>
@@ -1335,7 +1335,7 @@
           <a:p>
             <a:fld id="{4086692B-153F-4DFE-BFBD-A2AE2C7443B6}" type="datetimeFigureOut">
               <a:rPr lang="en-IN" smtClean="0"/>
-              <a:t>29-04-2020</a:t>
+              <a:t>02-05-2020</a:t>
             </a:fld>
             <a:endParaRPr lang="en-IN"/>
           </a:p>
@@ -1611,7 +1611,7 @@
           <a:p>
             <a:fld id="{4086692B-153F-4DFE-BFBD-A2AE2C7443B6}" type="datetimeFigureOut">
               <a:rPr lang="en-IN" smtClean="0"/>
-              <a:t>29-04-2020</a:t>
+              <a:t>02-05-2020</a:t>
             </a:fld>
             <a:endParaRPr lang="en-IN"/>
           </a:p>
@@ -1879,7 +1879,7 @@
           <a:p>
             <a:fld id="{4086692B-153F-4DFE-BFBD-A2AE2C7443B6}" type="datetimeFigureOut">
               <a:rPr lang="en-IN" smtClean="0"/>
-              <a:t>29-04-2020</a:t>
+              <a:t>02-05-2020</a:t>
             </a:fld>
             <a:endParaRPr lang="en-IN"/>
           </a:p>
@@ -2294,7 +2294,7 @@
           <a:p>
             <a:fld id="{4086692B-153F-4DFE-BFBD-A2AE2C7443B6}" type="datetimeFigureOut">
               <a:rPr lang="en-IN" smtClean="0"/>
-              <a:t>29-04-2020</a:t>
+              <a:t>02-05-2020</a:t>
             </a:fld>
             <a:endParaRPr lang="en-IN"/>
           </a:p>
@@ -2436,7 +2436,7 @@
           <a:p>
             <a:fld id="{4086692B-153F-4DFE-BFBD-A2AE2C7443B6}" type="datetimeFigureOut">
               <a:rPr lang="en-IN" smtClean="0"/>
-              <a:t>29-04-2020</a:t>
+              <a:t>02-05-2020</a:t>
             </a:fld>
             <a:endParaRPr lang="en-IN"/>
           </a:p>
@@ -2549,7 +2549,7 @@
           <a:p>
             <a:fld id="{4086692B-153F-4DFE-BFBD-A2AE2C7443B6}" type="datetimeFigureOut">
               <a:rPr lang="en-IN" smtClean="0"/>
-              <a:t>29-04-2020</a:t>
+              <a:t>02-05-2020</a:t>
             </a:fld>
             <a:endParaRPr lang="en-IN"/>
           </a:p>
@@ -2862,7 +2862,7 @@
           <a:p>
             <a:fld id="{4086692B-153F-4DFE-BFBD-A2AE2C7443B6}" type="datetimeFigureOut">
               <a:rPr lang="en-IN" smtClean="0"/>
-              <a:t>29-04-2020</a:t>
+              <a:t>02-05-2020</a:t>
             </a:fld>
             <a:endParaRPr lang="en-IN"/>
           </a:p>
@@ -3151,7 +3151,7 @@
           <a:p>
             <a:fld id="{4086692B-153F-4DFE-BFBD-A2AE2C7443B6}" type="datetimeFigureOut">
               <a:rPr lang="en-IN" smtClean="0"/>
-              <a:t>29-04-2020</a:t>
+              <a:t>02-05-2020</a:t>
             </a:fld>
             <a:endParaRPr lang="en-IN"/>
           </a:p>
@@ -3394,7 +3394,7 @@
           <a:p>
             <a:fld id="{4086692B-153F-4DFE-BFBD-A2AE2C7443B6}" type="datetimeFigureOut">
               <a:rPr lang="en-IN" smtClean="0"/>
-              <a:t>29-04-2020</a:t>
+              <a:t>02-05-2020</a:t>
             </a:fld>
             <a:endParaRPr lang="en-IN"/>
           </a:p>
@@ -3881,7 +3881,7 @@
         <p:spPr>
           <a:xfrm>
             <a:off x="838200" y="1779687"/>
-            <a:ext cx="10515600" cy="3970318"/>
+            <a:ext cx="10515600" cy="3693319"/>
           </a:xfrm>
           <a:prstGeom prst="rect">
             <a:avLst/>
@@ -4034,16 +4034,6 @@
                 </a:solidFill>
               </a:rPr>
               <a:t>Postman basics</a:t>
-            </a:r>
-          </a:p>
-          <a:p>
-            <a:r>
-              <a:rPr lang="en-US" dirty="0">
-                <a:solidFill>
-                  <a:schemeClr val="bg1"/>
-                </a:solidFill>
-              </a:rPr>
-              <a:t>	</a:t>
             </a:r>
           </a:p>
         </p:txBody>
@@ -8329,31 +8319,22 @@
           <a:lstStyle/>
           <a:p>
             <a:r>
+              <a:rPr lang="en-US">
+                <a:solidFill>
+                  <a:schemeClr val="bg1"/>
+                </a:solidFill>
+                <a:latin typeface="+mn-lt"/>
+              </a:rPr>
+              <a:t> Designing </a:t>
+            </a:r>
+            <a:r>
               <a:rPr lang="en-US" dirty="0">
                 <a:solidFill>
                   <a:schemeClr val="bg1"/>
                 </a:solidFill>
                 <a:latin typeface="+mn-lt"/>
               </a:rPr>
-              <a:t> </a:t>
-            </a:r>
-            <a:r>
-              <a:rPr lang="en-US" dirty="0" err="1">
-                <a:solidFill>
-                  <a:schemeClr val="bg1"/>
-                </a:solidFill>
-                <a:latin typeface="+mn-lt"/>
-              </a:rPr>
-              <a:t>Designig</a:t>
-            </a:r>
-            <a:r>
-              <a:rPr lang="en-US" dirty="0">
-                <a:solidFill>
-                  <a:schemeClr val="bg1"/>
-                </a:solidFill>
-                <a:latin typeface="+mn-lt"/>
-              </a:rPr>
-              <a:t> a microservice from scratch</a:t>
+              <a:t>a microservice from scratch</a:t>
             </a:r>
             <a:endParaRPr lang="en-IN" dirty="0">
               <a:solidFill>
@@ -8613,8 +8594,8 @@
         </p:nvSpPr>
         <p:spPr>
           <a:xfrm>
-            <a:off x="6095999" y="1779687"/>
-            <a:ext cx="5804611" cy="2862322"/>
+            <a:off x="754516" y="5541464"/>
+            <a:ext cx="10599284" cy="923330"/>
           </a:xfrm>
           <a:prstGeom prst="rect">
             <a:avLst/>
@@ -8633,11 +8614,11 @@
                   <a:schemeClr val="bg1"/>
                 </a:solidFill>
               </a:rPr>
-              <a:t>Refrigerator – Freezer cannot be injected by us.</a:t>
-            </a:r>
-          </a:p>
-          <a:p>
-            <a:endParaRPr lang="en-US" b="1" dirty="0">
+              <a:t>Refer Dependency Injection</a:t>
+            </a:r>
+          </a:p>
+          <a:p>
+            <a:endParaRPr lang="en-US" dirty="0">
               <a:solidFill>
                 <a:schemeClr val="bg1"/>
               </a:solidFill>
@@ -8650,75 +8631,16 @@
                   <a:schemeClr val="bg1"/>
                 </a:solidFill>
               </a:rPr>
-              <a:t>Car – driver can be injected by us.</a:t>
-            </a:r>
-          </a:p>
-          <a:p>
-            <a:r>
-              <a:rPr lang="en-US" b="1" dirty="0">
-                <a:solidFill>
-                  <a:schemeClr val="bg1"/>
-                </a:solidFill>
-              </a:rPr>
-              <a:t>	Gives us control</a:t>
-            </a:r>
-          </a:p>
-          <a:p>
-            <a:r>
-              <a:rPr lang="en-US" b="1" dirty="0">
-                <a:solidFill>
-                  <a:schemeClr val="bg1"/>
-                </a:solidFill>
-              </a:rPr>
-              <a:t>	Control has got inverted</a:t>
-            </a:r>
-          </a:p>
-          <a:p>
-            <a:r>
-              <a:rPr lang="en-US" b="1" dirty="0">
-                <a:solidFill>
-                  <a:schemeClr val="bg1"/>
-                </a:solidFill>
-              </a:rPr>
-              <a:t>Adv.</a:t>
-            </a:r>
-          </a:p>
-          <a:p>
-            <a:r>
-              <a:rPr lang="en-US" b="1" dirty="0">
-                <a:solidFill>
-                  <a:schemeClr val="bg1"/>
-                </a:solidFill>
-              </a:rPr>
-              <a:t>	Any driver can drive a car</a:t>
-            </a:r>
-          </a:p>
-          <a:p>
-            <a:r>
-              <a:rPr lang="en-US" b="1" dirty="0">
-                <a:solidFill>
-                  <a:schemeClr val="bg1"/>
-                </a:solidFill>
-              </a:rPr>
-              <a:t>	Driver can drive any cars</a:t>
-            </a:r>
-          </a:p>
-          <a:p>
-            <a:r>
-              <a:rPr lang="en-US" b="1" dirty="0">
-                <a:solidFill>
-                  <a:schemeClr val="bg1"/>
-                </a:solidFill>
-              </a:rPr>
-              <a:t>	No separate learning required.</a:t>
-            </a:r>
-          </a:p>
-          <a:p>
-            <a:endParaRPr lang="en-US" b="1" dirty="0">
-              <a:solidFill>
-                <a:schemeClr val="bg1"/>
-              </a:solidFill>
-            </a:endParaRPr>
+              <a:t>D:\PraiseTheLord\HSBGInfotech\Freshers\Edureka\SOLID\DIP.java</a:t>
+            </a:r>
+            <a:r>
+              <a:rPr lang="en-US" dirty="0">
+                <a:solidFill>
+                  <a:schemeClr val="bg1"/>
+                </a:solidFill>
+              </a:rPr>
+              <a:t>	</a:t>
+            </a:r>
           </a:p>
         </p:txBody>
       </p:sp>
@@ -8745,7 +8667,7 @@
         <p:spPr>
           <a:xfrm>
             <a:off x="754516" y="1690688"/>
-            <a:ext cx="4557713" cy="4677455"/>
+            <a:ext cx="4557713" cy="3828369"/>
           </a:xfrm>
           <a:prstGeom prst="rect">
             <a:avLst/>
@@ -8782,7 +8704,7 @@
         <p:spPr bwMode="auto">
           <a:xfrm>
             <a:off x="6096000" y="1690688"/>
-            <a:ext cx="5257800" cy="4677456"/>
+            <a:ext cx="5257800" cy="3828369"/>
           </a:xfrm>
           <a:prstGeom prst="rect">
             <a:avLst/>
@@ -9142,23 +9064,7 @@
                   <a:schemeClr val="bg1"/>
                 </a:solidFill>
               </a:rPr>
-              <a:t>	An </a:t>
-            </a:r>
-            <a:r>
-              <a:rPr lang="en-US" b="1" dirty="0" err="1">
-                <a:solidFill>
-                  <a:schemeClr val="bg1"/>
-                </a:solidFill>
-              </a:rPr>
-              <a:t>applicatin</a:t>
-            </a:r>
-            <a:r>
-              <a:rPr lang="en-US" b="1" dirty="0">
-                <a:solidFill>
-                  <a:schemeClr val="bg1"/>
-                </a:solidFill>
-              </a:rPr>
-              <a:t>/machine can talk to my app irrespective of any platform.</a:t>
+              <a:t>	An application/machine can talk to my app irrespective of any platform.</a:t>
             </a:r>
           </a:p>
           <a:p>

--- a/training/day1/1MicroservicesDay1.pptx
+++ b/training/day1/1MicroservicesDay1.pptx
@@ -15,25 +15,25 @@
     <p:sldId id="426" r:id="rId6"/>
     <p:sldId id="427" r:id="rId7"/>
     <p:sldId id="428" r:id="rId8"/>
-    <p:sldId id="429" r:id="rId9"/>
-    <p:sldId id="424" r:id="rId10"/>
-    <p:sldId id="417" r:id="rId11"/>
-    <p:sldId id="419" r:id="rId12"/>
-    <p:sldId id="453" r:id="rId13"/>
-    <p:sldId id="420" r:id="rId14"/>
-    <p:sldId id="425" r:id="rId15"/>
-    <p:sldId id="421" r:id="rId16"/>
-    <p:sldId id="422" r:id="rId17"/>
-    <p:sldId id="430" r:id="rId18"/>
-    <p:sldId id="452" r:id="rId19"/>
-    <p:sldId id="454" r:id="rId20"/>
-    <p:sldId id="455" r:id="rId21"/>
-    <p:sldId id="431" r:id="rId22"/>
-    <p:sldId id="450" r:id="rId23"/>
-    <p:sldId id="451" r:id="rId24"/>
-    <p:sldId id="432" r:id="rId25"/>
-    <p:sldId id="433" r:id="rId26"/>
-    <p:sldId id="434" r:id="rId27"/>
+    <p:sldId id="424" r:id="rId9"/>
+    <p:sldId id="419" r:id="rId10"/>
+    <p:sldId id="453" r:id="rId11"/>
+    <p:sldId id="420" r:id="rId12"/>
+    <p:sldId id="425" r:id="rId13"/>
+    <p:sldId id="421" r:id="rId14"/>
+    <p:sldId id="422" r:id="rId15"/>
+    <p:sldId id="430" r:id="rId16"/>
+    <p:sldId id="452" r:id="rId17"/>
+    <p:sldId id="454" r:id="rId18"/>
+    <p:sldId id="455" r:id="rId19"/>
+    <p:sldId id="431" r:id="rId20"/>
+    <p:sldId id="450" r:id="rId21"/>
+    <p:sldId id="451" r:id="rId22"/>
+    <p:sldId id="432" r:id="rId23"/>
+    <p:sldId id="433" r:id="rId24"/>
+    <p:sldId id="434" r:id="rId25"/>
+    <p:sldId id="457" r:id="rId26"/>
+    <p:sldId id="456" r:id="rId27"/>
     <p:sldId id="435" r:id="rId28"/>
     <p:sldId id="436" r:id="rId29"/>
   </p:sldIdLst>
@@ -224,7 +224,7 @@
           <a:p>
             <a:fld id="{F15A6252-5F50-4106-9C23-9E03A675631E}" type="datetimeFigureOut">
               <a:rPr lang="en-IN" smtClean="0"/>
-              <a:t>02-05-2020</a:t>
+              <a:t>04-05-2020</a:t>
             </a:fld>
             <a:endParaRPr lang="en-IN"/>
           </a:p>
@@ -557,7 +557,7 @@
           <a:p>
             <a:fld id="{9B3CEC36-385F-48D4-8D43-C67229F8A2A2}" type="slidenum">
               <a:rPr lang="en-IN" smtClean="0"/>
-              <a:t>11</a:t>
+              <a:t>9</a:t>
             </a:fld>
             <a:endParaRPr lang="en-IN"/>
           </a:p>
@@ -725,7 +725,7 @@
           <a:p>
             <a:fld id="{4086692B-153F-4DFE-BFBD-A2AE2C7443B6}" type="datetimeFigureOut">
               <a:rPr lang="en-IN" smtClean="0"/>
-              <a:t>02-05-2020</a:t>
+              <a:t>04-05-2020</a:t>
             </a:fld>
             <a:endParaRPr lang="en-IN"/>
           </a:p>
@@ -925,7 +925,7 @@
           <a:p>
             <a:fld id="{4086692B-153F-4DFE-BFBD-A2AE2C7443B6}" type="datetimeFigureOut">
               <a:rPr lang="en-IN" smtClean="0"/>
-              <a:t>02-05-2020</a:t>
+              <a:t>04-05-2020</a:t>
             </a:fld>
             <a:endParaRPr lang="en-IN"/>
           </a:p>
@@ -1135,7 +1135,7 @@
           <a:p>
             <a:fld id="{4086692B-153F-4DFE-BFBD-A2AE2C7443B6}" type="datetimeFigureOut">
               <a:rPr lang="en-IN" smtClean="0"/>
-              <a:t>02-05-2020</a:t>
+              <a:t>04-05-2020</a:t>
             </a:fld>
             <a:endParaRPr lang="en-IN"/>
           </a:p>
@@ -1335,7 +1335,7 @@
           <a:p>
             <a:fld id="{4086692B-153F-4DFE-BFBD-A2AE2C7443B6}" type="datetimeFigureOut">
               <a:rPr lang="en-IN" smtClean="0"/>
-              <a:t>02-05-2020</a:t>
+              <a:t>04-05-2020</a:t>
             </a:fld>
             <a:endParaRPr lang="en-IN"/>
           </a:p>
@@ -1611,7 +1611,7 @@
           <a:p>
             <a:fld id="{4086692B-153F-4DFE-BFBD-A2AE2C7443B6}" type="datetimeFigureOut">
               <a:rPr lang="en-IN" smtClean="0"/>
-              <a:t>02-05-2020</a:t>
+              <a:t>04-05-2020</a:t>
             </a:fld>
             <a:endParaRPr lang="en-IN"/>
           </a:p>
@@ -1879,7 +1879,7 @@
           <a:p>
             <a:fld id="{4086692B-153F-4DFE-BFBD-A2AE2C7443B6}" type="datetimeFigureOut">
               <a:rPr lang="en-IN" smtClean="0"/>
-              <a:t>02-05-2020</a:t>
+              <a:t>04-05-2020</a:t>
             </a:fld>
             <a:endParaRPr lang="en-IN"/>
           </a:p>
@@ -2294,7 +2294,7 @@
           <a:p>
             <a:fld id="{4086692B-153F-4DFE-BFBD-A2AE2C7443B6}" type="datetimeFigureOut">
               <a:rPr lang="en-IN" smtClean="0"/>
-              <a:t>02-05-2020</a:t>
+              <a:t>04-05-2020</a:t>
             </a:fld>
             <a:endParaRPr lang="en-IN"/>
           </a:p>
@@ -2436,7 +2436,7 @@
           <a:p>
             <a:fld id="{4086692B-153F-4DFE-BFBD-A2AE2C7443B6}" type="datetimeFigureOut">
               <a:rPr lang="en-IN" smtClean="0"/>
-              <a:t>02-05-2020</a:t>
+              <a:t>04-05-2020</a:t>
             </a:fld>
             <a:endParaRPr lang="en-IN"/>
           </a:p>
@@ -2549,7 +2549,7 @@
           <a:p>
             <a:fld id="{4086692B-153F-4DFE-BFBD-A2AE2C7443B6}" type="datetimeFigureOut">
               <a:rPr lang="en-IN" smtClean="0"/>
-              <a:t>02-05-2020</a:t>
+              <a:t>04-05-2020</a:t>
             </a:fld>
             <a:endParaRPr lang="en-IN"/>
           </a:p>
@@ -2862,7 +2862,7 @@
           <a:p>
             <a:fld id="{4086692B-153F-4DFE-BFBD-A2AE2C7443B6}" type="datetimeFigureOut">
               <a:rPr lang="en-IN" smtClean="0"/>
-              <a:t>02-05-2020</a:t>
+              <a:t>04-05-2020</a:t>
             </a:fld>
             <a:endParaRPr lang="en-IN"/>
           </a:p>
@@ -3151,7 +3151,7 @@
           <a:p>
             <a:fld id="{4086692B-153F-4DFE-BFBD-A2AE2C7443B6}" type="datetimeFigureOut">
               <a:rPr lang="en-IN" smtClean="0"/>
-              <a:t>02-05-2020</a:t>
+              <a:t>04-05-2020</a:t>
             </a:fld>
             <a:endParaRPr lang="en-IN"/>
           </a:p>
@@ -3394,7 +3394,7 @@
           <a:p>
             <a:fld id="{4086692B-153F-4DFE-BFBD-A2AE2C7443B6}" type="datetimeFigureOut">
               <a:rPr lang="en-IN" smtClean="0"/>
-              <a:t>02-05-2020</a:t>
+              <a:t>04-05-2020</a:t>
             </a:fld>
             <a:endParaRPr lang="en-IN"/>
           </a:p>
@@ -3880,7 +3880,7 @@
         </p:nvSpPr>
         <p:spPr>
           <a:xfrm>
-            <a:off x="838200" y="1779687"/>
+            <a:off x="838200" y="1801459"/>
             <a:ext cx="10515600" cy="3693319"/>
           </a:xfrm>
           <a:prstGeom prst="rect">
@@ -4112,7 +4112,7 @@
                 </a:solidFill>
                 <a:latin typeface="+mn-lt"/>
               </a:rPr>
-              <a:t> Microservices Vs Monolith</a:t>
+              <a:t> Microservices – Formal Definition</a:t>
             </a:r>
             <a:endParaRPr lang="en-IN" dirty="0">
               <a:solidFill>
@@ -4138,7 +4138,7 @@
         <p:spPr>
           <a:xfrm>
             <a:off x="838200" y="1779687"/>
-            <a:ext cx="10515600" cy="3693319"/>
+            <a:ext cx="10515600" cy="4524315"/>
           </a:xfrm>
           <a:prstGeom prst="rect">
             <a:avLst/>
@@ -4157,87 +4157,147 @@
                   <a:schemeClr val="bg1"/>
                 </a:solidFill>
               </a:rPr>
-              <a:t>It is a Service-oriented architecture pattern </a:t>
-            </a:r>
-          </a:p>
-          <a:p>
-            <a:r>
-              <a:rPr lang="en-US" b="1" dirty="0">
-                <a:solidFill>
-                  <a:schemeClr val="bg1"/>
-                </a:solidFill>
-              </a:rPr>
-              <a:t>Applications - collection of small independent service units. </a:t>
-            </a:r>
-          </a:p>
-          <a:p>
-            <a:r>
-              <a:rPr lang="en-US" b="1" dirty="0">
-                <a:solidFill>
-                  <a:schemeClr val="bg1"/>
-                </a:solidFill>
-              </a:rPr>
-              <a:t>Decompose an application into single-function modules with well-defined interfaces. </a:t>
-            </a:r>
-          </a:p>
-          <a:p>
-            <a:r>
-              <a:rPr lang="en-US" b="1" dirty="0">
-                <a:solidFill>
-                  <a:schemeClr val="bg1"/>
-                </a:solidFill>
-              </a:rPr>
-              <a:t>These modules can be independently deployed </a:t>
-            </a:r>
-          </a:p>
-          <a:p>
-            <a:r>
-              <a:rPr lang="en-US" b="1" dirty="0">
-                <a:solidFill>
-                  <a:schemeClr val="bg1"/>
-                </a:solidFill>
-              </a:rPr>
-              <a:t>	operated by small teams that own the entire lifecycle of the service.</a:t>
-            </a:r>
-          </a:p>
-          <a:p>
-            <a:r>
-              <a:rPr lang="en-US" dirty="0">
-                <a:solidFill>
-                  <a:schemeClr val="bg1"/>
-                </a:solidFill>
-              </a:rPr>
-              <a:t>	</a:t>
-            </a:r>
-          </a:p>
-          <a:p>
-            <a:r>
-              <a:rPr lang="en-US" dirty="0">
-                <a:solidFill>
-                  <a:schemeClr val="bg1"/>
-                </a:solidFill>
-              </a:rPr>
-              <a:t>Ecommerce</a:t>
-            </a:r>
-          </a:p>
-          <a:p>
-            <a:r>
-              <a:rPr lang="en-US" dirty="0">
-                <a:solidFill>
-                  <a:schemeClr val="bg1"/>
-                </a:solidFill>
-              </a:rPr>
-              <a:t>		</a:t>
-            </a:r>
-          </a:p>
-          <a:p>
-            <a:r>
-              <a:rPr lang="en-US" dirty="0">
-                <a:solidFill>
-                  <a:schemeClr val="bg1"/>
-                </a:solidFill>
-              </a:rPr>
-              <a:t>e.g. Ecommerce application like Search, Review &amp; Ratings, and Payments.. When the developer of the eCommerce site deploys the application, it is a single Monolithic unit. The code for different features like Search, Review &amp; Ratings, and Payments are on the same server. To scale the application, you need to run multiple instances(servers) of these applications.</a:t>
+              <a:t>“Microservice architectural style is </a:t>
+            </a:r>
+          </a:p>
+          <a:p>
+            <a:r>
+              <a:rPr lang="en-US" b="1" dirty="0">
+                <a:solidFill>
+                  <a:schemeClr val="bg1"/>
+                </a:solidFill>
+              </a:rPr>
+              <a:t>	an approach to developing a single application </a:t>
+            </a:r>
+          </a:p>
+          <a:p>
+            <a:r>
+              <a:rPr lang="en-US" b="1" dirty="0">
+                <a:solidFill>
+                  <a:schemeClr val="bg1"/>
+                </a:solidFill>
+              </a:rPr>
+              <a:t>	as a suite of small services, </a:t>
+            </a:r>
+          </a:p>
+          <a:p>
+            <a:r>
+              <a:rPr lang="en-US" b="1" dirty="0">
+                <a:solidFill>
+                  <a:schemeClr val="bg1"/>
+                </a:solidFill>
+              </a:rPr>
+              <a:t>	each running in its own process and </a:t>
+            </a:r>
+          </a:p>
+          <a:p>
+            <a:r>
+              <a:rPr lang="en-US" b="1" dirty="0">
+                <a:solidFill>
+                  <a:schemeClr val="bg1"/>
+                </a:solidFill>
+              </a:rPr>
+              <a:t>	communicating with lightweight mechanisms, </a:t>
+            </a:r>
+          </a:p>
+          <a:p>
+            <a:r>
+              <a:rPr lang="en-US" b="1" dirty="0">
+                <a:solidFill>
+                  <a:schemeClr val="bg1"/>
+                </a:solidFill>
+              </a:rPr>
+              <a:t>	often an HTTP resource API. </a:t>
+            </a:r>
+          </a:p>
+          <a:p>
+            <a:r>
+              <a:rPr lang="en-US" b="1" dirty="0">
+                <a:solidFill>
+                  <a:schemeClr val="bg1"/>
+                </a:solidFill>
+              </a:rPr>
+              <a:t>These services are </a:t>
+            </a:r>
+          </a:p>
+          <a:p>
+            <a:r>
+              <a:rPr lang="en-US" b="1" dirty="0">
+                <a:solidFill>
+                  <a:schemeClr val="bg1"/>
+                </a:solidFill>
+              </a:rPr>
+              <a:t>	built around business capabilities and </a:t>
+            </a:r>
+          </a:p>
+          <a:p>
+            <a:r>
+              <a:rPr lang="en-US" b="1" dirty="0">
+                <a:solidFill>
+                  <a:schemeClr val="bg1"/>
+                </a:solidFill>
+              </a:rPr>
+              <a:t>	independently deployable by fully automated deployment machinery. </a:t>
+            </a:r>
+          </a:p>
+          <a:p>
+            <a:r>
+              <a:rPr lang="en-US" b="1" dirty="0">
+                <a:solidFill>
+                  <a:schemeClr val="bg1"/>
+                </a:solidFill>
+              </a:rPr>
+              <a:t>There is a </a:t>
+            </a:r>
+          </a:p>
+          <a:p>
+            <a:r>
+              <a:rPr lang="en-US" b="1" dirty="0">
+                <a:solidFill>
+                  <a:schemeClr val="bg1"/>
+                </a:solidFill>
+              </a:rPr>
+              <a:t>	bare minimum of centralized management of these services, </a:t>
+            </a:r>
+          </a:p>
+          <a:p>
+            <a:r>
+              <a:rPr lang="en-US" b="1" dirty="0">
+                <a:solidFill>
+                  <a:schemeClr val="bg1"/>
+                </a:solidFill>
+              </a:rPr>
+              <a:t>	which may be written in different programming languages and </a:t>
+            </a:r>
+          </a:p>
+          <a:p>
+            <a:r>
+              <a:rPr lang="en-US" b="1" dirty="0">
+                <a:solidFill>
+                  <a:schemeClr val="bg1"/>
+                </a:solidFill>
+              </a:rPr>
+              <a:t>	use different data storage technologies.”</a:t>
+            </a:r>
+          </a:p>
+          <a:p>
+            <a:r>
+              <a:rPr lang="en-US" b="1" dirty="0">
+                <a:solidFill>
+                  <a:schemeClr val="bg1"/>
+                </a:solidFill>
+              </a:rPr>
+              <a:t>					</a:t>
+            </a:r>
+          </a:p>
+          <a:p>
+            <a:r>
+              <a:rPr lang="en-US" b="1" dirty="0">
+                <a:solidFill>
+                  <a:schemeClr val="bg1"/>
+                </a:solidFill>
+              </a:rPr>
+              <a:t>						-  James Lewis and Martin Fowler</a:t>
             </a:r>
           </a:p>
           <a:p>
@@ -4252,7 +4312,7 @@
     </p:spTree>
     <p:extLst>
       <p:ext uri="{BB962C8B-B14F-4D97-AF65-F5344CB8AC3E}">
-        <p14:creationId xmlns:p14="http://schemas.microsoft.com/office/powerpoint/2010/main" val="3590602049"/>
+        <p14:creationId xmlns:p14="http://schemas.microsoft.com/office/powerpoint/2010/main" val="658190653"/>
       </p:ext>
     </p:extLst>
   </p:cSld>
@@ -4323,14 +4383,8 @@
                 </a:solidFill>
                 <a:latin typeface="+mn-lt"/>
               </a:rPr>
-              <a:t> Microservices</a:t>
-            </a:r>
-            <a:endParaRPr lang="en-IN" dirty="0">
-              <a:solidFill>
-                <a:schemeClr val="bg1"/>
-              </a:solidFill>
-              <a:latin typeface="+mn-lt"/>
-            </a:endParaRPr>
+              <a:t>Characteristics of Microservices</a:t>
+            </a:r>
           </a:p>
         </p:txBody>
       </p:sp>
@@ -4349,7 +4403,7 @@
         <p:spPr>
           <a:xfrm>
             <a:off x="838200" y="1779687"/>
-            <a:ext cx="10515600" cy="1200329"/>
+            <a:ext cx="10515600" cy="3970318"/>
           </a:xfrm>
           <a:prstGeom prst="rect">
             <a:avLst/>
@@ -4368,27 +4422,138 @@
                   <a:schemeClr val="bg1"/>
                 </a:solidFill>
               </a:rPr>
-              <a:t>Human body: Monolithic</a:t>
-            </a:r>
-          </a:p>
-          <a:p>
-            <a:endParaRPr lang="en-US" b="1" dirty="0">
-              <a:solidFill>
-                <a:schemeClr val="bg1"/>
-              </a:solidFill>
-            </a:endParaRPr>
-          </a:p>
-          <a:p>
-            <a:r>
-              <a:rPr lang="en-US" b="1" dirty="0">
-                <a:solidFill>
-                  <a:schemeClr val="bg1"/>
-                </a:solidFill>
-              </a:rPr>
-              <a:t>Manufacturing plats: Microservices</a:t>
-            </a:r>
-          </a:p>
-          <a:p>
+              <a:t>Each service </a:t>
+            </a:r>
+          </a:p>
+          <a:p>
+            <a:r>
+              <a:rPr lang="en-US" b="1" dirty="0">
+                <a:solidFill>
+                  <a:schemeClr val="bg1"/>
+                </a:solidFill>
+              </a:rPr>
+              <a:t>	is a light-weight, </a:t>
+            </a:r>
+          </a:p>
+          <a:p>
+            <a:r>
+              <a:rPr lang="en-US" b="1" dirty="0">
+                <a:solidFill>
+                  <a:schemeClr val="bg1"/>
+                </a:solidFill>
+              </a:rPr>
+              <a:t>	independent, and </a:t>
+            </a:r>
+          </a:p>
+          <a:p>
+            <a:r>
+              <a:rPr lang="en-US" b="1" dirty="0">
+                <a:solidFill>
+                  <a:schemeClr val="bg1"/>
+                </a:solidFill>
+              </a:rPr>
+              <a:t>	loosely-coupled business unit.</a:t>
+            </a:r>
+          </a:p>
+          <a:p>
+            <a:r>
+              <a:rPr lang="en-US" b="1" dirty="0">
+                <a:solidFill>
+                  <a:schemeClr val="bg1"/>
+                </a:solidFill>
+              </a:rPr>
+              <a:t>Each service has </a:t>
+            </a:r>
+          </a:p>
+          <a:p>
+            <a:r>
+              <a:rPr lang="en-US" b="1" dirty="0">
+                <a:solidFill>
+                  <a:schemeClr val="bg1"/>
+                </a:solidFill>
+              </a:rPr>
+              <a:t>	its own codebase, </a:t>
+            </a:r>
+          </a:p>
+          <a:p>
+            <a:r>
+              <a:rPr lang="en-US" b="1" dirty="0">
+                <a:solidFill>
+                  <a:schemeClr val="bg1"/>
+                </a:solidFill>
+              </a:rPr>
+              <a:t>	managed and developed by a small team (mostly in an agile environment).</a:t>
+            </a:r>
+          </a:p>
+          <a:p>
+            <a:r>
+              <a:rPr lang="en-US" b="1" dirty="0">
+                <a:solidFill>
+                  <a:schemeClr val="bg1"/>
+                </a:solidFill>
+              </a:rPr>
+              <a:t>Each service is </a:t>
+            </a:r>
+          </a:p>
+          <a:p>
+            <a:r>
+              <a:rPr lang="en-US" b="1" dirty="0">
+                <a:solidFill>
+                  <a:schemeClr val="bg1"/>
+                </a:solidFill>
+              </a:rPr>
+              <a:t>	responsible for a single part of the functionality (business capability), </a:t>
+            </a:r>
+          </a:p>
+          <a:p>
+            <a:r>
+              <a:rPr lang="en-US" b="1" dirty="0">
+                <a:solidFill>
+                  <a:schemeClr val="bg1"/>
+                </a:solidFill>
+              </a:rPr>
+              <a:t>	and does it well.</a:t>
+            </a:r>
+          </a:p>
+          <a:p>
+            <a:r>
+              <a:rPr lang="en-US" b="1" dirty="0">
+                <a:solidFill>
+                  <a:schemeClr val="bg1"/>
+                </a:solidFill>
+              </a:rPr>
+              <a:t>Each service can </a:t>
+            </a:r>
+          </a:p>
+          <a:p>
+            <a:r>
+              <a:rPr lang="en-US" b="1" dirty="0">
+                <a:solidFill>
+                  <a:schemeClr val="bg1"/>
+                </a:solidFill>
+              </a:rPr>
+              <a:t>	pick the best technology stack for its use cases.</a:t>
+            </a:r>
+          </a:p>
+          <a:p>
+            <a:r>
+              <a:rPr lang="en-US" b="1" dirty="0">
+                <a:solidFill>
+                  <a:schemeClr val="bg1"/>
+                </a:solidFill>
+              </a:rPr>
+              <a:t>Each service has </a:t>
+            </a:r>
+          </a:p>
+          <a:p>
+            <a:r>
+              <a:rPr lang="en-US" b="1" dirty="0">
+                <a:solidFill>
+                  <a:schemeClr val="bg1"/>
+                </a:solidFill>
+              </a:rPr>
+              <a:t>	its own DevOps plan (test, release, deploy, scale, integrate, and maintain independently).</a:t>
+            </a:r>
             <a:endParaRPr lang="en-US" dirty="0">
               <a:solidFill>
                 <a:schemeClr val="bg1"/>
@@ -4400,7 +4565,7 @@
     </p:spTree>
     <p:extLst>
       <p:ext uri="{BB962C8B-B14F-4D97-AF65-F5344CB8AC3E}">
-        <p14:creationId xmlns:p14="http://schemas.microsoft.com/office/powerpoint/2010/main" val="1882546237"/>
+        <p14:creationId xmlns:p14="http://schemas.microsoft.com/office/powerpoint/2010/main" val="1893217612"/>
       </p:ext>
     </p:extLst>
   </p:cSld>
@@ -4471,14 +4636,26 @@
                 </a:solidFill>
                 <a:latin typeface="+mn-lt"/>
               </a:rPr>
-              <a:t> Microservices – Formal Definition</a:t>
-            </a:r>
-            <a:endParaRPr lang="en-IN" dirty="0">
-              <a:solidFill>
-                <a:schemeClr val="bg1"/>
-              </a:solidFill>
-              <a:latin typeface="+mn-lt"/>
-            </a:endParaRPr>
+              <a:t>Characteristics of Microservices </a:t>
+            </a:r>
+            <a:r>
+              <a:rPr lang="en-US" dirty="0" err="1">
+                <a:solidFill>
+                  <a:schemeClr val="bg1"/>
+                </a:solidFill>
+                <a:latin typeface="+mn-lt"/>
+              </a:rPr>
+              <a:t>cntd</a:t>
+            </a:r>
+            <a:r>
+              <a:rPr lang="en-US" dirty="0">
+                <a:solidFill>
+                  <a:schemeClr val="bg1"/>
+                </a:solidFill>
+                <a:latin typeface="+mn-lt"/>
+              </a:rPr>
+              <a:t>…</a:t>
+            </a:r>
           </a:p>
         </p:txBody>
       </p:sp>
@@ -4497,7 +4674,7 @@
         <p:spPr>
           <a:xfrm>
             <a:off x="838200" y="1779687"/>
-            <a:ext cx="10515600" cy="4524315"/>
+            <a:ext cx="10515600" cy="2585323"/>
           </a:xfrm>
           <a:prstGeom prst="rect">
             <a:avLst/>
@@ -4516,147 +4693,77 @@
                   <a:schemeClr val="bg1"/>
                 </a:solidFill>
               </a:rPr>
-              <a:t>“Microservice architectural style is </a:t>
-            </a:r>
-          </a:p>
-          <a:p>
-            <a:r>
-              <a:rPr lang="en-US" b="1" dirty="0">
-                <a:solidFill>
-                  <a:schemeClr val="bg1"/>
-                </a:solidFill>
-              </a:rPr>
-              <a:t>	an approach to developing a single application </a:t>
-            </a:r>
-          </a:p>
-          <a:p>
-            <a:r>
-              <a:rPr lang="en-US" b="1" dirty="0">
-                <a:solidFill>
-                  <a:schemeClr val="bg1"/>
-                </a:solidFill>
-              </a:rPr>
-              <a:t>	as a suite of small services, </a:t>
-            </a:r>
-          </a:p>
-          <a:p>
-            <a:r>
-              <a:rPr lang="en-US" b="1" dirty="0">
-                <a:solidFill>
-                  <a:schemeClr val="bg1"/>
-                </a:solidFill>
-              </a:rPr>
-              <a:t>	each running in its own process and </a:t>
-            </a:r>
-          </a:p>
-          <a:p>
-            <a:r>
-              <a:rPr lang="en-US" b="1" dirty="0">
-                <a:solidFill>
-                  <a:schemeClr val="bg1"/>
-                </a:solidFill>
-              </a:rPr>
-              <a:t>	communicating with lightweight mechanisms, </a:t>
-            </a:r>
-          </a:p>
-          <a:p>
-            <a:r>
-              <a:rPr lang="en-US" b="1" dirty="0">
-                <a:solidFill>
-                  <a:schemeClr val="bg1"/>
-                </a:solidFill>
-              </a:rPr>
-              <a:t>	often an HTTP resource API. </a:t>
-            </a:r>
-          </a:p>
-          <a:p>
-            <a:r>
-              <a:rPr lang="en-US" b="1" dirty="0">
-                <a:solidFill>
-                  <a:schemeClr val="bg1"/>
-                </a:solidFill>
-              </a:rPr>
-              <a:t>These services are </a:t>
-            </a:r>
-          </a:p>
-          <a:p>
-            <a:r>
-              <a:rPr lang="en-US" b="1" dirty="0">
-                <a:solidFill>
-                  <a:schemeClr val="bg1"/>
-                </a:solidFill>
-              </a:rPr>
-              <a:t>	built around business capabilities and </a:t>
-            </a:r>
-          </a:p>
-          <a:p>
-            <a:r>
-              <a:rPr lang="en-US" b="1" dirty="0">
-                <a:solidFill>
-                  <a:schemeClr val="bg1"/>
-                </a:solidFill>
-              </a:rPr>
-              <a:t>	independently deployable by fully automated deployment machinery. </a:t>
-            </a:r>
-          </a:p>
-          <a:p>
-            <a:r>
-              <a:rPr lang="en-US" b="1" dirty="0">
-                <a:solidFill>
-                  <a:schemeClr val="bg1"/>
-                </a:solidFill>
-              </a:rPr>
-              <a:t>There is a </a:t>
-            </a:r>
-          </a:p>
-          <a:p>
-            <a:r>
-              <a:rPr lang="en-US" b="1" dirty="0">
-                <a:solidFill>
-                  <a:schemeClr val="bg1"/>
-                </a:solidFill>
-              </a:rPr>
-              <a:t>	bare minimum of centralized management of these services, </a:t>
-            </a:r>
-          </a:p>
-          <a:p>
-            <a:r>
-              <a:rPr lang="en-US" b="1" dirty="0">
-                <a:solidFill>
-                  <a:schemeClr val="bg1"/>
-                </a:solidFill>
-              </a:rPr>
-              <a:t>	which may be written in different programming languages and </a:t>
-            </a:r>
-          </a:p>
-          <a:p>
-            <a:r>
-              <a:rPr lang="en-US" b="1" dirty="0">
-                <a:solidFill>
-                  <a:schemeClr val="bg1"/>
-                </a:solidFill>
-              </a:rPr>
-              <a:t>	use different data storage technologies.”</a:t>
-            </a:r>
-          </a:p>
-          <a:p>
-            <a:r>
-              <a:rPr lang="en-US" b="1" dirty="0">
-                <a:solidFill>
-                  <a:schemeClr val="bg1"/>
-                </a:solidFill>
-              </a:rPr>
-              <a:t>					</a:t>
-            </a:r>
-          </a:p>
-          <a:p>
-            <a:r>
-              <a:rPr lang="en-US" b="1" dirty="0">
-                <a:solidFill>
-                  <a:schemeClr val="bg1"/>
-                </a:solidFill>
-              </a:rPr>
-              <a:t>						-  James Lewis and Martin Fowler</a:t>
+              <a:t>Each service is </a:t>
+            </a:r>
+          </a:p>
+          <a:p>
+            <a:r>
+              <a:rPr lang="en-US" b="1" dirty="0">
+                <a:solidFill>
+                  <a:schemeClr val="bg1"/>
+                </a:solidFill>
+              </a:rPr>
+              <a:t>	deployed in a self-contained environment.</a:t>
+            </a:r>
+          </a:p>
+          <a:p>
+            <a:r>
+              <a:rPr lang="en-US" b="1" dirty="0">
+                <a:solidFill>
+                  <a:schemeClr val="bg1"/>
+                </a:solidFill>
+              </a:rPr>
+              <a:t>Services communicate with </a:t>
+            </a:r>
+          </a:p>
+          <a:p>
+            <a:r>
+              <a:rPr lang="en-US" b="1" dirty="0">
+                <a:solidFill>
+                  <a:schemeClr val="bg1"/>
+                </a:solidFill>
+              </a:rPr>
+              <a:t>	each other by using well-defined APIs (smart endpoints) and </a:t>
+            </a:r>
+          </a:p>
+          <a:p>
+            <a:r>
+              <a:rPr lang="en-US" b="1" dirty="0">
+                <a:solidFill>
+                  <a:schemeClr val="bg1"/>
+                </a:solidFill>
+              </a:rPr>
+              <a:t>	simple protocols like REST over HTTP (dumb pipes).</a:t>
+            </a:r>
+          </a:p>
+          <a:p>
+            <a:r>
+              <a:rPr lang="en-US" b="1" dirty="0">
+                <a:solidFill>
+                  <a:schemeClr val="bg1"/>
+                </a:solidFill>
+              </a:rPr>
+              <a:t>Each service is </a:t>
+            </a:r>
+          </a:p>
+          <a:p>
+            <a:r>
+              <a:rPr lang="en-US" b="1" dirty="0">
+                <a:solidFill>
+                  <a:schemeClr val="bg1"/>
+                </a:solidFill>
+              </a:rPr>
+              <a:t>	responsible for persisting its own data and </a:t>
+            </a:r>
+          </a:p>
+          <a:p>
+            <a:r>
+              <a:rPr lang="en-US" b="1" dirty="0">
+                <a:solidFill>
+                  <a:schemeClr val="bg1"/>
+                </a:solidFill>
+              </a:rPr>
+              <a:t>	keeping external state </a:t>
             </a:r>
           </a:p>
           <a:p>
@@ -4671,7 +4778,7 @@
     </p:spTree>
     <p:extLst>
       <p:ext uri="{BB962C8B-B14F-4D97-AF65-F5344CB8AC3E}">
-        <p14:creationId xmlns:p14="http://schemas.microsoft.com/office/powerpoint/2010/main" val="658190653"/>
+        <p14:creationId xmlns:p14="http://schemas.microsoft.com/office/powerpoint/2010/main" val="2042010090"/>
       </p:ext>
     </p:extLst>
   </p:cSld>
@@ -4742,8 +4849,14 @@
                 </a:solidFill>
                 <a:latin typeface="+mn-lt"/>
               </a:rPr>
-              <a:t>Characteristics of Microservices</a:t>
-            </a:r>
+              <a:t> Adv. Of Microservices</a:t>
+            </a:r>
+            <a:endParaRPr lang="en-IN" dirty="0">
+              <a:solidFill>
+                <a:schemeClr val="bg1"/>
+              </a:solidFill>
+              <a:latin typeface="+mn-lt"/>
+            </a:endParaRPr>
           </a:p>
         </p:txBody>
       </p:sp>
@@ -4762,7 +4875,7 @@
         <p:spPr>
           <a:xfrm>
             <a:off x="838200" y="1779687"/>
-            <a:ext cx="10515600" cy="3970318"/>
+            <a:ext cx="10515600" cy="4801314"/>
           </a:xfrm>
           <a:prstGeom prst="rect">
             <a:avLst/>
@@ -4781,150 +4894,151 @@
                   <a:schemeClr val="bg1"/>
                 </a:solidFill>
               </a:rPr>
-              <a:t>Each service </a:t>
-            </a:r>
-          </a:p>
-          <a:p>
-            <a:r>
-              <a:rPr lang="en-US" b="1" dirty="0">
-                <a:solidFill>
-                  <a:schemeClr val="bg1"/>
-                </a:solidFill>
-              </a:rPr>
-              <a:t>	is a light-weight, </a:t>
-            </a:r>
-          </a:p>
-          <a:p>
-            <a:r>
-              <a:rPr lang="en-US" b="1" dirty="0">
-                <a:solidFill>
-                  <a:schemeClr val="bg1"/>
-                </a:solidFill>
-              </a:rPr>
-              <a:t>	independent, and </a:t>
-            </a:r>
-          </a:p>
-          <a:p>
-            <a:r>
-              <a:rPr lang="en-US" b="1" dirty="0">
-                <a:solidFill>
-                  <a:schemeClr val="bg1"/>
-                </a:solidFill>
-              </a:rPr>
-              <a:t>	loosely-coupled business unit.</a:t>
-            </a:r>
-          </a:p>
-          <a:p>
-            <a:r>
-              <a:rPr lang="en-US" b="1" dirty="0">
-                <a:solidFill>
-                  <a:schemeClr val="bg1"/>
-                </a:solidFill>
-              </a:rPr>
-              <a:t>Each service has </a:t>
-            </a:r>
-          </a:p>
-          <a:p>
-            <a:r>
-              <a:rPr lang="en-US" b="1" dirty="0">
-                <a:solidFill>
-                  <a:schemeClr val="bg1"/>
-                </a:solidFill>
-              </a:rPr>
-              <a:t>	its own codebase, </a:t>
-            </a:r>
-          </a:p>
-          <a:p>
-            <a:r>
-              <a:rPr lang="en-US" b="1" dirty="0">
-                <a:solidFill>
-                  <a:schemeClr val="bg1"/>
-                </a:solidFill>
-              </a:rPr>
-              <a:t>	managed and developed by a small team (mostly in an agile environment).</a:t>
-            </a:r>
-          </a:p>
-          <a:p>
-            <a:r>
-              <a:rPr lang="en-US" b="1" dirty="0">
-                <a:solidFill>
-                  <a:schemeClr val="bg1"/>
-                </a:solidFill>
-              </a:rPr>
-              <a:t>Each service is </a:t>
-            </a:r>
-          </a:p>
-          <a:p>
-            <a:r>
-              <a:rPr lang="en-US" b="1" dirty="0">
-                <a:solidFill>
-                  <a:schemeClr val="bg1"/>
-                </a:solidFill>
-              </a:rPr>
-              <a:t>	responsible for a single part of the functionality (business capability), </a:t>
-            </a:r>
-          </a:p>
-          <a:p>
-            <a:r>
-              <a:rPr lang="en-US" b="1" dirty="0">
-                <a:solidFill>
-                  <a:schemeClr val="bg1"/>
-                </a:solidFill>
-              </a:rPr>
-              <a:t>	and does it well.</a:t>
-            </a:r>
-          </a:p>
-          <a:p>
-            <a:r>
-              <a:rPr lang="en-US" b="1" dirty="0">
-                <a:solidFill>
-                  <a:schemeClr val="bg1"/>
-                </a:solidFill>
-              </a:rPr>
-              <a:t>Each service can </a:t>
-            </a:r>
-          </a:p>
-          <a:p>
-            <a:r>
-              <a:rPr lang="en-US" b="1" dirty="0">
-                <a:solidFill>
-                  <a:schemeClr val="bg1"/>
-                </a:solidFill>
-              </a:rPr>
-              <a:t>	pick the best technology stack for its use cases.</a:t>
-            </a:r>
-          </a:p>
-          <a:p>
-            <a:r>
-              <a:rPr lang="en-US" b="1" dirty="0">
-                <a:solidFill>
-                  <a:schemeClr val="bg1"/>
-                </a:solidFill>
-              </a:rPr>
-              <a:t>Each service has </a:t>
-            </a:r>
-          </a:p>
-          <a:p>
-            <a:r>
-              <a:rPr lang="en-US" b="1" dirty="0">
-                <a:solidFill>
-                  <a:schemeClr val="bg1"/>
-                </a:solidFill>
-              </a:rPr>
-              <a:t>	its own DevOps plan (test, release, deploy, scale, integrate, and maintain independently).</a:t>
-            </a:r>
+              <a:t>Independent scaling</a:t>
+            </a:r>
+          </a:p>
+          <a:p>
+            <a:endParaRPr lang="en-US" b="1" dirty="0">
+              <a:solidFill>
+                <a:schemeClr val="bg1"/>
+              </a:solidFill>
+            </a:endParaRPr>
+          </a:p>
+          <a:p>
+            <a:r>
+              <a:rPr lang="en-US" b="1" dirty="0">
+                <a:solidFill>
+                  <a:schemeClr val="bg1"/>
+                </a:solidFill>
+              </a:rPr>
+              <a:t>Independent releases and deployments </a:t>
+            </a:r>
+          </a:p>
+          <a:p>
+            <a:endParaRPr lang="en-US" b="1" dirty="0">
+              <a:solidFill>
+                <a:schemeClr val="bg1"/>
+              </a:solidFill>
+            </a:endParaRPr>
+          </a:p>
+          <a:p>
+            <a:r>
+              <a:rPr lang="en-US" b="1" dirty="0">
+                <a:solidFill>
+                  <a:schemeClr val="bg1"/>
+                </a:solidFill>
+              </a:rPr>
+              <a:t>Independent development </a:t>
+            </a:r>
+          </a:p>
+          <a:p>
+            <a:endParaRPr lang="en-US" b="1" dirty="0">
+              <a:solidFill>
+                <a:schemeClr val="bg1"/>
+              </a:solidFill>
+            </a:endParaRPr>
+          </a:p>
+          <a:p>
+            <a:r>
+              <a:rPr lang="en-US" b="1" dirty="0">
+                <a:solidFill>
+                  <a:schemeClr val="bg1"/>
+                </a:solidFill>
+              </a:rPr>
+              <a:t>Independent monitoring and management</a:t>
+            </a:r>
+          </a:p>
+          <a:p>
+            <a:endParaRPr lang="en-US" b="1" dirty="0">
+              <a:solidFill>
+                <a:schemeClr val="bg1"/>
+              </a:solidFill>
+            </a:endParaRPr>
+          </a:p>
+          <a:p>
+            <a:r>
+              <a:rPr lang="en-US" b="1" dirty="0">
+                <a:solidFill>
+                  <a:schemeClr val="bg1"/>
+                </a:solidFill>
+              </a:rPr>
+              <a:t>Graceful degradation </a:t>
+            </a:r>
+          </a:p>
+          <a:p>
+            <a:endParaRPr lang="en-US" b="1" dirty="0">
+              <a:solidFill>
+                <a:schemeClr val="bg1"/>
+              </a:solidFill>
+            </a:endParaRPr>
+          </a:p>
+          <a:p>
+            <a:r>
+              <a:rPr lang="en-US" b="1" dirty="0">
+                <a:solidFill>
+                  <a:schemeClr val="bg1"/>
+                </a:solidFill>
+              </a:rPr>
+              <a:t>Decentralized governance </a:t>
+            </a:r>
+          </a:p>
+          <a:p>
             <a:endParaRPr lang="en-US" dirty="0">
               <a:solidFill>
                 <a:schemeClr val="bg1"/>
               </a:solidFill>
             </a:endParaRPr>
           </a:p>
+          <a:p>
+            <a:r>
+              <a:rPr lang="en-US" b="1" dirty="0">
+                <a:solidFill>
+                  <a:schemeClr val="bg1"/>
+                </a:solidFill>
+              </a:rPr>
+              <a:t>Highly maintainable and testable</a:t>
+            </a:r>
+          </a:p>
+          <a:p>
+            <a:endParaRPr lang="en-US" b="1" dirty="0">
+              <a:solidFill>
+                <a:schemeClr val="bg1"/>
+              </a:solidFill>
+            </a:endParaRPr>
+          </a:p>
+          <a:p>
+            <a:r>
+              <a:rPr lang="en-US" b="1" dirty="0">
+                <a:solidFill>
+                  <a:schemeClr val="bg1"/>
+                </a:solidFill>
+              </a:rPr>
+              <a:t>Loosely coupled</a:t>
+            </a:r>
+          </a:p>
+          <a:p>
+            <a:endParaRPr lang="en-US" b="1" dirty="0">
+              <a:solidFill>
+                <a:schemeClr val="bg1"/>
+              </a:solidFill>
+            </a:endParaRPr>
+          </a:p>
+          <a:p>
+            <a:r>
+              <a:rPr lang="en-US" b="1" dirty="0">
+                <a:solidFill>
+                  <a:schemeClr val="bg1"/>
+                </a:solidFill>
+              </a:rPr>
+              <a:t>Owned by a small agile team</a:t>
+            </a:r>
+          </a:p>
         </p:txBody>
       </p:sp>
     </p:spTree>
     <p:extLst>
       <p:ext uri="{BB962C8B-B14F-4D97-AF65-F5344CB8AC3E}">
-        <p14:creationId xmlns:p14="http://schemas.microsoft.com/office/powerpoint/2010/main" val="1893217612"/>
+        <p14:creationId xmlns:p14="http://schemas.microsoft.com/office/powerpoint/2010/main" val="4057161016"/>
       </p:ext>
     </p:extLst>
   </p:cSld>
@@ -4995,26 +5109,14 @@
                 </a:solidFill>
                 <a:latin typeface="+mn-lt"/>
               </a:rPr>
-              <a:t>Characteristics of Microservices </a:t>
-            </a:r>
-            <a:r>
-              <a:rPr lang="en-US" dirty="0" err="1">
-                <a:solidFill>
-                  <a:schemeClr val="bg1"/>
-                </a:solidFill>
-                <a:latin typeface="+mn-lt"/>
-              </a:rPr>
-              <a:t>cntd</a:t>
-            </a:r>
-            <a:r>
-              <a:rPr lang="en-US" dirty="0">
-                <a:solidFill>
-                  <a:schemeClr val="bg1"/>
-                </a:solidFill>
-                <a:latin typeface="+mn-lt"/>
-              </a:rPr>
-              <a:t>…</a:t>
-            </a:r>
+              <a:t> Operational concerns of Microservices</a:t>
+            </a:r>
+            <a:endParaRPr lang="en-IN" dirty="0">
+              <a:solidFill>
+                <a:schemeClr val="bg1"/>
+              </a:solidFill>
+              <a:latin typeface="+mn-lt"/>
+            </a:endParaRPr>
           </a:p>
         </p:txBody>
       </p:sp>
@@ -5033,7 +5135,7 @@
         <p:spPr>
           <a:xfrm>
             <a:off x="838200" y="1779687"/>
-            <a:ext cx="10515600" cy="2585323"/>
+            <a:ext cx="10515600" cy="3416320"/>
           </a:xfrm>
           <a:prstGeom prst="rect">
             <a:avLst/>
@@ -5052,77 +5154,92 @@
                   <a:schemeClr val="bg1"/>
                 </a:solidFill>
               </a:rPr>
-              <a:t>Each service is </a:t>
-            </a:r>
-          </a:p>
-          <a:p>
-            <a:r>
-              <a:rPr lang="en-US" b="1" dirty="0">
-                <a:solidFill>
-                  <a:schemeClr val="bg1"/>
-                </a:solidFill>
-              </a:rPr>
-              <a:t>	deployed in a self-contained environment.</a:t>
-            </a:r>
-          </a:p>
-          <a:p>
-            <a:r>
-              <a:rPr lang="en-US" b="1" dirty="0">
-                <a:solidFill>
-                  <a:schemeClr val="bg1"/>
-                </a:solidFill>
-              </a:rPr>
-              <a:t>Services communicate with </a:t>
-            </a:r>
-          </a:p>
-          <a:p>
-            <a:r>
-              <a:rPr lang="en-US" b="1" dirty="0">
-                <a:solidFill>
-                  <a:schemeClr val="bg1"/>
-                </a:solidFill>
-              </a:rPr>
-              <a:t>	each other by using well-defined APIs (smart endpoints) and </a:t>
-            </a:r>
-          </a:p>
-          <a:p>
-            <a:r>
-              <a:rPr lang="en-US" b="1" dirty="0">
-                <a:solidFill>
-                  <a:schemeClr val="bg1"/>
-                </a:solidFill>
-              </a:rPr>
-              <a:t>	simple protocols like REST over HTTP (dumb pipes).</a:t>
-            </a:r>
-          </a:p>
-          <a:p>
-            <a:r>
-              <a:rPr lang="en-US" b="1" dirty="0">
-                <a:solidFill>
-                  <a:schemeClr val="bg1"/>
-                </a:solidFill>
-              </a:rPr>
-              <a:t>Each service is </a:t>
-            </a:r>
-          </a:p>
-          <a:p>
-            <a:r>
-              <a:rPr lang="en-US" b="1" dirty="0">
-                <a:solidFill>
-                  <a:schemeClr val="bg1"/>
-                </a:solidFill>
-              </a:rPr>
-              <a:t>	responsible for persisting its own data and </a:t>
-            </a:r>
-          </a:p>
-          <a:p>
-            <a:r>
-              <a:rPr lang="en-US" b="1" dirty="0">
-                <a:solidFill>
-                  <a:schemeClr val="bg1"/>
-                </a:solidFill>
-              </a:rPr>
-              <a:t>	keeping external state </a:t>
+              <a:t>Service replication </a:t>
+            </a:r>
+          </a:p>
+          <a:p>
+            <a:endParaRPr lang="en-US" b="1" dirty="0">
+              <a:solidFill>
+                <a:schemeClr val="bg1"/>
+              </a:solidFill>
+            </a:endParaRPr>
+          </a:p>
+          <a:p>
+            <a:r>
+              <a:rPr lang="en-US" b="1" dirty="0">
+                <a:solidFill>
+                  <a:schemeClr val="bg1"/>
+                </a:solidFill>
+              </a:rPr>
+              <a:t>Service registration and discovery </a:t>
+            </a:r>
+          </a:p>
+          <a:p>
+            <a:endParaRPr lang="en-US" b="1" dirty="0">
+              <a:solidFill>
+                <a:schemeClr val="bg1"/>
+              </a:solidFill>
+            </a:endParaRPr>
+          </a:p>
+          <a:p>
+            <a:r>
+              <a:rPr lang="en-US" b="1" dirty="0">
+                <a:solidFill>
+                  <a:schemeClr val="bg1"/>
+                </a:solidFill>
+              </a:rPr>
+              <a:t>Service monitoring and logging </a:t>
+            </a:r>
+          </a:p>
+          <a:p>
+            <a:endParaRPr lang="en-US" b="1" dirty="0">
+              <a:solidFill>
+                <a:schemeClr val="bg1"/>
+              </a:solidFill>
+            </a:endParaRPr>
+          </a:p>
+          <a:p>
+            <a:r>
+              <a:rPr lang="en-US" b="1" dirty="0">
+                <a:solidFill>
+                  <a:schemeClr val="bg1"/>
+                </a:solidFill>
+              </a:rPr>
+              <a:t>Resiliency or Automatic fail over</a:t>
+            </a:r>
+          </a:p>
+          <a:p>
+            <a:endParaRPr lang="en-US" b="1" dirty="0">
+              <a:solidFill>
+                <a:schemeClr val="bg1"/>
+              </a:solidFill>
+            </a:endParaRPr>
+          </a:p>
+          <a:p>
+            <a:r>
+              <a:rPr lang="en-US" b="1" dirty="0">
+                <a:solidFill>
+                  <a:schemeClr val="bg1"/>
+                </a:solidFill>
+              </a:rPr>
+              <a:t>DevOps </a:t>
+            </a:r>
+          </a:p>
+          <a:p>
+            <a:endParaRPr lang="en-US" b="1" dirty="0">
+              <a:solidFill>
+                <a:schemeClr val="bg1"/>
+              </a:solidFill>
+            </a:endParaRPr>
+          </a:p>
+          <a:p>
+            <a:r>
+              <a:rPr lang="en-US" b="1" dirty="0">
+                <a:solidFill>
+                  <a:schemeClr val="bg1"/>
+                </a:solidFill>
+              </a:rPr>
+              <a:t>API gateway </a:t>
             </a:r>
           </a:p>
           <a:p>
@@ -5137,7 +5254,7 @@
     </p:spTree>
     <p:extLst>
       <p:ext uri="{BB962C8B-B14F-4D97-AF65-F5344CB8AC3E}">
-        <p14:creationId xmlns:p14="http://schemas.microsoft.com/office/powerpoint/2010/main" val="2042010090"/>
+        <p14:creationId xmlns:p14="http://schemas.microsoft.com/office/powerpoint/2010/main" val="4263440684"/>
       </p:ext>
     </p:extLst>
   </p:cSld>
@@ -5208,7 +5325,7 @@
                 </a:solidFill>
                 <a:latin typeface="+mn-lt"/>
               </a:rPr>
-              <a:t> Adv. Of Microservices</a:t>
+              <a:t> Monolithic Application</a:t>
             </a:r>
             <a:endParaRPr lang="en-IN" dirty="0">
               <a:solidFill>
@@ -5233,7 +5350,7 @@
         </p:nvSpPr>
         <p:spPr>
           <a:xfrm>
-            <a:off x="838200" y="1779687"/>
+            <a:off x="881744" y="1812345"/>
             <a:ext cx="10515600" cy="2862322"/>
           </a:xfrm>
           <a:prstGeom prst="rect">
@@ -5253,7 +5370,37 @@
                   <a:schemeClr val="bg1"/>
                 </a:solidFill>
               </a:rPr>
-              <a:t>Independent scaling</a:t>
+              <a:t>What is a Monolithic application.</a:t>
+            </a:r>
+          </a:p>
+          <a:p>
+            <a:r>
+              <a:rPr lang="en-US" b="1" dirty="0">
+                <a:solidFill>
+                  <a:schemeClr val="bg1"/>
+                </a:solidFill>
+              </a:rPr>
+              <a:t>	You still have excellent design</a:t>
+            </a:r>
+          </a:p>
+          <a:p>
+            <a:r>
+              <a:rPr lang="en-US" b="1" dirty="0">
+                <a:solidFill>
+                  <a:schemeClr val="bg1"/>
+                </a:solidFill>
+              </a:rPr>
+              <a:t>	Good abstraction</a:t>
+            </a:r>
+          </a:p>
+          <a:p>
+            <a:r>
+              <a:rPr lang="en-US" b="1" dirty="0">
+                <a:solidFill>
+                  <a:schemeClr val="bg1"/>
+                </a:solidFill>
+              </a:rPr>
+              <a:t>	Lot of great concepts implemented.</a:t>
             </a:r>
           </a:p>
           <a:p>
@@ -5264,16 +5411,6 @@
             </a:endParaRPr>
           </a:p>
           <a:p>
-            <a:r>
-              <a:rPr lang="en-US" b="1" dirty="0">
-                <a:solidFill>
-                  <a:schemeClr val="bg1"/>
-                </a:solidFill>
-              </a:rPr>
-              <a:t>Independent releases and deployments </a:t>
-            </a:r>
-          </a:p>
-          <a:p>
             <a:endParaRPr lang="en-US" b="1" dirty="0">
               <a:solidFill>
                 <a:schemeClr val="bg1"/>
@@ -5287,7 +5424,27 @@
                   <a:schemeClr val="bg1"/>
                 </a:solidFill>
               </a:rPr>
-              <a:t>Independent development </a:t>
+              <a:t>E-commerce application </a:t>
+            </a:r>
+          </a:p>
+          <a:p>
+            <a:r>
+              <a:rPr lang="en-US" b="1" dirty="0">
+                <a:solidFill>
+                  <a:schemeClr val="bg1"/>
+                </a:solidFill>
+              </a:rPr>
+              <a:t>	Done in Monolithic style</a:t>
+            </a:r>
+          </a:p>
+          <a:p>
+            <a:r>
+              <a:rPr lang="en-US" b="1" dirty="0">
+                <a:solidFill>
+                  <a:schemeClr val="bg1"/>
+                </a:solidFill>
+              </a:rPr>
+              <a:t>	Done in Microservices style</a:t>
             </a:r>
           </a:p>
           <a:p>
@@ -5297,46 +5454,12 @@
               </a:solidFill>
             </a:endParaRPr>
           </a:p>
-          <a:p>
-            <a:r>
-              <a:rPr lang="en-US" b="1" dirty="0">
-                <a:solidFill>
-                  <a:schemeClr val="bg1"/>
-                </a:solidFill>
-              </a:rPr>
-              <a:t>Graceful degradation </a:t>
-            </a:r>
-          </a:p>
-          <a:p>
-            <a:endParaRPr lang="en-US" b="1" dirty="0">
-              <a:solidFill>
-                <a:schemeClr val="bg1"/>
-              </a:solidFill>
-            </a:endParaRPr>
-          </a:p>
-          <a:p>
-            <a:r>
-              <a:rPr lang="en-US" b="1" dirty="0">
-                <a:solidFill>
-                  <a:schemeClr val="bg1"/>
-                </a:solidFill>
-              </a:rPr>
-              <a:t>Decentralized governance </a:t>
-            </a:r>
-          </a:p>
-          <a:p>
-            <a:endParaRPr lang="en-US" dirty="0">
-              <a:solidFill>
-                <a:schemeClr val="bg1"/>
-              </a:solidFill>
-            </a:endParaRPr>
-          </a:p>
         </p:txBody>
       </p:sp>
     </p:spTree>
     <p:extLst>
       <p:ext uri="{BB962C8B-B14F-4D97-AF65-F5344CB8AC3E}">
-        <p14:creationId xmlns:p14="http://schemas.microsoft.com/office/powerpoint/2010/main" val="4057161016"/>
+        <p14:creationId xmlns:p14="http://schemas.microsoft.com/office/powerpoint/2010/main" val="1984265643"/>
       </p:ext>
     </p:extLst>
   </p:cSld>
@@ -5407,7 +5530,7 @@
                 </a:solidFill>
                 <a:latin typeface="+mn-lt"/>
               </a:rPr>
-              <a:t> Operational concerns of Microservices</a:t>
+              <a:t> Advantages Monolithic Application</a:t>
             </a:r>
             <a:endParaRPr lang="en-IN" dirty="0">
               <a:solidFill>
@@ -5432,8 +5555,8 @@
         </p:nvSpPr>
         <p:spPr>
           <a:xfrm>
-            <a:off x="838200" y="1779687"/>
-            <a:ext cx="10515600" cy="3416320"/>
+            <a:off x="881744" y="1812345"/>
+            <a:ext cx="10515600" cy="3693319"/>
           </a:xfrm>
           <a:prstGeom prst="rect">
             <a:avLst/>
@@ -5452,7 +5575,7 @@
                   <a:schemeClr val="bg1"/>
                 </a:solidFill>
               </a:rPr>
-              <a:t>Service replication </a:t>
+              <a:t>• Simple to develop - IDEs and other developer tools are focused on building a single application. </a:t>
             </a:r>
           </a:p>
           <a:p>
@@ -5469,7 +5592,37 @@
                   <a:schemeClr val="bg1"/>
                 </a:solidFill>
               </a:rPr>
-              <a:t>Service registration and discovery </a:t>
+              <a:t>• Easy to make radical changes to the application - change the code and the database schema, build and deploy.</a:t>
+            </a:r>
+          </a:p>
+          <a:p>
+            <a:r>
+              <a:rPr lang="en-US" b="1" dirty="0">
+                <a:solidFill>
+                  <a:schemeClr val="bg1"/>
+                </a:solidFill>
+              </a:rPr>
+              <a:t> </a:t>
+            </a:r>
+          </a:p>
+          <a:p>
+            <a:r>
+              <a:rPr lang="en-US" b="1" dirty="0">
+                <a:solidFill>
+                  <a:schemeClr val="bg1"/>
+                </a:solidFill>
+              </a:rPr>
+              <a:t>• Straight forward to test - the developers wrote end-to-end tests that simply launched the application, </a:t>
+            </a:r>
+          </a:p>
+          <a:p>
+            <a:r>
+              <a:rPr lang="en-US" b="1" dirty="0">
+                <a:solidFill>
+                  <a:schemeClr val="bg1"/>
+                </a:solidFill>
+              </a:rPr>
+              <a:t>	invoked the REST API and tested the UI with Selenium. </a:t>
             </a:r>
           </a:p>
           <a:p>
@@ -5486,7 +5639,7 @@
                   <a:schemeClr val="bg1"/>
                 </a:solidFill>
               </a:rPr>
-              <a:t>Service monitoring and logging </a:t>
+              <a:t>• Straight forward to deploy - all a developer had to do was copy the WAR file to a server that had Tomcat installed. </a:t>
             </a:r>
           </a:p>
           <a:p>
@@ -5503,7 +5656,7 @@
                   <a:schemeClr val="bg1"/>
                 </a:solidFill>
               </a:rPr>
-              <a:t>Resiliency or Automatic fail over</a:t>
+              <a:t>• Easy to scale - FTGO ran multiple instances of the application behind a load balancer. </a:t>
             </a:r>
           </a:p>
           <a:p>
@@ -5513,46 +5666,12 @@
               </a:solidFill>
             </a:endParaRPr>
           </a:p>
-          <a:p>
-            <a:r>
-              <a:rPr lang="en-US" b="1" dirty="0">
-                <a:solidFill>
-                  <a:schemeClr val="bg1"/>
-                </a:solidFill>
-              </a:rPr>
-              <a:t>DevOps </a:t>
-            </a:r>
-          </a:p>
-          <a:p>
-            <a:endParaRPr lang="en-US" b="1" dirty="0">
-              <a:solidFill>
-                <a:schemeClr val="bg1"/>
-              </a:solidFill>
-            </a:endParaRPr>
-          </a:p>
-          <a:p>
-            <a:r>
-              <a:rPr lang="en-US" b="1" dirty="0">
-                <a:solidFill>
-                  <a:schemeClr val="bg1"/>
-                </a:solidFill>
-              </a:rPr>
-              <a:t>API gateway </a:t>
-            </a:r>
-          </a:p>
-          <a:p>
-            <a:endParaRPr lang="en-US" dirty="0">
-              <a:solidFill>
-                <a:schemeClr val="bg1"/>
-              </a:solidFill>
-            </a:endParaRPr>
-          </a:p>
         </p:txBody>
       </p:sp>
     </p:spTree>
     <p:extLst>
       <p:ext uri="{BB962C8B-B14F-4D97-AF65-F5344CB8AC3E}">
-        <p14:creationId xmlns:p14="http://schemas.microsoft.com/office/powerpoint/2010/main" val="4263440684"/>
+        <p14:creationId xmlns:p14="http://schemas.microsoft.com/office/powerpoint/2010/main" val="3513537449"/>
       </p:ext>
     </p:extLst>
   </p:cSld>
@@ -5623,7 +5742,7 @@
                 </a:solidFill>
                 <a:latin typeface="+mn-lt"/>
               </a:rPr>
-              <a:t> Monolithic Application</a:t>
+              <a:t> Dis Advantages Monolithic Application</a:t>
             </a:r>
             <a:endParaRPr lang="en-IN" dirty="0">
               <a:solidFill>
@@ -5648,8 +5767,8 @@
         </p:nvSpPr>
         <p:spPr>
           <a:xfrm>
-            <a:off x="881744" y="1812345"/>
-            <a:ext cx="10515600" cy="2862322"/>
+            <a:off x="838200" y="1170088"/>
+            <a:ext cx="10515600" cy="4247317"/>
           </a:xfrm>
           <a:prstGeom prst="rect">
             <a:avLst/>
@@ -5668,96 +5787,174 @@
                   <a:schemeClr val="bg1"/>
                 </a:solidFill>
               </a:rPr>
-              <a:t>What is a Monolithic application.</a:t>
-            </a:r>
-          </a:p>
-          <a:p>
-            <a:r>
-              <a:rPr lang="en-US" b="1" dirty="0">
-                <a:solidFill>
-                  <a:schemeClr val="bg1"/>
-                </a:solidFill>
-              </a:rPr>
-              <a:t>	You still have excellent design</a:t>
-            </a:r>
-          </a:p>
-          <a:p>
-            <a:r>
-              <a:rPr lang="en-US" b="1" dirty="0">
-                <a:solidFill>
-                  <a:schemeClr val="bg1"/>
-                </a:solidFill>
-              </a:rPr>
-              <a:t>	Good abstraction</a:t>
-            </a:r>
-          </a:p>
-          <a:p>
-            <a:r>
-              <a:rPr lang="en-US" b="1" dirty="0">
-                <a:solidFill>
-                  <a:schemeClr val="bg1"/>
-                </a:solidFill>
-              </a:rPr>
-              <a:t>	Lot of great concepts implemented.</a:t>
-            </a:r>
-          </a:p>
-          <a:p>
-            <a:endParaRPr lang="en-US" b="1" dirty="0">
-              <a:solidFill>
-                <a:schemeClr val="bg1"/>
-              </a:solidFill>
-            </a:endParaRPr>
-          </a:p>
-          <a:p>
-            <a:endParaRPr lang="en-US" b="1" dirty="0">
-              <a:solidFill>
-                <a:schemeClr val="bg1"/>
-              </a:solidFill>
-            </a:endParaRPr>
-          </a:p>
-          <a:p>
-            <a:r>
-              <a:rPr lang="en-US" b="1" dirty="0">
-                <a:solidFill>
-                  <a:schemeClr val="bg1"/>
-                </a:solidFill>
-              </a:rPr>
-              <a:t>E-commerce application </a:t>
-            </a:r>
-          </a:p>
-          <a:p>
-            <a:r>
-              <a:rPr lang="en-US" b="1" dirty="0">
-                <a:solidFill>
-                  <a:schemeClr val="bg1"/>
-                </a:solidFill>
-              </a:rPr>
-              <a:t>	Done in Monolithic style</a:t>
-            </a:r>
-          </a:p>
-          <a:p>
-            <a:r>
-              <a:rPr lang="en-US" b="1" dirty="0">
-                <a:solidFill>
-                  <a:schemeClr val="bg1"/>
-                </a:solidFill>
-              </a:rPr>
-              <a:t>	Done in Microservices style</a:t>
-            </a:r>
-          </a:p>
-          <a:p>
-            <a:endParaRPr lang="en-US" b="1" dirty="0">
-              <a:solidFill>
-                <a:schemeClr val="bg1"/>
-              </a:solidFill>
-            </a:endParaRPr>
+              <a:t>Normal Monolith's can't scale.</a:t>
+            </a:r>
+          </a:p>
+          <a:p>
+            <a:pPr lvl="1"/>
+            <a:r>
+              <a:rPr lang="en-US" b="1" dirty="0">
+                <a:solidFill>
+                  <a:schemeClr val="bg1"/>
+                </a:solidFill>
+              </a:rPr>
+              <a:t>Small modules can't independently scale</a:t>
+            </a:r>
+          </a:p>
+          <a:p>
+            <a:pPr lvl="1"/>
+            <a:r>
+              <a:rPr lang="en-US" b="1" dirty="0">
+                <a:solidFill>
+                  <a:schemeClr val="bg1"/>
+                </a:solidFill>
+              </a:rPr>
+              <a:t>Generally not designed to scale.</a:t>
+            </a:r>
+          </a:p>
+          <a:p>
+            <a:pPr lvl="1"/>
+            <a:r>
+              <a:rPr lang="en-US" b="1" dirty="0">
+                <a:solidFill>
+                  <a:schemeClr val="bg1"/>
+                </a:solidFill>
+              </a:rPr>
+              <a:t>Designing to scale is very complex</a:t>
+            </a:r>
+          </a:p>
+          <a:p>
+            <a:r>
+              <a:rPr lang="en-US" b="1" dirty="0">
+                <a:solidFill>
+                  <a:schemeClr val="bg1"/>
+                </a:solidFill>
+              </a:rPr>
+              <a:t>Can't independently deploy small services</a:t>
+            </a:r>
+          </a:p>
+          <a:p>
+            <a:r>
+              <a:rPr lang="en-US" b="1" dirty="0">
+                <a:solidFill>
+                  <a:schemeClr val="bg1"/>
+                </a:solidFill>
+              </a:rPr>
+              <a:t>CI/CD is extremely complicated</a:t>
+            </a:r>
+          </a:p>
+          <a:p>
+            <a:r>
+              <a:rPr lang="en-US" b="1" dirty="0">
+                <a:solidFill>
+                  <a:schemeClr val="bg1"/>
+                </a:solidFill>
+              </a:rPr>
+              <a:t>Testing cost is very high</a:t>
+            </a:r>
+          </a:p>
+          <a:p>
+            <a:r>
+              <a:rPr lang="en-US" b="1" dirty="0">
+                <a:solidFill>
+                  <a:schemeClr val="bg1"/>
+                </a:solidFill>
+              </a:rPr>
+              <a:t>More black box testing.</a:t>
+            </a:r>
+          </a:p>
+          <a:p>
+            <a:r>
+              <a:rPr lang="en-US" b="1" dirty="0">
+                <a:solidFill>
+                  <a:schemeClr val="bg1"/>
+                </a:solidFill>
+              </a:rPr>
+              <a:t>Quality of test can be compromised </a:t>
+            </a:r>
+            <a:r>
+              <a:rPr lang="en-US" b="1" dirty="0" err="1">
+                <a:solidFill>
+                  <a:schemeClr val="bg1"/>
+                </a:solidFill>
+              </a:rPr>
+              <a:t>inspite</a:t>
+            </a:r>
+            <a:r>
+              <a:rPr lang="en-US" b="1" dirty="0">
+                <a:solidFill>
+                  <a:schemeClr val="bg1"/>
+                </a:solidFill>
+              </a:rPr>
+              <a:t> of huge investment.</a:t>
+            </a:r>
+          </a:p>
+          <a:p>
+            <a:r>
+              <a:rPr lang="en-US" b="1" dirty="0">
+                <a:solidFill>
+                  <a:schemeClr val="bg1"/>
+                </a:solidFill>
+              </a:rPr>
+              <a:t>huge code, complex logic</a:t>
+            </a:r>
+          </a:p>
+          <a:p>
+            <a:r>
+              <a:rPr lang="en-US" b="1" dirty="0">
+                <a:solidFill>
+                  <a:schemeClr val="bg1"/>
+                </a:solidFill>
+              </a:rPr>
+              <a:t>Security: </a:t>
+            </a:r>
+          </a:p>
+          <a:p>
+            <a:r>
+              <a:rPr lang="en-US" b="1" dirty="0">
+                <a:solidFill>
+                  <a:schemeClr val="bg1"/>
+                </a:solidFill>
+              </a:rPr>
+              <a:t>	No way to identify the user via webservices </a:t>
+            </a:r>
+          </a:p>
+          <a:p>
+            <a:r>
+              <a:rPr lang="en-US" b="1" dirty="0">
+                <a:solidFill>
+                  <a:schemeClr val="bg1"/>
+                </a:solidFill>
+              </a:rPr>
+              <a:t>	 (no clear consensus on a strong authentication scheme). </a:t>
+            </a:r>
+          </a:p>
+          <a:p>
+            <a:r>
+              <a:rPr lang="en-US" b="1" dirty="0">
+                <a:solidFill>
+                  <a:schemeClr val="bg1"/>
+                </a:solidFill>
+              </a:rPr>
+              <a:t>	Difficult to implement security specific to a small part.</a:t>
+            </a:r>
+          </a:p>
+          <a:p>
+            <a:r>
+              <a:rPr lang="en-US" b="1" dirty="0">
+                <a:solidFill>
+                  <a:schemeClr val="bg1"/>
+                </a:solidFill>
+              </a:rPr>
+              <a:t>	e.g. banking application sending unencrypted data containing user credentials</a:t>
+            </a:r>
           </a:p>
         </p:txBody>
       </p:sp>
     </p:spTree>
     <p:extLst>
       <p:ext uri="{BB962C8B-B14F-4D97-AF65-F5344CB8AC3E}">
-        <p14:creationId xmlns:p14="http://schemas.microsoft.com/office/powerpoint/2010/main" val="1984265643"/>
+        <p14:creationId xmlns:p14="http://schemas.microsoft.com/office/powerpoint/2010/main" val="2848164524"/>
       </p:ext>
     </p:extLst>
   </p:cSld>
@@ -5828,7 +6025,7 @@
                 </a:solidFill>
                 <a:latin typeface="+mn-lt"/>
               </a:rPr>
-              <a:t> Advantages Monolithic Application</a:t>
+              <a:t> Dis Advantages Monolithic Application</a:t>
             </a:r>
             <a:endParaRPr lang="en-IN" dirty="0">
               <a:solidFill>
@@ -5854,7 +6051,7 @@
         <p:spPr>
           <a:xfrm>
             <a:off x="881744" y="1812345"/>
-            <a:ext cx="10515600" cy="2585323"/>
+            <a:ext cx="10515600" cy="3416320"/>
           </a:xfrm>
           <a:prstGeom prst="rect">
             <a:avLst/>
@@ -5873,72 +6070,141 @@
                   <a:schemeClr val="bg1"/>
                 </a:solidFill>
               </a:rPr>
-              <a:t>• simple to develop - IDEs and other developer tools are focused on building a single application. </a:t>
-            </a:r>
-          </a:p>
-          <a:p>
-            <a:r>
-              <a:rPr lang="en-US" b="1" dirty="0">
-                <a:solidFill>
-                  <a:schemeClr val="bg1"/>
-                </a:solidFill>
-              </a:rPr>
-              <a:t>• easy to make radical changes to the application - change the code and the database schema, build and deploy. </a:t>
-            </a:r>
-          </a:p>
-          <a:p>
-            <a:r>
-              <a:rPr lang="en-US" b="1" dirty="0">
-                <a:solidFill>
-                  <a:schemeClr val="bg1"/>
-                </a:solidFill>
-              </a:rPr>
-              <a:t>• straight forward to test - the developers wrote end-to-end tests that simply launched the application, </a:t>
-            </a:r>
-          </a:p>
-          <a:p>
-            <a:r>
-              <a:rPr lang="en-US" b="1" dirty="0">
-                <a:solidFill>
-                  <a:schemeClr val="bg1"/>
-                </a:solidFill>
-              </a:rPr>
-              <a:t>	invoked the REST API and tested the UI with Selenium. </a:t>
-            </a:r>
-          </a:p>
-          <a:p>
-            <a:r>
-              <a:rPr lang="en-US" b="1" dirty="0">
-                <a:solidFill>
-                  <a:schemeClr val="bg1"/>
-                </a:solidFill>
-              </a:rPr>
-              <a:t>• straight forward to deploy - all a developer had to do was copy the WAR file to a server that had Tomcat installed. </a:t>
-            </a:r>
-          </a:p>
-          <a:p>
-            <a:r>
-              <a:rPr lang="en-US" b="1" dirty="0">
-                <a:solidFill>
-                  <a:schemeClr val="bg1"/>
-                </a:solidFill>
-              </a:rPr>
-              <a:t>• easy to scale - FTGO ran multiple instances of the application behind a load balancer. </a:t>
-            </a:r>
-          </a:p>
-          <a:p>
-            <a:endParaRPr lang="en-US" b="1" dirty="0">
-              <a:solidFill>
-                <a:schemeClr val="bg1"/>
-              </a:solidFill>
-            </a:endParaRPr>
+              <a:t>Response time: </a:t>
+            </a:r>
+          </a:p>
+          <a:p>
+            <a:r>
+              <a:rPr lang="en-US" b="1" dirty="0">
+                <a:solidFill>
+                  <a:schemeClr val="bg1"/>
+                </a:solidFill>
+              </a:rPr>
+              <a:t>	high processing time taken by the service. </a:t>
+            </a:r>
+          </a:p>
+          <a:p>
+            <a:r>
+              <a:rPr lang="en-US" b="1" dirty="0">
+                <a:solidFill>
+                  <a:schemeClr val="bg1"/>
+                </a:solidFill>
+              </a:rPr>
+              <a:t>	complex huge code reduces performance</a:t>
+            </a:r>
+          </a:p>
+          <a:p>
+            <a:r>
+              <a:rPr lang="en-US" b="1" dirty="0">
+                <a:solidFill>
+                  <a:schemeClr val="bg1"/>
+                </a:solidFill>
+              </a:rPr>
+              <a:t>	Frequent downtime: </a:t>
+            </a:r>
+          </a:p>
+          <a:p>
+            <a:r>
+              <a:rPr lang="en-US" b="1" dirty="0">
+                <a:solidFill>
+                  <a:schemeClr val="bg1"/>
+                </a:solidFill>
+              </a:rPr>
+              <a:t>		Web services part of monolith ecosystem, </a:t>
+            </a:r>
+          </a:p>
+          <a:p>
+            <a:r>
+              <a:rPr lang="en-US" b="1" dirty="0">
+                <a:solidFill>
+                  <a:schemeClr val="bg1"/>
+                </a:solidFill>
+              </a:rPr>
+              <a:t>		Very difficult to ZDU</a:t>
+            </a:r>
+          </a:p>
+          <a:p>
+            <a:r>
+              <a:rPr lang="en-US" b="1" dirty="0">
+                <a:solidFill>
+                  <a:schemeClr val="bg1"/>
+                </a:solidFill>
+              </a:rPr>
+              <a:t>		Generally upgrade has </a:t>
+            </a:r>
+            <a:r>
+              <a:rPr lang="en-US" b="1" dirty="0" err="1">
+                <a:solidFill>
+                  <a:schemeClr val="bg1"/>
+                </a:solidFill>
+              </a:rPr>
+              <a:t>noticable</a:t>
+            </a:r>
+            <a:r>
+              <a:rPr lang="en-US" b="1" dirty="0">
+                <a:solidFill>
+                  <a:schemeClr val="bg1"/>
+                </a:solidFill>
+              </a:rPr>
+              <a:t> downtime </a:t>
+            </a:r>
+          </a:p>
+          <a:p>
+            <a:r>
+              <a:rPr lang="en-US" b="1" dirty="0">
+                <a:solidFill>
+                  <a:schemeClr val="bg1"/>
+                </a:solidFill>
+              </a:rPr>
+              <a:t>		Any B2B external dependency would complicate further</a:t>
+            </a:r>
+          </a:p>
+          <a:p>
+            <a:r>
+              <a:rPr lang="en-US" b="1" dirty="0">
+                <a:solidFill>
+                  <a:schemeClr val="bg1"/>
+                </a:solidFill>
+              </a:rPr>
+              <a:t>				</a:t>
+            </a:r>
+          </a:p>
+          <a:p>
+            <a:r>
+              <a:rPr lang="en-US" b="1" dirty="0">
+                <a:solidFill>
+                  <a:schemeClr val="bg1"/>
+                </a:solidFill>
+              </a:rPr>
+              <a:t>Technology adoption: </a:t>
+            </a:r>
+          </a:p>
+          <a:p>
+            <a:r>
+              <a:rPr lang="en-US" b="1" dirty="0">
+                <a:solidFill>
+                  <a:schemeClr val="bg1"/>
+                </a:solidFill>
+              </a:rPr>
+              <a:t>	Require the whole application to be upgraded, tested, and deployed, </a:t>
+            </a:r>
+          </a:p>
+          <a:p>
+            <a:r>
+              <a:rPr lang="en-US" b="1" dirty="0">
+                <a:solidFill>
+                  <a:schemeClr val="bg1"/>
+                </a:solidFill>
+              </a:rPr>
+              <a:t>	Interdependent code base </a:t>
+            </a:r>
           </a:p>
         </p:txBody>
       </p:sp>
     </p:spTree>
     <p:extLst>
       <p:ext uri="{BB962C8B-B14F-4D97-AF65-F5344CB8AC3E}">
-        <p14:creationId xmlns:p14="http://schemas.microsoft.com/office/powerpoint/2010/main" val="3513537449"/>
+        <p14:creationId xmlns:p14="http://schemas.microsoft.com/office/powerpoint/2010/main" val="1485687296"/>
       </p:ext>
     </p:extLst>
   </p:cSld>
@@ -6009,7 +6275,7 @@
                 </a:solidFill>
                 <a:latin typeface="+mn-lt"/>
               </a:rPr>
-              <a:t> Dis Advantages Monolithic Application</a:t>
+              <a:t> Microservices Vs Monolithic Architecture</a:t>
             </a:r>
             <a:endParaRPr lang="en-IN" dirty="0">
               <a:solidFill>
@@ -6034,8 +6300,8 @@
         </p:nvSpPr>
         <p:spPr>
           <a:xfrm>
-            <a:off x="881744" y="1812345"/>
-            <a:ext cx="10515600" cy="7848302"/>
+            <a:off x="838200" y="1812345"/>
+            <a:ext cx="10515600" cy="3970318"/>
           </a:xfrm>
           <a:prstGeom prst="rect">
             <a:avLst/>
@@ -6054,317 +6320,145 @@
                   <a:schemeClr val="bg1"/>
                 </a:solidFill>
               </a:rPr>
-              <a:t>Normal Monolith's can't scale.</a:t>
-            </a:r>
-          </a:p>
-          <a:p>
-            <a:pPr lvl="1"/>
-            <a:r>
-              <a:rPr lang="en-US" b="1" dirty="0">
-                <a:solidFill>
-                  <a:schemeClr val="bg1"/>
-                </a:solidFill>
-              </a:rPr>
-              <a:t>Small modules can't independently scale</a:t>
-            </a:r>
-          </a:p>
-          <a:p>
-            <a:pPr lvl="1"/>
-            <a:r>
-              <a:rPr lang="en-US" b="1" dirty="0">
-                <a:solidFill>
-                  <a:schemeClr val="bg1"/>
-                </a:solidFill>
-              </a:rPr>
-              <a:t>Generally not designed to scale.</a:t>
-            </a:r>
-          </a:p>
-          <a:p>
-            <a:pPr lvl="1"/>
-            <a:r>
-              <a:rPr lang="en-US" b="1" dirty="0">
-                <a:solidFill>
-                  <a:schemeClr val="bg1"/>
-                </a:solidFill>
-              </a:rPr>
-              <a:t>Designing to scale is very complex</a:t>
-            </a:r>
-          </a:p>
-          <a:p>
-            <a:r>
-              <a:rPr lang="en-US" b="1" dirty="0">
-                <a:solidFill>
-                  <a:schemeClr val="bg1"/>
-                </a:solidFill>
-              </a:rPr>
-              <a:t>Can't independently deploy small services</a:t>
-            </a:r>
-          </a:p>
-          <a:p>
-            <a:r>
-              <a:rPr lang="en-US" b="1" dirty="0">
-                <a:solidFill>
-                  <a:schemeClr val="bg1"/>
-                </a:solidFill>
-              </a:rPr>
-              <a:t>CI/CD is extremely complicated</a:t>
-            </a:r>
-          </a:p>
-          <a:p>
-            <a:r>
-              <a:rPr lang="en-US" b="1" dirty="0">
-                <a:solidFill>
-                  <a:schemeClr val="bg1"/>
-                </a:solidFill>
-              </a:rPr>
-              <a:t>Testing cost is very high</a:t>
-            </a:r>
-          </a:p>
-          <a:p>
-            <a:r>
-              <a:rPr lang="en-US" b="1" dirty="0">
-                <a:solidFill>
-                  <a:schemeClr val="bg1"/>
-                </a:solidFill>
-              </a:rPr>
-              <a:t>More black box testing.</a:t>
-            </a:r>
-          </a:p>
-          <a:p>
-            <a:r>
-              <a:rPr lang="en-US" b="1" dirty="0">
-                <a:solidFill>
-                  <a:schemeClr val="bg1"/>
-                </a:solidFill>
-              </a:rPr>
-              <a:t>Quality of test can be compromised </a:t>
-            </a:r>
-            <a:r>
-              <a:rPr lang="en-US" b="1" dirty="0" err="1">
-                <a:solidFill>
-                  <a:schemeClr val="bg1"/>
-                </a:solidFill>
-              </a:rPr>
-              <a:t>inspite</a:t>
-            </a:r>
-            <a:r>
-              <a:rPr lang="en-US" b="1" dirty="0">
-                <a:solidFill>
-                  <a:schemeClr val="bg1"/>
-                </a:solidFill>
-              </a:rPr>
-              <a:t> of huge investment.</a:t>
-            </a:r>
-          </a:p>
-          <a:p>
-            <a:r>
-              <a:rPr lang="en-US" b="1" dirty="0">
-                <a:solidFill>
-                  <a:schemeClr val="bg1"/>
-                </a:solidFill>
-              </a:rPr>
-              <a:t>huge code, complex logic</a:t>
-            </a:r>
-          </a:p>
-          <a:p>
-            <a:r>
-              <a:rPr lang="en-US" b="1" dirty="0">
-                <a:solidFill>
-                  <a:schemeClr val="bg1"/>
-                </a:solidFill>
-              </a:rPr>
-              <a:t>Security: </a:t>
-            </a:r>
-          </a:p>
-          <a:p>
-            <a:r>
-              <a:rPr lang="en-US" b="1" dirty="0">
-                <a:solidFill>
-                  <a:schemeClr val="bg1"/>
-                </a:solidFill>
-              </a:rPr>
-              <a:t>	No way to identify the user via webservices </a:t>
-            </a:r>
-          </a:p>
-          <a:p>
-            <a:r>
-              <a:rPr lang="en-US" b="1" dirty="0">
-                <a:solidFill>
-                  <a:schemeClr val="bg1"/>
-                </a:solidFill>
-              </a:rPr>
-              <a:t>	 (no clear consensus on a strong authentication scheme). </a:t>
-            </a:r>
-          </a:p>
-          <a:p>
-            <a:r>
-              <a:rPr lang="en-US" b="1" dirty="0">
-                <a:solidFill>
-                  <a:schemeClr val="bg1"/>
-                </a:solidFill>
-              </a:rPr>
-              <a:t>	Difficult to implement security specific to a small part.</a:t>
-            </a:r>
-          </a:p>
-          <a:p>
-            <a:r>
-              <a:rPr lang="en-US" b="1" dirty="0">
-                <a:solidFill>
-                  <a:schemeClr val="bg1"/>
-                </a:solidFill>
-              </a:rPr>
-              <a:t>	e.g. banking application sending unencrypted data containing user credentials </a:t>
-            </a:r>
-          </a:p>
-          <a:p>
-            <a:r>
-              <a:rPr lang="en-US" b="1" dirty="0">
-                <a:solidFill>
-                  <a:schemeClr val="bg1"/>
-                </a:solidFill>
-              </a:rPr>
-              <a:t>Response time: </a:t>
-            </a:r>
-          </a:p>
-          <a:p>
-            <a:r>
-              <a:rPr lang="en-US" b="1" dirty="0">
-                <a:solidFill>
-                  <a:schemeClr val="bg1"/>
-                </a:solidFill>
-              </a:rPr>
-              <a:t>	high processing time taken by the service. </a:t>
-            </a:r>
-          </a:p>
-          <a:p>
-            <a:r>
-              <a:rPr lang="en-US" b="1" dirty="0">
-                <a:solidFill>
-                  <a:schemeClr val="bg1"/>
-                </a:solidFill>
-              </a:rPr>
-              <a:t>	complex huge code reduces performance</a:t>
-            </a:r>
-          </a:p>
-          <a:p>
-            <a:r>
-              <a:rPr lang="en-US" b="1" dirty="0">
-                <a:solidFill>
-                  <a:schemeClr val="bg1"/>
-                </a:solidFill>
-              </a:rPr>
-              <a:t>		Frequent downtime: </a:t>
-            </a:r>
-          </a:p>
-          <a:p>
-            <a:r>
-              <a:rPr lang="en-US" b="1" dirty="0">
-                <a:solidFill>
-                  <a:schemeClr val="bg1"/>
-                </a:solidFill>
-              </a:rPr>
-              <a:t>			Web services part of monolith ecosystem, </a:t>
-            </a:r>
-          </a:p>
-          <a:p>
-            <a:r>
-              <a:rPr lang="en-US" b="1" dirty="0">
-                <a:solidFill>
-                  <a:schemeClr val="bg1"/>
-                </a:solidFill>
-              </a:rPr>
-              <a:t>			Very difficult to ZDU</a:t>
-            </a:r>
-          </a:p>
-          <a:p>
-            <a:r>
-              <a:rPr lang="en-US" b="1" dirty="0">
-                <a:solidFill>
-                  <a:schemeClr val="bg1"/>
-                </a:solidFill>
-              </a:rPr>
-              <a:t>				Generally upgrade has </a:t>
-            </a:r>
-            <a:r>
-              <a:rPr lang="en-US" b="1" dirty="0" err="1">
-                <a:solidFill>
-                  <a:schemeClr val="bg1"/>
-                </a:solidFill>
-              </a:rPr>
-              <a:t>noticable</a:t>
-            </a:r>
-            <a:r>
-              <a:rPr lang="en-US" b="1" dirty="0">
-                <a:solidFill>
-                  <a:schemeClr val="bg1"/>
-                </a:solidFill>
-              </a:rPr>
-              <a:t> downtime </a:t>
-            </a:r>
-          </a:p>
-          <a:p>
-            <a:r>
-              <a:rPr lang="en-US" b="1" dirty="0">
-                <a:solidFill>
-                  <a:schemeClr val="bg1"/>
-                </a:solidFill>
-              </a:rPr>
-              <a:t>				Any B2B external dependency would complicate further</a:t>
-            </a:r>
-          </a:p>
-          <a:p>
-            <a:r>
-              <a:rPr lang="en-US" b="1" dirty="0">
-                <a:solidFill>
-                  <a:schemeClr val="bg1"/>
-                </a:solidFill>
-              </a:rPr>
-              <a:t>				</a:t>
-            </a:r>
-          </a:p>
-          <a:p>
-            <a:r>
-              <a:rPr lang="en-US" b="1" dirty="0">
-                <a:solidFill>
-                  <a:schemeClr val="bg1"/>
-                </a:solidFill>
-              </a:rPr>
-              <a:t>		Technology adoption: </a:t>
-            </a:r>
-          </a:p>
-          <a:p>
-            <a:r>
-              <a:rPr lang="en-US" b="1" dirty="0">
-                <a:solidFill>
-                  <a:schemeClr val="bg1"/>
-                </a:solidFill>
-              </a:rPr>
-              <a:t>			Require the whole application to be upgraded, tested, and deployed, </a:t>
-            </a:r>
-          </a:p>
-          <a:p>
-            <a:r>
-              <a:rPr lang="en-US" b="1" dirty="0">
-                <a:solidFill>
-                  <a:schemeClr val="bg1"/>
-                </a:solidFill>
-              </a:rPr>
-              <a:t>			Interdependent code base </a:t>
-            </a:r>
-          </a:p>
-          <a:p>
-            <a:endParaRPr lang="en-US" b="1" dirty="0">
-              <a:solidFill>
-                <a:schemeClr val="bg1"/>
-              </a:solidFill>
-            </a:endParaRPr>
+              <a:t>Microservices: </a:t>
+            </a:r>
+          </a:p>
+          <a:p>
+            <a:r>
+              <a:rPr lang="en-US" b="1" dirty="0">
+                <a:solidFill>
+                  <a:schemeClr val="bg1"/>
+                </a:solidFill>
+              </a:rPr>
+              <a:t>	Every unit of the entire application should be the smallest, </a:t>
+            </a:r>
+          </a:p>
+          <a:p>
+            <a:r>
+              <a:rPr lang="en-US" b="1" dirty="0">
+                <a:solidFill>
+                  <a:schemeClr val="bg1"/>
+                </a:solidFill>
+              </a:rPr>
+              <a:t>	it should be able to deliver one specific business goal.</a:t>
+            </a:r>
+          </a:p>
+          <a:p>
+            <a:r>
+              <a:rPr lang="en-US" b="1" dirty="0">
+                <a:solidFill>
+                  <a:schemeClr val="bg1"/>
+                </a:solidFill>
+              </a:rPr>
+              <a:t>	A single code base for all business goals</a:t>
+            </a:r>
+          </a:p>
+          <a:p>
+            <a:r>
+              <a:rPr lang="en-US" b="1" dirty="0">
+                <a:solidFill>
+                  <a:schemeClr val="bg1"/>
+                </a:solidFill>
+              </a:rPr>
+              <a:t>	Service Startup is relatively quick</a:t>
+            </a:r>
+          </a:p>
+          <a:p>
+            <a:r>
+              <a:rPr lang="en-US" b="1" dirty="0">
+                <a:solidFill>
+                  <a:schemeClr val="bg1"/>
+                </a:solidFill>
+              </a:rPr>
+              <a:t>	Fault isolation is easy. </a:t>
+            </a:r>
+          </a:p>
+          <a:p>
+            <a:r>
+              <a:rPr lang="en-US" b="1" dirty="0">
+                <a:solidFill>
+                  <a:schemeClr val="bg1"/>
+                </a:solidFill>
+              </a:rPr>
+              <a:t>	Even if one service goes down, other can continue to function.	</a:t>
+            </a:r>
+          </a:p>
+          <a:p>
+            <a:r>
+              <a:rPr lang="en-US" b="1" dirty="0">
+                <a:solidFill>
+                  <a:schemeClr val="bg1"/>
+                </a:solidFill>
+              </a:rPr>
+              <a:t>	Loosely coupled so that changes made in one does not affect the other.</a:t>
+            </a:r>
+          </a:p>
+          <a:p>
+            <a:r>
+              <a:rPr lang="en-US" b="1" dirty="0">
+                <a:solidFill>
+                  <a:schemeClr val="bg1"/>
+                </a:solidFill>
+              </a:rPr>
+              <a:t>	Can deploy more resources to services that are generating higher ROI or more frequently used.</a:t>
+            </a:r>
+          </a:p>
+          <a:p>
+            <a:r>
+              <a:rPr lang="en-US" b="1" dirty="0">
+                <a:solidFill>
+                  <a:schemeClr val="bg1"/>
+                </a:solidFill>
+              </a:rPr>
+              <a:t>	Always remains consistent and continuously available.</a:t>
+            </a:r>
+          </a:p>
+          <a:p>
+            <a:r>
+              <a:rPr lang="en-US" b="1" dirty="0">
+                <a:solidFill>
+                  <a:schemeClr val="bg1"/>
+                </a:solidFill>
+              </a:rPr>
+              <a:t>Monolithic:</a:t>
+            </a:r>
+          </a:p>
+          <a:p>
+            <a:r>
+              <a:rPr lang="en-US" b="1" dirty="0">
+                <a:solidFill>
+                  <a:schemeClr val="bg1"/>
+                </a:solidFill>
+              </a:rPr>
+              <a:t>	Fixing solution the application needs to re-built, re-tested and also re-deployed.</a:t>
+            </a:r>
+          </a:p>
+          <a:p>
+            <a:r>
+              <a:rPr lang="en-US" b="1" dirty="0">
+                <a:solidFill>
+                  <a:schemeClr val="bg1"/>
+                </a:solidFill>
+              </a:rPr>
+              <a:t>	Tightly coupled. </a:t>
+            </a:r>
+          </a:p>
+          <a:p>
+            <a:r>
+              <a:rPr lang="en-US" b="1" dirty="0">
+                <a:solidFill>
+                  <a:schemeClr val="bg1"/>
+                </a:solidFill>
+              </a:rPr>
+              <a:t>	Application scaling is challenging as well as wasteful.</a:t>
+            </a:r>
           </a:p>
         </p:txBody>
       </p:sp>
     </p:spTree>
     <p:extLst>
       <p:ext uri="{BB962C8B-B14F-4D97-AF65-F5344CB8AC3E}">
-        <p14:creationId xmlns:p14="http://schemas.microsoft.com/office/powerpoint/2010/main" val="2848164524"/>
+        <p14:creationId xmlns:p14="http://schemas.microsoft.com/office/powerpoint/2010/main" val="3139783112"/>
       </p:ext>
     </p:extLst>
   </p:cSld>
@@ -6663,7 +6757,7 @@
                 </a:solidFill>
                 <a:latin typeface="+mn-lt"/>
               </a:rPr>
-              <a:t> Dis Advantages Monolithic Application</a:t>
+              <a:t> Microservices Vs Monolithic Architecture</a:t>
             </a:r>
             <a:endParaRPr lang="en-IN" dirty="0">
               <a:solidFill>
@@ -6688,8 +6782,8 @@
         </p:nvSpPr>
         <p:spPr>
           <a:xfrm>
-            <a:off x="881744" y="1812345"/>
-            <a:ext cx="10515600" cy="3416320"/>
+            <a:off x="838200" y="1812345"/>
+            <a:ext cx="10515600" cy="3139321"/>
           </a:xfrm>
           <a:prstGeom prst="rect">
             <a:avLst/>
@@ -6708,133 +6802,104 @@
                   <a:schemeClr val="bg1"/>
                 </a:solidFill>
               </a:rPr>
-              <a:t>Response time: </a:t>
-            </a:r>
-          </a:p>
-          <a:p>
-            <a:r>
-              <a:rPr lang="en-US" b="1" dirty="0">
-                <a:solidFill>
-                  <a:schemeClr val="bg1"/>
-                </a:solidFill>
-              </a:rPr>
-              <a:t>	high processing time taken by the service. </a:t>
-            </a:r>
-          </a:p>
-          <a:p>
-            <a:r>
-              <a:rPr lang="en-US" b="1" dirty="0">
-                <a:solidFill>
-                  <a:schemeClr val="bg1"/>
-                </a:solidFill>
-              </a:rPr>
-              <a:t>	complex huge code reduces performance</a:t>
-            </a:r>
-          </a:p>
-          <a:p>
-            <a:r>
-              <a:rPr lang="en-US" b="1" dirty="0">
-                <a:solidFill>
-                  <a:schemeClr val="bg1"/>
-                </a:solidFill>
-              </a:rPr>
-              <a:t>	Frequent downtime: </a:t>
-            </a:r>
-          </a:p>
-          <a:p>
-            <a:r>
-              <a:rPr lang="en-US" b="1" dirty="0">
-                <a:solidFill>
-                  <a:schemeClr val="bg1"/>
-                </a:solidFill>
-              </a:rPr>
-              <a:t>		Web services part of monolith ecosystem, </a:t>
-            </a:r>
-          </a:p>
-          <a:p>
-            <a:r>
-              <a:rPr lang="en-US" b="1" dirty="0">
-                <a:solidFill>
-                  <a:schemeClr val="bg1"/>
-                </a:solidFill>
-              </a:rPr>
-              <a:t>		Very difficult to ZDU</a:t>
-            </a:r>
-          </a:p>
-          <a:p>
-            <a:r>
-              <a:rPr lang="en-US" b="1" dirty="0">
-                <a:solidFill>
-                  <a:schemeClr val="bg1"/>
-                </a:solidFill>
-              </a:rPr>
-              <a:t>		Generally upgrade has </a:t>
-            </a:r>
-            <a:r>
-              <a:rPr lang="en-US" b="1" dirty="0" err="1">
-                <a:solidFill>
-                  <a:schemeClr val="bg1"/>
-                </a:solidFill>
-              </a:rPr>
-              <a:t>noticable</a:t>
-            </a:r>
-            <a:r>
-              <a:rPr lang="en-US" b="1" dirty="0">
-                <a:solidFill>
-                  <a:schemeClr val="bg1"/>
-                </a:solidFill>
-              </a:rPr>
-              <a:t> downtime </a:t>
-            </a:r>
-          </a:p>
-          <a:p>
-            <a:r>
-              <a:rPr lang="en-US" b="1" dirty="0">
-                <a:solidFill>
-                  <a:schemeClr val="bg1"/>
-                </a:solidFill>
-              </a:rPr>
-              <a:t>		Any B2B external dependency would complicate further</a:t>
-            </a:r>
-          </a:p>
-          <a:p>
-            <a:r>
-              <a:rPr lang="en-US" b="1" dirty="0">
-                <a:solidFill>
-                  <a:schemeClr val="bg1"/>
-                </a:solidFill>
-              </a:rPr>
-              <a:t>				</a:t>
-            </a:r>
-          </a:p>
-          <a:p>
-            <a:r>
-              <a:rPr lang="en-US" b="1" dirty="0">
-                <a:solidFill>
-                  <a:schemeClr val="bg1"/>
-                </a:solidFill>
-              </a:rPr>
-              <a:t>Technology adoption: </a:t>
-            </a:r>
-          </a:p>
-          <a:p>
-            <a:r>
-              <a:rPr lang="en-US" b="1" dirty="0">
-                <a:solidFill>
-                  <a:schemeClr val="bg1"/>
-                </a:solidFill>
-              </a:rPr>
-              <a:t>	Require the whole application to be upgraded, tested, and deployed, </a:t>
-            </a:r>
-          </a:p>
-          <a:p>
-            <a:r>
-              <a:rPr lang="en-US" b="1" dirty="0">
-                <a:solidFill>
-                  <a:schemeClr val="bg1"/>
-                </a:solidFill>
-              </a:rPr>
-              <a:t>	Interdependent code base </a:t>
+              <a:t>Microservices: </a:t>
+            </a:r>
+          </a:p>
+          <a:p>
+            <a:r>
+              <a:rPr lang="en-US" b="1" dirty="0">
+                <a:solidFill>
+                  <a:schemeClr val="bg1"/>
+                </a:solidFill>
+              </a:rPr>
+              <a:t>	Development tools get overburdened as the process needs to start from the scratch.</a:t>
+            </a:r>
+          </a:p>
+          <a:p>
+            <a:r>
+              <a:rPr lang="en-US" b="1" dirty="0">
+                <a:solidFill>
+                  <a:schemeClr val="bg1"/>
+                </a:solidFill>
+              </a:rPr>
+              <a:t>	Data is federated.</a:t>
+            </a:r>
+          </a:p>
+          <a:p>
+            <a:endParaRPr lang="en-US" b="1" dirty="0">
+              <a:solidFill>
+                <a:schemeClr val="bg1"/>
+              </a:solidFill>
+            </a:endParaRPr>
+          </a:p>
+          <a:p>
+            <a:r>
+              <a:rPr lang="en-US" b="1" dirty="0">
+                <a:solidFill>
+                  <a:schemeClr val="bg1"/>
+                </a:solidFill>
+              </a:rPr>
+              <a:t>Can adopt a data model (filesystem) best suited for its needs.</a:t>
+            </a:r>
+          </a:p>
+          <a:p>
+            <a:r>
+              <a:rPr lang="en-US" b="1" dirty="0">
+                <a:solidFill>
+                  <a:schemeClr val="bg1"/>
+                </a:solidFill>
+              </a:rPr>
+              <a:t>Small Focused Teams</a:t>
+            </a:r>
+          </a:p>
+          <a:p>
+            <a:r>
+              <a:rPr lang="en-US" b="1" dirty="0">
+                <a:solidFill>
+                  <a:schemeClr val="bg1"/>
+                </a:solidFill>
+              </a:rPr>
+              <a:t>Parallel and faster development</a:t>
+            </a:r>
+          </a:p>
+          <a:p>
+            <a:r>
+              <a:rPr lang="en-US" b="1" dirty="0">
+                <a:solidFill>
+                  <a:schemeClr val="bg1"/>
+                </a:solidFill>
+              </a:rPr>
+              <a:t>Change in the data model of one Microservice does not affect other Microservices.</a:t>
+            </a:r>
+          </a:p>
+          <a:p>
+            <a:r>
+              <a:rPr lang="en-US" b="1" dirty="0">
+                <a:solidFill>
+                  <a:schemeClr val="bg1"/>
+                </a:solidFill>
+              </a:rPr>
+              <a:t>Interacts with other microservices by using well-defined interfaces</a:t>
+            </a:r>
+          </a:p>
+          <a:p>
+            <a:r>
+              <a:rPr lang="en-US" b="1" dirty="0">
+                <a:solidFill>
+                  <a:schemeClr val="bg1"/>
+                </a:solidFill>
+              </a:rPr>
+              <a:t>No cross-dependencies between code bases</a:t>
+            </a:r>
+          </a:p>
+          <a:p>
+            <a:r>
+              <a:rPr lang="en-US" b="1" dirty="0">
+                <a:solidFill>
+                  <a:schemeClr val="bg1"/>
+                </a:solidFill>
+              </a:rPr>
+              <a:t>Can use different technologies for different Microservices.</a:t>
             </a:r>
           </a:p>
         </p:txBody>
@@ -6842,7 +6907,7 @@
     </p:spTree>
     <p:extLst>
       <p:ext uri="{BB962C8B-B14F-4D97-AF65-F5344CB8AC3E}">
-        <p14:creationId xmlns:p14="http://schemas.microsoft.com/office/powerpoint/2010/main" val="1485687296"/>
+        <p14:creationId xmlns:p14="http://schemas.microsoft.com/office/powerpoint/2010/main" val="2697233223"/>
       </p:ext>
     </p:extLst>
   </p:cSld>
@@ -6907,20 +6972,13 @@
           <a:lstStyle/>
           <a:p>
             <a:r>
-              <a:rPr lang="en-US" dirty="0">
-                <a:solidFill>
-                  <a:schemeClr val="bg1"/>
-                </a:solidFill>
-                <a:latin typeface="+mn-lt"/>
-              </a:rPr>
-              <a:t> Microservices Vs Monolithic Architecture</a:t>
-            </a:r>
-            <a:endParaRPr lang="en-IN" dirty="0">
-              <a:solidFill>
-                <a:schemeClr val="bg1"/>
-              </a:solidFill>
-              <a:latin typeface="+mn-lt"/>
-            </a:endParaRPr>
+              <a:rPr lang="en-US" b="1" dirty="0">
+                <a:solidFill>
+                  <a:schemeClr val="bg1"/>
+                </a:solidFill>
+              </a:rPr>
+              <a:t>Microservice Challenges</a:t>
+            </a:r>
           </a:p>
         </p:txBody>
       </p:sp>
@@ -6939,7 +6997,7 @@
         <p:spPr>
           <a:xfrm>
             <a:off x="838200" y="1812345"/>
-            <a:ext cx="10515600" cy="3970318"/>
+            <a:ext cx="10515600" cy="4247317"/>
           </a:xfrm>
           <a:prstGeom prst="rect">
             <a:avLst/>
@@ -6958,137 +7016,137 @@
                   <a:schemeClr val="bg1"/>
                 </a:solidFill>
               </a:rPr>
-              <a:t>Microservices: </a:t>
-            </a:r>
-          </a:p>
-          <a:p>
-            <a:r>
-              <a:rPr lang="en-US" b="1" dirty="0">
-                <a:solidFill>
-                  <a:schemeClr val="bg1"/>
-                </a:solidFill>
-              </a:rPr>
-              <a:t>	Every unit of the entire application should be the smallest, </a:t>
-            </a:r>
-          </a:p>
-          <a:p>
-            <a:r>
-              <a:rPr lang="en-US" b="1" dirty="0">
-                <a:solidFill>
-                  <a:schemeClr val="bg1"/>
-                </a:solidFill>
-              </a:rPr>
-              <a:t>	it should be able to deliver one specific business goal.</a:t>
-            </a:r>
-          </a:p>
-          <a:p>
-            <a:r>
-              <a:rPr lang="en-US" b="1" dirty="0">
-                <a:solidFill>
-                  <a:schemeClr val="bg1"/>
-                </a:solidFill>
-              </a:rPr>
-              <a:t>	A single code base for all business goals</a:t>
-            </a:r>
-          </a:p>
-          <a:p>
-            <a:r>
-              <a:rPr lang="en-US" b="1" dirty="0">
-                <a:solidFill>
-                  <a:schemeClr val="bg1"/>
-                </a:solidFill>
-              </a:rPr>
-              <a:t>	Service Startup is relatively quick</a:t>
-            </a:r>
-          </a:p>
-          <a:p>
-            <a:r>
-              <a:rPr lang="en-US" b="1" dirty="0">
-                <a:solidFill>
-                  <a:schemeClr val="bg1"/>
-                </a:solidFill>
-              </a:rPr>
-              <a:t>	Fault isolation is easy. </a:t>
-            </a:r>
-          </a:p>
-          <a:p>
-            <a:r>
-              <a:rPr lang="en-US" b="1" dirty="0">
-                <a:solidFill>
-                  <a:schemeClr val="bg1"/>
-                </a:solidFill>
-              </a:rPr>
-              <a:t>	Even if one service goes down, other can continue to function.	</a:t>
-            </a:r>
-          </a:p>
-          <a:p>
-            <a:r>
-              <a:rPr lang="en-US" b="1" dirty="0">
-                <a:solidFill>
-                  <a:schemeClr val="bg1"/>
-                </a:solidFill>
-              </a:rPr>
-              <a:t>	Loosely coupled so that changes made in one does not affect the other.</a:t>
-            </a:r>
-          </a:p>
-          <a:p>
-            <a:r>
-              <a:rPr lang="en-US" b="1" dirty="0">
-                <a:solidFill>
-                  <a:schemeClr val="bg1"/>
-                </a:solidFill>
-              </a:rPr>
-              <a:t>	Can deploy more resources to services that are generating higher ROI or more frequently used.</a:t>
-            </a:r>
-          </a:p>
-          <a:p>
-            <a:r>
-              <a:rPr lang="en-US" b="1" dirty="0">
-                <a:solidFill>
-                  <a:schemeClr val="bg1"/>
-                </a:solidFill>
-              </a:rPr>
-              <a:t>	Always remains consistent and continuously available.</a:t>
-            </a:r>
-          </a:p>
-          <a:p>
-            <a:r>
-              <a:rPr lang="en-US" b="1" dirty="0">
-                <a:solidFill>
-                  <a:schemeClr val="bg1"/>
-                </a:solidFill>
-              </a:rPr>
-              <a:t>Monolithic:</a:t>
-            </a:r>
-          </a:p>
-          <a:p>
-            <a:r>
-              <a:rPr lang="en-US" b="1" dirty="0">
-                <a:solidFill>
-                  <a:schemeClr val="bg1"/>
-                </a:solidFill>
-              </a:rPr>
-              <a:t>	Fixing solution the application needs to re-built, re-tested and also re-deployed.</a:t>
-            </a:r>
-          </a:p>
-          <a:p>
-            <a:r>
-              <a:rPr lang="en-US" b="1" dirty="0">
-                <a:solidFill>
-                  <a:schemeClr val="bg1"/>
-                </a:solidFill>
-              </a:rPr>
-              <a:t>	Tightly coupled. </a:t>
-            </a:r>
-          </a:p>
-          <a:p>
-            <a:r>
-              <a:rPr lang="en-US" b="1" dirty="0">
-                <a:solidFill>
-                  <a:schemeClr val="bg1"/>
-                </a:solidFill>
-              </a:rPr>
-              <a:t>	Application scaling is challenging as well as wasteful.</a:t>
+              <a:t>Dependency: Will have to rely and communicate with each other, </a:t>
+            </a:r>
+          </a:p>
+          <a:p>
+            <a:r>
+              <a:rPr lang="en-US" b="1" dirty="0">
+                <a:solidFill>
+                  <a:schemeClr val="bg1"/>
+                </a:solidFill>
+              </a:rPr>
+              <a:t>More services to monitor</a:t>
+            </a:r>
+          </a:p>
+          <a:p>
+            <a:r>
+              <a:rPr lang="en-US" b="1" dirty="0">
+                <a:solidFill>
+                  <a:schemeClr val="bg1"/>
+                </a:solidFill>
+              </a:rPr>
+              <a:t>Maintain microservices developed in different technologies.</a:t>
+            </a:r>
+          </a:p>
+          <a:p>
+            <a:r>
+              <a:rPr lang="en-US" b="1" dirty="0">
+                <a:solidFill>
+                  <a:schemeClr val="bg1"/>
+                </a:solidFill>
+              </a:rPr>
+              <a:t>A wide array of skilled professionals may be required</a:t>
+            </a:r>
+          </a:p>
+          <a:p>
+            <a:r>
+              <a:rPr lang="en-US" b="1" dirty="0">
+                <a:solidFill>
+                  <a:schemeClr val="bg1"/>
+                </a:solidFill>
+              </a:rPr>
+              <a:t>As it is a distributed system, it is an inherently complex model.</a:t>
+            </a:r>
+          </a:p>
+          <a:p>
+            <a:r>
+              <a:rPr lang="en-US" b="1" dirty="0">
+                <a:solidFill>
+                  <a:schemeClr val="bg1"/>
+                </a:solidFill>
+              </a:rPr>
+              <a:t>Different services will have its separate mechanism, </a:t>
+            </a:r>
+          </a:p>
+          <a:p>
+            <a:r>
+              <a:rPr lang="en-US" b="1" dirty="0">
+                <a:solidFill>
+                  <a:schemeClr val="bg1"/>
+                </a:solidFill>
+              </a:rPr>
+              <a:t>	Can result in large amount of memory for an unstructured data.</a:t>
+            </a:r>
+          </a:p>
+          <a:p>
+            <a:r>
+              <a:rPr lang="en-US" b="1" dirty="0">
+                <a:solidFill>
+                  <a:schemeClr val="bg1"/>
+                </a:solidFill>
+              </a:rPr>
+              <a:t>Effective management and teamwork required to prevent cascading issues</a:t>
+            </a:r>
+          </a:p>
+          <a:p>
+            <a:r>
+              <a:rPr lang="en-US" b="1" dirty="0">
+                <a:solidFill>
+                  <a:schemeClr val="bg1"/>
+                </a:solidFill>
+              </a:rPr>
+              <a:t>Reproducing a problem will be a difficult task when it's gone in one version, and comes back in the latest version.</a:t>
+            </a:r>
+          </a:p>
+          <a:p>
+            <a:r>
+              <a:rPr lang="en-US" b="1" dirty="0">
+                <a:solidFill>
+                  <a:schemeClr val="bg1"/>
+                </a:solidFill>
+              </a:rPr>
+              <a:t>Managing deployment dependency complexities could be challenging.</a:t>
+            </a:r>
+          </a:p>
+          <a:p>
+            <a:r>
+              <a:rPr lang="en-US" b="1" dirty="0">
+                <a:solidFill>
+                  <a:schemeClr val="bg1"/>
+                </a:solidFill>
+              </a:rPr>
+              <a:t>Microservice architecture brings plenty of operations overhead.</a:t>
+            </a:r>
+          </a:p>
+          <a:p>
+            <a:r>
+              <a:rPr lang="en-US" b="1" dirty="0">
+                <a:solidFill>
+                  <a:schemeClr val="bg1"/>
+                </a:solidFill>
+              </a:rPr>
+              <a:t>It is difficult to manage application when new services are added to the system</a:t>
+            </a:r>
+          </a:p>
+          <a:p>
+            <a:r>
+              <a:rPr lang="en-US" b="1" dirty="0">
+                <a:solidFill>
+                  <a:schemeClr val="bg1"/>
+                </a:solidFill>
+              </a:rPr>
+              <a:t>Microservice is costly, as you need to maintain different server space for different business tasks.</a:t>
+            </a:r>
+          </a:p>
+          <a:p>
+            <a:r>
+              <a:rPr lang="en-US" b="1" dirty="0">
+                <a:solidFill>
+                  <a:schemeClr val="bg1"/>
+                </a:solidFill>
+              </a:rPr>
+              <a:t>Common or less maintained microservices can fall into no man’s land and complicate latter.</a:t>
             </a:r>
           </a:p>
         </p:txBody>
@@ -7096,7 +7154,7 @@
     </p:spTree>
     <p:extLst>
       <p:ext uri="{BB962C8B-B14F-4D97-AF65-F5344CB8AC3E}">
-        <p14:creationId xmlns:p14="http://schemas.microsoft.com/office/powerpoint/2010/main" val="3139783112"/>
+        <p14:creationId xmlns:p14="http://schemas.microsoft.com/office/powerpoint/2010/main" val="562985393"/>
       </p:ext>
     </p:extLst>
   </p:cSld>
@@ -7167,7 +7225,7 @@
                 </a:solidFill>
                 <a:latin typeface="+mn-lt"/>
               </a:rPr>
-              <a:t> Microservices Vs Monolithic Architecture</a:t>
+              <a:t> Microservices Challenges</a:t>
             </a:r>
             <a:endParaRPr lang="en-IN" dirty="0">
               <a:solidFill>
@@ -7192,8 +7250,8 @@
         </p:nvSpPr>
         <p:spPr>
           <a:xfrm>
-            <a:off x="838200" y="1812345"/>
-            <a:ext cx="10515600" cy="2862322"/>
+            <a:off x="838200" y="1779687"/>
+            <a:ext cx="10515600" cy="2308324"/>
           </a:xfrm>
           <a:prstGeom prst="rect">
             <a:avLst/>
@@ -7212,105 +7270,82 @@
                   <a:schemeClr val="bg1"/>
                 </a:solidFill>
               </a:rPr>
-              <a:t>Microservices: </a:t>
-            </a:r>
-          </a:p>
-          <a:p>
-            <a:r>
-              <a:rPr lang="en-US" b="1" dirty="0">
-                <a:solidFill>
-                  <a:schemeClr val="bg1"/>
-                </a:solidFill>
-              </a:rPr>
-              <a:t>	Development tools get overburdened as the process needs to start from the scratch.</a:t>
-            </a:r>
-          </a:p>
-          <a:p>
-            <a:r>
-              <a:rPr lang="en-US" b="1" dirty="0">
-                <a:solidFill>
-                  <a:schemeClr val="bg1"/>
-                </a:solidFill>
-              </a:rPr>
-              <a:t>Data is federated.</a:t>
-            </a:r>
-          </a:p>
-          <a:p>
-            <a:r>
-              <a:rPr lang="en-US" b="1" dirty="0">
-                <a:solidFill>
-                  <a:schemeClr val="bg1"/>
-                </a:solidFill>
-              </a:rPr>
-              <a:t>Can adopt a data model (filesystem) best suited for its needs.</a:t>
-            </a:r>
-          </a:p>
-          <a:p>
-            <a:r>
-              <a:rPr lang="en-US" b="1" dirty="0">
-                <a:solidFill>
-                  <a:schemeClr val="bg1"/>
-                </a:solidFill>
-              </a:rPr>
-              <a:t>Small Focused Teams</a:t>
-            </a:r>
-          </a:p>
-          <a:p>
-            <a:r>
-              <a:rPr lang="en-US" b="1" dirty="0">
-                <a:solidFill>
-                  <a:schemeClr val="bg1"/>
-                </a:solidFill>
-              </a:rPr>
-              <a:t>Parallel and faster development</a:t>
-            </a:r>
-          </a:p>
-          <a:p>
-            <a:r>
-              <a:rPr lang="en-US" b="1" dirty="0">
-                <a:solidFill>
-                  <a:schemeClr val="bg1"/>
-                </a:solidFill>
-              </a:rPr>
-              <a:t>Change in the data model of one Microservice does not affect other Microservices.</a:t>
-            </a:r>
-          </a:p>
-          <a:p>
-            <a:r>
-              <a:rPr lang="en-US" b="1" dirty="0">
-                <a:solidFill>
-                  <a:schemeClr val="bg1"/>
-                </a:solidFill>
-              </a:rPr>
-              <a:t>Interacts with other microservices by using well-defined interfaces</a:t>
-            </a:r>
-          </a:p>
-          <a:p>
-            <a:r>
-              <a:rPr lang="en-US" b="1" dirty="0">
-                <a:solidFill>
-                  <a:schemeClr val="bg1"/>
-                </a:solidFill>
-              </a:rPr>
-              <a:t>No cross-dependencies between code bases</a:t>
-            </a:r>
-          </a:p>
-          <a:p>
-            <a:r>
-              <a:rPr lang="en-US" b="1" dirty="0">
-                <a:solidFill>
-                  <a:schemeClr val="bg1"/>
-                </a:solidFill>
-              </a:rPr>
-              <a:t>can use different technologies for different Microservices.</a:t>
-            </a:r>
+              <a:t>Intra service requests</a:t>
+            </a:r>
+          </a:p>
+          <a:p>
+            <a:r>
+              <a:rPr lang="en-US" b="1" dirty="0">
+                <a:solidFill>
+                  <a:schemeClr val="bg1"/>
+                </a:solidFill>
+              </a:rPr>
+              <a:t>Service discovery.</a:t>
+            </a:r>
+          </a:p>
+          <a:p>
+            <a:r>
+              <a:rPr lang="en-US" b="1" dirty="0">
+                <a:solidFill>
+                  <a:schemeClr val="bg1"/>
+                </a:solidFill>
+              </a:rPr>
+              <a:t>Network latency</a:t>
+            </a:r>
+          </a:p>
+          <a:p>
+            <a:r>
+              <a:rPr lang="en-US" b="1" dirty="0">
+                <a:solidFill>
+                  <a:schemeClr val="bg1"/>
+                </a:solidFill>
+              </a:rPr>
+              <a:t>Congestion</a:t>
+            </a:r>
+          </a:p>
+          <a:p>
+            <a:r>
+              <a:rPr lang="en-US" b="1" dirty="0">
+                <a:solidFill>
+                  <a:schemeClr val="bg1"/>
+                </a:solidFill>
+              </a:rPr>
+              <a:t>Logical or scaling failure</a:t>
+            </a:r>
+          </a:p>
+          <a:p>
+            <a:r>
+              <a:rPr lang="en-US" b="1" dirty="0">
+                <a:solidFill>
+                  <a:schemeClr val="bg1"/>
+                </a:solidFill>
+              </a:rPr>
+              <a:t>Cascading failure (one service failure getting cascaded)</a:t>
+            </a:r>
+          </a:p>
+          <a:p>
+            <a:r>
+              <a:rPr lang="en-US" b="1" dirty="0">
+                <a:solidFill>
+                  <a:schemeClr val="bg1"/>
+                </a:solidFill>
+              </a:rPr>
+              <a:t>Log consolidation</a:t>
+            </a:r>
+          </a:p>
+          <a:p>
+            <a:endParaRPr lang="en-US" b="1" dirty="0">
+              <a:solidFill>
+                <a:schemeClr val="bg1"/>
+              </a:solidFill>
+            </a:endParaRPr>
           </a:p>
         </p:txBody>
       </p:sp>
     </p:spTree>
     <p:extLst>
       <p:ext uri="{BB962C8B-B14F-4D97-AF65-F5344CB8AC3E}">
-        <p14:creationId xmlns:p14="http://schemas.microsoft.com/office/powerpoint/2010/main" val="2697233223"/>
+        <p14:creationId xmlns:p14="http://schemas.microsoft.com/office/powerpoint/2010/main" val="4163003589"/>
       </p:ext>
     </p:extLst>
   </p:cSld>
@@ -7375,13 +7410,20 @@
           <a:lstStyle/>
           <a:p>
             <a:r>
-              <a:rPr lang="en-US" b="1" dirty="0">
-                <a:solidFill>
-                  <a:schemeClr val="bg1"/>
-                </a:solidFill>
-              </a:rPr>
-              <a:t>Microservice Challenges</a:t>
-            </a:r>
+              <a:rPr lang="en-US" dirty="0">
+                <a:solidFill>
+                  <a:schemeClr val="bg1"/>
+                </a:solidFill>
+                <a:latin typeface="+mn-lt"/>
+              </a:rPr>
+              <a:t> 10 Commandments of Microservices</a:t>
+            </a:r>
+            <a:endParaRPr lang="en-IN" dirty="0">
+              <a:solidFill>
+                <a:schemeClr val="bg1"/>
+              </a:solidFill>
+              <a:latin typeface="+mn-lt"/>
+            </a:endParaRPr>
           </a:p>
         </p:txBody>
       </p:sp>
@@ -7399,8 +7441,8 @@
         </p:nvSpPr>
         <p:spPr>
           <a:xfrm>
-            <a:off x="838200" y="1812345"/>
-            <a:ext cx="10515600" cy="4247317"/>
+            <a:off x="838200" y="1834116"/>
+            <a:ext cx="10515600" cy="2862322"/>
           </a:xfrm>
           <a:prstGeom prst="rect">
             <a:avLst/>
@@ -7419,137 +7461,97 @@
                   <a:schemeClr val="bg1"/>
                 </a:solidFill>
               </a:rPr>
-              <a:t>Dependency: Will have to rely and communicate with each other, </a:t>
-            </a:r>
-          </a:p>
-          <a:p>
-            <a:r>
-              <a:rPr lang="en-US" b="1" dirty="0">
-                <a:solidFill>
-                  <a:schemeClr val="bg1"/>
-                </a:solidFill>
-              </a:rPr>
-              <a:t>More services to monitor</a:t>
-            </a:r>
-          </a:p>
-          <a:p>
-            <a:r>
-              <a:rPr lang="en-US" b="1" dirty="0">
-                <a:solidFill>
-                  <a:schemeClr val="bg1"/>
-                </a:solidFill>
-              </a:rPr>
-              <a:t>Maintain microservices developed in different technologies.</a:t>
-            </a:r>
-          </a:p>
-          <a:p>
-            <a:r>
-              <a:rPr lang="en-US" b="1" dirty="0">
-                <a:solidFill>
-                  <a:schemeClr val="bg1"/>
-                </a:solidFill>
-              </a:rPr>
-              <a:t>A wide array of skilled professionals is required to support heterogeneously distributed microservices</a:t>
-            </a:r>
-          </a:p>
-          <a:p>
-            <a:r>
-              <a:rPr lang="en-US" b="1" dirty="0">
-                <a:solidFill>
-                  <a:schemeClr val="bg1"/>
-                </a:solidFill>
-              </a:rPr>
-              <a:t>As it is a distributed system, it is an inherently complex model.</a:t>
-            </a:r>
-          </a:p>
-          <a:p>
-            <a:r>
-              <a:rPr lang="en-US" b="1" dirty="0">
-                <a:solidFill>
-                  <a:schemeClr val="bg1"/>
-                </a:solidFill>
-              </a:rPr>
-              <a:t>Different services will have its separate mechanism, </a:t>
-            </a:r>
-          </a:p>
-          <a:p>
-            <a:r>
-              <a:rPr lang="en-US" b="1" dirty="0">
-                <a:solidFill>
-                  <a:schemeClr val="bg1"/>
-                </a:solidFill>
-              </a:rPr>
-              <a:t>	Can result in large amount of memory for an unstructured data.</a:t>
-            </a:r>
-          </a:p>
-          <a:p>
-            <a:r>
-              <a:rPr lang="en-US" b="1" dirty="0">
-                <a:solidFill>
-                  <a:schemeClr val="bg1"/>
-                </a:solidFill>
-              </a:rPr>
-              <a:t>Effective management and teamwork required to prevent cascading issues</a:t>
-            </a:r>
-          </a:p>
-          <a:p>
-            <a:r>
-              <a:rPr lang="en-US" b="1" dirty="0">
-                <a:solidFill>
-                  <a:schemeClr val="bg1"/>
-                </a:solidFill>
-              </a:rPr>
-              <a:t>Reproducing a problem will be a difficult task when it's gone in one version, and comes back in the latest version.</a:t>
-            </a:r>
-          </a:p>
-          <a:p>
-            <a:r>
-              <a:rPr lang="en-US" b="1" dirty="0">
-                <a:solidFill>
-                  <a:schemeClr val="bg1"/>
-                </a:solidFill>
-              </a:rPr>
-              <a:t>Managing deployment dependency complexities could be challenging.</a:t>
-            </a:r>
-          </a:p>
-          <a:p>
-            <a:r>
-              <a:rPr lang="en-US" b="1" dirty="0">
-                <a:solidFill>
-                  <a:schemeClr val="bg1"/>
-                </a:solidFill>
-              </a:rPr>
-              <a:t>Microservice architecture brings plenty of operations overhead.</a:t>
-            </a:r>
-          </a:p>
-          <a:p>
-            <a:r>
-              <a:rPr lang="en-US" b="1" dirty="0">
-                <a:solidFill>
-                  <a:schemeClr val="bg1"/>
-                </a:solidFill>
-              </a:rPr>
-              <a:t>It is difficult to manage application when new services are added to the system</a:t>
-            </a:r>
-          </a:p>
-          <a:p>
-            <a:r>
-              <a:rPr lang="en-US" b="1" dirty="0">
-                <a:solidFill>
-                  <a:schemeClr val="bg1"/>
-                </a:solidFill>
-              </a:rPr>
-              <a:t>Microservice is costly, as you need to maintain different server space for different business tasks.</a:t>
-            </a:r>
-          </a:p>
-          <a:p>
-            <a:r>
-              <a:rPr lang="en-US" b="1" dirty="0">
-                <a:solidFill>
-                  <a:schemeClr val="bg1"/>
-                </a:solidFill>
-              </a:rPr>
-              <a:t>Common or less maintained microservices can fall into no man’s land and complicate latter.</a:t>
+              <a:t>1. Clean Separation of Stateless and Stateful Services</a:t>
+            </a:r>
+          </a:p>
+          <a:p>
+            <a:r>
+              <a:rPr lang="en-US" b="1" dirty="0">
+                <a:solidFill>
+                  <a:schemeClr val="bg1"/>
+                </a:solidFill>
+              </a:rPr>
+              <a:t>2. Do Not Share Libraries or SDKs</a:t>
+            </a:r>
+          </a:p>
+          <a:p>
+            <a:r>
+              <a:rPr lang="en-US" b="1" dirty="0">
+                <a:solidFill>
+                  <a:schemeClr val="bg1"/>
+                </a:solidFill>
+              </a:rPr>
+              <a:t>3. Avoid Host Affinity</a:t>
+            </a:r>
+          </a:p>
+          <a:p>
+            <a:r>
+              <a:rPr lang="en-US" b="1" dirty="0">
+                <a:solidFill>
+                  <a:schemeClr val="bg1"/>
+                </a:solidFill>
+              </a:rPr>
+              <a:t>4. Focus on Services with One Task in Mind</a:t>
+            </a:r>
+          </a:p>
+          <a:p>
+            <a:r>
+              <a:rPr lang="en-US" b="1" dirty="0">
+                <a:solidFill>
+                  <a:schemeClr val="bg1"/>
+                </a:solidFill>
+              </a:rPr>
+              <a:t>5. Use a Lightweight Messaging Protocol for Communication</a:t>
+            </a:r>
+          </a:p>
+          <a:p>
+            <a:r>
+              <a:rPr lang="en-US" b="1" dirty="0">
+                <a:solidFill>
+                  <a:schemeClr val="bg1"/>
+                </a:solidFill>
+              </a:rPr>
+              <a:t>6. Design a Well-Defined Entry Point and Exit Point</a:t>
+            </a:r>
+          </a:p>
+          <a:p>
+            <a:r>
+              <a:rPr lang="en-US" b="1" dirty="0">
+                <a:solidFill>
+                  <a:schemeClr val="bg1"/>
+                </a:solidFill>
+              </a:rPr>
+              <a:t>7. Implement a Self-Registration and Discovery Mechanism</a:t>
+            </a:r>
+          </a:p>
+          <a:p>
+            <a:r>
+              <a:rPr lang="en-US" b="1" dirty="0">
+                <a:solidFill>
+                  <a:schemeClr val="bg1"/>
+                </a:solidFill>
+              </a:rPr>
+              <a:t>8. Explicitly Check for Rules and Constraints</a:t>
+            </a:r>
+          </a:p>
+          <a:p>
+            <a:r>
+              <a:rPr lang="en-US" b="1" dirty="0">
+                <a:solidFill>
+                  <a:schemeClr val="bg1"/>
+                </a:solidFill>
+              </a:rPr>
+              <a:t>9. Prefer Polyglot Over Single Stack</a:t>
+            </a:r>
+          </a:p>
+          <a:p>
+            <a:r>
+              <a:rPr lang="en-US" b="1" dirty="0">
+                <a:solidFill>
+                  <a:schemeClr val="bg1"/>
+                </a:solidFill>
+              </a:rPr>
+              <a:t>10. Maintain Independent Revisions and Build Environments</a:t>
             </a:r>
           </a:p>
         </p:txBody>
@@ -7557,7 +7559,7 @@
     </p:spTree>
     <p:extLst>
       <p:ext uri="{BB962C8B-B14F-4D97-AF65-F5344CB8AC3E}">
-        <p14:creationId xmlns:p14="http://schemas.microsoft.com/office/powerpoint/2010/main" val="562985393"/>
+        <p14:creationId xmlns:p14="http://schemas.microsoft.com/office/powerpoint/2010/main" val="741515126"/>
       </p:ext>
     </p:extLst>
   </p:cSld>
@@ -7628,7 +7630,7 @@
                 </a:solidFill>
                 <a:latin typeface="+mn-lt"/>
               </a:rPr>
-              <a:t> Microservices Challenges</a:t>
+              <a:t>What is cloud?</a:t>
             </a:r>
             <a:endParaRPr lang="en-IN" dirty="0">
               <a:solidFill>
@@ -7639,116 +7641,57 @@
           </a:p>
         </p:txBody>
       </p:sp>
-      <p:sp>
-        <p:nvSpPr>
-          <p:cNvPr id="4" name="TextBox 3">
-            <a:extLst>
-              <a:ext uri="{FF2B5EF4-FFF2-40B4-BE49-F238E27FC236}">
-                <a16:creationId xmlns:a16="http://schemas.microsoft.com/office/drawing/2014/main" id="{A32609F5-383A-417E-B9B0-CE955463E2E4}"/>
-              </a:ext>
-            </a:extLst>
-          </p:cNvPr>
-          <p:cNvSpPr txBox="1"/>
+      <p:pic>
+        <p:nvPicPr>
+          <p:cNvPr id="1026" name="Picture 2" descr="Where Are The Hardware And Software Borderline In Cloud Computing ...">
+            <a:extLst>
+              <a:ext uri="{FF2B5EF4-FFF2-40B4-BE49-F238E27FC236}">
+                <a16:creationId xmlns:a16="http://schemas.microsoft.com/office/drawing/2014/main" id="{D309CB28-0A6F-46A7-B398-DC6DB2F77B2E}"/>
+              </a:ext>
+            </a:extLst>
+          </p:cNvPr>
+          <p:cNvPicPr>
+            <a:picLocks noChangeAspect="1" noChangeArrowheads="1"/>
+          </p:cNvPicPr>
           <p:nvPr/>
-        </p:nvSpPr>
-        <p:spPr>
+        </p:nvPicPr>
+        <p:blipFill>
+          <a:blip r:embed="rId2">
+            <a:extLst>
+              <a:ext uri="{28A0092B-C50C-407E-A947-70E740481C1C}">
+                <a14:useLocalDpi xmlns:a14="http://schemas.microsoft.com/office/drawing/2010/main" val="0"/>
+              </a:ext>
+            </a:extLst>
+          </a:blip>
+          <a:srcRect/>
+          <a:stretch>
+            <a:fillRect/>
+          </a:stretch>
+        </p:blipFill>
+        <p:spPr bwMode="auto">
           <a:xfrm>
-            <a:off x="838200" y="1779687"/>
-            <a:ext cx="10515600" cy="2308324"/>
+            <a:off x="2852057" y="1371599"/>
+            <a:ext cx="6760029" cy="4778829"/>
           </a:xfrm>
           <a:prstGeom prst="rect">
             <a:avLst/>
           </a:prstGeom>
           <a:noFill/>
+          <a:extLst>
+            <a:ext uri="{909E8E84-426E-40DD-AFC4-6F175D3DCCD1}">
+              <a14:hiddenFill xmlns:a14="http://schemas.microsoft.com/office/drawing/2010/main">
+                <a:solidFill>
+                  <a:srgbClr val="FFFFFF"/>
+                </a:solidFill>
+              </a14:hiddenFill>
+            </a:ext>
+          </a:extLst>
         </p:spPr>
-        <p:txBody>
-          <a:bodyPr wrap="square" rtlCol="0">
-            <a:spAutoFit/>
-          </a:bodyPr>
-          <a:lstStyle/>
-          <a:p>
-            <a:r>
-              <a:rPr lang="en-US" b="1" dirty="0">
-                <a:solidFill>
-                  <a:schemeClr val="bg1"/>
-                </a:solidFill>
-              </a:rPr>
-              <a:t>Intra service requests</a:t>
-            </a:r>
-          </a:p>
-          <a:p>
-            <a:r>
-              <a:rPr lang="en-US" b="1" dirty="0">
-                <a:solidFill>
-                  <a:schemeClr val="bg1"/>
-                </a:solidFill>
-              </a:rPr>
-              <a:t>Service discovery.</a:t>
-            </a:r>
-          </a:p>
-          <a:p>
-            <a:r>
-              <a:rPr lang="en-US" b="1" dirty="0">
-                <a:solidFill>
-                  <a:schemeClr val="bg1"/>
-                </a:solidFill>
-              </a:rPr>
-              <a:t>Network latency</a:t>
-            </a:r>
-          </a:p>
-          <a:p>
-            <a:r>
-              <a:rPr lang="en-US" b="1" dirty="0">
-                <a:solidFill>
-                  <a:schemeClr val="bg1"/>
-                </a:solidFill>
-              </a:rPr>
-              <a:t>Congestion</a:t>
-            </a:r>
-          </a:p>
-          <a:p>
-            <a:r>
-              <a:rPr lang="en-US" b="1" dirty="0">
-                <a:solidFill>
-                  <a:schemeClr val="bg1"/>
-                </a:solidFill>
-              </a:rPr>
-              <a:t>Logical or scaling failure</a:t>
-            </a:r>
-          </a:p>
-          <a:p>
-            <a:r>
-              <a:rPr lang="en-US" b="1" dirty="0">
-                <a:solidFill>
-                  <a:schemeClr val="bg1"/>
-                </a:solidFill>
-              </a:rPr>
-              <a:t>Cascading failure (one service failure getting cascaded)</a:t>
-            </a:r>
-          </a:p>
-          <a:p>
-            <a:r>
-              <a:rPr lang="en-US" b="1" dirty="0">
-                <a:solidFill>
-                  <a:schemeClr val="bg1"/>
-                </a:solidFill>
-              </a:rPr>
-              <a:t>Log consolidation</a:t>
-            </a:r>
-          </a:p>
-          <a:p>
-            <a:endParaRPr lang="en-US" b="1" dirty="0">
-              <a:solidFill>
-                <a:schemeClr val="bg1"/>
-              </a:solidFill>
-            </a:endParaRPr>
-          </a:p>
-        </p:txBody>
-      </p:sp>
+      </p:pic>
     </p:spTree>
     <p:extLst>
       <p:ext uri="{BB962C8B-B14F-4D97-AF65-F5344CB8AC3E}">
-        <p14:creationId xmlns:p14="http://schemas.microsoft.com/office/powerpoint/2010/main" val="4163003589"/>
+        <p14:creationId xmlns:p14="http://schemas.microsoft.com/office/powerpoint/2010/main" val="1574681834"/>
       </p:ext>
     </p:extLst>
   </p:cSld>
@@ -7819,7 +7762,7 @@
                 </a:solidFill>
                 <a:latin typeface="+mn-lt"/>
               </a:rPr>
-              <a:t> 10 Commandments of Microservices</a:t>
+              <a:t>Cloud means?</a:t>
             </a:r>
             <a:endParaRPr lang="en-IN" dirty="0">
               <a:solidFill>
@@ -7844,8 +7787,8 @@
         </p:nvSpPr>
         <p:spPr>
           <a:xfrm>
-            <a:off x="838200" y="1834116"/>
-            <a:ext cx="10515600" cy="2862322"/>
+            <a:off x="838200" y="1779687"/>
+            <a:ext cx="10515600" cy="4524315"/>
           </a:xfrm>
           <a:prstGeom prst="rect">
             <a:avLst/>
@@ -7864,97 +7807,147 @@
                   <a:schemeClr val="bg1"/>
                 </a:solidFill>
               </a:rPr>
-              <a:t>1. Clean Separation of Stateless and Stateful Services</a:t>
-            </a:r>
-          </a:p>
-          <a:p>
-            <a:r>
-              <a:rPr lang="en-US" b="1" dirty="0">
-                <a:solidFill>
-                  <a:schemeClr val="bg1"/>
-                </a:solidFill>
-              </a:rPr>
-              <a:t>2. Do Not Share Libraries or SDKs</a:t>
-            </a:r>
-          </a:p>
-          <a:p>
-            <a:r>
-              <a:rPr lang="en-US" b="1" dirty="0">
-                <a:solidFill>
-                  <a:schemeClr val="bg1"/>
-                </a:solidFill>
-              </a:rPr>
-              <a:t>3. Avoid Host Affinity</a:t>
-            </a:r>
-          </a:p>
-          <a:p>
-            <a:r>
-              <a:rPr lang="en-US" b="1" dirty="0">
-                <a:solidFill>
-                  <a:schemeClr val="bg1"/>
-                </a:solidFill>
-              </a:rPr>
-              <a:t>4. Focus on Services with One Task in Mind</a:t>
-            </a:r>
-          </a:p>
-          <a:p>
-            <a:r>
-              <a:rPr lang="en-US" b="1" dirty="0">
-                <a:solidFill>
-                  <a:schemeClr val="bg1"/>
-                </a:solidFill>
-              </a:rPr>
-              <a:t>5. Use a Lightweight Messaging Protocol for Communication</a:t>
-            </a:r>
-          </a:p>
-          <a:p>
-            <a:r>
-              <a:rPr lang="en-US" b="1" dirty="0">
-                <a:solidFill>
-                  <a:schemeClr val="bg1"/>
-                </a:solidFill>
-              </a:rPr>
-              <a:t>6. Design a Well-Defined Entry Point and Exit Point</a:t>
-            </a:r>
-          </a:p>
-          <a:p>
-            <a:r>
-              <a:rPr lang="en-US" b="1" dirty="0">
-                <a:solidFill>
-                  <a:schemeClr val="bg1"/>
-                </a:solidFill>
-              </a:rPr>
-              <a:t>7. Implement a Self-Registration and Discovery Mechanism</a:t>
-            </a:r>
-          </a:p>
-          <a:p>
-            <a:r>
-              <a:rPr lang="en-US" b="1" dirty="0">
-                <a:solidFill>
-                  <a:schemeClr val="bg1"/>
-                </a:solidFill>
-              </a:rPr>
-              <a:t>8. Explicitly Check for Rules and Constraints</a:t>
-            </a:r>
-          </a:p>
-          <a:p>
-            <a:r>
-              <a:rPr lang="en-US" b="1" dirty="0">
-                <a:solidFill>
-                  <a:schemeClr val="bg1"/>
-                </a:solidFill>
-              </a:rPr>
-              <a:t>9. Prefer Polyglot Over Single Stack</a:t>
-            </a:r>
-          </a:p>
-          <a:p>
-            <a:r>
-              <a:rPr lang="en-US" b="1" dirty="0">
-                <a:solidFill>
-                  <a:schemeClr val="bg1"/>
-                </a:solidFill>
-              </a:rPr>
-              <a:t>10. Maintain Independent Revisions and Build Environments</a:t>
+              <a:t>Generally 2 meaning</a:t>
+            </a:r>
+          </a:p>
+          <a:p>
+            <a:r>
+              <a:rPr lang="en-US" b="1" dirty="0">
+                <a:solidFill>
+                  <a:schemeClr val="bg1"/>
+                </a:solidFill>
+              </a:rPr>
+              <a:t>	Most common </a:t>
+            </a:r>
+          </a:p>
+          <a:p>
+            <a:r>
+              <a:rPr lang="en-US" b="1" dirty="0">
+                <a:solidFill>
+                  <a:schemeClr val="bg1"/>
+                </a:solidFill>
+              </a:rPr>
+              <a:t>		Running workloads remotely over the internet in a commercial provider’s data center</a:t>
+            </a:r>
+          </a:p>
+          <a:p>
+            <a:r>
+              <a:rPr lang="en-US" b="1" dirty="0">
+                <a:solidFill>
+                  <a:schemeClr val="bg1"/>
+                </a:solidFill>
+              </a:rPr>
+              <a:t>		Also known as the “public cloud” model. Popular public cloud offerings</a:t>
+            </a:r>
+          </a:p>
+          <a:p>
+            <a:r>
+              <a:rPr lang="en-US" b="1" dirty="0">
+                <a:solidFill>
+                  <a:schemeClr val="bg1"/>
+                </a:solidFill>
+              </a:rPr>
+              <a:t>			Amazon Web Services (AWS),</a:t>
+            </a:r>
+          </a:p>
+          <a:p>
+            <a:r>
+              <a:rPr lang="en-US" b="1" dirty="0">
+                <a:solidFill>
+                  <a:schemeClr val="bg1"/>
+                </a:solidFill>
+              </a:rPr>
+              <a:t>			Salesforce’s CRM system, </a:t>
+            </a:r>
+          </a:p>
+          <a:p>
+            <a:r>
+              <a:rPr lang="en-US" b="1" dirty="0">
+                <a:solidFill>
+                  <a:schemeClr val="bg1"/>
+                </a:solidFill>
+              </a:rPr>
+              <a:t>			Microsoft Azure—all </a:t>
+            </a:r>
+          </a:p>
+          <a:p>
+            <a:r>
+              <a:rPr lang="en-US" b="1" dirty="0">
+                <a:solidFill>
+                  <a:schemeClr val="bg1"/>
+                </a:solidFill>
+              </a:rPr>
+              <a:t>			Google public cloud</a:t>
+            </a:r>
+          </a:p>
+          <a:p>
+            <a:r>
+              <a:rPr lang="en-US" b="1" dirty="0">
+                <a:solidFill>
+                  <a:schemeClr val="bg1"/>
+                </a:solidFill>
+              </a:rPr>
+              <a:t>The second meaning </a:t>
+            </a:r>
+          </a:p>
+          <a:p>
+            <a:r>
+              <a:rPr lang="en-US" b="1" dirty="0">
+                <a:solidFill>
+                  <a:schemeClr val="bg1"/>
+                </a:solidFill>
+              </a:rPr>
+              <a:t>	Cloud computing </a:t>
+            </a:r>
+          </a:p>
+          <a:p>
+            <a:r>
+              <a:rPr lang="en-US" b="1" dirty="0">
+                <a:solidFill>
+                  <a:schemeClr val="bg1"/>
+                </a:solidFill>
+              </a:rPr>
+              <a:t>		describes how it works: </a:t>
+            </a:r>
+          </a:p>
+          <a:p>
+            <a:r>
+              <a:rPr lang="en-US" b="1" dirty="0">
+                <a:solidFill>
+                  <a:schemeClr val="bg1"/>
+                </a:solidFill>
+              </a:rPr>
+              <a:t>		a virtualized pool of resources, </a:t>
+            </a:r>
+          </a:p>
+          <a:p>
+            <a:r>
+              <a:rPr lang="en-US" b="1" dirty="0">
+                <a:solidFill>
+                  <a:schemeClr val="bg1"/>
+                </a:solidFill>
+              </a:rPr>
+              <a:t>		from raw compute power to application functionality, available on demand. </a:t>
+            </a:r>
+          </a:p>
+          <a:p>
+            <a:r>
+              <a:rPr lang="en-US" b="1" dirty="0">
+                <a:solidFill>
+                  <a:schemeClr val="bg1"/>
+                </a:solidFill>
+              </a:rPr>
+              <a:t>		When customers procure cloud services, the provider fulfills those requests using advanced automation rather than manual provisioning. </a:t>
+            </a:r>
+          </a:p>
+          <a:p>
+            <a:r>
+              <a:rPr lang="en-US" b="1" dirty="0">
+                <a:solidFill>
+                  <a:schemeClr val="bg1"/>
+                </a:solidFill>
+              </a:rPr>
+              <a:t>		The key advantage is agility.</a:t>
             </a:r>
           </a:p>
         </p:txBody>
@@ -7962,7 +7955,7 @@
     </p:spTree>
     <p:extLst>
       <p:ext uri="{BB962C8B-B14F-4D97-AF65-F5344CB8AC3E}">
-        <p14:creationId xmlns:p14="http://schemas.microsoft.com/office/powerpoint/2010/main" val="741515126"/>
+        <p14:creationId xmlns:p14="http://schemas.microsoft.com/office/powerpoint/2010/main" val="2986676354"/>
       </p:ext>
     </p:extLst>
   </p:cSld>
@@ -8033,7 +8026,7 @@
                 </a:solidFill>
                 <a:latin typeface="+mn-lt"/>
               </a:rPr>
-              <a:t>What is cloud?</a:t>
+              <a:t>Type of Cloud</a:t>
             </a:r>
             <a:endParaRPr lang="en-IN" dirty="0">
               <a:solidFill>
@@ -8059,7 +8052,7 @@
         <p:spPr>
           <a:xfrm>
             <a:off x="838200" y="1779687"/>
-            <a:ext cx="10515600" cy="1754326"/>
+            <a:ext cx="10515600" cy="3139321"/>
           </a:xfrm>
           <a:prstGeom prst="rect">
             <a:avLst/>
@@ -8078,7 +8071,47 @@
                   <a:schemeClr val="bg1"/>
                 </a:solidFill>
               </a:rPr>
-              <a:t>https://www.infoworld.com/article/2683784/what-is-cloud-computing.html</a:t>
+              <a:t>Various categorization</a:t>
+            </a:r>
+          </a:p>
+          <a:p>
+            <a:r>
+              <a:rPr lang="en-US" b="1" dirty="0">
+                <a:solidFill>
+                  <a:schemeClr val="bg1"/>
+                </a:solidFill>
+              </a:rPr>
+              <a:t>	Based on deployment model</a:t>
+            </a:r>
+          </a:p>
+          <a:p>
+            <a:r>
+              <a:rPr lang="en-US" b="1" dirty="0">
+                <a:solidFill>
+                  <a:schemeClr val="bg1"/>
+                </a:solidFill>
+              </a:rPr>
+              <a:t>		Public Cloud</a:t>
+            </a:r>
+          </a:p>
+          <a:p>
+            <a:r>
+              <a:rPr lang="en-US" b="1" dirty="0">
+                <a:solidFill>
+                  <a:schemeClr val="bg1"/>
+                </a:solidFill>
+              </a:rPr>
+              <a:t>		Private Cloud</a:t>
+            </a:r>
+          </a:p>
+          <a:p>
+            <a:r>
+              <a:rPr lang="en-US" b="1" dirty="0">
+                <a:solidFill>
+                  <a:schemeClr val="bg1"/>
+                </a:solidFill>
+              </a:rPr>
+              <a:t>		Hybrid</a:t>
             </a:r>
           </a:p>
           <a:p>
@@ -8095,24 +8128,63 @@
                   <a:schemeClr val="bg1"/>
                 </a:solidFill>
               </a:rPr>
-              <a:t>https://www.zdnet.com/article/what-is-cloud-computing-everything-you-need-to-know-from-public-and-private-cloud-to-software-as-a/</a:t>
-            </a:r>
-          </a:p>
-          <a:p>
-            <a:endParaRPr lang="en-US" b="1" dirty="0">
-              <a:solidFill>
-                <a:schemeClr val="bg1"/>
-              </a:solidFill>
-            </a:endParaRPr>
-          </a:p>
-          <a:p>
-            <a:r>
-              <a:rPr lang="en-US" b="1" dirty="0">
-                <a:solidFill>
-                  <a:schemeClr val="bg1"/>
-                </a:solidFill>
-              </a:rPr>
-              <a:t>https://en.wikipedia.org/wiki/Cloud_computing	</a:t>
+              <a:t>	Based on services exposed</a:t>
+            </a:r>
+          </a:p>
+          <a:p>
+            <a:r>
+              <a:rPr lang="en-US" b="1" dirty="0">
+                <a:solidFill>
+                  <a:schemeClr val="bg1"/>
+                </a:solidFill>
+              </a:rPr>
+              <a:t>		SaaS</a:t>
+            </a:r>
+          </a:p>
+          <a:p>
+            <a:r>
+              <a:rPr lang="en-US" b="1" dirty="0">
+                <a:solidFill>
+                  <a:schemeClr val="bg1"/>
+                </a:solidFill>
+              </a:rPr>
+              <a:t>		PaaS</a:t>
+            </a:r>
+          </a:p>
+          <a:p>
+            <a:r>
+              <a:rPr lang="en-US" b="1" dirty="0">
+                <a:solidFill>
+                  <a:schemeClr val="bg1"/>
+                </a:solidFill>
+              </a:rPr>
+              <a:t>		IaaS</a:t>
+            </a:r>
+          </a:p>
+          <a:p>
+            <a:r>
+              <a:rPr lang="en-US" b="1" dirty="0">
+                <a:solidFill>
+                  <a:schemeClr val="bg1"/>
+                </a:solidFill>
+              </a:rPr>
+              <a:t>		</a:t>
+            </a:r>
+            <a:r>
+              <a:rPr lang="en-US" b="1" dirty="0" err="1">
+                <a:solidFill>
+                  <a:schemeClr val="bg1"/>
+                </a:solidFill>
+              </a:rPr>
+              <a:t>FaaS</a:t>
+            </a:r>
+            <a:r>
+              <a:rPr lang="en-US" b="1" dirty="0">
+                <a:solidFill>
+                  <a:schemeClr val="bg1"/>
+                </a:solidFill>
+              </a:rPr>
+              <a:t>: Function as a Service	</a:t>
             </a:r>
           </a:p>
         </p:txBody>
@@ -8120,7 +8192,7 @@
     </p:spTree>
     <p:extLst>
       <p:ext uri="{BB962C8B-B14F-4D97-AF65-F5344CB8AC3E}">
-        <p14:creationId xmlns:p14="http://schemas.microsoft.com/office/powerpoint/2010/main" val="1574681834"/>
+        <p14:creationId xmlns:p14="http://schemas.microsoft.com/office/powerpoint/2010/main" val="842652848"/>
       </p:ext>
     </p:extLst>
   </p:cSld>
@@ -8217,7 +8289,7 @@
         <p:spPr>
           <a:xfrm>
             <a:off x="838200" y="1779687"/>
-            <a:ext cx="10515600" cy="646331"/>
+            <a:ext cx="10515600" cy="923330"/>
           </a:xfrm>
           <a:prstGeom prst="rect">
             <a:avLst/>
@@ -8240,13 +8312,20 @@
             </a:r>
           </a:p>
           <a:p>
-            <a:r>
-              <a:rPr lang="en-US" b="1" dirty="0">
-                <a:solidFill>
-                  <a:schemeClr val="bg1"/>
-                </a:solidFill>
-              </a:rPr>
-              <a:t>	https://martinfowler.com/articles/break-monolith-into-microservices.html</a:t>
+            <a:endParaRPr lang="en-US" b="1" dirty="0">
+              <a:solidFill>
+                <a:schemeClr val="bg1"/>
+              </a:solidFill>
+            </a:endParaRPr>
+          </a:p>
+          <a:p>
+            <a:r>
+              <a:rPr lang="en-US" b="1" dirty="0">
+                <a:solidFill>
+                  <a:schemeClr val="bg1"/>
+                </a:solidFill>
+              </a:rPr>
+              <a:t>https://martinfowler.com/articles/break-monolith-into-microservices.html</a:t>
             </a:r>
           </a:p>
         </p:txBody>
@@ -8325,7 +8404,7 @@
                 </a:solidFill>
                 <a:latin typeface="+mn-lt"/>
               </a:rPr>
-              <a:t> Designing </a:t>
+              <a:t>Designing </a:t>
             </a:r>
             <a:r>
               <a:rPr lang="en-US" dirty="0">
@@ -8379,67 +8458,7 @@
                   <a:schemeClr val="bg1"/>
                 </a:solidFill>
               </a:rPr>
-              <a:t>https://www.nginx.com/blog/microservices-at-netflix-architectural-best-practices/</a:t>
-            </a:r>
-          </a:p>
-          <a:p>
-            <a:r>
-              <a:rPr lang="en-US" b="1" dirty="0">
-                <a:solidFill>
-                  <a:schemeClr val="bg1"/>
-                </a:solidFill>
-              </a:rPr>
-              <a:t>		So many learnings</a:t>
-            </a:r>
-          </a:p>
-          <a:p>
-            <a:r>
-              <a:rPr lang="en-US" b="1" dirty="0">
-                <a:solidFill>
-                  <a:schemeClr val="bg1"/>
-                </a:solidFill>
-              </a:rPr>
-              <a:t>		It's again a process</a:t>
-            </a:r>
-          </a:p>
-          <a:p>
-            <a:r>
-              <a:rPr lang="en-US" b="1" dirty="0">
-                <a:solidFill>
-                  <a:schemeClr val="bg1"/>
-                </a:solidFill>
-              </a:rPr>
-              <a:t>		</a:t>
-            </a:r>
-          </a:p>
-          <a:p>
-            <a:r>
-              <a:rPr lang="en-US" b="1" dirty="0">
-                <a:solidFill>
-                  <a:schemeClr val="bg1"/>
-                </a:solidFill>
-              </a:rPr>
-              <a:t>		Don't replicate same services in different ways</a:t>
-            </a:r>
-          </a:p>
-          <a:p>
-            <a:r>
-              <a:rPr lang="en-US" b="1" dirty="0">
-                <a:solidFill>
-                  <a:schemeClr val="bg1"/>
-                </a:solidFill>
-              </a:rPr>
-              <a:t>		</a:t>
-            </a:r>
-          </a:p>
-          <a:p>
-            <a:r>
-              <a:rPr lang="en-US" b="1" dirty="0">
-                <a:solidFill>
-                  <a:schemeClr val="bg1"/>
-                </a:solidFill>
-              </a:rPr>
-              <a:t>		Keep Code at a Similar Level of Maturity (from Richardson's level of Maturity)</a:t>
+              <a:t>So many learnings</a:t>
             </a:r>
           </a:p>
           <a:p>
@@ -8456,7 +8475,47 @@
                   <a:schemeClr val="bg1"/>
                 </a:solidFill>
               </a:rPr>
-              <a:t>		Do a Separate Build for Each Microservice</a:t>
+              <a:t>It's again a process</a:t>
+            </a:r>
+          </a:p>
+          <a:p>
+            <a:r>
+              <a:rPr lang="en-US" b="1" dirty="0">
+                <a:solidFill>
+                  <a:schemeClr val="bg1"/>
+                </a:solidFill>
+              </a:rPr>
+              <a:t>		</a:t>
+            </a:r>
+          </a:p>
+          <a:p>
+            <a:r>
+              <a:rPr lang="en-US" b="1" dirty="0">
+                <a:solidFill>
+                  <a:schemeClr val="bg1"/>
+                </a:solidFill>
+              </a:rPr>
+              <a:t>Don't replicate same services in different ways</a:t>
+            </a:r>
+          </a:p>
+          <a:p>
+            <a:r>
+              <a:rPr lang="en-US" b="1" dirty="0">
+                <a:solidFill>
+                  <a:schemeClr val="bg1"/>
+                </a:solidFill>
+              </a:rPr>
+              <a:t>		</a:t>
+            </a:r>
+          </a:p>
+          <a:p>
+            <a:r>
+              <a:rPr lang="en-US" b="1" dirty="0">
+                <a:solidFill>
+                  <a:schemeClr val="bg1"/>
+                </a:solidFill>
+              </a:rPr>
+              <a:t>Keep Code at a Similar Level of Maturity (from Richardson's level of Maturity)</a:t>
             </a:r>
           </a:p>
           <a:p>
@@ -8473,7 +8532,7 @@
                   <a:schemeClr val="bg1"/>
                 </a:solidFill>
               </a:rPr>
-              <a:t>		Deploy in Containers</a:t>
+              <a:t>Do a Separate Build for Each Microservice</a:t>
             </a:r>
           </a:p>
           <a:p>
@@ -8490,7 +8549,32 @@
                   <a:schemeClr val="bg1"/>
                 </a:solidFill>
               </a:rPr>
-              <a:t>		Treat Servers as Stateless</a:t>
+              <a:t>Deploy in Containers</a:t>
+            </a:r>
+          </a:p>
+          <a:p>
+            <a:endParaRPr lang="en-US" b="1" dirty="0">
+              <a:solidFill>
+                <a:schemeClr val="bg1"/>
+              </a:solidFill>
+            </a:endParaRPr>
+          </a:p>
+          <a:p>
+            <a:r>
+              <a:rPr lang="en-US" b="1">
+                <a:solidFill>
+                  <a:schemeClr val="bg1"/>
+                </a:solidFill>
+              </a:rPr>
+              <a:t>Treat </a:t>
+            </a:r>
+            <a:r>
+              <a:rPr lang="en-US" b="1" dirty="0">
+                <a:solidFill>
+                  <a:schemeClr val="bg1"/>
+                </a:solidFill>
+              </a:rPr>
+              <a:t>Servers as Stateless</a:t>
             </a:r>
           </a:p>
         </p:txBody>
@@ -8999,7 +9083,16 @@
                 </a:solidFill>
                 <a:latin typeface="+mn-lt"/>
               </a:rPr>
-              <a:t> 3 Key points</a:t>
+              <a:t> 3 Key points of </a:t>
+            </a:r>
+            <a:r>
+              <a:rPr lang="en-US" dirty="0" err="1">
+                <a:solidFill>
+                  <a:schemeClr val="bg1"/>
+                </a:solidFill>
+                <a:latin typeface="+mn-lt"/>
+              </a:rPr>
+              <a:t>WebServices</a:t>
             </a:r>
             <a:endParaRPr lang="en-IN" dirty="0">
               <a:solidFill>
@@ -9235,7 +9328,7 @@
           <p:nvPr>
             <p:extLst>
               <p:ext uri="{D42A27DB-BD31-4B8C-83A1-F6EECF244321}">
-                <p14:modId xmlns:p14="http://schemas.microsoft.com/office/powerpoint/2010/main" val="3259233567"/>
+                <p14:modId xmlns:p14="http://schemas.microsoft.com/office/powerpoint/2010/main" val="3155161443"/>
               </p:ext>
             </p:extLst>
           </p:nvPr>
@@ -9274,7 +9367,7 @@
                     <a:p>
                       <a:pPr algn="l" fontAlgn="b"/>
                       <a:r>
-                        <a:rPr lang="en-IN" sz="2000" u="none" strike="noStrike">
+                        <a:rPr lang="en-IN" sz="2000" b="1" u="none" strike="noStrike">
                           <a:solidFill>
                             <a:schemeClr val="bg1"/>
                           </a:solidFill>
@@ -9293,7 +9386,7 @@
                   </a:txBody>
                   <a:tcPr marL="6350" marR="6350" marT="6350" marB="0" anchor="b">
                     <a:solidFill>
-                      <a:schemeClr val="accent2"/>
+                      <a:schemeClr val="tx1"/>
                     </a:solidFill>
                   </a:tcPr>
                 </a:tc>
@@ -9304,7 +9397,7 @@
                     <a:p>
                       <a:pPr algn="l" fontAlgn="b"/>
                       <a:r>
-                        <a:rPr lang="en-IN" sz="2000" u="none" strike="noStrike" dirty="0">
+                        <a:rPr lang="en-IN" sz="2000" b="1" u="none" strike="noStrike" dirty="0">
                           <a:solidFill>
                             <a:schemeClr val="bg1"/>
                           </a:solidFill>
@@ -9323,7 +9416,7 @@
                   </a:txBody>
                   <a:tcPr marL="6350" marR="6350" marT="6350" marB="0" anchor="b">
                     <a:solidFill>
-                      <a:schemeClr val="accent2"/>
+                      <a:schemeClr val="tx1"/>
                     </a:solidFill>
                   </a:tcPr>
                 </a:tc>
@@ -9341,12 +9434,12 @@
                     <a:p>
                       <a:pPr algn="l" fontAlgn="b"/>
                       <a:r>
-                        <a:rPr lang="en-IN" sz="2000" u="none" strike="noStrike">
+                        <a:rPr lang="en-IN" sz="2000" u="none" strike="noStrike" dirty="0">
                           <a:effectLst/>
                         </a:rPr>
                         <a:t>xml based</a:t>
                       </a:r>
-                      <a:endParaRPr lang="en-IN" sz="2000" b="0" i="0" u="none" strike="noStrike">
+                      <a:endParaRPr lang="en-IN" sz="2000" b="0" i="0" u="none" strike="noStrike" dirty="0">
                         <a:solidFill>
                           <a:srgbClr val="000000"/>
                         </a:solidFill>
@@ -9459,12 +9552,12 @@
                     <a:p>
                       <a:pPr algn="l" fontAlgn="b"/>
                       <a:r>
-                        <a:rPr lang="en-IN" sz="2000" u="none" strike="noStrike">
+                        <a:rPr lang="en-IN" sz="2000" u="none" strike="noStrike" dirty="0">
                           <a:effectLst/>
                         </a:rPr>
                         <a:t>Service invoke: RPC</a:t>
                       </a:r>
-                      <a:endParaRPr lang="en-IN" sz="2000" b="0" i="0" u="none" strike="noStrike">
+                      <a:endParaRPr lang="en-IN" sz="2000" b="0" i="0" u="none" strike="noStrike" dirty="0">
                         <a:solidFill>
                           <a:srgbClr val="000000"/>
                         </a:solidFill>
@@ -9565,12 +9658,18 @@
                     <a:p>
                       <a:pPr algn="l" fontAlgn="b"/>
                       <a:r>
-                        <a:rPr lang="en-US" sz="2000" u="none" strike="noStrike">
+                        <a:rPr lang="en-US" sz="2000" u="none" strike="noStrike" dirty="0">
                           <a:effectLst/>
                         </a:rPr>
-                        <a:t>transfer use: HTTP, uses SMTP, FTP ect</a:t>
+                        <a:t>transfer use: HTTP, uses SMTP, FTP </a:t>
                       </a:r>
-                      <a:endParaRPr lang="en-US" sz="2000" b="0" i="0" u="none" strike="noStrike">
+                      <a:r>
+                        <a:rPr lang="en-US" sz="2000" u="none" strike="noStrike" dirty="0" err="1">
+                          <a:effectLst/>
+                        </a:rPr>
+                        <a:t>ect</a:t>
+                      </a:r>
+                      <a:endParaRPr lang="en-US" sz="2000" b="0" i="0" u="none" strike="noStrike" dirty="0">
                         <a:solidFill>
                           <a:srgbClr val="000000"/>
                         </a:solidFill>
@@ -9618,12 +9717,18 @@
                     <a:p>
                       <a:pPr algn="l" fontAlgn="b"/>
                       <a:r>
-                        <a:rPr lang="en-IN" sz="2000" u="none" strike="noStrike">
+                        <a:rPr lang="en-IN" sz="2000" u="none" strike="noStrike" dirty="0">
                           <a:effectLst/>
                         </a:rPr>
-                        <a:t>diff. call from javascript</a:t>
+                        <a:t>diff. call from </a:t>
                       </a:r>
-                      <a:endParaRPr lang="en-IN" sz="2000" b="0" i="0" u="none" strike="noStrike">
+                      <a:r>
+                        <a:rPr lang="en-IN" sz="2000" u="none" strike="noStrike" dirty="0" err="1">
+                          <a:effectLst/>
+                        </a:rPr>
+                        <a:t>javascript</a:t>
+                      </a:r>
+                      <a:endParaRPr lang="en-IN" sz="2000" b="0" i="0" u="none" strike="noStrike" dirty="0">
                         <a:solidFill>
                           <a:srgbClr val="000000"/>
                         </a:solidFill>
@@ -9671,12 +9776,12 @@
                     <a:p>
                       <a:pPr algn="l" fontAlgn="b"/>
                       <a:r>
-                        <a:rPr lang="en-IN" sz="2000" u="none" strike="noStrike">
+                        <a:rPr lang="en-IN" sz="2000" u="none" strike="noStrike" dirty="0">
                           <a:effectLst/>
                         </a:rPr>
-                        <a:t>Not better perfomance</a:t>
+                        <a:t>Not better performance</a:t>
                       </a:r>
-                      <a:endParaRPr lang="en-IN" sz="2000" b="0" i="0" u="none" strike="noStrike">
+                      <a:endParaRPr lang="en-IN" sz="2000" b="0" i="0" u="none" strike="noStrike" dirty="0">
                         <a:solidFill>
                           <a:srgbClr val="000000"/>
                         </a:solidFill>
@@ -9724,12 +9829,12 @@
                     <a:p>
                       <a:pPr algn="l" fontAlgn="b"/>
                       <a:r>
-                        <a:rPr lang="en-IN" sz="2000" u="none" strike="noStrike">
+                        <a:rPr lang="en-IN" sz="2000" u="none" strike="noStrike" dirty="0">
                           <a:effectLst/>
                         </a:rPr>
                         <a:t>Heavy weight and outdated</a:t>
                       </a:r>
-                      <a:endParaRPr lang="en-IN" sz="2000" b="0" i="0" u="none" strike="noStrike">
+                      <a:endParaRPr lang="en-IN" sz="2000" b="0" i="0" u="none" strike="noStrike" dirty="0">
                         <a:solidFill>
                           <a:srgbClr val="000000"/>
                         </a:solidFill>
@@ -9830,9 +9935,17 @@
                           </a:solidFill>
                           <a:effectLst/>
                           <a:latin typeface="Calibri" panose="020F0502020204030204" pitchFamily="34" charset="0"/>
+                          <a:hlinkClick r:id="rId2"/>
                         </a:rPr>
                         <a:t>https://www.w3schools.com/xml/xml_soap.asp</a:t>
                       </a:r>
+                      <a:endParaRPr lang="en-IN" sz="2000" b="0" i="0" u="none" strike="noStrike" dirty="0">
+                        <a:solidFill>
+                          <a:srgbClr val="000000"/>
+                        </a:solidFill>
+                        <a:effectLst/>
+                        <a:latin typeface="Calibri" panose="020F0502020204030204" pitchFamily="34" charset="0"/>
+                      </a:endParaRPr>
                     </a:p>
                   </a:txBody>
                   <a:tcPr marL="6350" marR="6350" marT="6350" marB="0" anchor="b"/>
@@ -10199,16 +10312,7 @@
                 </a:solidFill>
                 <a:latin typeface="+mn-lt"/>
               </a:rPr>
-              <a:t> </a:t>
-            </a:r>
-            <a:r>
-              <a:rPr lang="en-US" dirty="0" err="1">
-                <a:solidFill>
-                  <a:schemeClr val="bg1"/>
-                </a:solidFill>
-                <a:latin typeface="+mn-lt"/>
-              </a:rPr>
-              <a:t>WebService</a:t>
+              <a:t> Microservices</a:t>
             </a:r>
             <a:endParaRPr lang="en-IN" dirty="0">
               <a:solidFill>
@@ -10234,7 +10338,7 @@
         <p:spPr>
           <a:xfrm>
             <a:off x="838200" y="1779687"/>
-            <a:ext cx="10515600" cy="2585323"/>
+            <a:ext cx="10515600" cy="3693319"/>
           </a:xfrm>
           <a:prstGeom prst="rect">
             <a:avLst/>
@@ -10253,78 +10357,127 @@
                   <a:schemeClr val="bg1"/>
                 </a:solidFill>
               </a:rPr>
-              <a:t>Software system designed to support interoperable machine-to-machine interaction over a network.</a:t>
-            </a:r>
-          </a:p>
-          <a:p>
-            <a:endParaRPr lang="en-US" b="1" dirty="0">
-              <a:solidFill>
-                <a:schemeClr val="bg1"/>
-              </a:solidFill>
-            </a:endParaRPr>
-          </a:p>
-          <a:p>
-            <a:endParaRPr lang="en-US" b="1" dirty="0">
-              <a:solidFill>
-                <a:schemeClr val="bg1"/>
-              </a:solidFill>
-            </a:endParaRPr>
-          </a:p>
-          <a:p>
-            <a:r>
-              <a:rPr lang="en-US" b="1" dirty="0">
-                <a:solidFill>
-                  <a:schemeClr val="bg1"/>
-                </a:solidFill>
-              </a:rPr>
-              <a:t>Human beings</a:t>
-            </a:r>
-          </a:p>
-          <a:p>
-            <a:r>
-              <a:rPr lang="en-US" b="1" dirty="0">
-                <a:solidFill>
-                  <a:schemeClr val="bg1"/>
-                </a:solidFill>
-              </a:rPr>
-              <a:t>	HTML over the web : excellent solution. </a:t>
-            </a:r>
-          </a:p>
-          <a:p>
-            <a:r>
-              <a:rPr lang="en-US" b="1" dirty="0">
-                <a:solidFill>
-                  <a:schemeClr val="bg1"/>
-                </a:solidFill>
-              </a:rPr>
-              <a:t>	Because of browser and other tools.</a:t>
-            </a:r>
-          </a:p>
-          <a:p>
-            <a:endParaRPr lang="en-US" b="1" dirty="0">
-              <a:solidFill>
-                <a:schemeClr val="bg1"/>
-              </a:solidFill>
-            </a:endParaRPr>
-          </a:p>
-          <a:p>
-            <a:r>
-              <a:rPr lang="en-US" b="1" dirty="0">
-                <a:solidFill>
-                  <a:schemeClr val="bg1"/>
-                </a:solidFill>
-              </a:rPr>
-              <a:t>Machine/application </a:t>
-            </a:r>
-          </a:p>
-          <a:p>
-            <a:r>
-              <a:rPr lang="en-US" b="1" dirty="0">
-                <a:solidFill>
-                  <a:schemeClr val="bg1"/>
-                </a:solidFill>
-              </a:rPr>
-              <a:t>	there are better solutions than html.</a:t>
+              <a:t>It is a Service-oriented architecture pattern </a:t>
+            </a:r>
+          </a:p>
+          <a:p>
+            <a:r>
+              <a:rPr lang="en-US" b="1" dirty="0">
+                <a:solidFill>
+                  <a:schemeClr val="bg1"/>
+                </a:solidFill>
+              </a:rPr>
+              <a:t>Applications - collection of small independent service units. </a:t>
+            </a:r>
+          </a:p>
+          <a:p>
+            <a:r>
+              <a:rPr lang="en-US" b="1" dirty="0">
+                <a:solidFill>
+                  <a:schemeClr val="bg1"/>
+                </a:solidFill>
+              </a:rPr>
+              <a:t>Decompose an application into single-function modules with well-defined interfaces. </a:t>
+            </a:r>
+          </a:p>
+          <a:p>
+            <a:r>
+              <a:rPr lang="en-US" b="1" dirty="0">
+                <a:solidFill>
+                  <a:schemeClr val="bg1"/>
+                </a:solidFill>
+              </a:rPr>
+              <a:t>These modules can be independently deployed </a:t>
+            </a:r>
+          </a:p>
+          <a:p>
+            <a:r>
+              <a:rPr lang="en-US" b="1" dirty="0">
+                <a:solidFill>
+                  <a:schemeClr val="bg1"/>
+                </a:solidFill>
+              </a:rPr>
+              <a:t>	operated by small teams that own the entire lifecycle of the service.</a:t>
+            </a:r>
+          </a:p>
+          <a:p>
+            <a:r>
+              <a:rPr lang="en-US" dirty="0">
+                <a:solidFill>
+                  <a:schemeClr val="bg1"/>
+                </a:solidFill>
+              </a:rPr>
+              <a:t>	</a:t>
+            </a:r>
+          </a:p>
+          <a:p>
+            <a:r>
+              <a:rPr lang="en-US" b="1" dirty="0">
+                <a:solidFill>
+                  <a:schemeClr val="bg1"/>
+                </a:solidFill>
+              </a:rPr>
+              <a:t>Ecommerce</a:t>
+            </a:r>
+          </a:p>
+          <a:p>
+            <a:r>
+              <a:rPr lang="en-US" b="1" dirty="0">
+                <a:solidFill>
+                  <a:schemeClr val="bg1"/>
+                </a:solidFill>
+              </a:rPr>
+              <a:t>		</a:t>
+            </a:r>
+          </a:p>
+          <a:p>
+            <a:r>
+              <a:rPr lang="en-US" b="1" dirty="0">
+                <a:solidFill>
+                  <a:schemeClr val="bg1"/>
+                </a:solidFill>
+              </a:rPr>
+              <a:t>e.g. Ecommerce application like Search, Review &amp; Ratings, and Payments.. </a:t>
+            </a:r>
+          </a:p>
+          <a:p>
+            <a:r>
+              <a:rPr lang="en-US" b="1" dirty="0">
+                <a:solidFill>
+                  <a:schemeClr val="bg1"/>
+                </a:solidFill>
+              </a:rPr>
+              <a:t>Developer of the eCommerce site deploys the application, </a:t>
+            </a:r>
+          </a:p>
+          <a:p>
+            <a:r>
+              <a:rPr lang="en-US" b="1" dirty="0">
+                <a:solidFill>
+                  <a:schemeClr val="bg1"/>
+                </a:solidFill>
+              </a:rPr>
+              <a:t>It is a single Monolithic unit. </a:t>
+            </a:r>
+          </a:p>
+          <a:p>
+            <a:r>
+              <a:rPr lang="en-US" b="1" dirty="0">
+                <a:solidFill>
+                  <a:schemeClr val="bg1"/>
+                </a:solidFill>
+              </a:rPr>
+              <a:t>The code for different features like Search, Review &amp; Ratings, and Payments are on the same server. </a:t>
+            </a:r>
+          </a:p>
+          <a:p>
+            <a:r>
+              <a:rPr lang="en-US" b="1" dirty="0">
+                <a:solidFill>
+                  <a:schemeClr val="bg1"/>
+                </a:solidFill>
+              </a:rPr>
+              <a:t>To scale need to run multiple instances(servers) of these applications.</a:t>
             </a:r>
           </a:p>
         </p:txBody>
@@ -10332,7 +10485,7 @@
     </p:spTree>
     <p:extLst>
       <p:ext uri="{BB962C8B-B14F-4D97-AF65-F5344CB8AC3E}">
-        <p14:creationId xmlns:p14="http://schemas.microsoft.com/office/powerpoint/2010/main" val="1067542892"/>
+        <p14:creationId xmlns:p14="http://schemas.microsoft.com/office/powerpoint/2010/main" val="453585362"/>
       </p:ext>
     </p:extLst>
   </p:cSld>
@@ -10429,7 +10582,7 @@
         <p:spPr>
           <a:xfrm>
             <a:off x="838200" y="1779687"/>
-            <a:ext cx="10515600" cy="3693319"/>
+            <a:ext cx="10515600" cy="1754326"/>
           </a:xfrm>
           <a:prstGeom prst="rect">
             <a:avLst/>
@@ -10448,87 +10601,41 @@
                   <a:schemeClr val="bg1"/>
                 </a:solidFill>
               </a:rPr>
-              <a:t>It is a Service-oriented architecture pattern </a:t>
-            </a:r>
-          </a:p>
-          <a:p>
-            <a:r>
-              <a:rPr lang="en-US" b="1" dirty="0">
-                <a:solidFill>
-                  <a:schemeClr val="bg1"/>
-                </a:solidFill>
-              </a:rPr>
-              <a:t>Applications - collection of small independent service units. </a:t>
-            </a:r>
-          </a:p>
-          <a:p>
-            <a:r>
-              <a:rPr lang="en-US" b="1" dirty="0">
-                <a:solidFill>
-                  <a:schemeClr val="bg1"/>
-                </a:solidFill>
-              </a:rPr>
-              <a:t>Decompose an application into single-function modules with well-defined interfaces. </a:t>
-            </a:r>
-          </a:p>
-          <a:p>
-            <a:r>
-              <a:rPr lang="en-US" b="1" dirty="0">
-                <a:solidFill>
-                  <a:schemeClr val="bg1"/>
-                </a:solidFill>
-              </a:rPr>
-              <a:t>These modules can be independently deployed </a:t>
-            </a:r>
-          </a:p>
-          <a:p>
-            <a:r>
-              <a:rPr lang="en-US" b="1" dirty="0">
-                <a:solidFill>
-                  <a:schemeClr val="bg1"/>
-                </a:solidFill>
-              </a:rPr>
-              <a:t>	operated by small teams that own the entire lifecycle of the service.</a:t>
-            </a:r>
-          </a:p>
-          <a:p>
-            <a:r>
-              <a:rPr lang="en-US" dirty="0">
-                <a:solidFill>
-                  <a:schemeClr val="bg1"/>
-                </a:solidFill>
-              </a:rPr>
-              <a:t>	</a:t>
-            </a:r>
-          </a:p>
-          <a:p>
-            <a:r>
-              <a:rPr lang="en-US" dirty="0">
-                <a:solidFill>
-                  <a:schemeClr val="bg1"/>
-                </a:solidFill>
-              </a:rPr>
-              <a:t>Ecommerce</a:t>
-            </a:r>
-          </a:p>
-          <a:p>
-            <a:r>
-              <a:rPr lang="en-US" dirty="0">
-                <a:solidFill>
-                  <a:schemeClr val="bg1"/>
-                </a:solidFill>
-              </a:rPr>
-              <a:t>		</a:t>
-            </a:r>
-          </a:p>
-          <a:p>
-            <a:r>
-              <a:rPr lang="en-US" dirty="0">
-                <a:solidFill>
-                  <a:schemeClr val="bg1"/>
-                </a:solidFill>
-              </a:rPr>
-              <a:t>e.g. Ecommerce application like Search, Review &amp; Ratings, and Payments.. When the developer of the eCommerce site deploys the application, it is a single Monolithic unit. The code for different features like Search, Review &amp; Ratings, and Payments are on the same server. To scale the application, you need to run multiple instances(servers) of these applications.</a:t>
+              <a:t>Human body: Monolithic</a:t>
+            </a:r>
+          </a:p>
+          <a:p>
+            <a:endParaRPr lang="en-US" b="1" dirty="0">
+              <a:solidFill>
+                <a:schemeClr val="bg1"/>
+              </a:solidFill>
+            </a:endParaRPr>
+          </a:p>
+          <a:p>
+            <a:r>
+              <a:rPr lang="en-US" b="1" dirty="0">
+                <a:solidFill>
+                  <a:schemeClr val="bg1"/>
+                </a:solidFill>
+              </a:rPr>
+              <a:t>Manufacturing plats: Microservices</a:t>
+            </a:r>
+          </a:p>
+          <a:p>
+            <a:endParaRPr lang="en-US" b="1" dirty="0">
+              <a:solidFill>
+                <a:schemeClr val="bg1"/>
+              </a:solidFill>
+            </a:endParaRPr>
+          </a:p>
+          <a:p>
+            <a:r>
+              <a:rPr lang="en-US" b="1" dirty="0">
+                <a:solidFill>
+                  <a:schemeClr val="bg1"/>
+                </a:solidFill>
+              </a:rPr>
+              <a:t>In real world, Most of the things are implemented in Microservices architecture.</a:t>
             </a:r>
           </a:p>
           <a:p>
@@ -10543,7 +10650,7 @@
     </p:spTree>
     <p:extLst>
       <p:ext uri="{BB962C8B-B14F-4D97-AF65-F5344CB8AC3E}">
-        <p14:creationId xmlns:p14="http://schemas.microsoft.com/office/powerpoint/2010/main" val="453585362"/>
+        <p14:creationId xmlns:p14="http://schemas.microsoft.com/office/powerpoint/2010/main" val="1882546237"/>
       </p:ext>
     </p:extLst>
   </p:cSld>

--- a/training/day1/1MicroservicesDay1.pptx
+++ b/training/day1/1MicroservicesDay1.pptx
@@ -9118,7 +9118,7 @@
         <p:spPr>
           <a:xfrm>
             <a:off x="838200" y="1779687"/>
-            <a:ext cx="10515600" cy="1754326"/>
+            <a:ext cx="10515600" cy="2308324"/>
           </a:xfrm>
           <a:prstGeom prst="rect">
             <a:avLst/>
@@ -9141,6 +9141,13 @@
             </a:r>
           </a:p>
           <a:p>
+            <a:endParaRPr lang="en-US" b="1" dirty="0">
+              <a:solidFill>
+                <a:schemeClr val="bg1"/>
+              </a:solidFill>
+            </a:endParaRPr>
+          </a:p>
+          <a:p>
             <a:r>
               <a:rPr lang="en-US" b="1" dirty="0">
                 <a:solidFill>
@@ -9159,6 +9166,13 @@
               </a:rPr>
               <a:t>	An application/machine can talk to my app irrespective of any platform.</a:t>
             </a:r>
+          </a:p>
+          <a:p>
+            <a:endParaRPr lang="en-US" b="1" dirty="0">
+              <a:solidFill>
+                <a:schemeClr val="bg1"/>
+              </a:solidFill>
+            </a:endParaRPr>
           </a:p>
           <a:p>
             <a:r>
@@ -9328,7 +9342,7 @@
           <p:nvPr>
             <p:extLst>
               <p:ext uri="{D42A27DB-BD31-4B8C-83A1-F6EECF244321}">
-                <p14:modId xmlns:p14="http://schemas.microsoft.com/office/powerpoint/2010/main" val="3155161443"/>
+                <p14:modId xmlns:p14="http://schemas.microsoft.com/office/powerpoint/2010/main" val="977151959"/>
               </p:ext>
             </p:extLst>
           </p:nvPr>
@@ -9687,12 +9701,12 @@
                     <a:p>
                       <a:pPr algn="l" fontAlgn="b"/>
                       <a:r>
-                        <a:rPr lang="en-IN" sz="2000" u="none" strike="noStrike">
+                        <a:rPr lang="en-IN" sz="2000" u="none" strike="noStrike" dirty="0">
                           <a:effectLst/>
                         </a:rPr>
                         <a:t>Strictly HTTP</a:t>
                       </a:r>
-                      <a:endParaRPr lang="en-IN" sz="2000" b="0" i="0" u="none" strike="noStrike">
+                      <a:endParaRPr lang="en-IN" sz="2000" b="0" i="0" u="none" strike="noStrike" dirty="0">
                         <a:solidFill>
                           <a:srgbClr val="000000"/>
                         </a:solidFill>
@@ -9746,12 +9760,18 @@
                     <a:p>
                       <a:pPr algn="l" fontAlgn="b"/>
                       <a:r>
-                        <a:rPr lang="en-US" sz="2000" u="none" strike="noStrike">
+                        <a:rPr lang="en-US" sz="2000" u="none" strike="noStrike" dirty="0">
                           <a:effectLst/>
                         </a:rPr>
-                        <a:t>Easy to call from javascrip</a:t>
+                        <a:t>Easy to call from </a:t>
                       </a:r>
-                      <a:endParaRPr lang="en-US" sz="2000" b="0" i="0" u="none" strike="noStrike">
+                      <a:r>
+                        <a:rPr lang="en-US" sz="2000" u="none" strike="noStrike" dirty="0" err="1">
+                          <a:effectLst/>
+                        </a:rPr>
+                        <a:t>javascript</a:t>
+                      </a:r>
+                      <a:endParaRPr lang="en-US" sz="2000" b="0" i="0" u="none" strike="noStrike" dirty="0">
                         <a:solidFill>
                           <a:srgbClr val="000000"/>
                         </a:solidFill>

--- a/training/day1/1MicroservicesDay1.pptx
+++ b/training/day1/1MicroservicesDay1.pptx
@@ -5,37 +5,35 @@
     <p:sldMasterId id="2147483648" r:id="rId1"/>
   </p:sldMasterIdLst>
   <p:notesMasterIdLst>
-    <p:notesMasterId r:id="rId30"/>
+    <p:notesMasterId r:id="rId28"/>
   </p:notesMasterIdLst>
   <p:sldIdLst>
     <p:sldId id="413" r:id="rId2"/>
-    <p:sldId id="414" r:id="rId3"/>
-    <p:sldId id="415" r:id="rId4"/>
-    <p:sldId id="423" r:id="rId5"/>
-    <p:sldId id="426" r:id="rId6"/>
-    <p:sldId id="427" r:id="rId7"/>
-    <p:sldId id="428" r:id="rId8"/>
-    <p:sldId id="424" r:id="rId9"/>
-    <p:sldId id="419" r:id="rId10"/>
-    <p:sldId id="453" r:id="rId11"/>
-    <p:sldId id="420" r:id="rId12"/>
-    <p:sldId id="425" r:id="rId13"/>
-    <p:sldId id="421" r:id="rId14"/>
-    <p:sldId id="422" r:id="rId15"/>
-    <p:sldId id="430" r:id="rId16"/>
-    <p:sldId id="452" r:id="rId17"/>
-    <p:sldId id="454" r:id="rId18"/>
-    <p:sldId id="455" r:id="rId19"/>
-    <p:sldId id="431" r:id="rId20"/>
-    <p:sldId id="450" r:id="rId21"/>
-    <p:sldId id="451" r:id="rId22"/>
-    <p:sldId id="432" r:id="rId23"/>
-    <p:sldId id="433" r:id="rId24"/>
-    <p:sldId id="434" r:id="rId25"/>
-    <p:sldId id="457" r:id="rId26"/>
-    <p:sldId id="456" r:id="rId27"/>
-    <p:sldId id="435" r:id="rId28"/>
-    <p:sldId id="436" r:id="rId29"/>
+    <p:sldId id="423" r:id="rId3"/>
+    <p:sldId id="426" r:id="rId4"/>
+    <p:sldId id="427" r:id="rId5"/>
+    <p:sldId id="428" r:id="rId6"/>
+    <p:sldId id="458" r:id="rId7"/>
+    <p:sldId id="419" r:id="rId8"/>
+    <p:sldId id="453" r:id="rId9"/>
+    <p:sldId id="420" r:id="rId10"/>
+    <p:sldId id="425" r:id="rId11"/>
+    <p:sldId id="421" r:id="rId12"/>
+    <p:sldId id="422" r:id="rId13"/>
+    <p:sldId id="430" r:id="rId14"/>
+    <p:sldId id="452" r:id="rId15"/>
+    <p:sldId id="454" r:id="rId16"/>
+    <p:sldId id="455" r:id="rId17"/>
+    <p:sldId id="431" r:id="rId18"/>
+    <p:sldId id="450" r:id="rId19"/>
+    <p:sldId id="451" r:id="rId20"/>
+    <p:sldId id="432" r:id="rId21"/>
+    <p:sldId id="433" r:id="rId22"/>
+    <p:sldId id="434" r:id="rId23"/>
+    <p:sldId id="457" r:id="rId24"/>
+    <p:sldId id="456" r:id="rId25"/>
+    <p:sldId id="435" r:id="rId26"/>
+    <p:sldId id="436" r:id="rId27"/>
   </p:sldIdLst>
   <p:sldSz cx="12192000" cy="6858000"/>
   <p:notesSz cx="6858000" cy="9144000"/>
@@ -224,7 +222,7 @@
           <a:p>
             <a:fld id="{F15A6252-5F50-4106-9C23-9E03A675631E}" type="datetimeFigureOut">
               <a:rPr lang="en-IN" smtClean="0"/>
-              <a:t>04-05-2020</a:t>
+              <a:t>11-03-2021</a:t>
             </a:fld>
             <a:endParaRPr lang="en-IN"/>
           </a:p>
@@ -557,7 +555,7 @@
           <a:p>
             <a:fld id="{9B3CEC36-385F-48D4-8D43-C67229F8A2A2}" type="slidenum">
               <a:rPr lang="en-IN" smtClean="0"/>
-              <a:t>9</a:t>
+              <a:t>7</a:t>
             </a:fld>
             <a:endParaRPr lang="en-IN"/>
           </a:p>
@@ -725,7 +723,7 @@
           <a:p>
             <a:fld id="{4086692B-153F-4DFE-BFBD-A2AE2C7443B6}" type="datetimeFigureOut">
               <a:rPr lang="en-IN" smtClean="0"/>
-              <a:t>04-05-2020</a:t>
+              <a:t>11-03-2021</a:t>
             </a:fld>
             <a:endParaRPr lang="en-IN"/>
           </a:p>
@@ -925,7 +923,7 @@
           <a:p>
             <a:fld id="{4086692B-153F-4DFE-BFBD-A2AE2C7443B6}" type="datetimeFigureOut">
               <a:rPr lang="en-IN" smtClean="0"/>
-              <a:t>04-05-2020</a:t>
+              <a:t>11-03-2021</a:t>
             </a:fld>
             <a:endParaRPr lang="en-IN"/>
           </a:p>
@@ -1135,7 +1133,7 @@
           <a:p>
             <a:fld id="{4086692B-153F-4DFE-BFBD-A2AE2C7443B6}" type="datetimeFigureOut">
               <a:rPr lang="en-IN" smtClean="0"/>
-              <a:t>04-05-2020</a:t>
+              <a:t>11-03-2021</a:t>
             </a:fld>
             <a:endParaRPr lang="en-IN"/>
           </a:p>
@@ -1335,7 +1333,7 @@
           <a:p>
             <a:fld id="{4086692B-153F-4DFE-BFBD-A2AE2C7443B6}" type="datetimeFigureOut">
               <a:rPr lang="en-IN" smtClean="0"/>
-              <a:t>04-05-2020</a:t>
+              <a:t>11-03-2021</a:t>
             </a:fld>
             <a:endParaRPr lang="en-IN"/>
           </a:p>
@@ -1611,7 +1609,7 @@
           <a:p>
             <a:fld id="{4086692B-153F-4DFE-BFBD-A2AE2C7443B6}" type="datetimeFigureOut">
               <a:rPr lang="en-IN" smtClean="0"/>
-              <a:t>04-05-2020</a:t>
+              <a:t>11-03-2021</a:t>
             </a:fld>
             <a:endParaRPr lang="en-IN"/>
           </a:p>
@@ -1879,7 +1877,7 @@
           <a:p>
             <a:fld id="{4086692B-153F-4DFE-BFBD-A2AE2C7443B6}" type="datetimeFigureOut">
               <a:rPr lang="en-IN" smtClean="0"/>
-              <a:t>04-05-2020</a:t>
+              <a:t>11-03-2021</a:t>
             </a:fld>
             <a:endParaRPr lang="en-IN"/>
           </a:p>
@@ -2294,7 +2292,7 @@
           <a:p>
             <a:fld id="{4086692B-153F-4DFE-BFBD-A2AE2C7443B6}" type="datetimeFigureOut">
               <a:rPr lang="en-IN" smtClean="0"/>
-              <a:t>04-05-2020</a:t>
+              <a:t>11-03-2021</a:t>
             </a:fld>
             <a:endParaRPr lang="en-IN"/>
           </a:p>
@@ -2436,7 +2434,7 @@
           <a:p>
             <a:fld id="{4086692B-153F-4DFE-BFBD-A2AE2C7443B6}" type="datetimeFigureOut">
               <a:rPr lang="en-IN" smtClean="0"/>
-              <a:t>04-05-2020</a:t>
+              <a:t>11-03-2021</a:t>
             </a:fld>
             <a:endParaRPr lang="en-IN"/>
           </a:p>
@@ -2549,7 +2547,7 @@
           <a:p>
             <a:fld id="{4086692B-153F-4DFE-BFBD-A2AE2C7443B6}" type="datetimeFigureOut">
               <a:rPr lang="en-IN" smtClean="0"/>
-              <a:t>04-05-2020</a:t>
+              <a:t>11-03-2021</a:t>
             </a:fld>
             <a:endParaRPr lang="en-IN"/>
           </a:p>
@@ -2862,7 +2860,7 @@
           <a:p>
             <a:fld id="{4086692B-153F-4DFE-BFBD-A2AE2C7443B6}" type="datetimeFigureOut">
               <a:rPr lang="en-IN" smtClean="0"/>
-              <a:t>04-05-2020</a:t>
+              <a:t>11-03-2021</a:t>
             </a:fld>
             <a:endParaRPr lang="en-IN"/>
           </a:p>
@@ -3151,7 +3149,7 @@
           <a:p>
             <a:fld id="{4086692B-153F-4DFE-BFBD-A2AE2C7443B6}" type="datetimeFigureOut">
               <a:rPr lang="en-IN" smtClean="0"/>
-              <a:t>04-05-2020</a:t>
+              <a:t>11-03-2021</a:t>
             </a:fld>
             <a:endParaRPr lang="en-IN"/>
           </a:p>
@@ -3394,7 +3392,7 @@
           <a:p>
             <a:fld id="{4086692B-153F-4DFE-BFBD-A2AE2C7443B6}" type="datetimeFigureOut">
               <a:rPr lang="en-IN" smtClean="0"/>
-              <a:t>04-05-2020</a:t>
+              <a:t>11-03-2021</a:t>
             </a:fld>
             <a:endParaRPr lang="en-IN"/>
           </a:p>
@@ -4112,14 +4110,26 @@
                 </a:solidFill>
                 <a:latin typeface="+mn-lt"/>
               </a:rPr>
-              <a:t> Microservices – Formal Definition</a:t>
-            </a:r>
-            <a:endParaRPr lang="en-IN" dirty="0">
-              <a:solidFill>
-                <a:schemeClr val="bg1"/>
-              </a:solidFill>
-              <a:latin typeface="+mn-lt"/>
-            </a:endParaRPr>
+              <a:t>Characteristics of Microservices </a:t>
+            </a:r>
+            <a:r>
+              <a:rPr lang="en-US" dirty="0" err="1">
+                <a:solidFill>
+                  <a:schemeClr val="bg1"/>
+                </a:solidFill>
+                <a:latin typeface="+mn-lt"/>
+              </a:rPr>
+              <a:t>cntd</a:t>
+            </a:r>
+            <a:r>
+              <a:rPr lang="en-US" dirty="0">
+                <a:solidFill>
+                  <a:schemeClr val="bg1"/>
+                </a:solidFill>
+                <a:latin typeface="+mn-lt"/>
+              </a:rPr>
+              <a:t>…</a:t>
+            </a:r>
           </a:p>
         </p:txBody>
       </p:sp>
@@ -4138,7 +4148,7 @@
         <p:spPr>
           <a:xfrm>
             <a:off x="838200" y="1779687"/>
-            <a:ext cx="10515600" cy="4524315"/>
+            <a:ext cx="10515600" cy="2585323"/>
           </a:xfrm>
           <a:prstGeom prst="rect">
             <a:avLst/>
@@ -4157,147 +4167,77 @@
                   <a:schemeClr val="bg1"/>
                 </a:solidFill>
               </a:rPr>
-              <a:t>“Microservice architectural style is </a:t>
-            </a:r>
-          </a:p>
-          <a:p>
-            <a:r>
-              <a:rPr lang="en-US" b="1" dirty="0">
-                <a:solidFill>
-                  <a:schemeClr val="bg1"/>
-                </a:solidFill>
-              </a:rPr>
-              <a:t>	an approach to developing a single application </a:t>
-            </a:r>
-          </a:p>
-          <a:p>
-            <a:r>
-              <a:rPr lang="en-US" b="1" dirty="0">
-                <a:solidFill>
-                  <a:schemeClr val="bg1"/>
-                </a:solidFill>
-              </a:rPr>
-              <a:t>	as a suite of small services, </a:t>
-            </a:r>
-          </a:p>
-          <a:p>
-            <a:r>
-              <a:rPr lang="en-US" b="1" dirty="0">
-                <a:solidFill>
-                  <a:schemeClr val="bg1"/>
-                </a:solidFill>
-              </a:rPr>
-              <a:t>	each running in its own process and </a:t>
-            </a:r>
-          </a:p>
-          <a:p>
-            <a:r>
-              <a:rPr lang="en-US" b="1" dirty="0">
-                <a:solidFill>
-                  <a:schemeClr val="bg1"/>
-                </a:solidFill>
-              </a:rPr>
-              <a:t>	communicating with lightweight mechanisms, </a:t>
-            </a:r>
-          </a:p>
-          <a:p>
-            <a:r>
-              <a:rPr lang="en-US" b="1" dirty="0">
-                <a:solidFill>
-                  <a:schemeClr val="bg1"/>
-                </a:solidFill>
-              </a:rPr>
-              <a:t>	often an HTTP resource API. </a:t>
-            </a:r>
-          </a:p>
-          <a:p>
-            <a:r>
-              <a:rPr lang="en-US" b="1" dirty="0">
-                <a:solidFill>
-                  <a:schemeClr val="bg1"/>
-                </a:solidFill>
-              </a:rPr>
-              <a:t>These services are </a:t>
-            </a:r>
-          </a:p>
-          <a:p>
-            <a:r>
-              <a:rPr lang="en-US" b="1" dirty="0">
-                <a:solidFill>
-                  <a:schemeClr val="bg1"/>
-                </a:solidFill>
-              </a:rPr>
-              <a:t>	built around business capabilities and </a:t>
-            </a:r>
-          </a:p>
-          <a:p>
-            <a:r>
-              <a:rPr lang="en-US" b="1" dirty="0">
-                <a:solidFill>
-                  <a:schemeClr val="bg1"/>
-                </a:solidFill>
-              </a:rPr>
-              <a:t>	independently deployable by fully automated deployment machinery. </a:t>
-            </a:r>
-          </a:p>
-          <a:p>
-            <a:r>
-              <a:rPr lang="en-US" b="1" dirty="0">
-                <a:solidFill>
-                  <a:schemeClr val="bg1"/>
-                </a:solidFill>
-              </a:rPr>
-              <a:t>There is a </a:t>
-            </a:r>
-          </a:p>
-          <a:p>
-            <a:r>
-              <a:rPr lang="en-US" b="1" dirty="0">
-                <a:solidFill>
-                  <a:schemeClr val="bg1"/>
-                </a:solidFill>
-              </a:rPr>
-              <a:t>	bare minimum of centralized management of these services, </a:t>
-            </a:r>
-          </a:p>
-          <a:p>
-            <a:r>
-              <a:rPr lang="en-US" b="1" dirty="0">
-                <a:solidFill>
-                  <a:schemeClr val="bg1"/>
-                </a:solidFill>
-              </a:rPr>
-              <a:t>	which may be written in different programming languages and </a:t>
-            </a:r>
-          </a:p>
-          <a:p>
-            <a:r>
-              <a:rPr lang="en-US" b="1" dirty="0">
-                <a:solidFill>
-                  <a:schemeClr val="bg1"/>
-                </a:solidFill>
-              </a:rPr>
-              <a:t>	use different data storage technologies.”</a:t>
-            </a:r>
-          </a:p>
-          <a:p>
-            <a:r>
-              <a:rPr lang="en-US" b="1" dirty="0">
-                <a:solidFill>
-                  <a:schemeClr val="bg1"/>
-                </a:solidFill>
-              </a:rPr>
-              <a:t>					</a:t>
-            </a:r>
-          </a:p>
-          <a:p>
-            <a:r>
-              <a:rPr lang="en-US" b="1" dirty="0">
-                <a:solidFill>
-                  <a:schemeClr val="bg1"/>
-                </a:solidFill>
-              </a:rPr>
-              <a:t>						-  James Lewis and Martin Fowler</a:t>
+              <a:t>Each service is </a:t>
+            </a:r>
+          </a:p>
+          <a:p>
+            <a:r>
+              <a:rPr lang="en-US" b="1" dirty="0">
+                <a:solidFill>
+                  <a:schemeClr val="bg1"/>
+                </a:solidFill>
+              </a:rPr>
+              <a:t>	deployed in a self-contained environment.</a:t>
+            </a:r>
+          </a:p>
+          <a:p>
+            <a:r>
+              <a:rPr lang="en-US" b="1" dirty="0">
+                <a:solidFill>
+                  <a:schemeClr val="bg1"/>
+                </a:solidFill>
+              </a:rPr>
+              <a:t>Services communicate with </a:t>
+            </a:r>
+          </a:p>
+          <a:p>
+            <a:r>
+              <a:rPr lang="en-US" b="1" dirty="0">
+                <a:solidFill>
+                  <a:schemeClr val="bg1"/>
+                </a:solidFill>
+              </a:rPr>
+              <a:t>	each other by using well-defined APIs (smart endpoints) and </a:t>
+            </a:r>
+          </a:p>
+          <a:p>
+            <a:r>
+              <a:rPr lang="en-US" b="1" dirty="0">
+                <a:solidFill>
+                  <a:schemeClr val="bg1"/>
+                </a:solidFill>
+              </a:rPr>
+              <a:t>	simple protocols like REST over HTTP (dumb pipes).</a:t>
+            </a:r>
+          </a:p>
+          <a:p>
+            <a:r>
+              <a:rPr lang="en-US" b="1" dirty="0">
+                <a:solidFill>
+                  <a:schemeClr val="bg1"/>
+                </a:solidFill>
+              </a:rPr>
+              <a:t>Each service is </a:t>
+            </a:r>
+          </a:p>
+          <a:p>
+            <a:r>
+              <a:rPr lang="en-US" b="1" dirty="0">
+                <a:solidFill>
+                  <a:schemeClr val="bg1"/>
+                </a:solidFill>
+              </a:rPr>
+              <a:t>	responsible for persisting its own data and </a:t>
+            </a:r>
+          </a:p>
+          <a:p>
+            <a:r>
+              <a:rPr lang="en-US" b="1" dirty="0">
+                <a:solidFill>
+                  <a:schemeClr val="bg1"/>
+                </a:solidFill>
+              </a:rPr>
+              <a:t>	keeping external state </a:t>
             </a:r>
           </a:p>
           <a:p>
@@ -4312,7 +4252,7 @@
     </p:spTree>
     <p:extLst>
       <p:ext uri="{BB962C8B-B14F-4D97-AF65-F5344CB8AC3E}">
-        <p14:creationId xmlns:p14="http://schemas.microsoft.com/office/powerpoint/2010/main" val="658190653"/>
+        <p14:creationId xmlns:p14="http://schemas.microsoft.com/office/powerpoint/2010/main" val="2042010090"/>
       </p:ext>
     </p:extLst>
   </p:cSld>
@@ -4383,8 +4323,14 @@
                 </a:solidFill>
                 <a:latin typeface="+mn-lt"/>
               </a:rPr>
-              <a:t>Characteristics of Microservices</a:t>
-            </a:r>
+              <a:t> Adv. Of Microservices</a:t>
+            </a:r>
+            <a:endParaRPr lang="en-IN" dirty="0">
+              <a:solidFill>
+                <a:schemeClr val="bg1"/>
+              </a:solidFill>
+              <a:latin typeface="+mn-lt"/>
+            </a:endParaRPr>
           </a:p>
         </p:txBody>
       </p:sp>
@@ -4402,8 +4348,8 @@
         </p:nvSpPr>
         <p:spPr>
           <a:xfrm>
-            <a:off x="838200" y="1779687"/>
-            <a:ext cx="10515600" cy="3970318"/>
+            <a:off x="838200" y="1770162"/>
+            <a:ext cx="10515600" cy="4801314"/>
           </a:xfrm>
           <a:prstGeom prst="rect">
             <a:avLst/>
@@ -4422,150 +4368,151 @@
                   <a:schemeClr val="bg1"/>
                 </a:solidFill>
               </a:rPr>
-              <a:t>Each service </a:t>
-            </a:r>
-          </a:p>
-          <a:p>
-            <a:r>
-              <a:rPr lang="en-US" b="1" dirty="0">
-                <a:solidFill>
-                  <a:schemeClr val="bg1"/>
-                </a:solidFill>
-              </a:rPr>
-              <a:t>	is a light-weight, </a:t>
-            </a:r>
-          </a:p>
-          <a:p>
-            <a:r>
-              <a:rPr lang="en-US" b="1" dirty="0">
-                <a:solidFill>
-                  <a:schemeClr val="bg1"/>
-                </a:solidFill>
-              </a:rPr>
-              <a:t>	independent, and </a:t>
-            </a:r>
-          </a:p>
-          <a:p>
-            <a:r>
-              <a:rPr lang="en-US" b="1" dirty="0">
-                <a:solidFill>
-                  <a:schemeClr val="bg1"/>
-                </a:solidFill>
-              </a:rPr>
-              <a:t>	loosely-coupled business unit.</a:t>
-            </a:r>
-          </a:p>
-          <a:p>
-            <a:r>
-              <a:rPr lang="en-US" b="1" dirty="0">
-                <a:solidFill>
-                  <a:schemeClr val="bg1"/>
-                </a:solidFill>
-              </a:rPr>
-              <a:t>Each service has </a:t>
-            </a:r>
-          </a:p>
-          <a:p>
-            <a:r>
-              <a:rPr lang="en-US" b="1" dirty="0">
-                <a:solidFill>
-                  <a:schemeClr val="bg1"/>
-                </a:solidFill>
-              </a:rPr>
-              <a:t>	its own codebase, </a:t>
-            </a:r>
-          </a:p>
-          <a:p>
-            <a:r>
-              <a:rPr lang="en-US" b="1" dirty="0">
-                <a:solidFill>
-                  <a:schemeClr val="bg1"/>
-                </a:solidFill>
-              </a:rPr>
-              <a:t>	managed and developed by a small team (mostly in an agile environment).</a:t>
-            </a:r>
-          </a:p>
-          <a:p>
-            <a:r>
-              <a:rPr lang="en-US" b="1" dirty="0">
-                <a:solidFill>
-                  <a:schemeClr val="bg1"/>
-                </a:solidFill>
-              </a:rPr>
-              <a:t>Each service is </a:t>
-            </a:r>
-          </a:p>
-          <a:p>
-            <a:r>
-              <a:rPr lang="en-US" b="1" dirty="0">
-                <a:solidFill>
-                  <a:schemeClr val="bg1"/>
-                </a:solidFill>
-              </a:rPr>
-              <a:t>	responsible for a single part of the functionality (business capability), </a:t>
-            </a:r>
-          </a:p>
-          <a:p>
-            <a:r>
-              <a:rPr lang="en-US" b="1" dirty="0">
-                <a:solidFill>
-                  <a:schemeClr val="bg1"/>
-                </a:solidFill>
-              </a:rPr>
-              <a:t>	and does it well.</a:t>
-            </a:r>
-          </a:p>
-          <a:p>
-            <a:r>
-              <a:rPr lang="en-US" b="1" dirty="0">
-                <a:solidFill>
-                  <a:schemeClr val="bg1"/>
-                </a:solidFill>
-              </a:rPr>
-              <a:t>Each service can </a:t>
-            </a:r>
-          </a:p>
-          <a:p>
-            <a:r>
-              <a:rPr lang="en-US" b="1" dirty="0">
-                <a:solidFill>
-                  <a:schemeClr val="bg1"/>
-                </a:solidFill>
-              </a:rPr>
-              <a:t>	pick the best technology stack for its use cases.</a:t>
-            </a:r>
-          </a:p>
-          <a:p>
-            <a:r>
-              <a:rPr lang="en-US" b="1" dirty="0">
-                <a:solidFill>
-                  <a:schemeClr val="bg1"/>
-                </a:solidFill>
-              </a:rPr>
-              <a:t>Each service has </a:t>
-            </a:r>
-          </a:p>
-          <a:p>
-            <a:r>
-              <a:rPr lang="en-US" b="1" dirty="0">
-                <a:solidFill>
-                  <a:schemeClr val="bg1"/>
-                </a:solidFill>
-              </a:rPr>
-              <a:t>	its own DevOps plan (test, release, deploy, scale, integrate, and maintain independently).</a:t>
-            </a:r>
+              <a:t>Independent scaling</a:t>
+            </a:r>
+          </a:p>
+          <a:p>
+            <a:endParaRPr lang="en-US" b="1" dirty="0">
+              <a:solidFill>
+                <a:schemeClr val="bg1"/>
+              </a:solidFill>
+            </a:endParaRPr>
+          </a:p>
+          <a:p>
+            <a:r>
+              <a:rPr lang="en-US" b="1" dirty="0">
+                <a:solidFill>
+                  <a:schemeClr val="bg1"/>
+                </a:solidFill>
+              </a:rPr>
+              <a:t>Independent releases and deployments </a:t>
+            </a:r>
+          </a:p>
+          <a:p>
+            <a:endParaRPr lang="en-US" b="1" dirty="0">
+              <a:solidFill>
+                <a:schemeClr val="bg1"/>
+              </a:solidFill>
+            </a:endParaRPr>
+          </a:p>
+          <a:p>
+            <a:r>
+              <a:rPr lang="en-US" b="1" dirty="0">
+                <a:solidFill>
+                  <a:schemeClr val="bg1"/>
+                </a:solidFill>
+              </a:rPr>
+              <a:t>Independent development </a:t>
+            </a:r>
+          </a:p>
+          <a:p>
+            <a:endParaRPr lang="en-US" b="1" dirty="0">
+              <a:solidFill>
+                <a:schemeClr val="bg1"/>
+              </a:solidFill>
+            </a:endParaRPr>
+          </a:p>
+          <a:p>
+            <a:r>
+              <a:rPr lang="en-US" b="1" dirty="0">
+                <a:solidFill>
+                  <a:schemeClr val="bg1"/>
+                </a:solidFill>
+              </a:rPr>
+              <a:t>Independent monitoring and management</a:t>
+            </a:r>
+          </a:p>
+          <a:p>
+            <a:endParaRPr lang="en-US" b="1" dirty="0">
+              <a:solidFill>
+                <a:schemeClr val="bg1"/>
+              </a:solidFill>
+            </a:endParaRPr>
+          </a:p>
+          <a:p>
+            <a:r>
+              <a:rPr lang="en-US" b="1" dirty="0">
+                <a:solidFill>
+                  <a:schemeClr val="bg1"/>
+                </a:solidFill>
+              </a:rPr>
+              <a:t>Graceful degradation </a:t>
+            </a:r>
+          </a:p>
+          <a:p>
+            <a:endParaRPr lang="en-US" b="1" dirty="0">
+              <a:solidFill>
+                <a:schemeClr val="bg1"/>
+              </a:solidFill>
+            </a:endParaRPr>
+          </a:p>
+          <a:p>
+            <a:r>
+              <a:rPr lang="en-US" b="1" dirty="0">
+                <a:solidFill>
+                  <a:schemeClr val="bg1"/>
+                </a:solidFill>
+              </a:rPr>
+              <a:t>Decentralized governance </a:t>
+            </a:r>
+          </a:p>
+          <a:p>
             <a:endParaRPr lang="en-US" dirty="0">
               <a:solidFill>
                 <a:schemeClr val="bg1"/>
               </a:solidFill>
             </a:endParaRPr>
           </a:p>
+          <a:p>
+            <a:r>
+              <a:rPr lang="en-US" b="1" dirty="0">
+                <a:solidFill>
+                  <a:schemeClr val="bg1"/>
+                </a:solidFill>
+              </a:rPr>
+              <a:t>Highly maintainable and testable</a:t>
+            </a:r>
+          </a:p>
+          <a:p>
+            <a:endParaRPr lang="en-US" b="1" dirty="0">
+              <a:solidFill>
+                <a:schemeClr val="bg1"/>
+              </a:solidFill>
+            </a:endParaRPr>
+          </a:p>
+          <a:p>
+            <a:r>
+              <a:rPr lang="en-US" b="1" dirty="0">
+                <a:solidFill>
+                  <a:schemeClr val="bg1"/>
+                </a:solidFill>
+              </a:rPr>
+              <a:t>Loosely coupled</a:t>
+            </a:r>
+          </a:p>
+          <a:p>
+            <a:endParaRPr lang="en-US" b="1" dirty="0">
+              <a:solidFill>
+                <a:schemeClr val="bg1"/>
+              </a:solidFill>
+            </a:endParaRPr>
+          </a:p>
+          <a:p>
+            <a:r>
+              <a:rPr lang="en-US" b="1" dirty="0">
+                <a:solidFill>
+                  <a:schemeClr val="bg1"/>
+                </a:solidFill>
+              </a:rPr>
+              <a:t>Owned by a small agile team</a:t>
+            </a:r>
+          </a:p>
         </p:txBody>
       </p:sp>
     </p:spTree>
     <p:extLst>
       <p:ext uri="{BB962C8B-B14F-4D97-AF65-F5344CB8AC3E}">
-        <p14:creationId xmlns:p14="http://schemas.microsoft.com/office/powerpoint/2010/main" val="1893217612"/>
+        <p14:creationId xmlns:p14="http://schemas.microsoft.com/office/powerpoint/2010/main" val="4057161016"/>
       </p:ext>
     </p:extLst>
   </p:cSld>
@@ -4636,26 +4583,14 @@
                 </a:solidFill>
                 <a:latin typeface="+mn-lt"/>
               </a:rPr>
-              <a:t>Characteristics of Microservices </a:t>
-            </a:r>
-            <a:r>
-              <a:rPr lang="en-US" dirty="0" err="1">
-                <a:solidFill>
-                  <a:schemeClr val="bg1"/>
-                </a:solidFill>
-                <a:latin typeface="+mn-lt"/>
-              </a:rPr>
-              <a:t>cntd</a:t>
-            </a:r>
-            <a:r>
-              <a:rPr lang="en-US" dirty="0">
-                <a:solidFill>
-                  <a:schemeClr val="bg1"/>
-                </a:solidFill>
-                <a:latin typeface="+mn-lt"/>
-              </a:rPr>
-              <a:t>…</a:t>
-            </a:r>
+              <a:t> Operational concerns of Microservices</a:t>
+            </a:r>
+            <a:endParaRPr lang="en-IN" dirty="0">
+              <a:solidFill>
+                <a:schemeClr val="bg1"/>
+              </a:solidFill>
+              <a:latin typeface="+mn-lt"/>
+            </a:endParaRPr>
           </a:p>
         </p:txBody>
       </p:sp>
@@ -4673,8 +4608,8 @@
         </p:nvSpPr>
         <p:spPr>
           <a:xfrm>
-            <a:off x="838200" y="1779687"/>
-            <a:ext cx="10515600" cy="2585323"/>
+            <a:off x="838200" y="1730365"/>
+            <a:ext cx="10515600" cy="3416320"/>
           </a:xfrm>
           <a:prstGeom prst="rect">
             <a:avLst/>
@@ -4693,78 +4628,98 @@
                   <a:schemeClr val="bg1"/>
                 </a:solidFill>
               </a:rPr>
-              <a:t>Each service is </a:t>
-            </a:r>
-          </a:p>
-          <a:p>
-            <a:r>
-              <a:rPr lang="en-US" b="1" dirty="0">
-                <a:solidFill>
-                  <a:schemeClr val="bg1"/>
-                </a:solidFill>
-              </a:rPr>
-              <a:t>	deployed in a self-contained environment.</a:t>
-            </a:r>
-          </a:p>
-          <a:p>
-            <a:r>
-              <a:rPr lang="en-US" b="1" dirty="0">
-                <a:solidFill>
-                  <a:schemeClr val="bg1"/>
-                </a:solidFill>
-              </a:rPr>
-              <a:t>Services communicate with </a:t>
-            </a:r>
-          </a:p>
-          <a:p>
-            <a:r>
-              <a:rPr lang="en-US" b="1" dirty="0">
-                <a:solidFill>
-                  <a:schemeClr val="bg1"/>
-                </a:solidFill>
-              </a:rPr>
-              <a:t>	each other by using well-defined APIs (smart endpoints) and </a:t>
-            </a:r>
-          </a:p>
-          <a:p>
-            <a:r>
-              <a:rPr lang="en-US" b="1" dirty="0">
-                <a:solidFill>
-                  <a:schemeClr val="bg1"/>
-                </a:solidFill>
-              </a:rPr>
-              <a:t>	simple protocols like REST over HTTP (dumb pipes).</a:t>
-            </a:r>
-          </a:p>
-          <a:p>
-            <a:r>
-              <a:rPr lang="en-US" b="1" dirty="0">
-                <a:solidFill>
-                  <a:schemeClr val="bg1"/>
-                </a:solidFill>
-              </a:rPr>
-              <a:t>Each service is </a:t>
-            </a:r>
-          </a:p>
-          <a:p>
-            <a:r>
-              <a:rPr lang="en-US" b="1" dirty="0">
-                <a:solidFill>
-                  <a:schemeClr val="bg1"/>
-                </a:solidFill>
-              </a:rPr>
-              <a:t>	responsible for persisting its own data and </a:t>
-            </a:r>
-          </a:p>
-          <a:p>
-            <a:r>
-              <a:rPr lang="en-US" b="1" dirty="0">
-                <a:solidFill>
-                  <a:schemeClr val="bg1"/>
-                </a:solidFill>
-              </a:rPr>
-              <a:t>	keeping external state </a:t>
-            </a:r>
+              <a:t>Service replication </a:t>
+            </a:r>
+          </a:p>
+          <a:p>
+            <a:endParaRPr lang="en-US" b="1" dirty="0">
+              <a:solidFill>
+                <a:schemeClr val="bg1"/>
+              </a:solidFill>
+            </a:endParaRPr>
+          </a:p>
+          <a:p>
+            <a:r>
+              <a:rPr lang="en-US" b="1" dirty="0">
+                <a:solidFill>
+                  <a:schemeClr val="bg1"/>
+                </a:solidFill>
+              </a:rPr>
+              <a:t>Service registration and discovery </a:t>
+            </a:r>
+          </a:p>
+          <a:p>
+            <a:endParaRPr lang="en-US" b="1" dirty="0">
+              <a:solidFill>
+                <a:schemeClr val="bg1"/>
+              </a:solidFill>
+            </a:endParaRPr>
+          </a:p>
+          <a:p>
+            <a:r>
+              <a:rPr lang="en-US" b="1" dirty="0">
+                <a:solidFill>
+                  <a:schemeClr val="bg1"/>
+                </a:solidFill>
+              </a:rPr>
+              <a:t>Service monitoring and logging </a:t>
+            </a:r>
+          </a:p>
+          <a:p>
+            <a:endParaRPr lang="en-US" b="1" dirty="0">
+              <a:solidFill>
+                <a:schemeClr val="bg1"/>
+              </a:solidFill>
+            </a:endParaRPr>
+          </a:p>
+          <a:p>
+            <a:r>
+              <a:rPr lang="en-US" b="1" dirty="0">
+                <a:solidFill>
+                  <a:schemeClr val="bg1"/>
+                </a:solidFill>
+              </a:rPr>
+              <a:t>Resiliency or Automatic fail over</a:t>
+            </a:r>
+          </a:p>
+          <a:p>
+            <a:endParaRPr lang="en-US" b="1" dirty="0">
+              <a:solidFill>
+                <a:schemeClr val="bg1"/>
+              </a:solidFill>
+            </a:endParaRPr>
+          </a:p>
+          <a:p>
+            <a:r>
+              <a:rPr lang="en-US" b="1" dirty="0">
+                <a:solidFill>
+                  <a:schemeClr val="bg1"/>
+                </a:solidFill>
+              </a:rPr>
+              <a:t>Security at depth</a:t>
+            </a:r>
+          </a:p>
+          <a:p>
+            <a:endParaRPr lang="en-US" b="1" dirty="0">
+              <a:solidFill>
+                <a:schemeClr val="bg1"/>
+              </a:solidFill>
+            </a:endParaRPr>
+          </a:p>
+          <a:p>
+            <a:r>
+              <a:rPr lang="en-US" b="1">
+                <a:solidFill>
+                  <a:schemeClr val="bg1"/>
+                </a:solidFill>
+              </a:rPr>
+              <a:t>High initial cost</a:t>
+            </a:r>
+            <a:endParaRPr lang="en-US" b="1" dirty="0">
+              <a:solidFill>
+                <a:schemeClr val="bg1"/>
+              </a:solidFill>
+            </a:endParaRPr>
           </a:p>
           <a:p>
             <a:endParaRPr lang="en-US" dirty="0">
@@ -4778,7 +4733,7 @@
     </p:spTree>
     <p:extLst>
       <p:ext uri="{BB962C8B-B14F-4D97-AF65-F5344CB8AC3E}">
-        <p14:creationId xmlns:p14="http://schemas.microsoft.com/office/powerpoint/2010/main" val="2042010090"/>
+        <p14:creationId xmlns:p14="http://schemas.microsoft.com/office/powerpoint/2010/main" val="4263440684"/>
       </p:ext>
     </p:extLst>
   </p:cSld>
@@ -4849,7 +4804,7 @@
                 </a:solidFill>
                 <a:latin typeface="+mn-lt"/>
               </a:rPr>
-              <a:t> Adv. Of Microservices</a:t>
+              <a:t> Monolithic Application</a:t>
             </a:r>
             <a:endParaRPr lang="en-IN" dirty="0">
               <a:solidFill>
@@ -4874,8 +4829,8 @@
         </p:nvSpPr>
         <p:spPr>
           <a:xfrm>
-            <a:off x="838200" y="1779687"/>
-            <a:ext cx="10515600" cy="4801314"/>
+            <a:off x="881744" y="1812345"/>
+            <a:ext cx="10515600" cy="2862322"/>
           </a:xfrm>
           <a:prstGeom prst="rect">
             <a:avLst/>
@@ -4894,7 +4849,37 @@
                   <a:schemeClr val="bg1"/>
                 </a:solidFill>
               </a:rPr>
-              <a:t>Independent scaling</a:t>
+              <a:t>What is a Monolithic application.</a:t>
+            </a:r>
+          </a:p>
+          <a:p>
+            <a:r>
+              <a:rPr lang="en-US" b="1" dirty="0">
+                <a:solidFill>
+                  <a:schemeClr val="bg1"/>
+                </a:solidFill>
+              </a:rPr>
+              <a:t>	You still have excellent design</a:t>
+            </a:r>
+          </a:p>
+          <a:p>
+            <a:r>
+              <a:rPr lang="en-US" b="1" dirty="0">
+                <a:solidFill>
+                  <a:schemeClr val="bg1"/>
+                </a:solidFill>
+              </a:rPr>
+              <a:t>	Good abstraction</a:t>
+            </a:r>
+          </a:p>
+          <a:p>
+            <a:r>
+              <a:rPr lang="en-US" b="1" dirty="0">
+                <a:solidFill>
+                  <a:schemeClr val="bg1"/>
+                </a:solidFill>
+              </a:rPr>
+              <a:t>	Lot of great concepts implemented.</a:t>
             </a:r>
           </a:p>
           <a:p>
@@ -4905,16 +4890,6 @@
             </a:endParaRPr>
           </a:p>
           <a:p>
-            <a:r>
-              <a:rPr lang="en-US" b="1" dirty="0">
-                <a:solidFill>
-                  <a:schemeClr val="bg1"/>
-                </a:solidFill>
-              </a:rPr>
-              <a:t>Independent releases and deployments </a:t>
-            </a:r>
-          </a:p>
-          <a:p>
             <a:endParaRPr lang="en-US" b="1" dirty="0">
               <a:solidFill>
                 <a:schemeClr val="bg1"/>
@@ -4928,7 +4903,27 @@
                   <a:schemeClr val="bg1"/>
                 </a:solidFill>
               </a:rPr>
-              <a:t>Independent development </a:t>
+              <a:t>E-commerce application </a:t>
+            </a:r>
+          </a:p>
+          <a:p>
+            <a:r>
+              <a:rPr lang="en-US" b="1" dirty="0">
+                <a:solidFill>
+                  <a:schemeClr val="bg1"/>
+                </a:solidFill>
+              </a:rPr>
+              <a:t>	Done in Monolithic style</a:t>
+            </a:r>
+          </a:p>
+          <a:p>
+            <a:r>
+              <a:rPr lang="en-US" b="1" dirty="0">
+                <a:solidFill>
+                  <a:schemeClr val="bg1"/>
+                </a:solidFill>
+              </a:rPr>
+              <a:t>	Done in Microservices style</a:t>
             </a:r>
           </a:p>
           <a:p>
@@ -4938,107 +4933,12 @@
               </a:solidFill>
             </a:endParaRPr>
           </a:p>
-          <a:p>
-            <a:r>
-              <a:rPr lang="en-US" b="1" dirty="0">
-                <a:solidFill>
-                  <a:schemeClr val="bg1"/>
-                </a:solidFill>
-              </a:rPr>
-              <a:t>Independent monitoring and management</a:t>
-            </a:r>
-          </a:p>
-          <a:p>
-            <a:endParaRPr lang="en-US" b="1" dirty="0">
-              <a:solidFill>
-                <a:schemeClr val="bg1"/>
-              </a:solidFill>
-            </a:endParaRPr>
-          </a:p>
-          <a:p>
-            <a:r>
-              <a:rPr lang="en-US" b="1" dirty="0">
-                <a:solidFill>
-                  <a:schemeClr val="bg1"/>
-                </a:solidFill>
-              </a:rPr>
-              <a:t>Graceful degradation </a:t>
-            </a:r>
-          </a:p>
-          <a:p>
-            <a:endParaRPr lang="en-US" b="1" dirty="0">
-              <a:solidFill>
-                <a:schemeClr val="bg1"/>
-              </a:solidFill>
-            </a:endParaRPr>
-          </a:p>
-          <a:p>
-            <a:r>
-              <a:rPr lang="en-US" b="1" dirty="0">
-                <a:solidFill>
-                  <a:schemeClr val="bg1"/>
-                </a:solidFill>
-              </a:rPr>
-              <a:t>Decentralized governance </a:t>
-            </a:r>
-          </a:p>
-          <a:p>
-            <a:endParaRPr lang="en-US" dirty="0">
-              <a:solidFill>
-                <a:schemeClr val="bg1"/>
-              </a:solidFill>
-            </a:endParaRPr>
-          </a:p>
-          <a:p>
-            <a:r>
-              <a:rPr lang="en-US" b="1" dirty="0">
-                <a:solidFill>
-                  <a:schemeClr val="bg1"/>
-                </a:solidFill>
-              </a:rPr>
-              <a:t>Highly maintainable and testable</a:t>
-            </a:r>
-          </a:p>
-          <a:p>
-            <a:endParaRPr lang="en-US" b="1" dirty="0">
-              <a:solidFill>
-                <a:schemeClr val="bg1"/>
-              </a:solidFill>
-            </a:endParaRPr>
-          </a:p>
-          <a:p>
-            <a:r>
-              <a:rPr lang="en-US" b="1" dirty="0">
-                <a:solidFill>
-                  <a:schemeClr val="bg1"/>
-                </a:solidFill>
-              </a:rPr>
-              <a:t>Loosely coupled</a:t>
-            </a:r>
-          </a:p>
-          <a:p>
-            <a:endParaRPr lang="en-US" b="1" dirty="0">
-              <a:solidFill>
-                <a:schemeClr val="bg1"/>
-              </a:solidFill>
-            </a:endParaRPr>
-          </a:p>
-          <a:p>
-            <a:r>
-              <a:rPr lang="en-US" b="1" dirty="0">
-                <a:solidFill>
-                  <a:schemeClr val="bg1"/>
-                </a:solidFill>
-              </a:rPr>
-              <a:t>Owned by a small agile team</a:t>
-            </a:r>
-          </a:p>
         </p:txBody>
       </p:sp>
     </p:spTree>
     <p:extLst>
       <p:ext uri="{BB962C8B-B14F-4D97-AF65-F5344CB8AC3E}">
-        <p14:creationId xmlns:p14="http://schemas.microsoft.com/office/powerpoint/2010/main" val="4057161016"/>
+        <p14:creationId xmlns:p14="http://schemas.microsoft.com/office/powerpoint/2010/main" val="1984265643"/>
       </p:ext>
     </p:extLst>
   </p:cSld>
@@ -5109,7 +5009,7 @@
                 </a:solidFill>
                 <a:latin typeface="+mn-lt"/>
               </a:rPr>
-              <a:t> Operational concerns of Microservices</a:t>
+              <a:t> Advantages Monolithic Application</a:t>
             </a:r>
             <a:endParaRPr lang="en-IN" dirty="0">
               <a:solidFill>
@@ -5134,8 +5034,8 @@
         </p:nvSpPr>
         <p:spPr>
           <a:xfrm>
-            <a:off x="838200" y="1779687"/>
-            <a:ext cx="10515600" cy="3416320"/>
+            <a:off x="881744" y="1812345"/>
+            <a:ext cx="10515600" cy="3693319"/>
           </a:xfrm>
           <a:prstGeom prst="rect">
             <a:avLst/>
@@ -5154,7 +5054,7 @@
                   <a:schemeClr val="bg1"/>
                 </a:solidFill>
               </a:rPr>
-              <a:t>Service replication </a:t>
+              <a:t>• Simple to develop - IDEs and other developer tools are focused on building a single application. </a:t>
             </a:r>
           </a:p>
           <a:p>
@@ -5171,7 +5071,37 @@
                   <a:schemeClr val="bg1"/>
                 </a:solidFill>
               </a:rPr>
-              <a:t>Service registration and discovery </a:t>
+              <a:t>• Easy to make radical changes to the application - change the code and the database schema, build and deploy.</a:t>
+            </a:r>
+          </a:p>
+          <a:p>
+            <a:r>
+              <a:rPr lang="en-US" b="1" dirty="0">
+                <a:solidFill>
+                  <a:schemeClr val="bg1"/>
+                </a:solidFill>
+              </a:rPr>
+              <a:t> </a:t>
+            </a:r>
+          </a:p>
+          <a:p>
+            <a:r>
+              <a:rPr lang="en-US" b="1" dirty="0">
+                <a:solidFill>
+                  <a:schemeClr val="bg1"/>
+                </a:solidFill>
+              </a:rPr>
+              <a:t>• Straight forward to test - the developers wrote end-to-end tests that simply launched the application, </a:t>
+            </a:r>
+          </a:p>
+          <a:p>
+            <a:r>
+              <a:rPr lang="en-US" b="1" dirty="0">
+                <a:solidFill>
+                  <a:schemeClr val="bg1"/>
+                </a:solidFill>
+              </a:rPr>
+              <a:t>	invoked the REST API and tested the UI with Selenium. </a:t>
             </a:r>
           </a:p>
           <a:p>
@@ -5188,7 +5118,7 @@
                   <a:schemeClr val="bg1"/>
                 </a:solidFill>
               </a:rPr>
-              <a:t>Service monitoring and logging </a:t>
+              <a:t>• Straight forward to deploy - all a developer had to do was copy the WAR file to a server that had Tomcat installed. </a:t>
             </a:r>
           </a:p>
           <a:p>
@@ -5205,7 +5135,7 @@
                   <a:schemeClr val="bg1"/>
                 </a:solidFill>
               </a:rPr>
-              <a:t>Resiliency or Automatic fail over</a:t>
+              <a:t>• Easy to scale - FTGO ran multiple instances of the application behind a load balancer. </a:t>
             </a:r>
           </a:p>
           <a:p>
@@ -5215,46 +5145,12 @@
               </a:solidFill>
             </a:endParaRPr>
           </a:p>
-          <a:p>
-            <a:r>
-              <a:rPr lang="en-US" b="1" dirty="0">
-                <a:solidFill>
-                  <a:schemeClr val="bg1"/>
-                </a:solidFill>
-              </a:rPr>
-              <a:t>DevOps </a:t>
-            </a:r>
-          </a:p>
-          <a:p>
-            <a:endParaRPr lang="en-US" b="1" dirty="0">
-              <a:solidFill>
-                <a:schemeClr val="bg1"/>
-              </a:solidFill>
-            </a:endParaRPr>
-          </a:p>
-          <a:p>
-            <a:r>
-              <a:rPr lang="en-US" b="1" dirty="0">
-                <a:solidFill>
-                  <a:schemeClr val="bg1"/>
-                </a:solidFill>
-              </a:rPr>
-              <a:t>API gateway </a:t>
-            </a:r>
-          </a:p>
-          <a:p>
-            <a:endParaRPr lang="en-US" dirty="0">
-              <a:solidFill>
-                <a:schemeClr val="bg1"/>
-              </a:solidFill>
-            </a:endParaRPr>
-          </a:p>
         </p:txBody>
       </p:sp>
     </p:spTree>
     <p:extLst>
       <p:ext uri="{BB962C8B-B14F-4D97-AF65-F5344CB8AC3E}">
-        <p14:creationId xmlns:p14="http://schemas.microsoft.com/office/powerpoint/2010/main" val="4263440684"/>
+        <p14:creationId xmlns:p14="http://schemas.microsoft.com/office/powerpoint/2010/main" val="3513537449"/>
       </p:ext>
     </p:extLst>
   </p:cSld>
@@ -5325,7 +5221,7 @@
                 </a:solidFill>
                 <a:latin typeface="+mn-lt"/>
               </a:rPr>
-              <a:t> Monolithic Application</a:t>
+              <a:t> Dis Advantages Monolithic Application</a:t>
             </a:r>
             <a:endParaRPr lang="en-IN" dirty="0">
               <a:solidFill>
@@ -5350,8 +5246,8 @@
         </p:nvSpPr>
         <p:spPr>
           <a:xfrm>
-            <a:off x="881744" y="1812345"/>
-            <a:ext cx="10515600" cy="2862322"/>
+            <a:off x="838200" y="1170088"/>
+            <a:ext cx="10515600" cy="3693319"/>
           </a:xfrm>
           <a:prstGeom prst="rect">
             <a:avLst/>
@@ -5364,46 +5260,6 @@
           </a:bodyPr>
           <a:lstStyle/>
           <a:p>
-            <a:r>
-              <a:rPr lang="en-US" b="1" dirty="0">
-                <a:solidFill>
-                  <a:schemeClr val="bg1"/>
-                </a:solidFill>
-              </a:rPr>
-              <a:t>What is a Monolithic application.</a:t>
-            </a:r>
-          </a:p>
-          <a:p>
-            <a:r>
-              <a:rPr lang="en-US" b="1" dirty="0">
-                <a:solidFill>
-                  <a:schemeClr val="bg1"/>
-                </a:solidFill>
-              </a:rPr>
-              <a:t>	You still have excellent design</a:t>
-            </a:r>
-          </a:p>
-          <a:p>
-            <a:r>
-              <a:rPr lang="en-US" b="1" dirty="0">
-                <a:solidFill>
-                  <a:schemeClr val="bg1"/>
-                </a:solidFill>
-              </a:rPr>
-              <a:t>	Good abstraction</a:t>
-            </a:r>
-          </a:p>
-          <a:p>
-            <a:r>
-              <a:rPr lang="en-US" b="1" dirty="0">
-                <a:solidFill>
-                  <a:schemeClr val="bg1"/>
-                </a:solidFill>
-              </a:rPr>
-              <a:t>	Lot of great concepts implemented.</a:t>
-            </a:r>
-          </a:p>
-          <a:p>
             <a:endParaRPr lang="en-US" b="1" dirty="0">
               <a:solidFill>
                 <a:schemeClr val="bg1"/>
@@ -5424,42 +5280,131 @@
                   <a:schemeClr val="bg1"/>
                 </a:solidFill>
               </a:rPr>
-              <a:t>E-commerce application </a:t>
-            </a:r>
-          </a:p>
-          <a:p>
-            <a:r>
-              <a:rPr lang="en-US" b="1" dirty="0">
-                <a:solidFill>
-                  <a:schemeClr val="bg1"/>
-                </a:solidFill>
-              </a:rPr>
-              <a:t>	Done in Monolithic style</a:t>
-            </a:r>
-          </a:p>
-          <a:p>
-            <a:r>
-              <a:rPr lang="en-US" b="1" dirty="0">
-                <a:solidFill>
-                  <a:schemeClr val="bg1"/>
-                </a:solidFill>
-              </a:rPr>
-              <a:t>	Done in Microservices style</a:t>
-            </a:r>
-          </a:p>
-          <a:p>
-            <a:endParaRPr lang="en-US" b="1" dirty="0">
-              <a:solidFill>
-                <a:schemeClr val="bg1"/>
-              </a:solidFill>
-            </a:endParaRPr>
+              <a:t>Normal Monolith's can't scale.</a:t>
+            </a:r>
+          </a:p>
+          <a:p>
+            <a:r>
+              <a:rPr lang="en-US" b="1" dirty="0">
+                <a:solidFill>
+                  <a:schemeClr val="bg1"/>
+                </a:solidFill>
+              </a:rPr>
+              <a:t>Can't independently deploy small services</a:t>
+            </a:r>
+          </a:p>
+          <a:p>
+            <a:r>
+              <a:rPr lang="en-US" b="1" dirty="0">
+                <a:solidFill>
+                  <a:schemeClr val="bg1"/>
+                </a:solidFill>
+              </a:rPr>
+              <a:t>CI/CD is extremely complicated</a:t>
+            </a:r>
+          </a:p>
+          <a:p>
+            <a:r>
+              <a:rPr lang="en-US" b="1" dirty="0">
+                <a:solidFill>
+                  <a:schemeClr val="bg1"/>
+                </a:solidFill>
+              </a:rPr>
+              <a:t>More black box testing.</a:t>
+            </a:r>
+          </a:p>
+          <a:p>
+            <a:r>
+              <a:rPr lang="en-US" b="1" dirty="0">
+                <a:solidFill>
+                  <a:schemeClr val="bg1"/>
+                </a:solidFill>
+              </a:rPr>
+              <a:t>Quality of test can be compromised </a:t>
+            </a:r>
+            <a:r>
+              <a:rPr lang="en-US" b="1" dirty="0" err="1">
+                <a:solidFill>
+                  <a:schemeClr val="bg1"/>
+                </a:solidFill>
+              </a:rPr>
+              <a:t>inspite</a:t>
+            </a:r>
+            <a:r>
+              <a:rPr lang="en-US" b="1" dirty="0">
+                <a:solidFill>
+                  <a:schemeClr val="bg1"/>
+                </a:solidFill>
+              </a:rPr>
+              <a:t> of huge investment.</a:t>
+            </a:r>
+          </a:p>
+          <a:p>
+            <a:r>
+              <a:rPr lang="en-US" b="1" dirty="0">
+                <a:solidFill>
+                  <a:schemeClr val="bg1"/>
+                </a:solidFill>
+              </a:rPr>
+              <a:t>huge code, complex logic</a:t>
+            </a:r>
+          </a:p>
+          <a:p>
+            <a:r>
+              <a:rPr lang="en-US" b="1" dirty="0">
+                <a:solidFill>
+                  <a:schemeClr val="bg1"/>
+                </a:solidFill>
+              </a:rPr>
+              <a:t>Security: </a:t>
+            </a:r>
+          </a:p>
+          <a:p>
+            <a:r>
+              <a:rPr lang="en-US" b="1" dirty="0">
+                <a:solidFill>
+                  <a:schemeClr val="bg1"/>
+                </a:solidFill>
+              </a:rPr>
+              <a:t>	No way to identify the user via webservices </a:t>
+            </a:r>
+          </a:p>
+          <a:p>
+            <a:r>
+              <a:rPr lang="en-US" b="1" dirty="0">
+                <a:solidFill>
+                  <a:schemeClr val="bg1"/>
+                </a:solidFill>
+              </a:rPr>
+              <a:t>	 (no clear consensus on a strong authentication scheme). </a:t>
+            </a:r>
+          </a:p>
+          <a:p>
+            <a:r>
+              <a:rPr lang="en-US" b="1" dirty="0">
+                <a:solidFill>
+                  <a:schemeClr val="bg1"/>
+                </a:solidFill>
+              </a:rPr>
+              <a:t>	Difficult to implement security specific to a small part.</a:t>
+            </a:r>
+          </a:p>
+          <a:p>
+            <a:r>
+              <a:rPr lang="en-US" b="1" dirty="0">
+                <a:solidFill>
+                  <a:schemeClr val="bg1"/>
+                </a:solidFill>
+              </a:rPr>
+              <a:t>	e.g. banking application sending unencrypted data containing user credentials</a:t>
+            </a:r>
           </a:p>
         </p:txBody>
       </p:sp>
     </p:spTree>
     <p:extLst>
       <p:ext uri="{BB962C8B-B14F-4D97-AF65-F5344CB8AC3E}">
-        <p14:creationId xmlns:p14="http://schemas.microsoft.com/office/powerpoint/2010/main" val="1984265643"/>
+        <p14:creationId xmlns:p14="http://schemas.microsoft.com/office/powerpoint/2010/main" val="2848164524"/>
       </p:ext>
     </p:extLst>
   </p:cSld>
@@ -5530,7 +5475,7 @@
                 </a:solidFill>
                 <a:latin typeface="+mn-lt"/>
               </a:rPr>
-              <a:t> Advantages Monolithic Application</a:t>
+              <a:t> Dis Advantages Monolithic Application</a:t>
             </a:r>
             <a:endParaRPr lang="en-IN" dirty="0">
               <a:solidFill>
@@ -5556,7 +5501,7 @@
         <p:spPr>
           <a:xfrm>
             <a:off x="881744" y="1812345"/>
-            <a:ext cx="10515600" cy="3693319"/>
+            <a:ext cx="10515600" cy="3416320"/>
           </a:xfrm>
           <a:prstGeom prst="rect">
             <a:avLst/>
@@ -5575,103 +5520,141 @@
                   <a:schemeClr val="bg1"/>
                 </a:solidFill>
               </a:rPr>
-              <a:t>• Simple to develop - IDEs and other developer tools are focused on building a single application. </a:t>
-            </a:r>
-          </a:p>
-          <a:p>
-            <a:endParaRPr lang="en-US" b="1" dirty="0">
-              <a:solidFill>
-                <a:schemeClr val="bg1"/>
-              </a:solidFill>
-            </a:endParaRPr>
-          </a:p>
-          <a:p>
-            <a:r>
-              <a:rPr lang="en-US" b="1" dirty="0">
-                <a:solidFill>
-                  <a:schemeClr val="bg1"/>
-                </a:solidFill>
-              </a:rPr>
-              <a:t>• Easy to make radical changes to the application - change the code and the database schema, build and deploy.</a:t>
-            </a:r>
-          </a:p>
-          <a:p>
-            <a:r>
-              <a:rPr lang="en-US" b="1" dirty="0">
-                <a:solidFill>
-                  <a:schemeClr val="bg1"/>
-                </a:solidFill>
-              </a:rPr>
-              <a:t> </a:t>
-            </a:r>
-          </a:p>
-          <a:p>
-            <a:r>
-              <a:rPr lang="en-US" b="1" dirty="0">
-                <a:solidFill>
-                  <a:schemeClr val="bg1"/>
-                </a:solidFill>
-              </a:rPr>
-              <a:t>• Straight forward to test - the developers wrote end-to-end tests that simply launched the application, </a:t>
-            </a:r>
-          </a:p>
-          <a:p>
-            <a:r>
-              <a:rPr lang="en-US" b="1" dirty="0">
-                <a:solidFill>
-                  <a:schemeClr val="bg1"/>
-                </a:solidFill>
-              </a:rPr>
-              <a:t>	invoked the REST API and tested the UI with Selenium. </a:t>
-            </a:r>
-          </a:p>
-          <a:p>
-            <a:endParaRPr lang="en-US" b="1" dirty="0">
-              <a:solidFill>
-                <a:schemeClr val="bg1"/>
-              </a:solidFill>
-            </a:endParaRPr>
-          </a:p>
-          <a:p>
-            <a:r>
-              <a:rPr lang="en-US" b="1" dirty="0">
-                <a:solidFill>
-                  <a:schemeClr val="bg1"/>
-                </a:solidFill>
-              </a:rPr>
-              <a:t>• Straight forward to deploy - all a developer had to do was copy the WAR file to a server that had Tomcat installed. </a:t>
-            </a:r>
-          </a:p>
-          <a:p>
-            <a:endParaRPr lang="en-US" b="1" dirty="0">
-              <a:solidFill>
-                <a:schemeClr val="bg1"/>
-              </a:solidFill>
-            </a:endParaRPr>
-          </a:p>
-          <a:p>
-            <a:r>
-              <a:rPr lang="en-US" b="1" dirty="0">
-                <a:solidFill>
-                  <a:schemeClr val="bg1"/>
-                </a:solidFill>
-              </a:rPr>
-              <a:t>• Easy to scale - FTGO ran multiple instances of the application behind a load balancer. </a:t>
-            </a:r>
-          </a:p>
-          <a:p>
-            <a:endParaRPr lang="en-US" b="1" dirty="0">
-              <a:solidFill>
-                <a:schemeClr val="bg1"/>
-              </a:solidFill>
-            </a:endParaRPr>
+              <a:t>Response time: </a:t>
+            </a:r>
+          </a:p>
+          <a:p>
+            <a:r>
+              <a:rPr lang="en-US" b="1" dirty="0">
+                <a:solidFill>
+                  <a:schemeClr val="bg1"/>
+                </a:solidFill>
+              </a:rPr>
+              <a:t>	high processing time taken by the service. </a:t>
+            </a:r>
+          </a:p>
+          <a:p>
+            <a:r>
+              <a:rPr lang="en-US" b="1" dirty="0">
+                <a:solidFill>
+                  <a:schemeClr val="bg1"/>
+                </a:solidFill>
+              </a:rPr>
+              <a:t>	complex huge code reduces performance</a:t>
+            </a:r>
+          </a:p>
+          <a:p>
+            <a:r>
+              <a:rPr lang="en-US" b="1" dirty="0">
+                <a:solidFill>
+                  <a:schemeClr val="bg1"/>
+                </a:solidFill>
+              </a:rPr>
+              <a:t>	Frequent downtime: </a:t>
+            </a:r>
+          </a:p>
+          <a:p>
+            <a:r>
+              <a:rPr lang="en-US" b="1" dirty="0">
+                <a:solidFill>
+                  <a:schemeClr val="bg1"/>
+                </a:solidFill>
+              </a:rPr>
+              <a:t>		Web services part of monolith ecosystem, </a:t>
+            </a:r>
+          </a:p>
+          <a:p>
+            <a:r>
+              <a:rPr lang="en-US" b="1" dirty="0">
+                <a:solidFill>
+                  <a:schemeClr val="bg1"/>
+                </a:solidFill>
+              </a:rPr>
+              <a:t>		Very difficult to ZDU</a:t>
+            </a:r>
+          </a:p>
+          <a:p>
+            <a:r>
+              <a:rPr lang="en-US" b="1" dirty="0">
+                <a:solidFill>
+                  <a:schemeClr val="bg1"/>
+                </a:solidFill>
+              </a:rPr>
+              <a:t>		Generally upgrade has </a:t>
+            </a:r>
+            <a:r>
+              <a:rPr lang="en-US" b="1" dirty="0" err="1">
+                <a:solidFill>
+                  <a:schemeClr val="bg1"/>
+                </a:solidFill>
+              </a:rPr>
+              <a:t>noticable</a:t>
+            </a:r>
+            <a:r>
+              <a:rPr lang="en-US" b="1" dirty="0">
+                <a:solidFill>
+                  <a:schemeClr val="bg1"/>
+                </a:solidFill>
+              </a:rPr>
+              <a:t> downtime </a:t>
+            </a:r>
+          </a:p>
+          <a:p>
+            <a:r>
+              <a:rPr lang="en-US" b="1" dirty="0">
+                <a:solidFill>
+                  <a:schemeClr val="bg1"/>
+                </a:solidFill>
+              </a:rPr>
+              <a:t>		Any B2B external dependency would complicate further</a:t>
+            </a:r>
+          </a:p>
+          <a:p>
+            <a:r>
+              <a:rPr lang="en-US" b="1" dirty="0">
+                <a:solidFill>
+                  <a:schemeClr val="bg1"/>
+                </a:solidFill>
+              </a:rPr>
+              <a:t>				</a:t>
+            </a:r>
+          </a:p>
+          <a:p>
+            <a:r>
+              <a:rPr lang="en-US" b="1" dirty="0">
+                <a:solidFill>
+                  <a:schemeClr val="bg1"/>
+                </a:solidFill>
+              </a:rPr>
+              <a:t>Technology adoption: </a:t>
+            </a:r>
+          </a:p>
+          <a:p>
+            <a:r>
+              <a:rPr lang="en-US" b="1" dirty="0">
+                <a:solidFill>
+                  <a:schemeClr val="bg1"/>
+                </a:solidFill>
+              </a:rPr>
+              <a:t>	Require the whole application to be upgraded, tested, and deployed, </a:t>
+            </a:r>
+          </a:p>
+          <a:p>
+            <a:r>
+              <a:rPr lang="en-US" b="1" dirty="0">
+                <a:solidFill>
+                  <a:schemeClr val="bg1"/>
+                </a:solidFill>
+              </a:rPr>
+              <a:t>	Interdependent code base </a:t>
+            </a:r>
           </a:p>
         </p:txBody>
       </p:sp>
     </p:spTree>
     <p:extLst>
       <p:ext uri="{BB962C8B-B14F-4D97-AF65-F5344CB8AC3E}">
-        <p14:creationId xmlns:p14="http://schemas.microsoft.com/office/powerpoint/2010/main" val="3513537449"/>
+        <p14:creationId xmlns:p14="http://schemas.microsoft.com/office/powerpoint/2010/main" val="1485687296"/>
       </p:ext>
     </p:extLst>
   </p:cSld>
@@ -5742,7 +5725,7 @@
                 </a:solidFill>
                 <a:latin typeface="+mn-lt"/>
               </a:rPr>
-              <a:t> Dis Advantages Monolithic Application</a:t>
+              <a:t> Microservices Vs Monolithic Architecture</a:t>
             </a:r>
             <a:endParaRPr lang="en-IN" dirty="0">
               <a:solidFill>
@@ -5767,8 +5750,8 @@
         </p:nvSpPr>
         <p:spPr>
           <a:xfrm>
-            <a:off x="838200" y="1170088"/>
-            <a:ext cx="10515600" cy="4247317"/>
+            <a:off x="838200" y="1812345"/>
+            <a:ext cx="10515600" cy="3970318"/>
           </a:xfrm>
           <a:prstGeom prst="rect">
             <a:avLst/>
@@ -5787,166 +5770,150 @@
                   <a:schemeClr val="bg1"/>
                 </a:solidFill>
               </a:rPr>
-              <a:t>Normal Monolith's can't scale.</a:t>
-            </a:r>
-          </a:p>
-          <a:p>
-            <a:pPr lvl="1"/>
-            <a:r>
-              <a:rPr lang="en-US" b="1" dirty="0">
-                <a:solidFill>
-                  <a:schemeClr val="bg1"/>
-                </a:solidFill>
-              </a:rPr>
-              <a:t>Small modules can't independently scale</a:t>
-            </a:r>
-          </a:p>
-          <a:p>
-            <a:pPr lvl="1"/>
-            <a:r>
-              <a:rPr lang="en-US" b="1" dirty="0">
-                <a:solidFill>
-                  <a:schemeClr val="bg1"/>
-                </a:solidFill>
-              </a:rPr>
-              <a:t>Generally not designed to scale.</a:t>
-            </a:r>
-          </a:p>
-          <a:p>
-            <a:pPr lvl="1"/>
-            <a:r>
-              <a:rPr lang="en-US" b="1" dirty="0">
-                <a:solidFill>
-                  <a:schemeClr val="bg1"/>
-                </a:solidFill>
-              </a:rPr>
-              <a:t>Designing to scale is very complex</a:t>
-            </a:r>
-          </a:p>
-          <a:p>
-            <a:r>
-              <a:rPr lang="en-US" b="1" dirty="0">
-                <a:solidFill>
-                  <a:schemeClr val="bg1"/>
-                </a:solidFill>
-              </a:rPr>
-              <a:t>Can't independently deploy small services</a:t>
-            </a:r>
-          </a:p>
-          <a:p>
-            <a:r>
-              <a:rPr lang="en-US" b="1" dirty="0">
-                <a:solidFill>
-                  <a:schemeClr val="bg1"/>
-                </a:solidFill>
-              </a:rPr>
-              <a:t>CI/CD is extremely complicated</a:t>
-            </a:r>
-          </a:p>
-          <a:p>
-            <a:r>
-              <a:rPr lang="en-US" b="1" dirty="0">
-                <a:solidFill>
-                  <a:schemeClr val="bg1"/>
-                </a:solidFill>
-              </a:rPr>
-              <a:t>Testing cost is very high</a:t>
-            </a:r>
-          </a:p>
-          <a:p>
-            <a:r>
-              <a:rPr lang="en-US" b="1" dirty="0">
-                <a:solidFill>
-                  <a:schemeClr val="bg1"/>
-                </a:solidFill>
-              </a:rPr>
-              <a:t>More black box testing.</a:t>
-            </a:r>
-          </a:p>
-          <a:p>
-            <a:r>
-              <a:rPr lang="en-US" b="1" dirty="0">
-                <a:solidFill>
-                  <a:schemeClr val="bg1"/>
-                </a:solidFill>
-              </a:rPr>
-              <a:t>Quality of test can be compromised </a:t>
-            </a:r>
-            <a:r>
-              <a:rPr lang="en-US" b="1" dirty="0" err="1">
-                <a:solidFill>
-                  <a:schemeClr val="bg1"/>
-                </a:solidFill>
-              </a:rPr>
-              <a:t>inspite</a:t>
-            </a:r>
-            <a:r>
-              <a:rPr lang="en-US" b="1" dirty="0">
-                <a:solidFill>
-                  <a:schemeClr val="bg1"/>
-                </a:solidFill>
-              </a:rPr>
-              <a:t> of huge investment.</a:t>
-            </a:r>
-          </a:p>
-          <a:p>
-            <a:r>
-              <a:rPr lang="en-US" b="1" dirty="0">
-                <a:solidFill>
-                  <a:schemeClr val="bg1"/>
-                </a:solidFill>
-              </a:rPr>
-              <a:t>huge code, complex logic</a:t>
-            </a:r>
-          </a:p>
-          <a:p>
-            <a:r>
-              <a:rPr lang="en-US" b="1" dirty="0">
-                <a:solidFill>
-                  <a:schemeClr val="bg1"/>
-                </a:solidFill>
-              </a:rPr>
-              <a:t>Security: </a:t>
-            </a:r>
-          </a:p>
-          <a:p>
-            <a:r>
-              <a:rPr lang="en-US" b="1" dirty="0">
-                <a:solidFill>
-                  <a:schemeClr val="bg1"/>
-                </a:solidFill>
-              </a:rPr>
-              <a:t>	No way to identify the user via webservices </a:t>
-            </a:r>
-          </a:p>
-          <a:p>
-            <a:r>
-              <a:rPr lang="en-US" b="1" dirty="0">
-                <a:solidFill>
-                  <a:schemeClr val="bg1"/>
-                </a:solidFill>
-              </a:rPr>
-              <a:t>	 (no clear consensus on a strong authentication scheme). </a:t>
-            </a:r>
-          </a:p>
-          <a:p>
-            <a:r>
-              <a:rPr lang="en-US" b="1" dirty="0">
-                <a:solidFill>
-                  <a:schemeClr val="bg1"/>
-                </a:solidFill>
-              </a:rPr>
-              <a:t>	Difficult to implement security specific to a small part.</a:t>
-            </a:r>
-          </a:p>
-          <a:p>
-            <a:r>
-              <a:rPr lang="en-US" b="1" dirty="0">
-                <a:solidFill>
-                  <a:schemeClr val="bg1"/>
-                </a:solidFill>
-              </a:rPr>
-              <a:t>	e.g. banking application sending unencrypted data containing user credentials</a:t>
+              <a:t>Microservices: </a:t>
+            </a:r>
+          </a:p>
+          <a:p>
+            <a:r>
+              <a:rPr lang="en-US" b="1" dirty="0">
+                <a:solidFill>
+                  <a:schemeClr val="bg1"/>
+                </a:solidFill>
+              </a:rPr>
+              <a:t>	Every unit of the entire application should be the smallest (at least </a:t>
+            </a:r>
+            <a:r>
+              <a:rPr lang="en-US" b="1">
+                <a:solidFill>
+                  <a:schemeClr val="bg1"/>
+                </a:solidFill>
+              </a:rPr>
+              <a:t>considerably small), </a:t>
+            </a:r>
+            <a:endParaRPr lang="en-US" b="1" dirty="0">
+              <a:solidFill>
+                <a:schemeClr val="bg1"/>
+              </a:solidFill>
+            </a:endParaRPr>
+          </a:p>
+          <a:p>
+            <a:r>
+              <a:rPr lang="en-US" b="1" dirty="0">
+                <a:solidFill>
+                  <a:schemeClr val="bg1"/>
+                </a:solidFill>
+              </a:rPr>
+              <a:t>	it should be able to deliver one specific business goal.</a:t>
+            </a:r>
+          </a:p>
+          <a:p>
+            <a:r>
+              <a:rPr lang="en-US" b="1" dirty="0">
+                <a:solidFill>
+                  <a:schemeClr val="bg1"/>
+                </a:solidFill>
+              </a:rPr>
+              <a:t>	A single code base for all business goals</a:t>
+            </a:r>
+          </a:p>
+          <a:p>
+            <a:r>
+              <a:rPr lang="en-US" b="1" dirty="0">
+                <a:solidFill>
+                  <a:schemeClr val="bg1"/>
+                </a:solidFill>
+              </a:rPr>
+              <a:t>	Service Startup is relatively quick</a:t>
+            </a:r>
+          </a:p>
+          <a:p>
+            <a:r>
+              <a:rPr lang="en-US" b="1" dirty="0">
+                <a:solidFill>
+                  <a:schemeClr val="bg1"/>
+                </a:solidFill>
+              </a:rPr>
+              <a:t>	Fault isolation is easy. </a:t>
+            </a:r>
+          </a:p>
+          <a:p>
+            <a:r>
+              <a:rPr lang="en-US" b="1" dirty="0">
+                <a:solidFill>
+                  <a:schemeClr val="bg1"/>
+                </a:solidFill>
+              </a:rPr>
+              <a:t>	Even if one service goes down, other can continue to function.	</a:t>
+            </a:r>
+          </a:p>
+          <a:p>
+            <a:r>
+              <a:rPr lang="en-US" b="1" dirty="0">
+                <a:solidFill>
+                  <a:schemeClr val="bg1"/>
+                </a:solidFill>
+              </a:rPr>
+              <a:t>	Loosely coupled so that changes made in one does not affect the other.</a:t>
+            </a:r>
+          </a:p>
+          <a:p>
+            <a:r>
+              <a:rPr lang="en-US" b="1" dirty="0">
+                <a:solidFill>
+                  <a:schemeClr val="bg1"/>
+                </a:solidFill>
+              </a:rPr>
+              <a:t>	Can deploy more resources to services that are generating higher ROI or more frequently used.</a:t>
+            </a:r>
+          </a:p>
+          <a:p>
+            <a:r>
+              <a:rPr lang="en-US" b="1" dirty="0">
+                <a:solidFill>
+                  <a:schemeClr val="bg1"/>
+                </a:solidFill>
+              </a:rPr>
+              <a:t>	Always remains consistent and continuously available.</a:t>
+            </a:r>
+          </a:p>
+          <a:p>
+            <a:r>
+              <a:rPr lang="en-US" b="1" dirty="0">
+                <a:solidFill>
+                  <a:schemeClr val="bg1"/>
+                </a:solidFill>
+              </a:rPr>
+              <a:t>Monolithic:</a:t>
+            </a:r>
+          </a:p>
+          <a:p>
+            <a:r>
+              <a:rPr lang="en-US" b="1" dirty="0">
+                <a:solidFill>
+                  <a:schemeClr val="bg1"/>
+                </a:solidFill>
+              </a:rPr>
+              <a:t>	Fixing solution the application needs to re-built, re-tested and also re-deployed.</a:t>
+            </a:r>
+          </a:p>
+          <a:p>
+            <a:r>
+              <a:rPr lang="en-US" b="1" dirty="0">
+                <a:solidFill>
+                  <a:schemeClr val="bg1"/>
+                </a:solidFill>
+              </a:rPr>
+              <a:t>	Tightly coupled. </a:t>
+            </a:r>
+          </a:p>
+          <a:p>
+            <a:r>
+              <a:rPr lang="en-US" b="1" dirty="0">
+                <a:solidFill>
+                  <a:schemeClr val="bg1"/>
+                </a:solidFill>
+              </a:rPr>
+              <a:t>	Application scaling is challenging as well as wasteful.</a:t>
             </a:r>
           </a:p>
         </p:txBody>
@@ -5954,7 +5921,7 @@
     </p:spTree>
     <p:extLst>
       <p:ext uri="{BB962C8B-B14F-4D97-AF65-F5344CB8AC3E}">
-        <p14:creationId xmlns:p14="http://schemas.microsoft.com/office/powerpoint/2010/main" val="2848164524"/>
+        <p14:creationId xmlns:p14="http://schemas.microsoft.com/office/powerpoint/2010/main" val="3139783112"/>
       </p:ext>
     </p:extLst>
   </p:cSld>
@@ -6025,7 +5992,7 @@
                 </a:solidFill>
                 <a:latin typeface="+mn-lt"/>
               </a:rPr>
-              <a:t> Dis Advantages Monolithic Application</a:t>
+              <a:t> Microservices Vs Monolithic Architecture</a:t>
             </a:r>
             <a:endParaRPr lang="en-IN" dirty="0">
               <a:solidFill>
@@ -6050,8 +6017,8 @@
         </p:nvSpPr>
         <p:spPr>
           <a:xfrm>
-            <a:off x="881744" y="1812345"/>
-            <a:ext cx="10515600" cy="3416320"/>
+            <a:off x="838200" y="1812345"/>
+            <a:ext cx="10515600" cy="3139321"/>
           </a:xfrm>
           <a:prstGeom prst="rect">
             <a:avLst/>
@@ -6070,133 +6037,104 @@
                   <a:schemeClr val="bg1"/>
                 </a:solidFill>
               </a:rPr>
-              <a:t>Response time: </a:t>
-            </a:r>
-          </a:p>
-          <a:p>
-            <a:r>
-              <a:rPr lang="en-US" b="1" dirty="0">
-                <a:solidFill>
-                  <a:schemeClr val="bg1"/>
-                </a:solidFill>
-              </a:rPr>
-              <a:t>	high processing time taken by the service. </a:t>
-            </a:r>
-          </a:p>
-          <a:p>
-            <a:r>
-              <a:rPr lang="en-US" b="1" dirty="0">
-                <a:solidFill>
-                  <a:schemeClr val="bg1"/>
-                </a:solidFill>
-              </a:rPr>
-              <a:t>	complex huge code reduces performance</a:t>
-            </a:r>
-          </a:p>
-          <a:p>
-            <a:r>
-              <a:rPr lang="en-US" b="1" dirty="0">
-                <a:solidFill>
-                  <a:schemeClr val="bg1"/>
-                </a:solidFill>
-              </a:rPr>
-              <a:t>	Frequent downtime: </a:t>
-            </a:r>
-          </a:p>
-          <a:p>
-            <a:r>
-              <a:rPr lang="en-US" b="1" dirty="0">
-                <a:solidFill>
-                  <a:schemeClr val="bg1"/>
-                </a:solidFill>
-              </a:rPr>
-              <a:t>		Web services part of monolith ecosystem, </a:t>
-            </a:r>
-          </a:p>
-          <a:p>
-            <a:r>
-              <a:rPr lang="en-US" b="1" dirty="0">
-                <a:solidFill>
-                  <a:schemeClr val="bg1"/>
-                </a:solidFill>
-              </a:rPr>
-              <a:t>		Very difficult to ZDU</a:t>
-            </a:r>
-          </a:p>
-          <a:p>
-            <a:r>
-              <a:rPr lang="en-US" b="1" dirty="0">
-                <a:solidFill>
-                  <a:schemeClr val="bg1"/>
-                </a:solidFill>
-              </a:rPr>
-              <a:t>		Generally upgrade has </a:t>
-            </a:r>
-            <a:r>
-              <a:rPr lang="en-US" b="1" dirty="0" err="1">
-                <a:solidFill>
-                  <a:schemeClr val="bg1"/>
-                </a:solidFill>
-              </a:rPr>
-              <a:t>noticable</a:t>
-            </a:r>
-            <a:r>
-              <a:rPr lang="en-US" b="1" dirty="0">
-                <a:solidFill>
-                  <a:schemeClr val="bg1"/>
-                </a:solidFill>
-              </a:rPr>
-              <a:t> downtime </a:t>
-            </a:r>
-          </a:p>
-          <a:p>
-            <a:r>
-              <a:rPr lang="en-US" b="1" dirty="0">
-                <a:solidFill>
-                  <a:schemeClr val="bg1"/>
-                </a:solidFill>
-              </a:rPr>
-              <a:t>		Any B2B external dependency would complicate further</a:t>
-            </a:r>
-          </a:p>
-          <a:p>
-            <a:r>
-              <a:rPr lang="en-US" b="1" dirty="0">
-                <a:solidFill>
-                  <a:schemeClr val="bg1"/>
-                </a:solidFill>
-              </a:rPr>
-              <a:t>				</a:t>
-            </a:r>
-          </a:p>
-          <a:p>
-            <a:r>
-              <a:rPr lang="en-US" b="1" dirty="0">
-                <a:solidFill>
-                  <a:schemeClr val="bg1"/>
-                </a:solidFill>
-              </a:rPr>
-              <a:t>Technology adoption: </a:t>
-            </a:r>
-          </a:p>
-          <a:p>
-            <a:r>
-              <a:rPr lang="en-US" b="1" dirty="0">
-                <a:solidFill>
-                  <a:schemeClr val="bg1"/>
-                </a:solidFill>
-              </a:rPr>
-              <a:t>	Require the whole application to be upgraded, tested, and deployed, </a:t>
-            </a:r>
-          </a:p>
-          <a:p>
-            <a:r>
-              <a:rPr lang="en-US" b="1" dirty="0">
-                <a:solidFill>
-                  <a:schemeClr val="bg1"/>
-                </a:solidFill>
-              </a:rPr>
-              <a:t>	Interdependent code base </a:t>
+              <a:t>Microservices: </a:t>
+            </a:r>
+          </a:p>
+          <a:p>
+            <a:r>
+              <a:rPr lang="en-US" b="1" dirty="0">
+                <a:solidFill>
+                  <a:schemeClr val="bg1"/>
+                </a:solidFill>
+              </a:rPr>
+              <a:t>	Development tools get overburdened as the process needs to start from the scratch.</a:t>
+            </a:r>
+          </a:p>
+          <a:p>
+            <a:r>
+              <a:rPr lang="en-US" b="1" dirty="0">
+                <a:solidFill>
+                  <a:schemeClr val="bg1"/>
+                </a:solidFill>
+              </a:rPr>
+              <a:t>	Data is federated.</a:t>
+            </a:r>
+          </a:p>
+          <a:p>
+            <a:endParaRPr lang="en-US" b="1" dirty="0">
+              <a:solidFill>
+                <a:schemeClr val="bg1"/>
+              </a:solidFill>
+            </a:endParaRPr>
+          </a:p>
+          <a:p>
+            <a:r>
+              <a:rPr lang="en-US" b="1" dirty="0">
+                <a:solidFill>
+                  <a:schemeClr val="bg1"/>
+                </a:solidFill>
+              </a:rPr>
+              <a:t>Can adopt a data model (filesystem) best suited for its needs.</a:t>
+            </a:r>
+          </a:p>
+          <a:p>
+            <a:r>
+              <a:rPr lang="en-US" b="1" dirty="0">
+                <a:solidFill>
+                  <a:schemeClr val="bg1"/>
+                </a:solidFill>
+              </a:rPr>
+              <a:t>Small Focused Teams</a:t>
+            </a:r>
+          </a:p>
+          <a:p>
+            <a:r>
+              <a:rPr lang="en-US" b="1" dirty="0">
+                <a:solidFill>
+                  <a:schemeClr val="bg1"/>
+                </a:solidFill>
+              </a:rPr>
+              <a:t>Parallel and faster development</a:t>
+            </a:r>
+          </a:p>
+          <a:p>
+            <a:r>
+              <a:rPr lang="en-US" b="1" dirty="0">
+                <a:solidFill>
+                  <a:schemeClr val="bg1"/>
+                </a:solidFill>
+              </a:rPr>
+              <a:t>Change in the data model of one Microservice does not affect other Microservices.</a:t>
+            </a:r>
+          </a:p>
+          <a:p>
+            <a:r>
+              <a:rPr lang="en-US" b="1" dirty="0">
+                <a:solidFill>
+                  <a:schemeClr val="bg1"/>
+                </a:solidFill>
+              </a:rPr>
+              <a:t>Interacts with other microservices by using well-defined interfaces</a:t>
+            </a:r>
+          </a:p>
+          <a:p>
+            <a:r>
+              <a:rPr lang="en-US" b="1" dirty="0">
+                <a:solidFill>
+                  <a:schemeClr val="bg1"/>
+                </a:solidFill>
+              </a:rPr>
+              <a:t>No cross-dependencies between code bases</a:t>
+            </a:r>
+          </a:p>
+          <a:p>
+            <a:r>
+              <a:rPr lang="en-US" b="1" dirty="0">
+                <a:solidFill>
+                  <a:schemeClr val="bg1"/>
+                </a:solidFill>
+              </a:rPr>
+              <a:t>Can use different technologies for different Microservices.</a:t>
             </a:r>
           </a:p>
         </p:txBody>
@@ -6204,7 +6142,7 @@
     </p:spTree>
     <p:extLst>
       <p:ext uri="{BB962C8B-B14F-4D97-AF65-F5344CB8AC3E}">
-        <p14:creationId xmlns:p14="http://schemas.microsoft.com/office/powerpoint/2010/main" val="1485687296"/>
+        <p14:creationId xmlns:p14="http://schemas.microsoft.com/office/powerpoint/2010/main" val="2697233223"/>
       </p:ext>
     </p:extLst>
   </p:cSld>
@@ -6269,20 +6207,13 @@
           <a:lstStyle/>
           <a:p>
             <a:r>
-              <a:rPr lang="en-US" dirty="0">
-                <a:solidFill>
-                  <a:schemeClr val="bg1"/>
-                </a:solidFill>
-                <a:latin typeface="+mn-lt"/>
-              </a:rPr>
-              <a:t> Microservices Vs Monolithic Architecture</a:t>
-            </a:r>
-            <a:endParaRPr lang="en-IN" dirty="0">
-              <a:solidFill>
-                <a:schemeClr val="bg1"/>
-              </a:solidFill>
-              <a:latin typeface="+mn-lt"/>
-            </a:endParaRPr>
+              <a:rPr lang="en-US" b="1" dirty="0">
+                <a:solidFill>
+                  <a:schemeClr val="bg1"/>
+                </a:solidFill>
+              </a:rPr>
+              <a:t>Microservice Challenges</a:t>
+            </a:r>
           </a:p>
         </p:txBody>
       </p:sp>
@@ -6301,7 +6232,7 @@
         <p:spPr>
           <a:xfrm>
             <a:off x="838200" y="1812345"/>
-            <a:ext cx="10515600" cy="3970318"/>
+            <a:ext cx="10515600" cy="4247317"/>
           </a:xfrm>
           <a:prstGeom prst="rect">
             <a:avLst/>
@@ -6320,137 +6251,137 @@
                   <a:schemeClr val="bg1"/>
                 </a:solidFill>
               </a:rPr>
-              <a:t>Microservices: </a:t>
-            </a:r>
-          </a:p>
-          <a:p>
-            <a:r>
-              <a:rPr lang="en-US" b="1" dirty="0">
-                <a:solidFill>
-                  <a:schemeClr val="bg1"/>
-                </a:solidFill>
-              </a:rPr>
-              <a:t>	Every unit of the entire application should be the smallest, </a:t>
-            </a:r>
-          </a:p>
-          <a:p>
-            <a:r>
-              <a:rPr lang="en-US" b="1" dirty="0">
-                <a:solidFill>
-                  <a:schemeClr val="bg1"/>
-                </a:solidFill>
-              </a:rPr>
-              <a:t>	it should be able to deliver one specific business goal.</a:t>
-            </a:r>
-          </a:p>
-          <a:p>
-            <a:r>
-              <a:rPr lang="en-US" b="1" dirty="0">
-                <a:solidFill>
-                  <a:schemeClr val="bg1"/>
-                </a:solidFill>
-              </a:rPr>
-              <a:t>	A single code base for all business goals</a:t>
-            </a:r>
-          </a:p>
-          <a:p>
-            <a:r>
-              <a:rPr lang="en-US" b="1" dirty="0">
-                <a:solidFill>
-                  <a:schemeClr val="bg1"/>
-                </a:solidFill>
-              </a:rPr>
-              <a:t>	Service Startup is relatively quick</a:t>
-            </a:r>
-          </a:p>
-          <a:p>
-            <a:r>
-              <a:rPr lang="en-US" b="1" dirty="0">
-                <a:solidFill>
-                  <a:schemeClr val="bg1"/>
-                </a:solidFill>
-              </a:rPr>
-              <a:t>	Fault isolation is easy. </a:t>
-            </a:r>
-          </a:p>
-          <a:p>
-            <a:r>
-              <a:rPr lang="en-US" b="1" dirty="0">
-                <a:solidFill>
-                  <a:schemeClr val="bg1"/>
-                </a:solidFill>
-              </a:rPr>
-              <a:t>	Even if one service goes down, other can continue to function.	</a:t>
-            </a:r>
-          </a:p>
-          <a:p>
-            <a:r>
-              <a:rPr lang="en-US" b="1" dirty="0">
-                <a:solidFill>
-                  <a:schemeClr val="bg1"/>
-                </a:solidFill>
-              </a:rPr>
-              <a:t>	Loosely coupled so that changes made in one does not affect the other.</a:t>
-            </a:r>
-          </a:p>
-          <a:p>
-            <a:r>
-              <a:rPr lang="en-US" b="1" dirty="0">
-                <a:solidFill>
-                  <a:schemeClr val="bg1"/>
-                </a:solidFill>
-              </a:rPr>
-              <a:t>	Can deploy more resources to services that are generating higher ROI or more frequently used.</a:t>
-            </a:r>
-          </a:p>
-          <a:p>
-            <a:r>
-              <a:rPr lang="en-US" b="1" dirty="0">
-                <a:solidFill>
-                  <a:schemeClr val="bg1"/>
-                </a:solidFill>
-              </a:rPr>
-              <a:t>	Always remains consistent and continuously available.</a:t>
-            </a:r>
-          </a:p>
-          <a:p>
-            <a:r>
-              <a:rPr lang="en-US" b="1" dirty="0">
-                <a:solidFill>
-                  <a:schemeClr val="bg1"/>
-                </a:solidFill>
-              </a:rPr>
-              <a:t>Monolithic:</a:t>
-            </a:r>
-          </a:p>
-          <a:p>
-            <a:r>
-              <a:rPr lang="en-US" b="1" dirty="0">
-                <a:solidFill>
-                  <a:schemeClr val="bg1"/>
-                </a:solidFill>
-              </a:rPr>
-              <a:t>	Fixing solution the application needs to re-built, re-tested and also re-deployed.</a:t>
-            </a:r>
-          </a:p>
-          <a:p>
-            <a:r>
-              <a:rPr lang="en-US" b="1" dirty="0">
-                <a:solidFill>
-                  <a:schemeClr val="bg1"/>
-                </a:solidFill>
-              </a:rPr>
-              <a:t>	Tightly coupled. </a:t>
-            </a:r>
-          </a:p>
-          <a:p>
-            <a:r>
-              <a:rPr lang="en-US" b="1" dirty="0">
-                <a:solidFill>
-                  <a:schemeClr val="bg1"/>
-                </a:solidFill>
-              </a:rPr>
-              <a:t>	Application scaling is challenging as well as wasteful.</a:t>
+              <a:t>Dependency: Will have to rely and communicate with each other, </a:t>
+            </a:r>
+          </a:p>
+          <a:p>
+            <a:r>
+              <a:rPr lang="en-US" b="1" dirty="0">
+                <a:solidFill>
+                  <a:schemeClr val="bg1"/>
+                </a:solidFill>
+              </a:rPr>
+              <a:t>More services to monitor</a:t>
+            </a:r>
+          </a:p>
+          <a:p>
+            <a:r>
+              <a:rPr lang="en-US" b="1" dirty="0">
+                <a:solidFill>
+                  <a:schemeClr val="bg1"/>
+                </a:solidFill>
+              </a:rPr>
+              <a:t>Maintain microservices developed in different technologies.</a:t>
+            </a:r>
+          </a:p>
+          <a:p>
+            <a:r>
+              <a:rPr lang="en-US" b="1" dirty="0">
+                <a:solidFill>
+                  <a:schemeClr val="bg1"/>
+                </a:solidFill>
+              </a:rPr>
+              <a:t>A wide array of skilled professionals may be required</a:t>
+            </a:r>
+          </a:p>
+          <a:p>
+            <a:r>
+              <a:rPr lang="en-US" b="1" dirty="0">
+                <a:solidFill>
+                  <a:schemeClr val="bg1"/>
+                </a:solidFill>
+              </a:rPr>
+              <a:t>As it is a distributed system, it is an inherently complex model.</a:t>
+            </a:r>
+          </a:p>
+          <a:p>
+            <a:r>
+              <a:rPr lang="en-US" b="1" dirty="0">
+                <a:solidFill>
+                  <a:schemeClr val="bg1"/>
+                </a:solidFill>
+              </a:rPr>
+              <a:t>Different services will have its separate mechanism, </a:t>
+            </a:r>
+          </a:p>
+          <a:p>
+            <a:r>
+              <a:rPr lang="en-US" b="1" dirty="0">
+                <a:solidFill>
+                  <a:schemeClr val="bg1"/>
+                </a:solidFill>
+              </a:rPr>
+              <a:t>	Can result in large amount of memory for an unstructured data.</a:t>
+            </a:r>
+          </a:p>
+          <a:p>
+            <a:r>
+              <a:rPr lang="en-US" b="1" dirty="0">
+                <a:solidFill>
+                  <a:schemeClr val="bg1"/>
+                </a:solidFill>
+              </a:rPr>
+              <a:t>Effective management and teamwork required to prevent cascading issues</a:t>
+            </a:r>
+          </a:p>
+          <a:p>
+            <a:r>
+              <a:rPr lang="en-US" b="1" dirty="0">
+                <a:solidFill>
+                  <a:schemeClr val="bg1"/>
+                </a:solidFill>
+              </a:rPr>
+              <a:t>Reproducing a problem will be a difficult task when it's gone in one version, and comes back in the latest version.</a:t>
+            </a:r>
+          </a:p>
+          <a:p>
+            <a:r>
+              <a:rPr lang="en-US" b="1" dirty="0">
+                <a:solidFill>
+                  <a:schemeClr val="bg1"/>
+                </a:solidFill>
+              </a:rPr>
+              <a:t>Managing deployment dependency complexities could be challenging.</a:t>
+            </a:r>
+          </a:p>
+          <a:p>
+            <a:r>
+              <a:rPr lang="en-US" b="1" dirty="0">
+                <a:solidFill>
+                  <a:schemeClr val="bg1"/>
+                </a:solidFill>
+              </a:rPr>
+              <a:t>Microservice architecture brings plenty of operations overhead.</a:t>
+            </a:r>
+          </a:p>
+          <a:p>
+            <a:r>
+              <a:rPr lang="en-US" b="1" dirty="0">
+                <a:solidFill>
+                  <a:schemeClr val="bg1"/>
+                </a:solidFill>
+              </a:rPr>
+              <a:t>It is difficult to manage application when new services are added to the system</a:t>
+            </a:r>
+          </a:p>
+          <a:p>
+            <a:r>
+              <a:rPr lang="en-US" b="1" dirty="0">
+                <a:solidFill>
+                  <a:schemeClr val="bg1"/>
+                </a:solidFill>
+              </a:rPr>
+              <a:t>Microservice is costly, as you need to maintain different server space for different business tasks.</a:t>
+            </a:r>
+          </a:p>
+          <a:p>
+            <a:r>
+              <a:rPr lang="en-US" b="1" dirty="0">
+                <a:solidFill>
+                  <a:schemeClr val="bg1"/>
+                </a:solidFill>
+              </a:rPr>
+              <a:t>Common or less maintained microservices can fall into no man’s land and complicate latter.</a:t>
             </a:r>
           </a:p>
         </p:txBody>
@@ -6458,7 +6389,7 @@
     </p:spTree>
     <p:extLst>
       <p:ext uri="{BB962C8B-B14F-4D97-AF65-F5344CB8AC3E}">
-        <p14:creationId xmlns:p14="http://schemas.microsoft.com/office/powerpoint/2010/main" val="3139783112"/>
+        <p14:creationId xmlns:p14="http://schemas.microsoft.com/office/powerpoint/2010/main" val="562985393"/>
       </p:ext>
     </p:extLst>
   </p:cSld>
@@ -6529,7 +6460,16 @@
                 </a:solidFill>
                 <a:latin typeface="+mn-lt"/>
               </a:rPr>
-              <a:t> Relationship?</a:t>
+              <a:t> </a:t>
+            </a:r>
+            <a:r>
+              <a:rPr lang="en-US" dirty="0" err="1">
+                <a:solidFill>
+                  <a:schemeClr val="bg1"/>
+                </a:solidFill>
+                <a:latin typeface="+mn-lt"/>
+              </a:rPr>
+              <a:t>WebService</a:t>
             </a:r>
             <a:endParaRPr lang="en-IN" dirty="0">
               <a:solidFill>
@@ -6555,7 +6495,7 @@
         <p:spPr>
           <a:xfrm>
             <a:off x="838200" y="1779687"/>
-            <a:ext cx="10515600" cy="646331"/>
+            <a:ext cx="10515600" cy="2585323"/>
           </a:xfrm>
           <a:prstGeom prst="rect">
             <a:avLst/>
@@ -6574,119 +6514,86 @@
                   <a:schemeClr val="bg1"/>
                 </a:solidFill>
               </a:rPr>
-              <a:t>Few relationship images</a:t>
-            </a:r>
-          </a:p>
-          <a:p>
-            <a:r>
-              <a:rPr lang="en-US" dirty="0">
-                <a:solidFill>
-                  <a:schemeClr val="bg1"/>
-                </a:solidFill>
-              </a:rPr>
-              <a:t>	</a:t>
-            </a:r>
-          </a:p>
-        </p:txBody>
-      </p:sp>
-      <p:pic>
-        <p:nvPicPr>
-          <p:cNvPr id="1026" name="Picture 2" descr="smiling man and woman">
-            <a:extLst>
-              <a:ext uri="{FF2B5EF4-FFF2-40B4-BE49-F238E27FC236}">
-                <a16:creationId xmlns:a16="http://schemas.microsoft.com/office/drawing/2014/main" id="{F5796774-913B-4D75-BB3B-4BE35FDE1EEA}"/>
-              </a:ext>
-            </a:extLst>
-          </p:cNvPr>
-          <p:cNvPicPr>
-            <a:picLocks noChangeAspect="1" noChangeArrowheads="1"/>
-          </p:cNvPicPr>
-          <p:nvPr/>
-        </p:nvPicPr>
-        <p:blipFill>
-          <a:blip r:embed="rId2">
-            <a:extLst>
-              <a:ext uri="{28A0092B-C50C-407E-A947-70E740481C1C}">
-                <a14:useLocalDpi xmlns:a14="http://schemas.microsoft.com/office/drawing/2010/main" val="0"/>
-              </a:ext>
-            </a:extLst>
-          </a:blip>
-          <a:srcRect/>
-          <a:stretch>
-            <a:fillRect/>
-          </a:stretch>
-        </p:blipFill>
-        <p:spPr bwMode="auto">
-          <a:xfrm>
-            <a:off x="960665" y="1779687"/>
-            <a:ext cx="4122964" cy="4767943"/>
-          </a:xfrm>
-          <a:prstGeom prst="rect">
-            <a:avLst/>
-          </a:prstGeom>
-          <a:noFill/>
-          <a:extLst>
-            <a:ext uri="{909E8E84-426E-40DD-AFC4-6F175D3DCCD1}">
-              <a14:hiddenFill xmlns:a14="http://schemas.microsoft.com/office/drawing/2010/main">
-                <a:solidFill>
-                  <a:srgbClr val="FFFFFF"/>
-                </a:solidFill>
-              </a14:hiddenFill>
-            </a:ext>
-          </a:extLst>
-        </p:spPr>
-      </p:pic>
-      <p:pic>
-        <p:nvPicPr>
-          <p:cNvPr id="1028" name="Picture 4" descr="selective focus photography of couple hugging">
-            <a:extLst>
-              <a:ext uri="{FF2B5EF4-FFF2-40B4-BE49-F238E27FC236}">
-                <a16:creationId xmlns:a16="http://schemas.microsoft.com/office/drawing/2014/main" id="{0E8CB4A8-9340-47F5-853C-B1DA912B9FFF}"/>
-              </a:ext>
-            </a:extLst>
-          </p:cNvPr>
-          <p:cNvPicPr>
-            <a:picLocks noChangeAspect="1" noChangeArrowheads="1"/>
-          </p:cNvPicPr>
-          <p:nvPr/>
-        </p:nvPicPr>
-        <p:blipFill>
-          <a:blip r:embed="rId3">
-            <a:extLst>
-              <a:ext uri="{28A0092B-C50C-407E-A947-70E740481C1C}">
-                <a14:useLocalDpi xmlns:a14="http://schemas.microsoft.com/office/drawing/2010/main" val="0"/>
-              </a:ext>
-            </a:extLst>
-          </a:blip>
-          <a:srcRect/>
-          <a:stretch>
-            <a:fillRect/>
-          </a:stretch>
-        </p:blipFill>
-        <p:spPr bwMode="auto">
-          <a:xfrm>
-            <a:off x="6498771" y="1779686"/>
-            <a:ext cx="4572000" cy="4767943"/>
-          </a:xfrm>
-          <a:prstGeom prst="rect">
-            <a:avLst/>
-          </a:prstGeom>
-          <a:noFill/>
-          <a:extLst>
-            <a:ext uri="{909E8E84-426E-40DD-AFC4-6F175D3DCCD1}">
-              <a14:hiddenFill xmlns:a14="http://schemas.microsoft.com/office/drawing/2010/main">
-                <a:solidFill>
-                  <a:srgbClr val="FFFFFF"/>
-                </a:solidFill>
-              </a14:hiddenFill>
-            </a:ext>
-          </a:extLst>
-        </p:spPr>
-      </p:pic>
+              <a:t>Software system designed to support interoperable machine-to-machine interaction over a network.</a:t>
+            </a:r>
+          </a:p>
+          <a:p>
+            <a:endParaRPr lang="en-US" b="1" dirty="0">
+              <a:solidFill>
+                <a:schemeClr val="bg1"/>
+              </a:solidFill>
+            </a:endParaRPr>
+          </a:p>
+          <a:p>
+            <a:endParaRPr lang="en-US" b="1" dirty="0">
+              <a:solidFill>
+                <a:schemeClr val="bg1"/>
+              </a:solidFill>
+            </a:endParaRPr>
+          </a:p>
+          <a:p>
+            <a:r>
+              <a:rPr lang="en-US" b="1" dirty="0">
+                <a:solidFill>
+                  <a:schemeClr val="bg1"/>
+                </a:solidFill>
+              </a:rPr>
+              <a:t>Human beings</a:t>
+            </a:r>
+          </a:p>
+          <a:p>
+            <a:r>
+              <a:rPr lang="en-US" b="1" dirty="0">
+                <a:solidFill>
+                  <a:schemeClr val="bg1"/>
+                </a:solidFill>
+              </a:rPr>
+              <a:t>	HTML over the web : excellent solution. </a:t>
+            </a:r>
+          </a:p>
+          <a:p>
+            <a:r>
+              <a:rPr lang="en-US" b="1" dirty="0">
+                <a:solidFill>
+                  <a:schemeClr val="bg1"/>
+                </a:solidFill>
+              </a:rPr>
+              <a:t>	Because of browser and other tools.</a:t>
+            </a:r>
+          </a:p>
+          <a:p>
+            <a:endParaRPr lang="en-US" b="1" dirty="0">
+              <a:solidFill>
+                <a:schemeClr val="bg1"/>
+              </a:solidFill>
+            </a:endParaRPr>
+          </a:p>
+          <a:p>
+            <a:r>
+              <a:rPr lang="en-US" b="1" dirty="0">
+                <a:solidFill>
+                  <a:schemeClr val="bg1"/>
+                </a:solidFill>
+              </a:rPr>
+              <a:t>Machine/application </a:t>
+            </a:r>
+          </a:p>
+          <a:p>
+            <a:r>
+              <a:rPr lang="en-US" b="1" dirty="0">
+                <a:solidFill>
+                  <a:schemeClr val="bg1"/>
+                </a:solidFill>
+              </a:rPr>
+              <a:t>	there are better solutions than html.</a:t>
+            </a:r>
+          </a:p>
+        </p:txBody>
+      </p:sp>
     </p:spTree>
     <p:extLst>
       <p:ext uri="{BB962C8B-B14F-4D97-AF65-F5344CB8AC3E}">
-        <p14:creationId xmlns:p14="http://schemas.microsoft.com/office/powerpoint/2010/main" val="3669813227"/>
+        <p14:creationId xmlns:p14="http://schemas.microsoft.com/office/powerpoint/2010/main" val="2661223071"/>
       </p:ext>
     </p:extLst>
   </p:cSld>
@@ -6757,7 +6664,7 @@
                 </a:solidFill>
                 <a:latin typeface="+mn-lt"/>
               </a:rPr>
-              <a:t> Microservices Vs Monolithic Architecture</a:t>
+              <a:t> Microservices Challenges</a:t>
             </a:r>
             <a:endParaRPr lang="en-IN" dirty="0">
               <a:solidFill>
@@ -6782,8 +6689,8 @@
         </p:nvSpPr>
         <p:spPr>
           <a:xfrm>
-            <a:off x="838200" y="1812345"/>
-            <a:ext cx="10515600" cy="3139321"/>
+            <a:off x="838200" y="1779687"/>
+            <a:ext cx="10515600" cy="2308324"/>
           </a:xfrm>
           <a:prstGeom prst="rect">
             <a:avLst/>
@@ -6802,27 +6709,67 @@
                   <a:schemeClr val="bg1"/>
                 </a:solidFill>
               </a:rPr>
-              <a:t>Microservices: </a:t>
-            </a:r>
-          </a:p>
-          <a:p>
-            <a:r>
-              <a:rPr lang="en-US" b="1" dirty="0">
-                <a:solidFill>
-                  <a:schemeClr val="bg1"/>
-                </a:solidFill>
-              </a:rPr>
-              <a:t>	Development tools get overburdened as the process needs to start from the scratch.</a:t>
-            </a:r>
-          </a:p>
-          <a:p>
-            <a:r>
-              <a:rPr lang="en-US" b="1" dirty="0">
-                <a:solidFill>
-                  <a:schemeClr val="bg1"/>
-                </a:solidFill>
-              </a:rPr>
-              <a:t>	Data is federated.</a:t>
+              <a:t>Intra service requests</a:t>
+            </a:r>
+          </a:p>
+          <a:p>
+            <a:r>
+              <a:rPr lang="en-US" b="1" dirty="0">
+                <a:solidFill>
+                  <a:schemeClr val="bg1"/>
+                </a:solidFill>
+              </a:rPr>
+              <a:t>Service discovery.</a:t>
+            </a:r>
+          </a:p>
+          <a:p>
+            <a:r>
+              <a:rPr lang="en-US" b="1" dirty="0">
+                <a:solidFill>
+                  <a:schemeClr val="bg1"/>
+                </a:solidFill>
+              </a:rPr>
+              <a:t>Network latency</a:t>
+            </a:r>
+          </a:p>
+          <a:p>
+            <a:r>
+              <a:rPr lang="en-US" b="1" dirty="0">
+                <a:solidFill>
+                  <a:schemeClr val="bg1"/>
+                </a:solidFill>
+              </a:rPr>
+              <a:t>Congestion</a:t>
+            </a:r>
+          </a:p>
+          <a:p>
+            <a:r>
+              <a:rPr lang="en-US" b="1" dirty="0">
+                <a:solidFill>
+                  <a:schemeClr val="bg1"/>
+                </a:solidFill>
+              </a:rPr>
+              <a:t>Logical or scaling failure</a:t>
+            </a:r>
+          </a:p>
+          <a:p>
+            <a:r>
+              <a:rPr lang="en-US" b="1" dirty="0">
+                <a:solidFill>
+                  <a:schemeClr val="bg1"/>
+                </a:solidFill>
+              </a:rPr>
+              <a:t>Cascading failure (one service failure getting cascaded)</a:t>
+            </a:r>
+          </a:p>
+          <a:p>
+            <a:r>
+              <a:rPr lang="en-US" b="1" dirty="0">
+                <a:solidFill>
+                  <a:schemeClr val="bg1"/>
+                </a:solidFill>
+              </a:rPr>
+              <a:t>Log consolidation</a:t>
             </a:r>
           </a:p>
           <a:p>
@@ -6832,82 +6779,12 @@
               </a:solidFill>
             </a:endParaRPr>
           </a:p>
-          <a:p>
-            <a:r>
-              <a:rPr lang="en-US" b="1" dirty="0">
-                <a:solidFill>
-                  <a:schemeClr val="bg1"/>
-                </a:solidFill>
-              </a:rPr>
-              <a:t>Can adopt a data model (filesystem) best suited for its needs.</a:t>
-            </a:r>
-          </a:p>
-          <a:p>
-            <a:r>
-              <a:rPr lang="en-US" b="1" dirty="0">
-                <a:solidFill>
-                  <a:schemeClr val="bg1"/>
-                </a:solidFill>
-              </a:rPr>
-              <a:t>Small Focused Teams</a:t>
-            </a:r>
-          </a:p>
-          <a:p>
-            <a:r>
-              <a:rPr lang="en-US" b="1" dirty="0">
-                <a:solidFill>
-                  <a:schemeClr val="bg1"/>
-                </a:solidFill>
-              </a:rPr>
-              <a:t>Parallel and faster development</a:t>
-            </a:r>
-          </a:p>
-          <a:p>
-            <a:r>
-              <a:rPr lang="en-US" b="1" dirty="0">
-                <a:solidFill>
-                  <a:schemeClr val="bg1"/>
-                </a:solidFill>
-              </a:rPr>
-              <a:t>Change in the data model of one Microservice does not affect other Microservices.</a:t>
-            </a:r>
-          </a:p>
-          <a:p>
-            <a:r>
-              <a:rPr lang="en-US" b="1" dirty="0">
-                <a:solidFill>
-                  <a:schemeClr val="bg1"/>
-                </a:solidFill>
-              </a:rPr>
-              <a:t>Interacts with other microservices by using well-defined interfaces</a:t>
-            </a:r>
-          </a:p>
-          <a:p>
-            <a:r>
-              <a:rPr lang="en-US" b="1" dirty="0">
-                <a:solidFill>
-                  <a:schemeClr val="bg1"/>
-                </a:solidFill>
-              </a:rPr>
-              <a:t>No cross-dependencies between code bases</a:t>
-            </a:r>
-          </a:p>
-          <a:p>
-            <a:r>
-              <a:rPr lang="en-US" b="1" dirty="0">
-                <a:solidFill>
-                  <a:schemeClr val="bg1"/>
-                </a:solidFill>
-              </a:rPr>
-              <a:t>Can use different technologies for different Microservices.</a:t>
-            </a:r>
-          </a:p>
         </p:txBody>
       </p:sp>
     </p:spTree>
     <p:extLst>
       <p:ext uri="{BB962C8B-B14F-4D97-AF65-F5344CB8AC3E}">
-        <p14:creationId xmlns:p14="http://schemas.microsoft.com/office/powerpoint/2010/main" val="2697233223"/>
+        <p14:creationId xmlns:p14="http://schemas.microsoft.com/office/powerpoint/2010/main" val="4163003589"/>
       </p:ext>
     </p:extLst>
   </p:cSld>
@@ -6972,13 +6849,20 @@
           <a:lstStyle/>
           <a:p>
             <a:r>
-              <a:rPr lang="en-US" b="1" dirty="0">
-                <a:solidFill>
-                  <a:schemeClr val="bg1"/>
-                </a:solidFill>
-              </a:rPr>
-              <a:t>Microservice Challenges</a:t>
-            </a:r>
+              <a:rPr lang="en-US" dirty="0">
+                <a:solidFill>
+                  <a:schemeClr val="bg1"/>
+                </a:solidFill>
+                <a:latin typeface="+mn-lt"/>
+              </a:rPr>
+              <a:t> 10 Commandments of Microservices</a:t>
+            </a:r>
+            <a:endParaRPr lang="en-IN" dirty="0">
+              <a:solidFill>
+                <a:schemeClr val="bg1"/>
+              </a:solidFill>
+              <a:latin typeface="+mn-lt"/>
+            </a:endParaRPr>
           </a:p>
         </p:txBody>
       </p:sp>
@@ -6996,8 +6880,8 @@
         </p:nvSpPr>
         <p:spPr>
           <a:xfrm>
-            <a:off x="838200" y="1812345"/>
-            <a:ext cx="10515600" cy="4247317"/>
+            <a:off x="838200" y="1834116"/>
+            <a:ext cx="10515600" cy="2862322"/>
           </a:xfrm>
           <a:prstGeom prst="rect">
             <a:avLst/>
@@ -7016,137 +6900,97 @@
                   <a:schemeClr val="bg1"/>
                 </a:solidFill>
               </a:rPr>
-              <a:t>Dependency: Will have to rely and communicate with each other, </a:t>
-            </a:r>
-          </a:p>
-          <a:p>
-            <a:r>
-              <a:rPr lang="en-US" b="1" dirty="0">
-                <a:solidFill>
-                  <a:schemeClr val="bg1"/>
-                </a:solidFill>
-              </a:rPr>
-              <a:t>More services to monitor</a:t>
-            </a:r>
-          </a:p>
-          <a:p>
-            <a:r>
-              <a:rPr lang="en-US" b="1" dirty="0">
-                <a:solidFill>
-                  <a:schemeClr val="bg1"/>
-                </a:solidFill>
-              </a:rPr>
-              <a:t>Maintain microservices developed in different technologies.</a:t>
-            </a:r>
-          </a:p>
-          <a:p>
-            <a:r>
-              <a:rPr lang="en-US" b="1" dirty="0">
-                <a:solidFill>
-                  <a:schemeClr val="bg1"/>
-                </a:solidFill>
-              </a:rPr>
-              <a:t>A wide array of skilled professionals may be required</a:t>
-            </a:r>
-          </a:p>
-          <a:p>
-            <a:r>
-              <a:rPr lang="en-US" b="1" dirty="0">
-                <a:solidFill>
-                  <a:schemeClr val="bg1"/>
-                </a:solidFill>
-              </a:rPr>
-              <a:t>As it is a distributed system, it is an inherently complex model.</a:t>
-            </a:r>
-          </a:p>
-          <a:p>
-            <a:r>
-              <a:rPr lang="en-US" b="1" dirty="0">
-                <a:solidFill>
-                  <a:schemeClr val="bg1"/>
-                </a:solidFill>
-              </a:rPr>
-              <a:t>Different services will have its separate mechanism, </a:t>
-            </a:r>
-          </a:p>
-          <a:p>
-            <a:r>
-              <a:rPr lang="en-US" b="1" dirty="0">
-                <a:solidFill>
-                  <a:schemeClr val="bg1"/>
-                </a:solidFill>
-              </a:rPr>
-              <a:t>	Can result in large amount of memory for an unstructured data.</a:t>
-            </a:r>
-          </a:p>
-          <a:p>
-            <a:r>
-              <a:rPr lang="en-US" b="1" dirty="0">
-                <a:solidFill>
-                  <a:schemeClr val="bg1"/>
-                </a:solidFill>
-              </a:rPr>
-              <a:t>Effective management and teamwork required to prevent cascading issues</a:t>
-            </a:r>
-          </a:p>
-          <a:p>
-            <a:r>
-              <a:rPr lang="en-US" b="1" dirty="0">
-                <a:solidFill>
-                  <a:schemeClr val="bg1"/>
-                </a:solidFill>
-              </a:rPr>
-              <a:t>Reproducing a problem will be a difficult task when it's gone in one version, and comes back in the latest version.</a:t>
-            </a:r>
-          </a:p>
-          <a:p>
-            <a:r>
-              <a:rPr lang="en-US" b="1" dirty="0">
-                <a:solidFill>
-                  <a:schemeClr val="bg1"/>
-                </a:solidFill>
-              </a:rPr>
-              <a:t>Managing deployment dependency complexities could be challenging.</a:t>
-            </a:r>
-          </a:p>
-          <a:p>
-            <a:r>
-              <a:rPr lang="en-US" b="1" dirty="0">
-                <a:solidFill>
-                  <a:schemeClr val="bg1"/>
-                </a:solidFill>
-              </a:rPr>
-              <a:t>Microservice architecture brings plenty of operations overhead.</a:t>
-            </a:r>
-          </a:p>
-          <a:p>
-            <a:r>
-              <a:rPr lang="en-US" b="1" dirty="0">
-                <a:solidFill>
-                  <a:schemeClr val="bg1"/>
-                </a:solidFill>
-              </a:rPr>
-              <a:t>It is difficult to manage application when new services are added to the system</a:t>
-            </a:r>
-          </a:p>
-          <a:p>
-            <a:r>
-              <a:rPr lang="en-US" b="1" dirty="0">
-                <a:solidFill>
-                  <a:schemeClr val="bg1"/>
-                </a:solidFill>
-              </a:rPr>
-              <a:t>Microservice is costly, as you need to maintain different server space for different business tasks.</a:t>
-            </a:r>
-          </a:p>
-          <a:p>
-            <a:r>
-              <a:rPr lang="en-US" b="1" dirty="0">
-                <a:solidFill>
-                  <a:schemeClr val="bg1"/>
-                </a:solidFill>
-              </a:rPr>
-              <a:t>Common or less maintained microservices can fall into no man’s land and complicate latter.</a:t>
+              <a:t>1. Clean Separation of Stateless and Stateful Services</a:t>
+            </a:r>
+          </a:p>
+          <a:p>
+            <a:r>
+              <a:rPr lang="en-US" b="1" dirty="0">
+                <a:solidFill>
+                  <a:schemeClr val="bg1"/>
+                </a:solidFill>
+              </a:rPr>
+              <a:t>2. Do Not Share Libraries or SDKs</a:t>
+            </a:r>
+          </a:p>
+          <a:p>
+            <a:r>
+              <a:rPr lang="en-US" b="1" dirty="0">
+                <a:solidFill>
+                  <a:schemeClr val="bg1"/>
+                </a:solidFill>
+              </a:rPr>
+              <a:t>3. Avoid Host Affinity</a:t>
+            </a:r>
+          </a:p>
+          <a:p>
+            <a:r>
+              <a:rPr lang="en-US" b="1" dirty="0">
+                <a:solidFill>
+                  <a:schemeClr val="bg1"/>
+                </a:solidFill>
+              </a:rPr>
+              <a:t>4. Focus on Services with One Task in Mind</a:t>
+            </a:r>
+          </a:p>
+          <a:p>
+            <a:r>
+              <a:rPr lang="en-US" b="1" dirty="0">
+                <a:solidFill>
+                  <a:schemeClr val="bg1"/>
+                </a:solidFill>
+              </a:rPr>
+              <a:t>5. Use a Lightweight Messaging Protocol for Communication</a:t>
+            </a:r>
+          </a:p>
+          <a:p>
+            <a:r>
+              <a:rPr lang="en-US" b="1" dirty="0">
+                <a:solidFill>
+                  <a:schemeClr val="bg1"/>
+                </a:solidFill>
+              </a:rPr>
+              <a:t>6. Design a Well-Defined Entry Point and Exit Point</a:t>
+            </a:r>
+          </a:p>
+          <a:p>
+            <a:r>
+              <a:rPr lang="en-US" b="1" dirty="0">
+                <a:solidFill>
+                  <a:schemeClr val="bg1"/>
+                </a:solidFill>
+              </a:rPr>
+              <a:t>7. Implement a Self-Registration and Discovery Mechanism</a:t>
+            </a:r>
+          </a:p>
+          <a:p>
+            <a:r>
+              <a:rPr lang="en-US" b="1" dirty="0">
+                <a:solidFill>
+                  <a:schemeClr val="bg1"/>
+                </a:solidFill>
+              </a:rPr>
+              <a:t>8. Explicitly Check for Rules and Constraints</a:t>
+            </a:r>
+          </a:p>
+          <a:p>
+            <a:r>
+              <a:rPr lang="en-US" b="1" dirty="0">
+                <a:solidFill>
+                  <a:schemeClr val="bg1"/>
+                </a:solidFill>
+              </a:rPr>
+              <a:t>9. Prefer Polyglot Over Single Stack</a:t>
+            </a:r>
+          </a:p>
+          <a:p>
+            <a:r>
+              <a:rPr lang="en-US" b="1" dirty="0">
+                <a:solidFill>
+                  <a:schemeClr val="bg1"/>
+                </a:solidFill>
+              </a:rPr>
+              <a:t>10. Maintain Independent Revisions and Build Environments</a:t>
             </a:r>
           </a:p>
         </p:txBody>
@@ -7154,7 +6998,7 @@
     </p:spTree>
     <p:extLst>
       <p:ext uri="{BB962C8B-B14F-4D97-AF65-F5344CB8AC3E}">
-        <p14:creationId xmlns:p14="http://schemas.microsoft.com/office/powerpoint/2010/main" val="562985393"/>
+        <p14:creationId xmlns:p14="http://schemas.microsoft.com/office/powerpoint/2010/main" val="741515126"/>
       </p:ext>
     </p:extLst>
   </p:cSld>
@@ -7225,7 +7069,7 @@
                 </a:solidFill>
                 <a:latin typeface="+mn-lt"/>
               </a:rPr>
-              <a:t> Microservices Challenges</a:t>
+              <a:t>What is cloud?</a:t>
             </a:r>
             <a:endParaRPr lang="en-IN" dirty="0">
               <a:solidFill>
@@ -7236,116 +7080,57 @@
           </a:p>
         </p:txBody>
       </p:sp>
-      <p:sp>
-        <p:nvSpPr>
-          <p:cNvPr id="4" name="TextBox 3">
-            <a:extLst>
-              <a:ext uri="{FF2B5EF4-FFF2-40B4-BE49-F238E27FC236}">
-                <a16:creationId xmlns:a16="http://schemas.microsoft.com/office/drawing/2014/main" id="{A32609F5-383A-417E-B9B0-CE955463E2E4}"/>
-              </a:ext>
-            </a:extLst>
-          </p:cNvPr>
-          <p:cNvSpPr txBox="1"/>
+      <p:pic>
+        <p:nvPicPr>
+          <p:cNvPr id="1026" name="Picture 2" descr="Where Are The Hardware And Software Borderline In Cloud Computing ...">
+            <a:extLst>
+              <a:ext uri="{FF2B5EF4-FFF2-40B4-BE49-F238E27FC236}">
+                <a16:creationId xmlns:a16="http://schemas.microsoft.com/office/drawing/2014/main" id="{D309CB28-0A6F-46A7-B398-DC6DB2F77B2E}"/>
+              </a:ext>
+            </a:extLst>
+          </p:cNvPr>
+          <p:cNvPicPr>
+            <a:picLocks noChangeAspect="1" noChangeArrowheads="1"/>
+          </p:cNvPicPr>
           <p:nvPr/>
-        </p:nvSpPr>
-        <p:spPr>
+        </p:nvPicPr>
+        <p:blipFill>
+          <a:blip r:embed="rId2">
+            <a:extLst>
+              <a:ext uri="{28A0092B-C50C-407E-A947-70E740481C1C}">
+                <a14:useLocalDpi xmlns:a14="http://schemas.microsoft.com/office/drawing/2010/main" val="0"/>
+              </a:ext>
+            </a:extLst>
+          </a:blip>
+          <a:srcRect/>
+          <a:stretch>
+            <a:fillRect/>
+          </a:stretch>
+        </p:blipFill>
+        <p:spPr bwMode="auto">
           <a:xfrm>
-            <a:off x="838200" y="1779687"/>
-            <a:ext cx="10515600" cy="2308324"/>
+            <a:off x="2852057" y="1371599"/>
+            <a:ext cx="6760029" cy="4778829"/>
           </a:xfrm>
           <a:prstGeom prst="rect">
             <a:avLst/>
           </a:prstGeom>
           <a:noFill/>
+          <a:extLst>
+            <a:ext uri="{909E8E84-426E-40DD-AFC4-6F175D3DCCD1}">
+              <a14:hiddenFill xmlns:a14="http://schemas.microsoft.com/office/drawing/2010/main">
+                <a:solidFill>
+                  <a:srgbClr val="FFFFFF"/>
+                </a:solidFill>
+              </a14:hiddenFill>
+            </a:ext>
+          </a:extLst>
         </p:spPr>
-        <p:txBody>
-          <a:bodyPr wrap="square" rtlCol="0">
-            <a:spAutoFit/>
-          </a:bodyPr>
-          <a:lstStyle/>
-          <a:p>
-            <a:r>
-              <a:rPr lang="en-US" b="1" dirty="0">
-                <a:solidFill>
-                  <a:schemeClr val="bg1"/>
-                </a:solidFill>
-              </a:rPr>
-              <a:t>Intra service requests</a:t>
-            </a:r>
-          </a:p>
-          <a:p>
-            <a:r>
-              <a:rPr lang="en-US" b="1" dirty="0">
-                <a:solidFill>
-                  <a:schemeClr val="bg1"/>
-                </a:solidFill>
-              </a:rPr>
-              <a:t>Service discovery.</a:t>
-            </a:r>
-          </a:p>
-          <a:p>
-            <a:r>
-              <a:rPr lang="en-US" b="1" dirty="0">
-                <a:solidFill>
-                  <a:schemeClr val="bg1"/>
-                </a:solidFill>
-              </a:rPr>
-              <a:t>Network latency</a:t>
-            </a:r>
-          </a:p>
-          <a:p>
-            <a:r>
-              <a:rPr lang="en-US" b="1" dirty="0">
-                <a:solidFill>
-                  <a:schemeClr val="bg1"/>
-                </a:solidFill>
-              </a:rPr>
-              <a:t>Congestion</a:t>
-            </a:r>
-          </a:p>
-          <a:p>
-            <a:r>
-              <a:rPr lang="en-US" b="1" dirty="0">
-                <a:solidFill>
-                  <a:schemeClr val="bg1"/>
-                </a:solidFill>
-              </a:rPr>
-              <a:t>Logical or scaling failure</a:t>
-            </a:r>
-          </a:p>
-          <a:p>
-            <a:r>
-              <a:rPr lang="en-US" b="1" dirty="0">
-                <a:solidFill>
-                  <a:schemeClr val="bg1"/>
-                </a:solidFill>
-              </a:rPr>
-              <a:t>Cascading failure (one service failure getting cascaded)</a:t>
-            </a:r>
-          </a:p>
-          <a:p>
-            <a:r>
-              <a:rPr lang="en-US" b="1" dirty="0">
-                <a:solidFill>
-                  <a:schemeClr val="bg1"/>
-                </a:solidFill>
-              </a:rPr>
-              <a:t>Log consolidation</a:t>
-            </a:r>
-          </a:p>
-          <a:p>
-            <a:endParaRPr lang="en-US" b="1" dirty="0">
-              <a:solidFill>
-                <a:schemeClr val="bg1"/>
-              </a:solidFill>
-            </a:endParaRPr>
-          </a:p>
-        </p:txBody>
-      </p:sp>
+      </p:pic>
     </p:spTree>
     <p:extLst>
       <p:ext uri="{BB962C8B-B14F-4D97-AF65-F5344CB8AC3E}">
-        <p14:creationId xmlns:p14="http://schemas.microsoft.com/office/powerpoint/2010/main" val="4163003589"/>
+        <p14:creationId xmlns:p14="http://schemas.microsoft.com/office/powerpoint/2010/main" val="1574681834"/>
       </p:ext>
     </p:extLst>
   </p:cSld>
@@ -7416,7 +7201,7 @@
                 </a:solidFill>
                 <a:latin typeface="+mn-lt"/>
               </a:rPr>
-              <a:t> 10 Commandments of Microservices</a:t>
+              <a:t>Cloud means?</a:t>
             </a:r>
             <a:endParaRPr lang="en-IN" dirty="0">
               <a:solidFill>
@@ -7441,8 +7226,8 @@
         </p:nvSpPr>
         <p:spPr>
           <a:xfrm>
-            <a:off x="838200" y="1834116"/>
-            <a:ext cx="10515600" cy="2862322"/>
+            <a:off x="838200" y="1779687"/>
+            <a:ext cx="10515600" cy="4524315"/>
           </a:xfrm>
           <a:prstGeom prst="rect">
             <a:avLst/>
@@ -7461,97 +7246,147 @@
                   <a:schemeClr val="bg1"/>
                 </a:solidFill>
               </a:rPr>
-              <a:t>1. Clean Separation of Stateless and Stateful Services</a:t>
-            </a:r>
-          </a:p>
-          <a:p>
-            <a:r>
-              <a:rPr lang="en-US" b="1" dirty="0">
-                <a:solidFill>
-                  <a:schemeClr val="bg1"/>
-                </a:solidFill>
-              </a:rPr>
-              <a:t>2. Do Not Share Libraries or SDKs</a:t>
-            </a:r>
-          </a:p>
-          <a:p>
-            <a:r>
-              <a:rPr lang="en-US" b="1" dirty="0">
-                <a:solidFill>
-                  <a:schemeClr val="bg1"/>
-                </a:solidFill>
-              </a:rPr>
-              <a:t>3. Avoid Host Affinity</a:t>
-            </a:r>
-          </a:p>
-          <a:p>
-            <a:r>
-              <a:rPr lang="en-US" b="1" dirty="0">
-                <a:solidFill>
-                  <a:schemeClr val="bg1"/>
-                </a:solidFill>
-              </a:rPr>
-              <a:t>4. Focus on Services with One Task in Mind</a:t>
-            </a:r>
-          </a:p>
-          <a:p>
-            <a:r>
-              <a:rPr lang="en-US" b="1" dirty="0">
-                <a:solidFill>
-                  <a:schemeClr val="bg1"/>
-                </a:solidFill>
-              </a:rPr>
-              <a:t>5. Use a Lightweight Messaging Protocol for Communication</a:t>
-            </a:r>
-          </a:p>
-          <a:p>
-            <a:r>
-              <a:rPr lang="en-US" b="1" dirty="0">
-                <a:solidFill>
-                  <a:schemeClr val="bg1"/>
-                </a:solidFill>
-              </a:rPr>
-              <a:t>6. Design a Well-Defined Entry Point and Exit Point</a:t>
-            </a:r>
-          </a:p>
-          <a:p>
-            <a:r>
-              <a:rPr lang="en-US" b="1" dirty="0">
-                <a:solidFill>
-                  <a:schemeClr val="bg1"/>
-                </a:solidFill>
-              </a:rPr>
-              <a:t>7. Implement a Self-Registration and Discovery Mechanism</a:t>
-            </a:r>
-          </a:p>
-          <a:p>
-            <a:r>
-              <a:rPr lang="en-US" b="1" dirty="0">
-                <a:solidFill>
-                  <a:schemeClr val="bg1"/>
-                </a:solidFill>
-              </a:rPr>
-              <a:t>8. Explicitly Check for Rules and Constraints</a:t>
-            </a:r>
-          </a:p>
-          <a:p>
-            <a:r>
-              <a:rPr lang="en-US" b="1" dirty="0">
-                <a:solidFill>
-                  <a:schemeClr val="bg1"/>
-                </a:solidFill>
-              </a:rPr>
-              <a:t>9. Prefer Polyglot Over Single Stack</a:t>
-            </a:r>
-          </a:p>
-          <a:p>
-            <a:r>
-              <a:rPr lang="en-US" b="1" dirty="0">
-                <a:solidFill>
-                  <a:schemeClr val="bg1"/>
-                </a:solidFill>
-              </a:rPr>
-              <a:t>10. Maintain Independent Revisions and Build Environments</a:t>
+              <a:t>Generally 2 meaning</a:t>
+            </a:r>
+          </a:p>
+          <a:p>
+            <a:r>
+              <a:rPr lang="en-US" b="1" dirty="0">
+                <a:solidFill>
+                  <a:schemeClr val="bg1"/>
+                </a:solidFill>
+              </a:rPr>
+              <a:t>	Most common </a:t>
+            </a:r>
+          </a:p>
+          <a:p>
+            <a:r>
+              <a:rPr lang="en-US" b="1" dirty="0">
+                <a:solidFill>
+                  <a:schemeClr val="bg1"/>
+                </a:solidFill>
+              </a:rPr>
+              <a:t>		Running workloads remotely over the internet in a commercial provider’s data center</a:t>
+            </a:r>
+          </a:p>
+          <a:p>
+            <a:r>
+              <a:rPr lang="en-US" b="1" dirty="0">
+                <a:solidFill>
+                  <a:schemeClr val="bg1"/>
+                </a:solidFill>
+              </a:rPr>
+              <a:t>		Also known as the “public cloud” model. Popular public cloud offerings</a:t>
+            </a:r>
+          </a:p>
+          <a:p>
+            <a:r>
+              <a:rPr lang="en-US" b="1" dirty="0">
+                <a:solidFill>
+                  <a:schemeClr val="bg1"/>
+                </a:solidFill>
+              </a:rPr>
+              <a:t>			Amazon Web Services (AWS),</a:t>
+            </a:r>
+          </a:p>
+          <a:p>
+            <a:r>
+              <a:rPr lang="en-US" b="1" dirty="0">
+                <a:solidFill>
+                  <a:schemeClr val="bg1"/>
+                </a:solidFill>
+              </a:rPr>
+              <a:t>			Salesforce’s CRM system, </a:t>
+            </a:r>
+          </a:p>
+          <a:p>
+            <a:r>
+              <a:rPr lang="en-US" b="1" dirty="0">
+                <a:solidFill>
+                  <a:schemeClr val="bg1"/>
+                </a:solidFill>
+              </a:rPr>
+              <a:t>			Microsoft Azure—all </a:t>
+            </a:r>
+          </a:p>
+          <a:p>
+            <a:r>
+              <a:rPr lang="en-US" b="1" dirty="0">
+                <a:solidFill>
+                  <a:schemeClr val="bg1"/>
+                </a:solidFill>
+              </a:rPr>
+              <a:t>			Google public cloud</a:t>
+            </a:r>
+          </a:p>
+          <a:p>
+            <a:r>
+              <a:rPr lang="en-US" b="1" dirty="0">
+                <a:solidFill>
+                  <a:schemeClr val="bg1"/>
+                </a:solidFill>
+              </a:rPr>
+              <a:t>The second meaning </a:t>
+            </a:r>
+          </a:p>
+          <a:p>
+            <a:r>
+              <a:rPr lang="en-US" b="1" dirty="0">
+                <a:solidFill>
+                  <a:schemeClr val="bg1"/>
+                </a:solidFill>
+              </a:rPr>
+              <a:t>	Cloud computing </a:t>
+            </a:r>
+          </a:p>
+          <a:p>
+            <a:r>
+              <a:rPr lang="en-US" b="1" dirty="0">
+                <a:solidFill>
+                  <a:schemeClr val="bg1"/>
+                </a:solidFill>
+              </a:rPr>
+              <a:t>		describes how it works: </a:t>
+            </a:r>
+          </a:p>
+          <a:p>
+            <a:r>
+              <a:rPr lang="en-US" b="1" dirty="0">
+                <a:solidFill>
+                  <a:schemeClr val="bg1"/>
+                </a:solidFill>
+              </a:rPr>
+              <a:t>		a virtualized pool of resources, </a:t>
+            </a:r>
+          </a:p>
+          <a:p>
+            <a:r>
+              <a:rPr lang="en-US" b="1" dirty="0">
+                <a:solidFill>
+                  <a:schemeClr val="bg1"/>
+                </a:solidFill>
+              </a:rPr>
+              <a:t>		from raw compute power to application functionality, available on demand. </a:t>
+            </a:r>
+          </a:p>
+          <a:p>
+            <a:r>
+              <a:rPr lang="en-US" b="1" dirty="0">
+                <a:solidFill>
+                  <a:schemeClr val="bg1"/>
+                </a:solidFill>
+              </a:rPr>
+              <a:t>		When customers procure cloud services, the provider fulfills those requests using advanced automation rather than manual provisioning. </a:t>
+            </a:r>
+          </a:p>
+          <a:p>
+            <a:r>
+              <a:rPr lang="en-US" b="1" dirty="0">
+                <a:solidFill>
+                  <a:schemeClr val="bg1"/>
+                </a:solidFill>
+              </a:rPr>
+              <a:t>		The key advantage is agility.</a:t>
             </a:r>
           </a:p>
         </p:txBody>
@@ -7559,7 +7394,7 @@
     </p:spTree>
     <p:extLst>
       <p:ext uri="{BB962C8B-B14F-4D97-AF65-F5344CB8AC3E}">
-        <p14:creationId xmlns:p14="http://schemas.microsoft.com/office/powerpoint/2010/main" val="741515126"/>
+        <p14:creationId xmlns:p14="http://schemas.microsoft.com/office/powerpoint/2010/main" val="2986676354"/>
       </p:ext>
     </p:extLst>
   </p:cSld>
@@ -7630,7 +7465,7 @@
                 </a:solidFill>
                 <a:latin typeface="+mn-lt"/>
               </a:rPr>
-              <a:t>What is cloud?</a:t>
+              <a:t>Type of Cloud</a:t>
             </a:r>
             <a:endParaRPr lang="en-IN" dirty="0">
               <a:solidFill>
@@ -7641,57 +7476,162 @@
           </a:p>
         </p:txBody>
       </p:sp>
-      <p:pic>
-        <p:nvPicPr>
-          <p:cNvPr id="1026" name="Picture 2" descr="Where Are The Hardware And Software Borderline In Cloud Computing ...">
-            <a:extLst>
-              <a:ext uri="{FF2B5EF4-FFF2-40B4-BE49-F238E27FC236}">
-                <a16:creationId xmlns:a16="http://schemas.microsoft.com/office/drawing/2014/main" id="{D309CB28-0A6F-46A7-B398-DC6DB2F77B2E}"/>
-              </a:ext>
-            </a:extLst>
-          </p:cNvPr>
-          <p:cNvPicPr>
-            <a:picLocks noChangeAspect="1" noChangeArrowheads="1"/>
-          </p:cNvPicPr>
+      <p:sp>
+        <p:nvSpPr>
+          <p:cNvPr id="4" name="TextBox 3">
+            <a:extLst>
+              <a:ext uri="{FF2B5EF4-FFF2-40B4-BE49-F238E27FC236}">
+                <a16:creationId xmlns:a16="http://schemas.microsoft.com/office/drawing/2014/main" id="{A32609F5-383A-417E-B9B0-CE955463E2E4}"/>
+              </a:ext>
+            </a:extLst>
+          </p:cNvPr>
+          <p:cNvSpPr txBox="1"/>
           <p:nvPr/>
-        </p:nvPicPr>
-        <p:blipFill>
-          <a:blip r:embed="rId2">
-            <a:extLst>
-              <a:ext uri="{28A0092B-C50C-407E-A947-70E740481C1C}">
-                <a14:useLocalDpi xmlns:a14="http://schemas.microsoft.com/office/drawing/2010/main" val="0"/>
-              </a:ext>
-            </a:extLst>
-          </a:blip>
-          <a:srcRect/>
-          <a:stretch>
-            <a:fillRect/>
-          </a:stretch>
-        </p:blipFill>
-        <p:spPr bwMode="auto">
+        </p:nvSpPr>
+        <p:spPr>
           <a:xfrm>
-            <a:off x="2852057" y="1371599"/>
-            <a:ext cx="6760029" cy="4778829"/>
+            <a:off x="838200" y="1779687"/>
+            <a:ext cx="10515600" cy="3139321"/>
           </a:xfrm>
           <a:prstGeom prst="rect">
             <a:avLst/>
           </a:prstGeom>
           <a:noFill/>
-          <a:extLst>
-            <a:ext uri="{909E8E84-426E-40DD-AFC4-6F175D3DCCD1}">
-              <a14:hiddenFill xmlns:a14="http://schemas.microsoft.com/office/drawing/2010/main">
-                <a:solidFill>
-                  <a:srgbClr val="FFFFFF"/>
-                </a:solidFill>
-              </a14:hiddenFill>
-            </a:ext>
-          </a:extLst>
         </p:spPr>
-      </p:pic>
+        <p:txBody>
+          <a:bodyPr wrap="square" rtlCol="0">
+            <a:spAutoFit/>
+          </a:bodyPr>
+          <a:lstStyle/>
+          <a:p>
+            <a:r>
+              <a:rPr lang="en-US" b="1" dirty="0">
+                <a:solidFill>
+                  <a:schemeClr val="bg1"/>
+                </a:solidFill>
+              </a:rPr>
+              <a:t>Various categorization</a:t>
+            </a:r>
+          </a:p>
+          <a:p>
+            <a:r>
+              <a:rPr lang="en-US" b="1" dirty="0">
+                <a:solidFill>
+                  <a:schemeClr val="bg1"/>
+                </a:solidFill>
+              </a:rPr>
+              <a:t>	Based on deployment model</a:t>
+            </a:r>
+          </a:p>
+          <a:p>
+            <a:r>
+              <a:rPr lang="en-US" b="1" dirty="0">
+                <a:solidFill>
+                  <a:schemeClr val="bg1"/>
+                </a:solidFill>
+              </a:rPr>
+              <a:t>		Public Cloud</a:t>
+            </a:r>
+          </a:p>
+          <a:p>
+            <a:r>
+              <a:rPr lang="en-US" b="1" dirty="0">
+                <a:solidFill>
+                  <a:schemeClr val="bg1"/>
+                </a:solidFill>
+              </a:rPr>
+              <a:t>		Private Cloud</a:t>
+            </a:r>
+          </a:p>
+          <a:p>
+            <a:r>
+              <a:rPr lang="en-US" b="1" dirty="0">
+                <a:solidFill>
+                  <a:schemeClr val="bg1"/>
+                </a:solidFill>
+              </a:rPr>
+              <a:t>		Hybrid</a:t>
+            </a:r>
+          </a:p>
+          <a:p>
+            <a:endParaRPr lang="en-US" b="1" dirty="0">
+              <a:solidFill>
+                <a:schemeClr val="bg1"/>
+              </a:solidFill>
+            </a:endParaRPr>
+          </a:p>
+          <a:p>
+            <a:r>
+              <a:rPr lang="en-US" b="1" dirty="0">
+                <a:solidFill>
+                  <a:schemeClr val="bg1"/>
+                </a:solidFill>
+              </a:rPr>
+              <a:t>	Based on services exposed</a:t>
+            </a:r>
+          </a:p>
+          <a:p>
+            <a:r>
+              <a:rPr lang="en-US" b="1" dirty="0">
+                <a:solidFill>
+                  <a:schemeClr val="bg1"/>
+                </a:solidFill>
+              </a:rPr>
+              <a:t>		SaaS</a:t>
+            </a:r>
+          </a:p>
+          <a:p>
+            <a:r>
+              <a:rPr lang="en-US" b="1" dirty="0">
+                <a:solidFill>
+                  <a:schemeClr val="bg1"/>
+                </a:solidFill>
+              </a:rPr>
+              <a:t>		PaaS</a:t>
+            </a:r>
+          </a:p>
+          <a:p>
+            <a:r>
+              <a:rPr lang="en-US" b="1" dirty="0">
+                <a:solidFill>
+                  <a:schemeClr val="bg1"/>
+                </a:solidFill>
+              </a:rPr>
+              <a:t>		IaaS</a:t>
+            </a:r>
+          </a:p>
+          <a:p>
+            <a:r>
+              <a:rPr lang="en-US" b="1" dirty="0">
+                <a:solidFill>
+                  <a:schemeClr val="bg1"/>
+                </a:solidFill>
+              </a:rPr>
+              <a:t>		</a:t>
+            </a:r>
+            <a:r>
+              <a:rPr lang="en-US" b="1" dirty="0" err="1">
+                <a:solidFill>
+                  <a:schemeClr val="bg1"/>
+                </a:solidFill>
+              </a:rPr>
+              <a:t>FaaS</a:t>
+            </a:r>
+            <a:r>
+              <a:rPr lang="en-US" b="1" dirty="0">
+                <a:solidFill>
+                  <a:schemeClr val="bg1"/>
+                </a:solidFill>
+              </a:rPr>
+              <a:t>: Function as a Service	</a:t>
+            </a:r>
+          </a:p>
+        </p:txBody>
+      </p:sp>
     </p:spTree>
     <p:extLst>
       <p:ext uri="{BB962C8B-B14F-4D97-AF65-F5344CB8AC3E}">
-        <p14:creationId xmlns:p14="http://schemas.microsoft.com/office/powerpoint/2010/main" val="1574681834"/>
+        <p14:creationId xmlns:p14="http://schemas.microsoft.com/office/powerpoint/2010/main" val="842652848"/>
       </p:ext>
     </p:extLst>
   </p:cSld>
@@ -7762,507 +7702,6 @@
                 </a:solidFill>
                 <a:latin typeface="+mn-lt"/>
               </a:rPr>
-              <a:t>Cloud means?</a:t>
-            </a:r>
-            <a:endParaRPr lang="en-IN" dirty="0">
-              <a:solidFill>
-                <a:schemeClr val="bg1"/>
-              </a:solidFill>
-              <a:latin typeface="+mn-lt"/>
-            </a:endParaRPr>
-          </a:p>
-        </p:txBody>
-      </p:sp>
-      <p:sp>
-        <p:nvSpPr>
-          <p:cNvPr id="4" name="TextBox 3">
-            <a:extLst>
-              <a:ext uri="{FF2B5EF4-FFF2-40B4-BE49-F238E27FC236}">
-                <a16:creationId xmlns:a16="http://schemas.microsoft.com/office/drawing/2014/main" id="{A32609F5-383A-417E-B9B0-CE955463E2E4}"/>
-              </a:ext>
-            </a:extLst>
-          </p:cNvPr>
-          <p:cNvSpPr txBox="1"/>
-          <p:nvPr/>
-        </p:nvSpPr>
-        <p:spPr>
-          <a:xfrm>
-            <a:off x="838200" y="1779687"/>
-            <a:ext cx="10515600" cy="4524315"/>
-          </a:xfrm>
-          <a:prstGeom prst="rect">
-            <a:avLst/>
-          </a:prstGeom>
-          <a:noFill/>
-        </p:spPr>
-        <p:txBody>
-          <a:bodyPr wrap="square" rtlCol="0">
-            <a:spAutoFit/>
-          </a:bodyPr>
-          <a:lstStyle/>
-          <a:p>
-            <a:r>
-              <a:rPr lang="en-US" b="1" dirty="0">
-                <a:solidFill>
-                  <a:schemeClr val="bg1"/>
-                </a:solidFill>
-              </a:rPr>
-              <a:t>Generally 2 meaning</a:t>
-            </a:r>
-          </a:p>
-          <a:p>
-            <a:r>
-              <a:rPr lang="en-US" b="1" dirty="0">
-                <a:solidFill>
-                  <a:schemeClr val="bg1"/>
-                </a:solidFill>
-              </a:rPr>
-              <a:t>	Most common </a:t>
-            </a:r>
-          </a:p>
-          <a:p>
-            <a:r>
-              <a:rPr lang="en-US" b="1" dirty="0">
-                <a:solidFill>
-                  <a:schemeClr val="bg1"/>
-                </a:solidFill>
-              </a:rPr>
-              <a:t>		Running workloads remotely over the internet in a commercial provider’s data center</a:t>
-            </a:r>
-          </a:p>
-          <a:p>
-            <a:r>
-              <a:rPr lang="en-US" b="1" dirty="0">
-                <a:solidFill>
-                  <a:schemeClr val="bg1"/>
-                </a:solidFill>
-              </a:rPr>
-              <a:t>		Also known as the “public cloud” model. Popular public cloud offerings</a:t>
-            </a:r>
-          </a:p>
-          <a:p>
-            <a:r>
-              <a:rPr lang="en-US" b="1" dirty="0">
-                <a:solidFill>
-                  <a:schemeClr val="bg1"/>
-                </a:solidFill>
-              </a:rPr>
-              <a:t>			Amazon Web Services (AWS),</a:t>
-            </a:r>
-          </a:p>
-          <a:p>
-            <a:r>
-              <a:rPr lang="en-US" b="1" dirty="0">
-                <a:solidFill>
-                  <a:schemeClr val="bg1"/>
-                </a:solidFill>
-              </a:rPr>
-              <a:t>			Salesforce’s CRM system, </a:t>
-            </a:r>
-          </a:p>
-          <a:p>
-            <a:r>
-              <a:rPr lang="en-US" b="1" dirty="0">
-                <a:solidFill>
-                  <a:schemeClr val="bg1"/>
-                </a:solidFill>
-              </a:rPr>
-              <a:t>			Microsoft Azure—all </a:t>
-            </a:r>
-          </a:p>
-          <a:p>
-            <a:r>
-              <a:rPr lang="en-US" b="1" dirty="0">
-                <a:solidFill>
-                  <a:schemeClr val="bg1"/>
-                </a:solidFill>
-              </a:rPr>
-              <a:t>			Google public cloud</a:t>
-            </a:r>
-          </a:p>
-          <a:p>
-            <a:r>
-              <a:rPr lang="en-US" b="1" dirty="0">
-                <a:solidFill>
-                  <a:schemeClr val="bg1"/>
-                </a:solidFill>
-              </a:rPr>
-              <a:t>The second meaning </a:t>
-            </a:r>
-          </a:p>
-          <a:p>
-            <a:r>
-              <a:rPr lang="en-US" b="1" dirty="0">
-                <a:solidFill>
-                  <a:schemeClr val="bg1"/>
-                </a:solidFill>
-              </a:rPr>
-              <a:t>	Cloud computing </a:t>
-            </a:r>
-          </a:p>
-          <a:p>
-            <a:r>
-              <a:rPr lang="en-US" b="1" dirty="0">
-                <a:solidFill>
-                  <a:schemeClr val="bg1"/>
-                </a:solidFill>
-              </a:rPr>
-              <a:t>		describes how it works: </a:t>
-            </a:r>
-          </a:p>
-          <a:p>
-            <a:r>
-              <a:rPr lang="en-US" b="1" dirty="0">
-                <a:solidFill>
-                  <a:schemeClr val="bg1"/>
-                </a:solidFill>
-              </a:rPr>
-              <a:t>		a virtualized pool of resources, </a:t>
-            </a:r>
-          </a:p>
-          <a:p>
-            <a:r>
-              <a:rPr lang="en-US" b="1" dirty="0">
-                <a:solidFill>
-                  <a:schemeClr val="bg1"/>
-                </a:solidFill>
-              </a:rPr>
-              <a:t>		from raw compute power to application functionality, available on demand. </a:t>
-            </a:r>
-          </a:p>
-          <a:p>
-            <a:r>
-              <a:rPr lang="en-US" b="1" dirty="0">
-                <a:solidFill>
-                  <a:schemeClr val="bg1"/>
-                </a:solidFill>
-              </a:rPr>
-              <a:t>		When customers procure cloud services, the provider fulfills those requests using advanced automation rather than manual provisioning. </a:t>
-            </a:r>
-          </a:p>
-          <a:p>
-            <a:r>
-              <a:rPr lang="en-US" b="1" dirty="0">
-                <a:solidFill>
-                  <a:schemeClr val="bg1"/>
-                </a:solidFill>
-              </a:rPr>
-              <a:t>		The key advantage is agility.</a:t>
-            </a:r>
-          </a:p>
-        </p:txBody>
-      </p:sp>
-    </p:spTree>
-    <p:extLst>
-      <p:ext uri="{BB962C8B-B14F-4D97-AF65-F5344CB8AC3E}">
-        <p14:creationId xmlns:p14="http://schemas.microsoft.com/office/powerpoint/2010/main" val="2986676354"/>
-      </p:ext>
-    </p:extLst>
-  </p:cSld>
-  <p:clrMapOvr>
-    <a:masterClrMapping/>
-  </p:clrMapOvr>
-</p:sld>
-</file>
-
-<file path=ppt/slides/slide26.xml><?xml version="1.0" encoding="utf-8"?>
-<p:sld xmlns:a="http://schemas.openxmlformats.org/drawingml/2006/main" xmlns:r="http://schemas.openxmlformats.org/officeDocument/2006/relationships" xmlns:p="http://schemas.openxmlformats.org/presentationml/2006/main">
-  <p:cSld>
-    <p:bg>
-      <p:bgPr>
-        <a:solidFill>
-          <a:schemeClr val="tx2">
-            <a:lumMod val="60000"/>
-            <a:lumOff val="40000"/>
-          </a:schemeClr>
-        </a:solidFill>
-        <a:effectLst/>
-      </p:bgPr>
-    </p:bg>
-    <p:spTree>
-      <p:nvGrpSpPr>
-        <p:cNvPr id="1" name=""/>
-        <p:cNvGrpSpPr/>
-        <p:nvPr/>
-      </p:nvGrpSpPr>
-      <p:grpSpPr>
-        <a:xfrm>
-          <a:off x="0" y="0"/>
-          <a:ext cx="0" cy="0"/>
-          <a:chOff x="0" y="0"/>
-          <a:chExt cx="0" cy="0"/>
-        </a:xfrm>
-      </p:grpSpPr>
-      <p:sp>
-        <p:nvSpPr>
-          <p:cNvPr id="2" name="Title 1">
-            <a:extLst>
-              <a:ext uri="{FF2B5EF4-FFF2-40B4-BE49-F238E27FC236}">
-                <a16:creationId xmlns:a16="http://schemas.microsoft.com/office/drawing/2014/main" id="{51F2C05B-3556-493B-855C-1F19ADDBAF69}"/>
-              </a:ext>
-            </a:extLst>
-          </p:cNvPr>
-          <p:cNvSpPr>
-            <a:spLocks noGrp="1"/>
-          </p:cNvSpPr>
-          <p:nvPr>
-            <p:ph type="title"/>
-          </p:nvPr>
-        </p:nvSpPr>
-        <p:spPr>
-          <a:xfrm>
-            <a:off x="838200" y="365125"/>
-            <a:ext cx="11099104" cy="1325563"/>
-          </a:xfrm>
-        </p:spPr>
-        <p:txBody>
-          <a:bodyPr/>
-          <a:lstStyle/>
-          <a:p>
-            <a:r>
-              <a:rPr lang="en-US" dirty="0">
-                <a:solidFill>
-                  <a:schemeClr val="bg1"/>
-                </a:solidFill>
-                <a:latin typeface="+mn-lt"/>
-              </a:rPr>
-              <a:t>Type of Cloud</a:t>
-            </a:r>
-            <a:endParaRPr lang="en-IN" dirty="0">
-              <a:solidFill>
-                <a:schemeClr val="bg1"/>
-              </a:solidFill>
-              <a:latin typeface="+mn-lt"/>
-            </a:endParaRPr>
-          </a:p>
-        </p:txBody>
-      </p:sp>
-      <p:sp>
-        <p:nvSpPr>
-          <p:cNvPr id="4" name="TextBox 3">
-            <a:extLst>
-              <a:ext uri="{FF2B5EF4-FFF2-40B4-BE49-F238E27FC236}">
-                <a16:creationId xmlns:a16="http://schemas.microsoft.com/office/drawing/2014/main" id="{A32609F5-383A-417E-B9B0-CE955463E2E4}"/>
-              </a:ext>
-            </a:extLst>
-          </p:cNvPr>
-          <p:cNvSpPr txBox="1"/>
-          <p:nvPr/>
-        </p:nvSpPr>
-        <p:spPr>
-          <a:xfrm>
-            <a:off x="838200" y="1779687"/>
-            <a:ext cx="10515600" cy="3139321"/>
-          </a:xfrm>
-          <a:prstGeom prst="rect">
-            <a:avLst/>
-          </a:prstGeom>
-          <a:noFill/>
-        </p:spPr>
-        <p:txBody>
-          <a:bodyPr wrap="square" rtlCol="0">
-            <a:spAutoFit/>
-          </a:bodyPr>
-          <a:lstStyle/>
-          <a:p>
-            <a:r>
-              <a:rPr lang="en-US" b="1" dirty="0">
-                <a:solidFill>
-                  <a:schemeClr val="bg1"/>
-                </a:solidFill>
-              </a:rPr>
-              <a:t>Various categorization</a:t>
-            </a:r>
-          </a:p>
-          <a:p>
-            <a:r>
-              <a:rPr lang="en-US" b="1" dirty="0">
-                <a:solidFill>
-                  <a:schemeClr val="bg1"/>
-                </a:solidFill>
-              </a:rPr>
-              <a:t>	Based on deployment model</a:t>
-            </a:r>
-          </a:p>
-          <a:p>
-            <a:r>
-              <a:rPr lang="en-US" b="1" dirty="0">
-                <a:solidFill>
-                  <a:schemeClr val="bg1"/>
-                </a:solidFill>
-              </a:rPr>
-              <a:t>		Public Cloud</a:t>
-            </a:r>
-          </a:p>
-          <a:p>
-            <a:r>
-              <a:rPr lang="en-US" b="1" dirty="0">
-                <a:solidFill>
-                  <a:schemeClr val="bg1"/>
-                </a:solidFill>
-              </a:rPr>
-              <a:t>		Private Cloud</a:t>
-            </a:r>
-          </a:p>
-          <a:p>
-            <a:r>
-              <a:rPr lang="en-US" b="1" dirty="0">
-                <a:solidFill>
-                  <a:schemeClr val="bg1"/>
-                </a:solidFill>
-              </a:rPr>
-              <a:t>		Hybrid</a:t>
-            </a:r>
-          </a:p>
-          <a:p>
-            <a:endParaRPr lang="en-US" b="1" dirty="0">
-              <a:solidFill>
-                <a:schemeClr val="bg1"/>
-              </a:solidFill>
-            </a:endParaRPr>
-          </a:p>
-          <a:p>
-            <a:r>
-              <a:rPr lang="en-US" b="1" dirty="0">
-                <a:solidFill>
-                  <a:schemeClr val="bg1"/>
-                </a:solidFill>
-              </a:rPr>
-              <a:t>	Based on services exposed</a:t>
-            </a:r>
-          </a:p>
-          <a:p>
-            <a:r>
-              <a:rPr lang="en-US" b="1" dirty="0">
-                <a:solidFill>
-                  <a:schemeClr val="bg1"/>
-                </a:solidFill>
-              </a:rPr>
-              <a:t>		SaaS</a:t>
-            </a:r>
-          </a:p>
-          <a:p>
-            <a:r>
-              <a:rPr lang="en-US" b="1" dirty="0">
-                <a:solidFill>
-                  <a:schemeClr val="bg1"/>
-                </a:solidFill>
-              </a:rPr>
-              <a:t>		PaaS</a:t>
-            </a:r>
-          </a:p>
-          <a:p>
-            <a:r>
-              <a:rPr lang="en-US" b="1" dirty="0">
-                <a:solidFill>
-                  <a:schemeClr val="bg1"/>
-                </a:solidFill>
-              </a:rPr>
-              <a:t>		IaaS</a:t>
-            </a:r>
-          </a:p>
-          <a:p>
-            <a:r>
-              <a:rPr lang="en-US" b="1" dirty="0">
-                <a:solidFill>
-                  <a:schemeClr val="bg1"/>
-                </a:solidFill>
-              </a:rPr>
-              <a:t>		</a:t>
-            </a:r>
-            <a:r>
-              <a:rPr lang="en-US" b="1" dirty="0" err="1">
-                <a:solidFill>
-                  <a:schemeClr val="bg1"/>
-                </a:solidFill>
-              </a:rPr>
-              <a:t>FaaS</a:t>
-            </a:r>
-            <a:r>
-              <a:rPr lang="en-US" b="1" dirty="0">
-                <a:solidFill>
-                  <a:schemeClr val="bg1"/>
-                </a:solidFill>
-              </a:rPr>
-              <a:t>: Function as a Service	</a:t>
-            </a:r>
-          </a:p>
-        </p:txBody>
-      </p:sp>
-    </p:spTree>
-    <p:extLst>
-      <p:ext uri="{BB962C8B-B14F-4D97-AF65-F5344CB8AC3E}">
-        <p14:creationId xmlns:p14="http://schemas.microsoft.com/office/powerpoint/2010/main" val="842652848"/>
-      </p:ext>
-    </p:extLst>
-  </p:cSld>
-  <p:clrMapOvr>
-    <a:masterClrMapping/>
-  </p:clrMapOvr>
-</p:sld>
-</file>
-
-<file path=ppt/slides/slide27.xml><?xml version="1.0" encoding="utf-8"?>
-<p:sld xmlns:a="http://schemas.openxmlformats.org/drawingml/2006/main" xmlns:r="http://schemas.openxmlformats.org/officeDocument/2006/relationships" xmlns:p="http://schemas.openxmlformats.org/presentationml/2006/main">
-  <p:cSld>
-    <p:bg>
-      <p:bgPr>
-        <a:solidFill>
-          <a:schemeClr val="tx2">
-            <a:lumMod val="60000"/>
-            <a:lumOff val="40000"/>
-          </a:schemeClr>
-        </a:solidFill>
-        <a:effectLst/>
-      </p:bgPr>
-    </p:bg>
-    <p:spTree>
-      <p:nvGrpSpPr>
-        <p:cNvPr id="1" name=""/>
-        <p:cNvGrpSpPr/>
-        <p:nvPr/>
-      </p:nvGrpSpPr>
-      <p:grpSpPr>
-        <a:xfrm>
-          <a:off x="0" y="0"/>
-          <a:ext cx="0" cy="0"/>
-          <a:chOff x="0" y="0"/>
-          <a:chExt cx="0" cy="0"/>
-        </a:xfrm>
-      </p:grpSpPr>
-      <p:sp>
-        <p:nvSpPr>
-          <p:cNvPr id="2" name="Title 1">
-            <a:extLst>
-              <a:ext uri="{FF2B5EF4-FFF2-40B4-BE49-F238E27FC236}">
-                <a16:creationId xmlns:a16="http://schemas.microsoft.com/office/drawing/2014/main" id="{51F2C05B-3556-493B-855C-1F19ADDBAF69}"/>
-              </a:ext>
-            </a:extLst>
-          </p:cNvPr>
-          <p:cNvSpPr>
-            <a:spLocks noGrp="1"/>
-          </p:cNvSpPr>
-          <p:nvPr>
-            <p:ph type="title"/>
-          </p:nvPr>
-        </p:nvSpPr>
-        <p:spPr>
-          <a:xfrm>
-            <a:off x="838200" y="365125"/>
-            <a:ext cx="11099104" cy="1325563"/>
-          </a:xfrm>
-        </p:spPr>
-        <p:txBody>
-          <a:bodyPr/>
-          <a:lstStyle/>
-          <a:p>
-            <a:r>
-              <a:rPr lang="en-US" dirty="0">
-                <a:solidFill>
-                  <a:schemeClr val="bg1"/>
-                </a:solidFill>
-                <a:latin typeface="+mn-lt"/>
-              </a:rPr>
               <a:t> Migrating from monolith to microservices</a:t>
             </a:r>
             <a:endParaRPr lang="en-IN" dirty="0">
@@ -8343,7 +7782,7 @@
 </p:sld>
 </file>
 
-<file path=ppt/slides/slide28.xml><?xml version="1.0" encoding="utf-8"?>
+<file path=ppt/slides/slide26.xml><?xml version="1.0" encoding="utf-8"?>
 <p:sld xmlns:a="http://schemas.openxmlformats.org/drawingml/2006/main" xmlns:r="http://schemas.openxmlformats.org/officeDocument/2006/relationships" xmlns:p="http://schemas.openxmlformats.org/presentationml/2006/main">
   <p:cSld>
     <p:bg>
@@ -8653,7 +8092,16 @@
                 </a:solidFill>
                 <a:latin typeface="+mn-lt"/>
               </a:rPr>
-              <a:t> Dependency Injection and Inversion of Control</a:t>
+              <a:t> 3 Key points of </a:t>
+            </a:r>
+            <a:r>
+              <a:rPr lang="en-US" dirty="0" err="1">
+                <a:solidFill>
+                  <a:schemeClr val="bg1"/>
+                </a:solidFill>
+                <a:latin typeface="+mn-lt"/>
+              </a:rPr>
+              <a:t>WebServices</a:t>
             </a:r>
             <a:endParaRPr lang="en-IN" dirty="0">
               <a:solidFill>
@@ -8678,8 +8126,8 @@
         </p:nvSpPr>
         <p:spPr>
           <a:xfrm>
-            <a:off x="754516" y="5541464"/>
-            <a:ext cx="10599284" cy="923330"/>
+            <a:off x="838200" y="1779687"/>
+            <a:ext cx="10515600" cy="2308324"/>
           </a:xfrm>
           <a:prstGeom prst="rect">
             <a:avLst/>
@@ -8698,11 +8146,11 @@
                   <a:schemeClr val="bg1"/>
                 </a:solidFill>
               </a:rPr>
-              <a:t>Refer Dependency Injection</a:t>
-            </a:r>
-          </a:p>
-          <a:p>
-            <a:endParaRPr lang="en-US" dirty="0">
+              <a:t>Designed for machine-to-machine interaction</a:t>
+            </a:r>
+          </a:p>
+          <a:p>
+            <a:endParaRPr lang="en-US" b="1" dirty="0">
               <a:solidFill>
                 <a:schemeClr val="bg1"/>
               </a:solidFill>
@@ -8715,100 +8163,62 @@
                   <a:schemeClr val="bg1"/>
                 </a:solidFill>
               </a:rPr>
-              <a:t>D:\PraiseTheLord\HSBGInfotech\Freshers\Edureka\SOLID\DIP.java</a:t>
-            </a:r>
-            <a:r>
-              <a:rPr lang="en-US" dirty="0">
-                <a:solidFill>
-                  <a:schemeClr val="bg1"/>
-                </a:solidFill>
-              </a:rPr>
-              <a:t>	</a:t>
-            </a:r>
-          </a:p>
-        </p:txBody>
-      </p:sp>
-      <p:pic>
-        <p:nvPicPr>
-          <p:cNvPr id="3" name="Picture 2">
-            <a:extLst>
-              <a:ext uri="{FF2B5EF4-FFF2-40B4-BE49-F238E27FC236}">
-                <a16:creationId xmlns:a16="http://schemas.microsoft.com/office/drawing/2014/main" id="{A8DEC74F-63CE-41C9-93F2-DAD20F93738D}"/>
-              </a:ext>
-            </a:extLst>
-          </p:cNvPr>
-          <p:cNvPicPr>
-            <a:picLocks noChangeAspect="1"/>
-          </p:cNvPicPr>
-          <p:nvPr/>
-        </p:nvPicPr>
-        <p:blipFill>
-          <a:blip r:embed="rId2"/>
-          <a:stretch>
-            <a:fillRect/>
-          </a:stretch>
-        </p:blipFill>
-        <p:spPr>
-          <a:xfrm>
-            <a:off x="754516" y="1690688"/>
-            <a:ext cx="4557713" cy="3828369"/>
-          </a:xfrm>
-          <a:prstGeom prst="rect">
-            <a:avLst/>
-          </a:prstGeom>
-        </p:spPr>
-      </p:pic>
-      <p:pic>
-        <p:nvPicPr>
-          <p:cNvPr id="2050" name="Picture 2" descr="gray sports coupe parking during daytime">
-            <a:extLst>
-              <a:ext uri="{FF2B5EF4-FFF2-40B4-BE49-F238E27FC236}">
-                <a16:creationId xmlns:a16="http://schemas.microsoft.com/office/drawing/2014/main" id="{47422BE5-9D79-4B48-A74D-35EBFC4FBAB1}"/>
-              </a:ext>
-            </a:extLst>
-          </p:cNvPr>
-          <p:cNvPicPr>
-            <a:picLocks noChangeAspect="1" noChangeArrowheads="1"/>
-          </p:cNvPicPr>
-          <p:nvPr/>
-        </p:nvPicPr>
-        <p:blipFill>
-          <a:blip r:embed="rId3">
-            <a:extLst>
-              <a:ext uri="{28A0092B-C50C-407E-A947-70E740481C1C}">
-                <a14:useLocalDpi xmlns:a14="http://schemas.microsoft.com/office/drawing/2010/main" val="0"/>
-              </a:ext>
-            </a:extLst>
-          </a:blip>
-          <a:srcRect/>
-          <a:stretch>
-            <a:fillRect/>
-          </a:stretch>
-        </p:blipFill>
-        <p:spPr bwMode="auto">
-          <a:xfrm>
-            <a:off x="6096000" y="1690688"/>
-            <a:ext cx="5257800" cy="3828369"/>
-          </a:xfrm>
-          <a:prstGeom prst="rect">
-            <a:avLst/>
-          </a:prstGeom>
-          <a:noFill/>
-          <a:extLst>
-            <a:ext uri="{909E8E84-426E-40DD-AFC4-6F175D3DCCD1}">
-              <a14:hiddenFill xmlns:a14="http://schemas.microsoft.com/office/drawing/2010/main">
-                <a:solidFill>
-                  <a:srgbClr val="FFFFFF"/>
-                </a:solidFill>
-              </a14:hiddenFill>
-            </a:ext>
-          </a:extLst>
-        </p:spPr>
-      </p:pic>
+              <a:t>Should be interoperable</a:t>
+            </a:r>
+          </a:p>
+          <a:p>
+            <a:r>
+              <a:rPr lang="en-US" b="1" dirty="0">
+                <a:solidFill>
+                  <a:schemeClr val="bg1"/>
+                </a:solidFill>
+              </a:rPr>
+              <a:t>	An application/machine can talk to my app irrespective of any platform.</a:t>
+            </a:r>
+          </a:p>
+          <a:p>
+            <a:endParaRPr lang="en-US" b="1" dirty="0">
+              <a:solidFill>
+                <a:schemeClr val="bg1"/>
+              </a:solidFill>
+            </a:endParaRPr>
+          </a:p>
+          <a:p>
+            <a:r>
+              <a:rPr lang="en-US" b="1" dirty="0">
+                <a:solidFill>
+                  <a:schemeClr val="bg1"/>
+                </a:solidFill>
+              </a:rPr>
+              <a:t>Over the network.</a:t>
+            </a:r>
+          </a:p>
+          <a:p>
+            <a:r>
+              <a:rPr lang="en-US" b="1" dirty="0">
+                <a:solidFill>
+                  <a:schemeClr val="bg1"/>
+                </a:solidFill>
+              </a:rPr>
+              <a:t>	RPC.</a:t>
+            </a:r>
+          </a:p>
+          <a:p>
+            <a:r>
+              <a:rPr lang="en-US" b="1" dirty="0">
+                <a:solidFill>
+                  <a:schemeClr val="bg1"/>
+                </a:solidFill>
+              </a:rPr>
+              <a:t>	Not a local instance method call.</a:t>
+            </a:r>
+          </a:p>
+        </p:txBody>
+      </p:sp>
     </p:spTree>
     <p:extLst>
       <p:ext uri="{BB962C8B-B14F-4D97-AF65-F5344CB8AC3E}">
-        <p14:creationId xmlns:p14="http://schemas.microsoft.com/office/powerpoint/2010/main" val="2204555334"/>
+        <p14:creationId xmlns:p14="http://schemas.microsoft.com/office/powerpoint/2010/main" val="3858039464"/>
       </p:ext>
     </p:extLst>
   </p:cSld>
@@ -8879,407 +8289,6 @@
                 </a:solidFill>
                 <a:latin typeface="+mn-lt"/>
               </a:rPr>
-              <a:t> </a:t>
-            </a:r>
-            <a:r>
-              <a:rPr lang="en-US" dirty="0" err="1">
-                <a:solidFill>
-                  <a:schemeClr val="bg1"/>
-                </a:solidFill>
-                <a:latin typeface="+mn-lt"/>
-              </a:rPr>
-              <a:t>WebService</a:t>
-            </a:r>
-            <a:endParaRPr lang="en-IN" dirty="0">
-              <a:solidFill>
-                <a:schemeClr val="bg1"/>
-              </a:solidFill>
-              <a:latin typeface="+mn-lt"/>
-            </a:endParaRPr>
-          </a:p>
-        </p:txBody>
-      </p:sp>
-      <p:sp>
-        <p:nvSpPr>
-          <p:cNvPr id="4" name="TextBox 3">
-            <a:extLst>
-              <a:ext uri="{FF2B5EF4-FFF2-40B4-BE49-F238E27FC236}">
-                <a16:creationId xmlns:a16="http://schemas.microsoft.com/office/drawing/2014/main" id="{A32609F5-383A-417E-B9B0-CE955463E2E4}"/>
-              </a:ext>
-            </a:extLst>
-          </p:cNvPr>
-          <p:cNvSpPr txBox="1"/>
-          <p:nvPr/>
-        </p:nvSpPr>
-        <p:spPr>
-          <a:xfrm>
-            <a:off x="838200" y="1779687"/>
-            <a:ext cx="10515600" cy="2585323"/>
-          </a:xfrm>
-          <a:prstGeom prst="rect">
-            <a:avLst/>
-          </a:prstGeom>
-          <a:noFill/>
-        </p:spPr>
-        <p:txBody>
-          <a:bodyPr wrap="square" rtlCol="0">
-            <a:spAutoFit/>
-          </a:bodyPr>
-          <a:lstStyle/>
-          <a:p>
-            <a:r>
-              <a:rPr lang="en-US" b="1" dirty="0">
-                <a:solidFill>
-                  <a:schemeClr val="bg1"/>
-                </a:solidFill>
-              </a:rPr>
-              <a:t>Software system designed to support interoperable machine-to-machine interaction over a network.</a:t>
-            </a:r>
-          </a:p>
-          <a:p>
-            <a:endParaRPr lang="en-US" b="1" dirty="0">
-              <a:solidFill>
-                <a:schemeClr val="bg1"/>
-              </a:solidFill>
-            </a:endParaRPr>
-          </a:p>
-          <a:p>
-            <a:endParaRPr lang="en-US" b="1" dirty="0">
-              <a:solidFill>
-                <a:schemeClr val="bg1"/>
-              </a:solidFill>
-            </a:endParaRPr>
-          </a:p>
-          <a:p>
-            <a:r>
-              <a:rPr lang="en-US" b="1" dirty="0">
-                <a:solidFill>
-                  <a:schemeClr val="bg1"/>
-                </a:solidFill>
-              </a:rPr>
-              <a:t>Human beings</a:t>
-            </a:r>
-          </a:p>
-          <a:p>
-            <a:r>
-              <a:rPr lang="en-US" b="1" dirty="0">
-                <a:solidFill>
-                  <a:schemeClr val="bg1"/>
-                </a:solidFill>
-              </a:rPr>
-              <a:t>	HTML over the web : excellent solution. </a:t>
-            </a:r>
-          </a:p>
-          <a:p>
-            <a:r>
-              <a:rPr lang="en-US" b="1" dirty="0">
-                <a:solidFill>
-                  <a:schemeClr val="bg1"/>
-                </a:solidFill>
-              </a:rPr>
-              <a:t>	Because of browser and other tools.</a:t>
-            </a:r>
-          </a:p>
-          <a:p>
-            <a:endParaRPr lang="en-US" b="1" dirty="0">
-              <a:solidFill>
-                <a:schemeClr val="bg1"/>
-              </a:solidFill>
-            </a:endParaRPr>
-          </a:p>
-          <a:p>
-            <a:r>
-              <a:rPr lang="en-US" b="1" dirty="0">
-                <a:solidFill>
-                  <a:schemeClr val="bg1"/>
-                </a:solidFill>
-              </a:rPr>
-              <a:t>Machine/application </a:t>
-            </a:r>
-          </a:p>
-          <a:p>
-            <a:r>
-              <a:rPr lang="en-US" b="1" dirty="0">
-                <a:solidFill>
-                  <a:schemeClr val="bg1"/>
-                </a:solidFill>
-              </a:rPr>
-              <a:t>	there are better solutions than html.</a:t>
-            </a:r>
-          </a:p>
-        </p:txBody>
-      </p:sp>
-    </p:spTree>
-    <p:extLst>
-      <p:ext uri="{BB962C8B-B14F-4D97-AF65-F5344CB8AC3E}">
-        <p14:creationId xmlns:p14="http://schemas.microsoft.com/office/powerpoint/2010/main" val="2661223071"/>
-      </p:ext>
-    </p:extLst>
-  </p:cSld>
-  <p:clrMapOvr>
-    <a:masterClrMapping/>
-  </p:clrMapOvr>
-</p:sld>
-</file>
-
-<file path=ppt/slides/slide5.xml><?xml version="1.0" encoding="utf-8"?>
-<p:sld xmlns:a="http://schemas.openxmlformats.org/drawingml/2006/main" xmlns:r="http://schemas.openxmlformats.org/officeDocument/2006/relationships" xmlns:p="http://schemas.openxmlformats.org/presentationml/2006/main">
-  <p:cSld>
-    <p:bg>
-      <p:bgPr>
-        <a:solidFill>
-          <a:schemeClr val="tx2">
-            <a:lumMod val="60000"/>
-            <a:lumOff val="40000"/>
-          </a:schemeClr>
-        </a:solidFill>
-        <a:effectLst/>
-      </p:bgPr>
-    </p:bg>
-    <p:spTree>
-      <p:nvGrpSpPr>
-        <p:cNvPr id="1" name=""/>
-        <p:cNvGrpSpPr/>
-        <p:nvPr/>
-      </p:nvGrpSpPr>
-      <p:grpSpPr>
-        <a:xfrm>
-          <a:off x="0" y="0"/>
-          <a:ext cx="0" cy="0"/>
-          <a:chOff x="0" y="0"/>
-          <a:chExt cx="0" cy="0"/>
-        </a:xfrm>
-      </p:grpSpPr>
-      <p:sp>
-        <p:nvSpPr>
-          <p:cNvPr id="2" name="Title 1">
-            <a:extLst>
-              <a:ext uri="{FF2B5EF4-FFF2-40B4-BE49-F238E27FC236}">
-                <a16:creationId xmlns:a16="http://schemas.microsoft.com/office/drawing/2014/main" id="{51F2C05B-3556-493B-855C-1F19ADDBAF69}"/>
-              </a:ext>
-            </a:extLst>
-          </p:cNvPr>
-          <p:cNvSpPr>
-            <a:spLocks noGrp="1"/>
-          </p:cNvSpPr>
-          <p:nvPr>
-            <p:ph type="title"/>
-          </p:nvPr>
-        </p:nvSpPr>
-        <p:spPr>
-          <a:xfrm>
-            <a:off x="838200" y="365125"/>
-            <a:ext cx="11099104" cy="1325563"/>
-          </a:xfrm>
-        </p:spPr>
-        <p:txBody>
-          <a:bodyPr/>
-          <a:lstStyle/>
-          <a:p>
-            <a:r>
-              <a:rPr lang="en-US" dirty="0">
-                <a:solidFill>
-                  <a:schemeClr val="bg1"/>
-                </a:solidFill>
-                <a:latin typeface="+mn-lt"/>
-              </a:rPr>
-              <a:t> 3 Key points of </a:t>
-            </a:r>
-            <a:r>
-              <a:rPr lang="en-US" dirty="0" err="1">
-                <a:solidFill>
-                  <a:schemeClr val="bg1"/>
-                </a:solidFill>
-                <a:latin typeface="+mn-lt"/>
-              </a:rPr>
-              <a:t>WebServices</a:t>
-            </a:r>
-            <a:endParaRPr lang="en-IN" dirty="0">
-              <a:solidFill>
-                <a:schemeClr val="bg1"/>
-              </a:solidFill>
-              <a:latin typeface="+mn-lt"/>
-            </a:endParaRPr>
-          </a:p>
-        </p:txBody>
-      </p:sp>
-      <p:sp>
-        <p:nvSpPr>
-          <p:cNvPr id="4" name="TextBox 3">
-            <a:extLst>
-              <a:ext uri="{FF2B5EF4-FFF2-40B4-BE49-F238E27FC236}">
-                <a16:creationId xmlns:a16="http://schemas.microsoft.com/office/drawing/2014/main" id="{A32609F5-383A-417E-B9B0-CE955463E2E4}"/>
-              </a:ext>
-            </a:extLst>
-          </p:cNvPr>
-          <p:cNvSpPr txBox="1"/>
-          <p:nvPr/>
-        </p:nvSpPr>
-        <p:spPr>
-          <a:xfrm>
-            <a:off x="838200" y="1779687"/>
-            <a:ext cx="10515600" cy="2308324"/>
-          </a:xfrm>
-          <a:prstGeom prst="rect">
-            <a:avLst/>
-          </a:prstGeom>
-          <a:noFill/>
-        </p:spPr>
-        <p:txBody>
-          <a:bodyPr wrap="square" rtlCol="0">
-            <a:spAutoFit/>
-          </a:bodyPr>
-          <a:lstStyle/>
-          <a:p>
-            <a:r>
-              <a:rPr lang="en-US" b="1" dirty="0">
-                <a:solidFill>
-                  <a:schemeClr val="bg1"/>
-                </a:solidFill>
-              </a:rPr>
-              <a:t>Designed for machine-to-machine interaction</a:t>
-            </a:r>
-          </a:p>
-          <a:p>
-            <a:endParaRPr lang="en-US" b="1" dirty="0">
-              <a:solidFill>
-                <a:schemeClr val="bg1"/>
-              </a:solidFill>
-            </a:endParaRPr>
-          </a:p>
-          <a:p>
-            <a:r>
-              <a:rPr lang="en-US" b="1" dirty="0">
-                <a:solidFill>
-                  <a:schemeClr val="bg1"/>
-                </a:solidFill>
-              </a:rPr>
-              <a:t>Should be interoperable</a:t>
-            </a:r>
-          </a:p>
-          <a:p>
-            <a:r>
-              <a:rPr lang="en-US" b="1" dirty="0">
-                <a:solidFill>
-                  <a:schemeClr val="bg1"/>
-                </a:solidFill>
-              </a:rPr>
-              <a:t>	An application/machine can talk to my app irrespective of any platform.</a:t>
-            </a:r>
-          </a:p>
-          <a:p>
-            <a:endParaRPr lang="en-US" b="1" dirty="0">
-              <a:solidFill>
-                <a:schemeClr val="bg1"/>
-              </a:solidFill>
-            </a:endParaRPr>
-          </a:p>
-          <a:p>
-            <a:r>
-              <a:rPr lang="en-US" b="1" dirty="0">
-                <a:solidFill>
-                  <a:schemeClr val="bg1"/>
-                </a:solidFill>
-              </a:rPr>
-              <a:t>Over the network.</a:t>
-            </a:r>
-          </a:p>
-          <a:p>
-            <a:r>
-              <a:rPr lang="en-US" b="1" dirty="0">
-                <a:solidFill>
-                  <a:schemeClr val="bg1"/>
-                </a:solidFill>
-              </a:rPr>
-              <a:t>	RPC.</a:t>
-            </a:r>
-          </a:p>
-          <a:p>
-            <a:r>
-              <a:rPr lang="en-US" b="1" dirty="0">
-                <a:solidFill>
-                  <a:schemeClr val="bg1"/>
-                </a:solidFill>
-              </a:rPr>
-              <a:t>	Not a local instance method call.</a:t>
-            </a:r>
-          </a:p>
-        </p:txBody>
-      </p:sp>
-    </p:spTree>
-    <p:extLst>
-      <p:ext uri="{BB962C8B-B14F-4D97-AF65-F5344CB8AC3E}">
-        <p14:creationId xmlns:p14="http://schemas.microsoft.com/office/powerpoint/2010/main" val="3858039464"/>
-      </p:ext>
-    </p:extLst>
-  </p:cSld>
-  <p:clrMapOvr>
-    <a:masterClrMapping/>
-  </p:clrMapOvr>
-</p:sld>
-</file>
-
-<file path=ppt/slides/slide6.xml><?xml version="1.0" encoding="utf-8"?>
-<p:sld xmlns:a="http://schemas.openxmlformats.org/drawingml/2006/main" xmlns:r="http://schemas.openxmlformats.org/officeDocument/2006/relationships" xmlns:p="http://schemas.openxmlformats.org/presentationml/2006/main">
-  <p:cSld>
-    <p:bg>
-      <p:bgPr>
-        <a:solidFill>
-          <a:schemeClr val="tx2">
-            <a:lumMod val="60000"/>
-            <a:lumOff val="40000"/>
-          </a:schemeClr>
-        </a:solidFill>
-        <a:effectLst/>
-      </p:bgPr>
-    </p:bg>
-    <p:spTree>
-      <p:nvGrpSpPr>
-        <p:cNvPr id="1" name=""/>
-        <p:cNvGrpSpPr/>
-        <p:nvPr/>
-      </p:nvGrpSpPr>
-      <p:grpSpPr>
-        <a:xfrm>
-          <a:off x="0" y="0"/>
-          <a:ext cx="0" cy="0"/>
-          <a:chOff x="0" y="0"/>
-          <a:chExt cx="0" cy="0"/>
-        </a:xfrm>
-      </p:grpSpPr>
-      <p:sp>
-        <p:nvSpPr>
-          <p:cNvPr id="2" name="Title 1">
-            <a:extLst>
-              <a:ext uri="{FF2B5EF4-FFF2-40B4-BE49-F238E27FC236}">
-                <a16:creationId xmlns:a16="http://schemas.microsoft.com/office/drawing/2014/main" id="{51F2C05B-3556-493B-855C-1F19ADDBAF69}"/>
-              </a:ext>
-            </a:extLst>
-          </p:cNvPr>
-          <p:cNvSpPr>
-            <a:spLocks noGrp="1"/>
-          </p:cNvSpPr>
-          <p:nvPr>
-            <p:ph type="title"/>
-          </p:nvPr>
-        </p:nvSpPr>
-        <p:spPr>
-          <a:xfrm>
-            <a:off x="838200" y="365125"/>
-            <a:ext cx="11099104" cy="1325563"/>
-          </a:xfrm>
-        </p:spPr>
-        <p:txBody>
-          <a:bodyPr/>
-          <a:lstStyle/>
-          <a:p>
-            <a:r>
-              <a:rPr lang="en-US" dirty="0">
-                <a:solidFill>
-                  <a:schemeClr val="bg1"/>
-                </a:solidFill>
-                <a:latin typeface="+mn-lt"/>
-              </a:rPr>
               <a:t> Difference between SOAP and Rest</a:t>
             </a:r>
             <a:endParaRPr lang="en-IN" dirty="0">
@@ -9342,7 +8351,7 @@
           <p:nvPr>
             <p:extLst>
               <p:ext uri="{D42A27DB-BD31-4B8C-83A1-F6EECF244321}">
-                <p14:modId xmlns:p14="http://schemas.microsoft.com/office/powerpoint/2010/main" val="977151959"/>
+                <p14:modId xmlns:p14="http://schemas.microsoft.com/office/powerpoint/2010/main" val="3225427040"/>
               </p:ext>
             </p:extLst>
           </p:nvPr>
@@ -9589,12 +8598,12 @@
                     <a:p>
                       <a:pPr algn="l" fontAlgn="b"/>
                       <a:r>
-                        <a:rPr lang="en-IN" sz="2000" u="none" strike="noStrike">
+                        <a:rPr lang="en-IN" sz="2000" u="none" strike="noStrike" dirty="0">
                           <a:effectLst/>
                         </a:rPr>
                         <a:t>Invoke: URL Path</a:t>
                       </a:r>
-                      <a:endParaRPr lang="en-IN" sz="2000" b="0" i="0" u="none" strike="noStrike">
+                      <a:endParaRPr lang="en-IN" sz="2000" b="0" i="0" u="none" strike="noStrike" dirty="0">
                         <a:solidFill>
                           <a:srgbClr val="000000"/>
                         </a:solidFill>
@@ -9734,7 +8743,7 @@
                         <a:rPr lang="en-IN" sz="2000" u="none" strike="noStrike" dirty="0">
                           <a:effectLst/>
                         </a:rPr>
-                        <a:t>diff. call from </a:t>
+                        <a:t>Difficult to call from </a:t>
                       </a:r>
                       <a:r>
                         <a:rPr lang="en-IN" sz="2000" u="none" strike="noStrike" dirty="0" err="1">
@@ -9799,7 +8808,7 @@
                         <a:rPr lang="en-IN" sz="2000" u="none" strike="noStrike" dirty="0">
                           <a:effectLst/>
                         </a:rPr>
-                        <a:t>Not better performance</a:t>
+                        <a:t>Relatively bad in performance</a:t>
                       </a:r>
                       <a:endParaRPr lang="en-IN" sz="2000" b="0" i="0" u="none" strike="noStrike" dirty="0">
                         <a:solidFill>
@@ -10013,6 +9022,495 @@
 </p:sld>
 </file>
 
+<file path=ppt/slides/slide5.xml><?xml version="1.0" encoding="utf-8"?>
+<p:sld xmlns:a="http://schemas.openxmlformats.org/drawingml/2006/main" xmlns:r="http://schemas.openxmlformats.org/officeDocument/2006/relationships" xmlns:p="http://schemas.openxmlformats.org/presentationml/2006/main">
+  <p:cSld>
+    <p:bg>
+      <p:bgPr>
+        <a:solidFill>
+          <a:schemeClr val="tx2">
+            <a:lumMod val="60000"/>
+            <a:lumOff val="40000"/>
+          </a:schemeClr>
+        </a:solidFill>
+        <a:effectLst/>
+      </p:bgPr>
+    </p:bg>
+    <p:spTree>
+      <p:nvGrpSpPr>
+        <p:cNvPr id="1" name=""/>
+        <p:cNvGrpSpPr/>
+        <p:nvPr/>
+      </p:nvGrpSpPr>
+      <p:grpSpPr>
+        <a:xfrm>
+          <a:off x="0" y="0"/>
+          <a:ext cx="0" cy="0"/>
+          <a:chOff x="0" y="0"/>
+          <a:chExt cx="0" cy="0"/>
+        </a:xfrm>
+      </p:grpSpPr>
+      <p:sp>
+        <p:nvSpPr>
+          <p:cNvPr id="2" name="Title 1">
+            <a:extLst>
+              <a:ext uri="{FF2B5EF4-FFF2-40B4-BE49-F238E27FC236}">
+                <a16:creationId xmlns:a16="http://schemas.microsoft.com/office/drawing/2014/main" id="{51F2C05B-3556-493B-855C-1F19ADDBAF69}"/>
+              </a:ext>
+            </a:extLst>
+          </p:cNvPr>
+          <p:cNvSpPr>
+            <a:spLocks noGrp="1"/>
+          </p:cNvSpPr>
+          <p:nvPr>
+            <p:ph type="title"/>
+          </p:nvPr>
+        </p:nvSpPr>
+        <p:spPr>
+          <a:xfrm>
+            <a:off x="838200" y="365125"/>
+            <a:ext cx="11099104" cy="1325563"/>
+          </a:xfrm>
+        </p:spPr>
+        <p:txBody>
+          <a:bodyPr/>
+          <a:lstStyle/>
+          <a:p>
+            <a:r>
+              <a:rPr lang="en-US" dirty="0">
+                <a:solidFill>
+                  <a:schemeClr val="bg1"/>
+                </a:solidFill>
+                <a:latin typeface="+mn-lt"/>
+              </a:rPr>
+              <a:t> REST</a:t>
+            </a:r>
+            <a:endParaRPr lang="en-IN" dirty="0">
+              <a:solidFill>
+                <a:schemeClr val="bg1"/>
+              </a:solidFill>
+              <a:latin typeface="+mn-lt"/>
+            </a:endParaRPr>
+          </a:p>
+        </p:txBody>
+      </p:sp>
+      <p:sp>
+        <p:nvSpPr>
+          <p:cNvPr id="4" name="TextBox 3">
+            <a:extLst>
+              <a:ext uri="{FF2B5EF4-FFF2-40B4-BE49-F238E27FC236}">
+                <a16:creationId xmlns:a16="http://schemas.microsoft.com/office/drawing/2014/main" id="{A32609F5-383A-417E-B9B0-CE955463E2E4}"/>
+              </a:ext>
+            </a:extLst>
+          </p:cNvPr>
+          <p:cNvSpPr txBox="1"/>
+          <p:nvPr/>
+        </p:nvSpPr>
+        <p:spPr>
+          <a:xfrm>
+            <a:off x="849086" y="1757915"/>
+            <a:ext cx="10515600" cy="4247317"/>
+          </a:xfrm>
+          <a:prstGeom prst="rect">
+            <a:avLst/>
+          </a:prstGeom>
+          <a:noFill/>
+        </p:spPr>
+        <p:txBody>
+          <a:bodyPr wrap="square" rtlCol="0">
+            <a:spAutoFit/>
+          </a:bodyPr>
+          <a:lstStyle/>
+          <a:p>
+            <a:r>
+              <a:rPr lang="en-US" b="1" dirty="0">
+                <a:solidFill>
+                  <a:schemeClr val="bg1"/>
+                </a:solidFill>
+              </a:rPr>
+              <a:t>Representational state transfer [protocol]</a:t>
+            </a:r>
+          </a:p>
+          <a:p>
+            <a:r>
+              <a:rPr lang="en-US" b="1" dirty="0">
+                <a:solidFill>
+                  <a:schemeClr val="bg1"/>
+                </a:solidFill>
+              </a:rPr>
+              <a:t>	Representational</a:t>
+            </a:r>
+          </a:p>
+          <a:p>
+            <a:r>
+              <a:rPr lang="en-US" b="1" dirty="0">
+                <a:solidFill>
+                  <a:schemeClr val="bg1"/>
+                </a:solidFill>
+              </a:rPr>
+              <a:t>	State</a:t>
+            </a:r>
+          </a:p>
+          <a:p>
+            <a:r>
+              <a:rPr lang="en-US" b="1" dirty="0">
+                <a:solidFill>
+                  <a:schemeClr val="bg1"/>
+                </a:solidFill>
+              </a:rPr>
+              <a:t>	Getting transferred</a:t>
+            </a:r>
+          </a:p>
+          <a:p>
+            <a:endParaRPr lang="en-US" b="1" dirty="0">
+              <a:solidFill>
+                <a:schemeClr val="bg1"/>
+              </a:solidFill>
+            </a:endParaRPr>
+          </a:p>
+          <a:p>
+            <a:r>
+              <a:rPr lang="en-US" b="1" dirty="0">
+                <a:solidFill>
+                  <a:schemeClr val="bg1"/>
+                </a:solidFill>
+              </a:rPr>
+              <a:t>Resource: </a:t>
+            </a:r>
+          </a:p>
+          <a:p>
+            <a:r>
+              <a:rPr lang="en-US" b="1" dirty="0">
+                <a:solidFill>
+                  <a:schemeClr val="bg1"/>
+                </a:solidFill>
+              </a:rPr>
+              <a:t>	Any object e.g. User or List users</a:t>
+            </a:r>
+          </a:p>
+          <a:p>
+            <a:r>
+              <a:rPr lang="en-US" b="1" dirty="0">
+                <a:solidFill>
+                  <a:schemeClr val="bg1"/>
+                </a:solidFill>
+              </a:rPr>
+              <a:t>	</a:t>
+            </a:r>
+          </a:p>
+          <a:p>
+            <a:r>
+              <a:rPr lang="en-US" b="1" dirty="0">
+                <a:solidFill>
+                  <a:schemeClr val="bg1"/>
+                </a:solidFill>
+              </a:rPr>
+              <a:t>	Web / my app </a:t>
+            </a:r>
+          </a:p>
+          <a:p>
+            <a:r>
+              <a:rPr lang="en-US" b="1" dirty="0">
+                <a:solidFill>
+                  <a:schemeClr val="bg1"/>
+                </a:solidFill>
+              </a:rPr>
+              <a:t>		information on a set of resources.</a:t>
+            </a:r>
+          </a:p>
+          <a:p>
+            <a:r>
+              <a:rPr lang="en-US" b="1" dirty="0">
+                <a:solidFill>
+                  <a:schemeClr val="bg1"/>
+                </a:solidFill>
+              </a:rPr>
+              <a:t>	Any request </a:t>
+            </a:r>
+          </a:p>
+          <a:p>
+            <a:r>
+              <a:rPr lang="en-US" b="1" dirty="0">
+                <a:solidFill>
+                  <a:schemeClr val="bg1"/>
+                </a:solidFill>
+              </a:rPr>
+              <a:t>		do some action on these resources.</a:t>
+            </a:r>
+          </a:p>
+          <a:p>
+            <a:r>
+              <a:rPr lang="en-US" b="1" dirty="0">
+                <a:solidFill>
+                  <a:schemeClr val="bg1"/>
+                </a:solidFill>
+              </a:rPr>
+              <a:t>	Each response </a:t>
+            </a:r>
+          </a:p>
+          <a:p>
+            <a:r>
+              <a:rPr lang="en-US" b="1" dirty="0">
+                <a:solidFill>
+                  <a:schemeClr val="bg1"/>
+                </a:solidFill>
+              </a:rPr>
+              <a:t>		responds with some state represented in some way of a resource.</a:t>
+            </a:r>
+          </a:p>
+          <a:p>
+            <a:endParaRPr lang="en-US" b="1" dirty="0">
+              <a:solidFill>
+                <a:schemeClr val="bg1"/>
+              </a:solidFill>
+            </a:endParaRPr>
+          </a:p>
+        </p:txBody>
+      </p:sp>
+    </p:spTree>
+    <p:extLst>
+      <p:ext uri="{BB962C8B-B14F-4D97-AF65-F5344CB8AC3E}">
+        <p14:creationId xmlns:p14="http://schemas.microsoft.com/office/powerpoint/2010/main" val="2724686444"/>
+      </p:ext>
+    </p:extLst>
+  </p:cSld>
+  <p:clrMapOvr>
+    <a:masterClrMapping/>
+  </p:clrMapOvr>
+</p:sld>
+</file>
+
+<file path=ppt/slides/slide6.xml><?xml version="1.0" encoding="utf-8"?>
+<p:sld xmlns:a="http://schemas.openxmlformats.org/drawingml/2006/main" xmlns:r="http://schemas.openxmlformats.org/officeDocument/2006/relationships" xmlns:p="http://schemas.openxmlformats.org/presentationml/2006/main">
+  <p:cSld>
+    <p:bg>
+      <p:bgPr>
+        <a:solidFill>
+          <a:schemeClr val="tx2">
+            <a:lumMod val="60000"/>
+            <a:lumOff val="40000"/>
+          </a:schemeClr>
+        </a:solidFill>
+        <a:effectLst/>
+      </p:bgPr>
+    </p:bg>
+    <p:spTree>
+      <p:nvGrpSpPr>
+        <p:cNvPr id="1" name=""/>
+        <p:cNvGrpSpPr/>
+        <p:nvPr/>
+      </p:nvGrpSpPr>
+      <p:grpSpPr>
+        <a:xfrm>
+          <a:off x="0" y="0"/>
+          <a:ext cx="0" cy="0"/>
+          <a:chOff x="0" y="0"/>
+          <a:chExt cx="0" cy="0"/>
+        </a:xfrm>
+      </p:grpSpPr>
+      <p:sp>
+        <p:nvSpPr>
+          <p:cNvPr id="2" name="Title 1">
+            <a:extLst>
+              <a:ext uri="{FF2B5EF4-FFF2-40B4-BE49-F238E27FC236}">
+                <a16:creationId xmlns:a16="http://schemas.microsoft.com/office/drawing/2014/main" id="{51F2C05B-3556-493B-855C-1F19ADDBAF69}"/>
+              </a:ext>
+            </a:extLst>
+          </p:cNvPr>
+          <p:cNvSpPr>
+            <a:spLocks noGrp="1"/>
+          </p:cNvSpPr>
+          <p:nvPr>
+            <p:ph type="title"/>
+          </p:nvPr>
+        </p:nvSpPr>
+        <p:spPr>
+          <a:xfrm>
+            <a:off x="838200" y="365125"/>
+            <a:ext cx="11099104" cy="1325563"/>
+          </a:xfrm>
+        </p:spPr>
+        <p:txBody>
+          <a:bodyPr/>
+          <a:lstStyle/>
+          <a:p>
+            <a:r>
+              <a:rPr lang="en-US" dirty="0">
+                <a:solidFill>
+                  <a:schemeClr val="bg1"/>
+                </a:solidFill>
+                <a:latin typeface="+mn-lt"/>
+              </a:rPr>
+              <a:t> Microservices</a:t>
+            </a:r>
+            <a:endParaRPr lang="en-IN" dirty="0">
+              <a:solidFill>
+                <a:schemeClr val="bg1"/>
+              </a:solidFill>
+              <a:latin typeface="+mn-lt"/>
+            </a:endParaRPr>
+          </a:p>
+        </p:txBody>
+      </p:sp>
+      <p:sp>
+        <p:nvSpPr>
+          <p:cNvPr id="4" name="TextBox 3">
+            <a:extLst>
+              <a:ext uri="{FF2B5EF4-FFF2-40B4-BE49-F238E27FC236}">
+                <a16:creationId xmlns:a16="http://schemas.microsoft.com/office/drawing/2014/main" id="{A32609F5-383A-417E-B9B0-CE955463E2E4}"/>
+              </a:ext>
+            </a:extLst>
+          </p:cNvPr>
+          <p:cNvSpPr txBox="1"/>
+          <p:nvPr/>
+        </p:nvSpPr>
+        <p:spPr>
+          <a:xfrm>
+            <a:off x="838200" y="1779687"/>
+            <a:ext cx="10515600" cy="3416320"/>
+          </a:xfrm>
+          <a:prstGeom prst="rect">
+            <a:avLst/>
+          </a:prstGeom>
+          <a:noFill/>
+        </p:spPr>
+        <p:txBody>
+          <a:bodyPr wrap="square" rtlCol="0">
+            <a:spAutoFit/>
+          </a:bodyPr>
+          <a:lstStyle/>
+          <a:p>
+            <a:r>
+              <a:rPr lang="en-US" b="1" dirty="0">
+                <a:solidFill>
+                  <a:schemeClr val="bg1"/>
+                </a:solidFill>
+              </a:rPr>
+              <a:t>It is a Service-oriented architecture pattern </a:t>
+            </a:r>
+          </a:p>
+          <a:p>
+            <a:r>
+              <a:rPr lang="en-US" b="1" dirty="0">
+                <a:solidFill>
+                  <a:schemeClr val="bg1"/>
+                </a:solidFill>
+              </a:rPr>
+              <a:t>Applications - collection of small independent service units. </a:t>
+            </a:r>
+          </a:p>
+          <a:p>
+            <a:r>
+              <a:rPr lang="en-US" b="1" dirty="0">
+                <a:solidFill>
+                  <a:schemeClr val="bg1"/>
+                </a:solidFill>
+              </a:rPr>
+              <a:t>Decompose an application into single-function modules with well-defined interfaces. </a:t>
+            </a:r>
+          </a:p>
+          <a:p>
+            <a:r>
+              <a:rPr lang="en-US" b="1" dirty="0">
+                <a:solidFill>
+                  <a:schemeClr val="bg1"/>
+                </a:solidFill>
+              </a:rPr>
+              <a:t>These modules can be independently deployed </a:t>
+            </a:r>
+          </a:p>
+          <a:p>
+            <a:r>
+              <a:rPr lang="en-US" b="1" dirty="0">
+                <a:solidFill>
+                  <a:schemeClr val="bg1"/>
+                </a:solidFill>
+              </a:rPr>
+              <a:t>	operated by small teams that own the entire lifecycle of the service.</a:t>
+            </a:r>
+          </a:p>
+          <a:p>
+            <a:r>
+              <a:rPr lang="en-US" b="1" dirty="0">
+                <a:solidFill>
+                  <a:schemeClr val="bg1"/>
+                </a:solidFill>
+              </a:rPr>
+              <a:t>e.g. </a:t>
+            </a:r>
+          </a:p>
+          <a:p>
+            <a:r>
+              <a:rPr lang="en-US" b="1" dirty="0">
+                <a:solidFill>
+                  <a:schemeClr val="bg1"/>
+                </a:solidFill>
+              </a:rPr>
+              <a:t>	Ecommerce application like Search, Review &amp; Ratings, and Payments.. </a:t>
+            </a:r>
+          </a:p>
+          <a:p>
+            <a:endParaRPr lang="en-US" b="1" dirty="0">
+              <a:solidFill>
+                <a:schemeClr val="bg1"/>
+              </a:solidFill>
+            </a:endParaRPr>
+          </a:p>
+          <a:p>
+            <a:r>
+              <a:rPr lang="en-US" b="1" dirty="0">
+                <a:solidFill>
+                  <a:schemeClr val="bg1"/>
+                </a:solidFill>
+              </a:rPr>
+              <a:t>Monolithic. </a:t>
+            </a:r>
+          </a:p>
+          <a:p>
+            <a:r>
+              <a:rPr lang="en-US" b="1" dirty="0">
+                <a:solidFill>
+                  <a:schemeClr val="bg1"/>
+                </a:solidFill>
+              </a:rPr>
+              <a:t>	Features like Search, Review &amp; Ratings, and Payments are bundled in a single artifact. </a:t>
+            </a:r>
+          </a:p>
+          <a:p>
+            <a:r>
+              <a:rPr lang="en-US" b="1" dirty="0">
+                <a:solidFill>
+                  <a:schemeClr val="bg1"/>
+                </a:solidFill>
+              </a:rPr>
+              <a:t>	How do you scale?</a:t>
+            </a:r>
+          </a:p>
+          <a:p>
+            <a:r>
+              <a:rPr lang="en-US" b="1" dirty="0">
+                <a:solidFill>
+                  <a:schemeClr val="bg1"/>
+                </a:solidFill>
+              </a:rPr>
+              <a:t>	Stateful Services</a:t>
+            </a:r>
+          </a:p>
+        </p:txBody>
+      </p:sp>
+    </p:spTree>
+    <p:extLst>
+      <p:ext uri="{BB962C8B-B14F-4D97-AF65-F5344CB8AC3E}">
+        <p14:creationId xmlns:p14="http://schemas.microsoft.com/office/powerpoint/2010/main" val="2163542113"/>
+      </p:ext>
+    </p:extLst>
+  </p:cSld>
+  <p:clrMapOvr>
+    <a:masterClrMapping/>
+  </p:clrMapOvr>
+</p:sld>
+</file>
+
 <file path=ppt/slides/slide7.xml><?xml version="1.0" encoding="utf-8"?>
 <p:sld xmlns:a="http://schemas.openxmlformats.org/drawingml/2006/main" xmlns:r="http://schemas.openxmlformats.org/officeDocument/2006/relationships" xmlns:p="http://schemas.openxmlformats.org/presentationml/2006/main">
   <p:cSld>
@@ -10074,7 +9572,7 @@
                 </a:solidFill>
                 <a:latin typeface="+mn-lt"/>
               </a:rPr>
-              <a:t> REST</a:t>
+              <a:t> Microservices</a:t>
             </a:r>
             <a:endParaRPr lang="en-IN" dirty="0">
               <a:solidFill>
@@ -10099,8 +9597,8 @@
         </p:nvSpPr>
         <p:spPr>
           <a:xfrm>
-            <a:off x="849086" y="1757915"/>
-            <a:ext cx="10515600" cy="4247317"/>
+            <a:off x="838200" y="1779687"/>
+            <a:ext cx="10515600" cy="1477328"/>
           </a:xfrm>
           <a:prstGeom prst="rect">
             <a:avLst/>
@@ -10119,37 +9617,7 @@
                   <a:schemeClr val="bg1"/>
                 </a:solidFill>
               </a:rPr>
-              <a:t>Representational state transfer [protocol]</a:t>
-            </a:r>
-          </a:p>
-          <a:p>
-            <a:r>
-              <a:rPr lang="en-US" b="1" dirty="0">
-                <a:solidFill>
-                  <a:schemeClr val="bg1"/>
-                </a:solidFill>
-              </a:rPr>
-              <a:t>	Representational</a:t>
-            </a:r>
-          </a:p>
-          <a:p>
-            <a:r>
-              <a:rPr lang="en-US" b="1" dirty="0">
-                <a:solidFill>
-                  <a:schemeClr val="bg1"/>
-                </a:solidFill>
-              </a:rPr>
-              <a:t>	State</a:t>
-            </a:r>
-          </a:p>
-          <a:p>
-            <a:r>
-              <a:rPr lang="en-US" b="1" dirty="0">
-                <a:solidFill>
-                  <a:schemeClr val="bg1"/>
-                </a:solidFill>
-              </a:rPr>
-              <a:t>	Getting transferred</a:t>
+              <a:t>Human body: Monolithic</a:t>
             </a:r>
           </a:p>
           <a:p>
@@ -10166,87 +9634,7 @@
                   <a:schemeClr val="bg1"/>
                 </a:solidFill>
               </a:rPr>
-              <a:t>Resource: </a:t>
-            </a:r>
-          </a:p>
-          <a:p>
-            <a:r>
-              <a:rPr lang="en-US" b="1" dirty="0">
-                <a:solidFill>
-                  <a:schemeClr val="bg1"/>
-                </a:solidFill>
-              </a:rPr>
-              <a:t>	Any object e.g. User or List users</a:t>
-            </a:r>
-          </a:p>
-          <a:p>
-            <a:r>
-              <a:rPr lang="en-US" b="1" dirty="0">
-                <a:solidFill>
-                  <a:schemeClr val="bg1"/>
-                </a:solidFill>
-              </a:rPr>
-              <a:t>	</a:t>
-            </a:r>
-          </a:p>
-          <a:p>
-            <a:r>
-              <a:rPr lang="en-US" b="1" dirty="0">
-                <a:solidFill>
-                  <a:schemeClr val="bg1"/>
-                </a:solidFill>
-              </a:rPr>
-              <a:t>	Web / my app </a:t>
-            </a:r>
-          </a:p>
-          <a:p>
-            <a:r>
-              <a:rPr lang="en-US" b="1" dirty="0">
-                <a:solidFill>
-                  <a:schemeClr val="bg1"/>
-                </a:solidFill>
-              </a:rPr>
-              <a:t>		information on a set of resources.</a:t>
-            </a:r>
-          </a:p>
-          <a:p>
-            <a:r>
-              <a:rPr lang="en-US" b="1" dirty="0">
-                <a:solidFill>
-                  <a:schemeClr val="bg1"/>
-                </a:solidFill>
-              </a:rPr>
-              <a:t>	Any request </a:t>
-            </a:r>
-          </a:p>
-          <a:p>
-            <a:r>
-              <a:rPr lang="en-US" b="1" dirty="0">
-                <a:solidFill>
-                  <a:schemeClr val="bg1"/>
-                </a:solidFill>
-              </a:rPr>
-              <a:t>		do some action on these resources.</a:t>
-            </a:r>
-          </a:p>
-          <a:p>
-            <a:r>
-              <a:rPr lang="en-US" b="1" dirty="0">
-                <a:solidFill>
-                  <a:schemeClr val="bg1"/>
-                </a:solidFill>
-              </a:rPr>
-              <a:t>	Each response </a:t>
-            </a:r>
-          </a:p>
-          <a:p>
-            <a:r>
-              <a:rPr lang="en-US" b="1" dirty="0">
-                <a:solidFill>
-                  <a:schemeClr val="bg1"/>
-                </a:solidFill>
-              </a:rPr>
-              <a:t>		responds with some state represented in some way of a resource.</a:t>
+              <a:t>Manufacturing plats: Monolith/Microservices</a:t>
             </a:r>
           </a:p>
           <a:p>
@@ -10256,12 +9644,22 @@
               </a:solidFill>
             </a:endParaRPr>
           </a:p>
+          <a:p>
+            <a:r>
+              <a:rPr lang="en-US" b="1" dirty="0">
+                <a:solidFill>
+                  <a:schemeClr val="bg1"/>
+                </a:solidFill>
+              </a:rPr>
+              <a:t>In real world, Most of the things are implemented in Microservices architecture.</a:t>
+            </a:r>
+          </a:p>
         </p:txBody>
       </p:sp>
     </p:spTree>
     <p:extLst>
       <p:ext uri="{BB962C8B-B14F-4D97-AF65-F5344CB8AC3E}">
-        <p14:creationId xmlns:p14="http://schemas.microsoft.com/office/powerpoint/2010/main" val="2724686444"/>
+        <p14:creationId xmlns:p14="http://schemas.microsoft.com/office/powerpoint/2010/main" val="1882546237"/>
       </p:ext>
     </p:extLst>
   </p:cSld>
@@ -10332,7 +9730,7 @@
                 </a:solidFill>
                 <a:latin typeface="+mn-lt"/>
               </a:rPr>
-              <a:t> Microservices</a:t>
+              <a:t> Microservices – Formal Definition</a:t>
             </a:r>
             <a:endParaRPr lang="en-IN" dirty="0">
               <a:solidFill>
@@ -10358,7 +9756,7 @@
         <p:spPr>
           <a:xfrm>
             <a:off x="838200" y="1779687"/>
-            <a:ext cx="10515600" cy="3693319"/>
+            <a:ext cx="10515600" cy="4524315"/>
           </a:xfrm>
           <a:prstGeom prst="rect">
             <a:avLst/>
@@ -10377,135 +9775,162 @@
                   <a:schemeClr val="bg1"/>
                 </a:solidFill>
               </a:rPr>
-              <a:t>It is a Service-oriented architecture pattern </a:t>
-            </a:r>
-          </a:p>
-          <a:p>
-            <a:r>
-              <a:rPr lang="en-US" b="1" dirty="0">
-                <a:solidFill>
-                  <a:schemeClr val="bg1"/>
-                </a:solidFill>
-              </a:rPr>
-              <a:t>Applications - collection of small independent service units. </a:t>
-            </a:r>
-          </a:p>
-          <a:p>
-            <a:r>
-              <a:rPr lang="en-US" b="1" dirty="0">
-                <a:solidFill>
-                  <a:schemeClr val="bg1"/>
-                </a:solidFill>
-              </a:rPr>
-              <a:t>Decompose an application into single-function modules with well-defined interfaces. </a:t>
-            </a:r>
-          </a:p>
-          <a:p>
-            <a:r>
-              <a:rPr lang="en-US" b="1" dirty="0">
-                <a:solidFill>
-                  <a:schemeClr val="bg1"/>
-                </a:solidFill>
-              </a:rPr>
-              <a:t>These modules can be independently deployed </a:t>
-            </a:r>
-          </a:p>
-          <a:p>
-            <a:r>
-              <a:rPr lang="en-US" b="1" dirty="0">
-                <a:solidFill>
-                  <a:schemeClr val="bg1"/>
-                </a:solidFill>
-              </a:rPr>
-              <a:t>	operated by small teams that own the entire lifecycle of the service.</a:t>
-            </a:r>
-          </a:p>
-          <a:p>
-            <a:r>
-              <a:rPr lang="en-US" dirty="0">
-                <a:solidFill>
-                  <a:schemeClr val="bg1"/>
-                </a:solidFill>
-              </a:rPr>
-              <a:t>	</a:t>
-            </a:r>
-          </a:p>
-          <a:p>
-            <a:r>
-              <a:rPr lang="en-US" b="1" dirty="0">
-                <a:solidFill>
-                  <a:schemeClr val="bg1"/>
-                </a:solidFill>
-              </a:rPr>
-              <a:t>Ecommerce</a:t>
-            </a:r>
-          </a:p>
-          <a:p>
-            <a:r>
-              <a:rPr lang="en-US" b="1" dirty="0">
-                <a:solidFill>
-                  <a:schemeClr val="bg1"/>
-                </a:solidFill>
-              </a:rPr>
-              <a:t>		</a:t>
-            </a:r>
-          </a:p>
-          <a:p>
-            <a:r>
-              <a:rPr lang="en-US" b="1" dirty="0">
-                <a:solidFill>
-                  <a:schemeClr val="bg1"/>
-                </a:solidFill>
-              </a:rPr>
-              <a:t>e.g. Ecommerce application like Search, Review &amp; Ratings, and Payments.. </a:t>
-            </a:r>
-          </a:p>
-          <a:p>
-            <a:r>
-              <a:rPr lang="en-US" b="1" dirty="0">
-                <a:solidFill>
-                  <a:schemeClr val="bg1"/>
-                </a:solidFill>
-              </a:rPr>
-              <a:t>Developer of the eCommerce site deploys the application, </a:t>
-            </a:r>
-          </a:p>
-          <a:p>
-            <a:r>
-              <a:rPr lang="en-US" b="1" dirty="0">
-                <a:solidFill>
-                  <a:schemeClr val="bg1"/>
-                </a:solidFill>
-              </a:rPr>
-              <a:t>It is a single Monolithic unit. </a:t>
-            </a:r>
-          </a:p>
-          <a:p>
-            <a:r>
-              <a:rPr lang="en-US" b="1" dirty="0">
-                <a:solidFill>
-                  <a:schemeClr val="bg1"/>
-                </a:solidFill>
-              </a:rPr>
-              <a:t>The code for different features like Search, Review &amp; Ratings, and Payments are on the same server. </a:t>
-            </a:r>
-          </a:p>
-          <a:p>
-            <a:r>
-              <a:rPr lang="en-US" b="1" dirty="0">
-                <a:solidFill>
-                  <a:schemeClr val="bg1"/>
-                </a:solidFill>
-              </a:rPr>
-              <a:t>To scale need to run multiple instances(servers) of these applications.</a:t>
-            </a:r>
+              <a:t>“Microservice architectural style is </a:t>
+            </a:r>
+          </a:p>
+          <a:p>
+            <a:r>
+              <a:rPr lang="en-US" b="1" dirty="0">
+                <a:solidFill>
+                  <a:schemeClr val="bg1"/>
+                </a:solidFill>
+              </a:rPr>
+              <a:t>	an approach to developing a single application </a:t>
+            </a:r>
+          </a:p>
+          <a:p>
+            <a:r>
+              <a:rPr lang="en-US" b="1" dirty="0">
+                <a:solidFill>
+                  <a:schemeClr val="bg1"/>
+                </a:solidFill>
+              </a:rPr>
+              <a:t>	as a suite of small services, </a:t>
+            </a:r>
+          </a:p>
+          <a:p>
+            <a:r>
+              <a:rPr lang="en-US" b="1" dirty="0">
+                <a:solidFill>
+                  <a:schemeClr val="bg1"/>
+                </a:solidFill>
+              </a:rPr>
+              <a:t>	each running in its own process and </a:t>
+            </a:r>
+          </a:p>
+          <a:p>
+            <a:r>
+              <a:rPr lang="en-US" b="1" dirty="0">
+                <a:solidFill>
+                  <a:schemeClr val="bg1"/>
+                </a:solidFill>
+              </a:rPr>
+              <a:t>	communicating with lightweight mechanisms, </a:t>
+            </a:r>
+          </a:p>
+          <a:p>
+            <a:r>
+              <a:rPr lang="en-US" b="1" dirty="0">
+                <a:solidFill>
+                  <a:schemeClr val="bg1"/>
+                </a:solidFill>
+              </a:rPr>
+              <a:t>	often an HTTP resource API. </a:t>
+            </a:r>
+          </a:p>
+          <a:p>
+            <a:r>
+              <a:rPr lang="en-US" b="1" dirty="0">
+                <a:solidFill>
+                  <a:schemeClr val="bg1"/>
+                </a:solidFill>
+              </a:rPr>
+              <a:t>These services are </a:t>
+            </a:r>
+          </a:p>
+          <a:p>
+            <a:r>
+              <a:rPr lang="en-US" b="1" dirty="0">
+                <a:solidFill>
+                  <a:schemeClr val="bg1"/>
+                </a:solidFill>
+              </a:rPr>
+              <a:t>	built around business capabilities and </a:t>
+            </a:r>
+          </a:p>
+          <a:p>
+            <a:r>
+              <a:rPr lang="en-US" b="1" dirty="0">
+                <a:solidFill>
+                  <a:schemeClr val="bg1"/>
+                </a:solidFill>
+              </a:rPr>
+              <a:t>	independently deployable by fully automated deployment machinery. </a:t>
+            </a:r>
+          </a:p>
+          <a:p>
+            <a:r>
+              <a:rPr lang="en-US" b="1" dirty="0">
+                <a:solidFill>
+                  <a:schemeClr val="bg1"/>
+                </a:solidFill>
+              </a:rPr>
+              <a:t>There is a </a:t>
+            </a:r>
+          </a:p>
+          <a:p>
+            <a:r>
+              <a:rPr lang="en-US" b="1" dirty="0">
+                <a:solidFill>
+                  <a:schemeClr val="bg1"/>
+                </a:solidFill>
+              </a:rPr>
+              <a:t>	bare minimum of centralized management of these services, </a:t>
+            </a:r>
+          </a:p>
+          <a:p>
+            <a:r>
+              <a:rPr lang="en-US" b="1" dirty="0">
+                <a:solidFill>
+                  <a:schemeClr val="bg1"/>
+                </a:solidFill>
+              </a:rPr>
+              <a:t>	which may be written in different programming languages and </a:t>
+            </a:r>
+          </a:p>
+          <a:p>
+            <a:r>
+              <a:rPr lang="en-US" b="1" dirty="0">
+                <a:solidFill>
+                  <a:schemeClr val="bg1"/>
+                </a:solidFill>
+              </a:rPr>
+              <a:t>	use different data storage technologies.”</a:t>
+            </a:r>
+          </a:p>
+          <a:p>
+            <a:r>
+              <a:rPr lang="en-US" b="1" dirty="0">
+                <a:solidFill>
+                  <a:schemeClr val="bg1"/>
+                </a:solidFill>
+              </a:rPr>
+              <a:t>					</a:t>
+            </a:r>
+          </a:p>
+          <a:p>
+            <a:r>
+              <a:rPr lang="en-US" b="1" dirty="0">
+                <a:solidFill>
+                  <a:schemeClr val="bg1"/>
+                </a:solidFill>
+              </a:rPr>
+              <a:t>						-  James Lewis and Martin Fowler</a:t>
+            </a:r>
+          </a:p>
+          <a:p>
+            <a:endParaRPr lang="en-US" dirty="0">
+              <a:solidFill>
+                <a:schemeClr val="bg1"/>
+              </a:solidFill>
+            </a:endParaRPr>
           </a:p>
         </p:txBody>
       </p:sp>
     </p:spTree>
     <p:extLst>
       <p:ext uri="{BB962C8B-B14F-4D97-AF65-F5344CB8AC3E}">
-        <p14:creationId xmlns:p14="http://schemas.microsoft.com/office/powerpoint/2010/main" val="453585362"/>
+        <p14:creationId xmlns:p14="http://schemas.microsoft.com/office/powerpoint/2010/main" val="658190653"/>
       </p:ext>
     </p:extLst>
   </p:cSld>
@@ -10576,14 +10001,8 @@
                 </a:solidFill>
                 <a:latin typeface="+mn-lt"/>
               </a:rPr>
-              <a:t> Microservices</a:t>
-            </a:r>
-            <a:endParaRPr lang="en-IN" dirty="0">
-              <a:solidFill>
-                <a:schemeClr val="bg1"/>
-              </a:solidFill>
-              <a:latin typeface="+mn-lt"/>
-            </a:endParaRPr>
+              <a:t>Characteristics of Microservices</a:t>
+            </a:r>
           </a:p>
         </p:txBody>
       </p:sp>
@@ -10602,7 +10021,7 @@
         <p:spPr>
           <a:xfrm>
             <a:off x="838200" y="1779687"/>
-            <a:ext cx="10515600" cy="1754326"/>
+            <a:ext cx="10515600" cy="3970318"/>
           </a:xfrm>
           <a:prstGeom prst="rect">
             <a:avLst/>
@@ -10621,44 +10040,138 @@
                   <a:schemeClr val="bg1"/>
                 </a:solidFill>
               </a:rPr>
-              <a:t>Human body: Monolithic</a:t>
-            </a:r>
-          </a:p>
-          <a:p>
-            <a:endParaRPr lang="en-US" b="1" dirty="0">
-              <a:solidFill>
-                <a:schemeClr val="bg1"/>
-              </a:solidFill>
-            </a:endParaRPr>
-          </a:p>
-          <a:p>
-            <a:r>
-              <a:rPr lang="en-US" b="1" dirty="0">
-                <a:solidFill>
-                  <a:schemeClr val="bg1"/>
-                </a:solidFill>
-              </a:rPr>
-              <a:t>Manufacturing plats: Microservices</a:t>
-            </a:r>
-          </a:p>
-          <a:p>
-            <a:endParaRPr lang="en-US" b="1" dirty="0">
-              <a:solidFill>
-                <a:schemeClr val="bg1"/>
-              </a:solidFill>
-            </a:endParaRPr>
-          </a:p>
-          <a:p>
-            <a:r>
-              <a:rPr lang="en-US" b="1" dirty="0">
-                <a:solidFill>
-                  <a:schemeClr val="bg1"/>
-                </a:solidFill>
-              </a:rPr>
-              <a:t>In real world, Most of the things are implemented in Microservices architecture.</a:t>
-            </a:r>
-          </a:p>
-          <a:p>
+              <a:t>Each service </a:t>
+            </a:r>
+          </a:p>
+          <a:p>
+            <a:r>
+              <a:rPr lang="en-US" b="1" dirty="0">
+                <a:solidFill>
+                  <a:schemeClr val="bg1"/>
+                </a:solidFill>
+              </a:rPr>
+              <a:t>	is a light-weight, </a:t>
+            </a:r>
+          </a:p>
+          <a:p>
+            <a:r>
+              <a:rPr lang="en-US" b="1" dirty="0">
+                <a:solidFill>
+                  <a:schemeClr val="bg1"/>
+                </a:solidFill>
+              </a:rPr>
+              <a:t>	independent, and </a:t>
+            </a:r>
+          </a:p>
+          <a:p>
+            <a:r>
+              <a:rPr lang="en-US" b="1" dirty="0">
+                <a:solidFill>
+                  <a:schemeClr val="bg1"/>
+                </a:solidFill>
+              </a:rPr>
+              <a:t>	loosely-coupled business unit.</a:t>
+            </a:r>
+          </a:p>
+          <a:p>
+            <a:r>
+              <a:rPr lang="en-US" b="1" dirty="0">
+                <a:solidFill>
+                  <a:schemeClr val="bg1"/>
+                </a:solidFill>
+              </a:rPr>
+              <a:t>Each service has </a:t>
+            </a:r>
+          </a:p>
+          <a:p>
+            <a:r>
+              <a:rPr lang="en-US" b="1" dirty="0">
+                <a:solidFill>
+                  <a:schemeClr val="bg1"/>
+                </a:solidFill>
+              </a:rPr>
+              <a:t>	its own codebase, </a:t>
+            </a:r>
+          </a:p>
+          <a:p>
+            <a:r>
+              <a:rPr lang="en-US" b="1" dirty="0">
+                <a:solidFill>
+                  <a:schemeClr val="bg1"/>
+                </a:solidFill>
+              </a:rPr>
+              <a:t>	managed and developed by a small team (mostly in an agile environment).</a:t>
+            </a:r>
+          </a:p>
+          <a:p>
+            <a:r>
+              <a:rPr lang="en-US" b="1" dirty="0">
+                <a:solidFill>
+                  <a:schemeClr val="bg1"/>
+                </a:solidFill>
+              </a:rPr>
+              <a:t>Each service is </a:t>
+            </a:r>
+          </a:p>
+          <a:p>
+            <a:r>
+              <a:rPr lang="en-US" b="1" dirty="0">
+                <a:solidFill>
+                  <a:schemeClr val="bg1"/>
+                </a:solidFill>
+              </a:rPr>
+              <a:t>	responsible for a single part of the functionality (business capability), </a:t>
+            </a:r>
+          </a:p>
+          <a:p>
+            <a:r>
+              <a:rPr lang="en-US" b="1" dirty="0">
+                <a:solidFill>
+                  <a:schemeClr val="bg1"/>
+                </a:solidFill>
+              </a:rPr>
+              <a:t>	and does it well.</a:t>
+            </a:r>
+          </a:p>
+          <a:p>
+            <a:r>
+              <a:rPr lang="en-US" b="1" dirty="0">
+                <a:solidFill>
+                  <a:schemeClr val="bg1"/>
+                </a:solidFill>
+              </a:rPr>
+              <a:t>Each service can </a:t>
+            </a:r>
+          </a:p>
+          <a:p>
+            <a:r>
+              <a:rPr lang="en-US" b="1" dirty="0">
+                <a:solidFill>
+                  <a:schemeClr val="bg1"/>
+                </a:solidFill>
+              </a:rPr>
+              <a:t>	pick the best technology stack for its use cases.</a:t>
+            </a:r>
+          </a:p>
+          <a:p>
+            <a:r>
+              <a:rPr lang="en-US" b="1" dirty="0">
+                <a:solidFill>
+                  <a:schemeClr val="bg1"/>
+                </a:solidFill>
+              </a:rPr>
+              <a:t>Each service has </a:t>
+            </a:r>
+          </a:p>
+          <a:p>
+            <a:r>
+              <a:rPr lang="en-US" b="1" dirty="0">
+                <a:solidFill>
+                  <a:schemeClr val="bg1"/>
+                </a:solidFill>
+              </a:rPr>
+              <a:t>	its own DevOps plan (test, release, deploy, scale, integrate, and maintain independently).</a:t>
+            </a:r>
             <a:endParaRPr lang="en-US" dirty="0">
               <a:solidFill>
                 <a:schemeClr val="bg1"/>
@@ -10670,7 +10183,7 @@
     </p:spTree>
     <p:extLst>
       <p:ext uri="{BB962C8B-B14F-4D97-AF65-F5344CB8AC3E}">
-        <p14:creationId xmlns:p14="http://schemas.microsoft.com/office/powerpoint/2010/main" val="1882546237"/>
+        <p14:creationId xmlns:p14="http://schemas.microsoft.com/office/powerpoint/2010/main" val="1893217612"/>
       </p:ext>
     </p:extLst>
   </p:cSld>
